--- a/ppt/java_ppt/14장. 컬렉션프레임워크.pptx
+++ b/ppt/java_ppt/14장. 컬렉션프레임워크.pptx
@@ -5,7 +5,7 @@
     <p:sldMasterId id="2147483648" r:id="rId1"/>
   </p:sldMasterIdLst>
   <p:notesMasterIdLst>
-    <p:notesMasterId r:id="rId73"/>
+    <p:notesMasterId r:id="rId74"/>
   </p:notesMasterIdLst>
   <p:sldIdLst>
     <p:sldId id="256" r:id="rId2"/>
@@ -31,54 +31,55 @@
     <p:sldId id="463" r:id="rId22"/>
     <p:sldId id="453" r:id="rId23"/>
     <p:sldId id="464" r:id="rId24"/>
-    <p:sldId id="465" r:id="rId25"/>
-    <p:sldId id="435" r:id="rId26"/>
-    <p:sldId id="436" r:id="rId27"/>
-    <p:sldId id="466" r:id="rId28"/>
-    <p:sldId id="467" r:id="rId29"/>
-    <p:sldId id="468" r:id="rId30"/>
-    <p:sldId id="469" r:id="rId31"/>
-    <p:sldId id="470" r:id="rId32"/>
-    <p:sldId id="471" r:id="rId33"/>
-    <p:sldId id="472" r:id="rId34"/>
-    <p:sldId id="473" r:id="rId35"/>
-    <p:sldId id="474" r:id="rId36"/>
-    <p:sldId id="475" r:id="rId37"/>
-    <p:sldId id="483" r:id="rId38"/>
-    <p:sldId id="484" r:id="rId39"/>
-    <p:sldId id="476" r:id="rId40"/>
-    <p:sldId id="477" r:id="rId41"/>
-    <p:sldId id="478" r:id="rId42"/>
-    <p:sldId id="479" r:id="rId43"/>
-    <p:sldId id="480" r:id="rId44"/>
-    <p:sldId id="481" r:id="rId45"/>
-    <p:sldId id="482" r:id="rId46"/>
-    <p:sldId id="485" r:id="rId47"/>
-    <p:sldId id="486" r:id="rId48"/>
-    <p:sldId id="511" r:id="rId49"/>
-    <p:sldId id="487" r:id="rId50"/>
-    <p:sldId id="488" r:id="rId51"/>
-    <p:sldId id="489" r:id="rId52"/>
-    <p:sldId id="490" r:id="rId53"/>
-    <p:sldId id="491" r:id="rId54"/>
-    <p:sldId id="492" r:id="rId55"/>
-    <p:sldId id="493" r:id="rId56"/>
-    <p:sldId id="494" r:id="rId57"/>
-    <p:sldId id="495" r:id="rId58"/>
-    <p:sldId id="496" r:id="rId59"/>
-    <p:sldId id="497" r:id="rId60"/>
-    <p:sldId id="498" r:id="rId61"/>
-    <p:sldId id="499" r:id="rId62"/>
-    <p:sldId id="500" r:id="rId63"/>
-    <p:sldId id="501" r:id="rId64"/>
-    <p:sldId id="502" r:id="rId65"/>
-    <p:sldId id="503" r:id="rId66"/>
-    <p:sldId id="504" r:id="rId67"/>
-    <p:sldId id="505" r:id="rId68"/>
-    <p:sldId id="506" r:id="rId69"/>
-    <p:sldId id="507" r:id="rId70"/>
-    <p:sldId id="508" r:id="rId71"/>
-    <p:sldId id="509" r:id="rId72"/>
+    <p:sldId id="512" r:id="rId25"/>
+    <p:sldId id="465" r:id="rId26"/>
+    <p:sldId id="435" r:id="rId27"/>
+    <p:sldId id="436" r:id="rId28"/>
+    <p:sldId id="466" r:id="rId29"/>
+    <p:sldId id="467" r:id="rId30"/>
+    <p:sldId id="468" r:id="rId31"/>
+    <p:sldId id="469" r:id="rId32"/>
+    <p:sldId id="470" r:id="rId33"/>
+    <p:sldId id="471" r:id="rId34"/>
+    <p:sldId id="472" r:id="rId35"/>
+    <p:sldId id="473" r:id="rId36"/>
+    <p:sldId id="474" r:id="rId37"/>
+    <p:sldId id="475" r:id="rId38"/>
+    <p:sldId id="483" r:id="rId39"/>
+    <p:sldId id="484" r:id="rId40"/>
+    <p:sldId id="476" r:id="rId41"/>
+    <p:sldId id="477" r:id="rId42"/>
+    <p:sldId id="478" r:id="rId43"/>
+    <p:sldId id="479" r:id="rId44"/>
+    <p:sldId id="480" r:id="rId45"/>
+    <p:sldId id="481" r:id="rId46"/>
+    <p:sldId id="482" r:id="rId47"/>
+    <p:sldId id="485" r:id="rId48"/>
+    <p:sldId id="486" r:id="rId49"/>
+    <p:sldId id="511" r:id="rId50"/>
+    <p:sldId id="487" r:id="rId51"/>
+    <p:sldId id="488" r:id="rId52"/>
+    <p:sldId id="489" r:id="rId53"/>
+    <p:sldId id="490" r:id="rId54"/>
+    <p:sldId id="491" r:id="rId55"/>
+    <p:sldId id="492" r:id="rId56"/>
+    <p:sldId id="493" r:id="rId57"/>
+    <p:sldId id="494" r:id="rId58"/>
+    <p:sldId id="495" r:id="rId59"/>
+    <p:sldId id="496" r:id="rId60"/>
+    <p:sldId id="497" r:id="rId61"/>
+    <p:sldId id="498" r:id="rId62"/>
+    <p:sldId id="499" r:id="rId63"/>
+    <p:sldId id="500" r:id="rId64"/>
+    <p:sldId id="501" r:id="rId65"/>
+    <p:sldId id="502" r:id="rId66"/>
+    <p:sldId id="503" r:id="rId67"/>
+    <p:sldId id="504" r:id="rId68"/>
+    <p:sldId id="505" r:id="rId69"/>
+    <p:sldId id="506" r:id="rId70"/>
+    <p:sldId id="507" r:id="rId71"/>
+    <p:sldId id="508" r:id="rId72"/>
+    <p:sldId id="509" r:id="rId73"/>
   </p:sldIdLst>
   <p:sldSz cx="9906000" cy="6858000" type="A4"/>
   <p:notesSz cx="6858000" cy="9144000"/>
@@ -179,7 +180,7 @@
   </p:defaultTextStyle>
   <p:extLst>
     <p:ext uri="{EFAFB233-063F-42B5-8137-9DF3F51BA10A}">
-      <p15:sldGuideLst xmlns:p15="http://schemas.microsoft.com/office/powerpoint/2012/main" xmlns="">
+      <p15:sldGuideLst xmlns:p15="http://schemas.microsoft.com/office/powerpoint/2012/main">
         <p15:guide id="1" orient="horz" pos="2160">
           <p15:clr>
             <a:srgbClr val="A4A3A4"/>
@@ -278,7 +279,7 @@
           <a:p>
             <a:fld id="{7665CDAC-D627-4E87-877A-1B781DD4CADC}" type="datetimeFigureOut">
               <a:rPr lang="ko-KR" altLang="en-US" smtClean="0"/>
-              <a:t>2022-07-13</a:t>
+              <a:t>2023-07-12</a:t>
             </a:fld>
             <a:endParaRPr lang="ko-KR" altLang="en-US"/>
           </a:p>
@@ -695,7 +696,7 @@
           <a:p>
             <a:fld id="{0FADDD8A-FD4C-4C63-90D4-202AFE8080B2}" type="slidenum">
               <a:rPr lang="ko-KR" altLang="en-US" smtClean="0"/>
-              <a:t>53</a:t>
+              <a:t>54</a:t>
             </a:fld>
             <a:endParaRPr lang="ko-KR" altLang="en-US"/>
           </a:p>
@@ -900,7 +901,7 @@
           <a:p>
             <a:fld id="{F4AC81B4-D91A-4578-85B3-829E63FCFE17}" type="datetime1">
               <a:rPr lang="ko-KR" altLang="en-US" smtClean="0"/>
-              <a:t>2022-07-13</a:t>
+              <a:t>2023-07-12</a:t>
             </a:fld>
             <a:endParaRPr lang="ko-KR" altLang="en-US"/>
           </a:p>
@@ -1275,7 +1276,7 @@
           <a:p>
             <a:fld id="{F5B77542-37E5-48F2-BAE7-80CC6B0EB6A3}" type="datetime1">
               <a:rPr lang="ko-KR" altLang="en-US" smtClean="0"/>
-              <a:t>2022-07-13</a:t>
+              <a:t>2023-07-12</a:t>
             </a:fld>
             <a:endParaRPr lang="ko-KR" altLang="en-US"/>
           </a:p>
@@ -1455,7 +1456,7 @@
           <a:p>
             <a:fld id="{227CF174-B5AC-4A98-B673-0BE8126D3F27}" type="datetime1">
               <a:rPr lang="ko-KR" altLang="en-US" smtClean="0"/>
-              <a:t>2022-07-13</a:t>
+              <a:t>2023-07-12</a:t>
             </a:fld>
             <a:endParaRPr lang="ko-KR" altLang="en-US"/>
           </a:p>
@@ -1629,7 +1630,7 @@
           <a:p>
             <a:fld id="{E20FDEC8-1339-42E8-9704-2977280C2FD3}" type="datetime1">
               <a:rPr lang="ko-KR" altLang="en-US" smtClean="0"/>
-              <a:t>2022-07-13</a:t>
+              <a:t>2023-07-12</a:t>
             </a:fld>
             <a:endParaRPr lang="ko-KR" altLang="en-US"/>
           </a:p>
@@ -1875,7 +1876,7 @@
           <a:p>
             <a:fld id="{4D18DC76-A282-4817-B790-197F054E1215}" type="datetime1">
               <a:rPr lang="ko-KR" altLang="en-US" smtClean="0"/>
-              <a:t>2022-07-13</a:t>
+              <a:t>2023-07-12</a:t>
             </a:fld>
             <a:endParaRPr lang="ko-KR" altLang="en-US"/>
           </a:p>
@@ -2163,7 +2164,7 @@
           <a:p>
             <a:fld id="{6680AA6C-13D8-43E4-90F0-E6C88A2B9F16}" type="datetime1">
               <a:rPr lang="ko-KR" altLang="en-US" smtClean="0"/>
-              <a:t>2022-07-13</a:t>
+              <a:t>2023-07-12</a:t>
             </a:fld>
             <a:endParaRPr lang="ko-KR" altLang="en-US"/>
           </a:p>
@@ -2585,7 +2586,7 @@
           <a:p>
             <a:fld id="{3EF5B03B-20CC-436E-8601-C933C6C1F4A6}" type="datetime1">
               <a:rPr lang="ko-KR" altLang="en-US" smtClean="0"/>
-              <a:t>2022-07-13</a:t>
+              <a:t>2023-07-12</a:t>
             </a:fld>
             <a:endParaRPr lang="ko-KR" altLang="en-US"/>
           </a:p>
@@ -2703,7 +2704,7 @@
           <a:p>
             <a:fld id="{87B5A15D-8B08-482F-AB47-E416EC355EB6}" type="datetime1">
               <a:rPr lang="ko-KR" altLang="en-US" smtClean="0"/>
-              <a:t>2022-07-13</a:t>
+              <a:t>2023-07-12</a:t>
             </a:fld>
             <a:endParaRPr lang="ko-KR" altLang="en-US"/>
           </a:p>
@@ -2798,7 +2799,7 @@
           <a:p>
             <a:fld id="{A877D7F8-7B64-44F8-A411-CBD22F28CBFF}" type="datetime1">
               <a:rPr lang="ko-KR" altLang="en-US" smtClean="0"/>
-              <a:t>2022-07-13</a:t>
+              <a:t>2023-07-12</a:t>
             </a:fld>
             <a:endParaRPr lang="ko-KR" altLang="en-US"/>
           </a:p>
@@ -3075,7 +3076,7 @@
           <a:p>
             <a:fld id="{E12DBD9B-2BB6-4D1F-BCB4-1E48829C93C3}" type="datetime1">
               <a:rPr lang="ko-KR" altLang="en-US" smtClean="0"/>
-              <a:t>2022-07-13</a:t>
+              <a:t>2023-07-12</a:t>
             </a:fld>
             <a:endParaRPr lang="ko-KR" altLang="en-US"/>
           </a:p>
@@ -3328,7 +3329,7 @@
           <a:p>
             <a:fld id="{17564C48-0CD7-40EB-BE64-BBF4DB8C56AF}" type="datetime1">
               <a:rPr lang="ko-KR" altLang="en-US" smtClean="0"/>
-              <a:t>2022-07-13</a:t>
+              <a:t>2023-07-12</a:t>
             </a:fld>
             <a:endParaRPr lang="ko-KR" altLang="en-US"/>
           </a:p>
@@ -3508,7 +3509,7 @@
           <a:p>
             <a:fld id="{C116BCB4-B68B-4638-8167-F4BDC0A30DA1}" type="datetime1">
               <a:rPr lang="ko-KR" altLang="en-US" smtClean="0"/>
-              <a:t>2022-07-13</a:t>
+              <a:t>2023-07-12</a:t>
             </a:fld>
             <a:endParaRPr lang="ko-KR" altLang="en-US"/>
           </a:p>
@@ -4390,7 +4391,7 @@
           <p:cNvPr id="10" name="내용 개체 틀 2">
             <a:extLst>
               <a:ext uri="{FF2B5EF4-FFF2-40B4-BE49-F238E27FC236}">
-                <a16:creationId xmlns="" xmlns:a16="http://schemas.microsoft.com/office/drawing/2014/main" id="{98AF3A4E-7D90-4241-89FE-799D6F9D5A94}"/>
+                <a16:creationId xmlns:a16="http://schemas.microsoft.com/office/drawing/2014/main" id="{98AF3A4E-7D90-4241-89FE-799D6F9D5A94}"/>
               </a:ext>
             </a:extLst>
           </p:cNvPr>
@@ -4768,7 +4769,7 @@
           <p:cNvPr id="10" name="내용 개체 틀 2">
             <a:extLst>
               <a:ext uri="{FF2B5EF4-FFF2-40B4-BE49-F238E27FC236}">
-                <a16:creationId xmlns="" xmlns:a16="http://schemas.microsoft.com/office/drawing/2014/main" id="{98AF3A4E-7D90-4241-89FE-799D6F9D5A94}"/>
+                <a16:creationId xmlns:a16="http://schemas.microsoft.com/office/drawing/2014/main" id="{98AF3A4E-7D90-4241-89FE-799D6F9D5A94}"/>
               </a:ext>
             </a:extLst>
           </p:cNvPr>
@@ -5314,7 +5315,7 @@
           <p:cNvPr id="7" name="내용 개체 틀 2">
             <a:extLst>
               <a:ext uri="{FF2B5EF4-FFF2-40B4-BE49-F238E27FC236}">
-                <a16:creationId xmlns="" xmlns:a16="http://schemas.microsoft.com/office/drawing/2014/main" id="{98AF3A4E-7D90-4241-89FE-799D6F9D5A94}"/>
+                <a16:creationId xmlns:a16="http://schemas.microsoft.com/office/drawing/2014/main" id="{98AF3A4E-7D90-4241-89FE-799D6F9D5A94}"/>
               </a:ext>
             </a:extLst>
           </p:cNvPr>
@@ -5669,7 +5670,7 @@
           <p:cNvPr id="8" name="내용 개체 틀 2">
             <a:extLst>
               <a:ext uri="{FF2B5EF4-FFF2-40B4-BE49-F238E27FC236}">
-                <a16:creationId xmlns:a16="http://schemas.microsoft.com/office/drawing/2014/main" xmlns="" id="{98AF3A4E-7D90-4241-89FE-799D6F9D5A94}"/>
+                <a16:creationId xmlns:a16="http://schemas.microsoft.com/office/drawing/2014/main" id="{98AF3A4E-7D90-4241-89FE-799D6F9D5A94}"/>
               </a:ext>
             </a:extLst>
           </p:cNvPr>
@@ -6092,7 +6093,7 @@
           <p:cNvPr id="7" name="내용 개체 틀 2">
             <a:extLst>
               <a:ext uri="{FF2B5EF4-FFF2-40B4-BE49-F238E27FC236}">
-                <a16:creationId xmlns="" xmlns:a16="http://schemas.microsoft.com/office/drawing/2014/main" id="{98AF3A4E-7D90-4241-89FE-799D6F9D5A94}"/>
+                <a16:creationId xmlns:a16="http://schemas.microsoft.com/office/drawing/2014/main" id="{98AF3A4E-7D90-4241-89FE-799D6F9D5A94}"/>
               </a:ext>
             </a:extLst>
           </p:cNvPr>
@@ -6567,7 +6568,7 @@
           <p:cNvPr id="8" name="사각형: 둥근 모서리 4">
             <a:extLst>
               <a:ext uri="{FF2B5EF4-FFF2-40B4-BE49-F238E27FC236}">
-                <a16:creationId xmlns="" xmlns:a16="http://schemas.microsoft.com/office/drawing/2014/main" id="{84C4B354-85EF-4DA3-8B17-84C4B242A4CB}"/>
+                <a16:creationId xmlns:a16="http://schemas.microsoft.com/office/drawing/2014/main" id="{84C4B354-85EF-4DA3-8B17-84C4B242A4CB}"/>
               </a:ext>
             </a:extLst>
           </p:cNvPr>
@@ -6626,7 +6627,7 @@
           <p:cNvPr id="9" name="사각형: 둥근 모서리 6">
             <a:extLst>
               <a:ext uri="{FF2B5EF4-FFF2-40B4-BE49-F238E27FC236}">
-                <a16:creationId xmlns="" xmlns:a16="http://schemas.microsoft.com/office/drawing/2014/main" id="{E4D5CFA4-6B59-4848-8995-34DCF0A43056}"/>
+                <a16:creationId xmlns:a16="http://schemas.microsoft.com/office/drawing/2014/main" id="{E4D5CFA4-6B59-4848-8995-34DCF0A43056}"/>
               </a:ext>
             </a:extLst>
           </p:cNvPr>
@@ -6733,7 +6734,7 @@
           <p:cNvPr id="10" name="사각형: 둥근 모서리 8">
             <a:extLst>
               <a:ext uri="{FF2B5EF4-FFF2-40B4-BE49-F238E27FC236}">
-                <a16:creationId xmlns="" xmlns:a16="http://schemas.microsoft.com/office/drawing/2014/main" id="{FAE1A408-89FD-4725-8078-AC1333BCC9F6}"/>
+                <a16:creationId xmlns:a16="http://schemas.microsoft.com/office/drawing/2014/main" id="{FAE1A408-89FD-4725-8078-AC1333BCC9F6}"/>
               </a:ext>
             </a:extLst>
           </p:cNvPr>
@@ -6840,7 +6841,7 @@
           <p:cNvPr id="11" name="그룹 10">
             <a:extLst>
               <a:ext uri="{FF2B5EF4-FFF2-40B4-BE49-F238E27FC236}">
-                <a16:creationId xmlns="" xmlns:a16="http://schemas.microsoft.com/office/drawing/2014/main" id="{89E51979-72A5-496C-943E-4CDEE98DA116}"/>
+                <a16:creationId xmlns:a16="http://schemas.microsoft.com/office/drawing/2014/main" id="{89E51979-72A5-496C-943E-4CDEE98DA116}"/>
               </a:ext>
             </a:extLst>
           </p:cNvPr>
@@ -6860,7 +6861,7 @@
             <p:cNvPr id="12" name="이등변 삼각형 11">
               <a:extLst>
                 <a:ext uri="{FF2B5EF4-FFF2-40B4-BE49-F238E27FC236}">
-                  <a16:creationId xmlns="" xmlns:a16="http://schemas.microsoft.com/office/drawing/2014/main" id="{6A12914B-9073-4C0E-8ACE-6FED961BB88B}"/>
+                  <a16:creationId xmlns:a16="http://schemas.microsoft.com/office/drawing/2014/main" id="{6A12914B-9073-4C0E-8ACE-6FED961BB88B}"/>
                 </a:ext>
               </a:extLst>
             </p:cNvPr>
@@ -6913,7 +6914,7 @@
             <p:cNvPr id="13" name="직선 연결선 12">
               <a:extLst>
                 <a:ext uri="{FF2B5EF4-FFF2-40B4-BE49-F238E27FC236}">
-                  <a16:creationId xmlns="" xmlns:a16="http://schemas.microsoft.com/office/drawing/2014/main" id="{B29AB9C5-0427-46B7-BF90-A52C3B90231B}"/>
+                  <a16:creationId xmlns:a16="http://schemas.microsoft.com/office/drawing/2014/main" id="{B29AB9C5-0427-46B7-BF90-A52C3B90231B}"/>
                 </a:ext>
               </a:extLst>
             </p:cNvPr>
@@ -6958,7 +6959,7 @@
           <p:cNvPr id="14" name="자유형: 도형 13">
             <a:extLst>
               <a:ext uri="{FF2B5EF4-FFF2-40B4-BE49-F238E27FC236}">
-                <a16:creationId xmlns="" xmlns:a16="http://schemas.microsoft.com/office/drawing/2014/main" id="{E7A5CE62-58A6-4A74-82EF-6AED4C3ACE07}"/>
+                <a16:creationId xmlns:a16="http://schemas.microsoft.com/office/drawing/2014/main" id="{E7A5CE62-58A6-4A74-82EF-6AED4C3ACE07}"/>
               </a:ext>
             </a:extLst>
           </p:cNvPr>
@@ -7053,7 +7054,7 @@
           <p:cNvPr id="15" name="사각형: 둥근 모서리 15">
             <a:extLst>
               <a:ext uri="{FF2B5EF4-FFF2-40B4-BE49-F238E27FC236}">
-                <a16:creationId xmlns="" xmlns:a16="http://schemas.microsoft.com/office/drawing/2014/main" id="{0859C65F-4BBF-4F38-BF2B-299C461E7345}"/>
+                <a16:creationId xmlns:a16="http://schemas.microsoft.com/office/drawing/2014/main" id="{0859C65F-4BBF-4F38-BF2B-299C461E7345}"/>
               </a:ext>
             </a:extLst>
           </p:cNvPr>
@@ -7115,7 +7116,7 @@
           <p:cNvPr id="16" name="사각형: 둥근 모서리 17">
             <a:extLst>
               <a:ext uri="{FF2B5EF4-FFF2-40B4-BE49-F238E27FC236}">
-                <a16:creationId xmlns="" xmlns:a16="http://schemas.microsoft.com/office/drawing/2014/main" id="{DEDD4075-0208-4C64-AEEA-E80C66544DCD}"/>
+                <a16:creationId xmlns:a16="http://schemas.microsoft.com/office/drawing/2014/main" id="{DEDD4075-0208-4C64-AEEA-E80C66544DCD}"/>
               </a:ext>
             </a:extLst>
           </p:cNvPr>
@@ -7220,7 +7221,7 @@
           <p:cNvPr id="17" name="사각형: 둥근 모서리 18">
             <a:extLst>
               <a:ext uri="{FF2B5EF4-FFF2-40B4-BE49-F238E27FC236}">
-                <a16:creationId xmlns="" xmlns:a16="http://schemas.microsoft.com/office/drawing/2014/main" id="{84BAF207-3C37-4EF9-9140-0E39205D3E2C}"/>
+                <a16:creationId xmlns:a16="http://schemas.microsoft.com/office/drawing/2014/main" id="{84BAF207-3C37-4EF9-9140-0E39205D3E2C}"/>
               </a:ext>
             </a:extLst>
           </p:cNvPr>
@@ -7325,7 +7326,7 @@
           <p:cNvPr id="18" name="사각형: 둥근 모서리 26">
             <a:extLst>
               <a:ext uri="{FF2B5EF4-FFF2-40B4-BE49-F238E27FC236}">
-                <a16:creationId xmlns="" xmlns:a16="http://schemas.microsoft.com/office/drawing/2014/main" id="{97A92353-43D7-40E7-B089-EC8039693D69}"/>
+                <a16:creationId xmlns:a16="http://schemas.microsoft.com/office/drawing/2014/main" id="{97A92353-43D7-40E7-B089-EC8039693D69}"/>
               </a:ext>
             </a:extLst>
           </p:cNvPr>
@@ -7387,7 +7388,7 @@
           <p:cNvPr id="19" name="사각형: 둥근 모서리 27">
             <a:extLst>
               <a:ext uri="{FF2B5EF4-FFF2-40B4-BE49-F238E27FC236}">
-                <a16:creationId xmlns="" xmlns:a16="http://schemas.microsoft.com/office/drawing/2014/main" id="{D37510F9-5125-44CD-B068-A285F3284FCD}"/>
+                <a16:creationId xmlns:a16="http://schemas.microsoft.com/office/drawing/2014/main" id="{D37510F9-5125-44CD-B068-A285F3284FCD}"/>
               </a:ext>
             </a:extLst>
           </p:cNvPr>
@@ -7497,7 +7498,7 @@
           <p:cNvPr id="20" name="이등변 삼각형 19">
             <a:extLst>
               <a:ext uri="{FF2B5EF4-FFF2-40B4-BE49-F238E27FC236}">
-                <a16:creationId xmlns="" xmlns:a16="http://schemas.microsoft.com/office/drawing/2014/main" id="{69833E59-2BFA-4068-B788-B2619A500805}"/>
+                <a16:creationId xmlns:a16="http://schemas.microsoft.com/office/drawing/2014/main" id="{69833E59-2BFA-4068-B788-B2619A500805}"/>
               </a:ext>
             </a:extLst>
           </p:cNvPr>
@@ -7544,7 +7545,7 @@
           <p:cNvPr id="21" name="직선 연결선 20">
             <a:extLst>
               <a:ext uri="{FF2B5EF4-FFF2-40B4-BE49-F238E27FC236}">
-                <a16:creationId xmlns="" xmlns:a16="http://schemas.microsoft.com/office/drawing/2014/main" id="{AA8B79DF-361C-485E-8080-AD624D81CEF6}"/>
+                <a16:creationId xmlns:a16="http://schemas.microsoft.com/office/drawing/2014/main" id="{AA8B79DF-361C-485E-8080-AD624D81CEF6}"/>
               </a:ext>
             </a:extLst>
           </p:cNvPr>
@@ -7586,7 +7587,7 @@
           <p:cNvPr id="22" name="직선 연결선 21">
             <a:extLst>
               <a:ext uri="{FF2B5EF4-FFF2-40B4-BE49-F238E27FC236}">
-                <a16:creationId xmlns="" xmlns:a16="http://schemas.microsoft.com/office/drawing/2014/main" id="{DA97CE8F-CB9B-4765-88F5-59430662E984}"/>
+                <a16:creationId xmlns:a16="http://schemas.microsoft.com/office/drawing/2014/main" id="{DA97CE8F-CB9B-4765-88F5-59430662E984}"/>
               </a:ext>
             </a:extLst>
           </p:cNvPr>
@@ -7627,7 +7628,7 @@
           <p:cNvPr id="23" name="직선 연결선 22">
             <a:extLst>
               <a:ext uri="{FF2B5EF4-FFF2-40B4-BE49-F238E27FC236}">
-                <a16:creationId xmlns="" xmlns:a16="http://schemas.microsoft.com/office/drawing/2014/main" id="{F0167490-B5D2-4CBE-893D-704B6E881639}"/>
+                <a16:creationId xmlns:a16="http://schemas.microsoft.com/office/drawing/2014/main" id="{F0167490-B5D2-4CBE-893D-704B6E881639}"/>
               </a:ext>
             </a:extLst>
           </p:cNvPr>
@@ -7666,7 +7667,7 @@
           <p:cNvPr id="24" name="직선 연결선 23">
             <a:extLst>
               <a:ext uri="{FF2B5EF4-FFF2-40B4-BE49-F238E27FC236}">
-                <a16:creationId xmlns="" xmlns:a16="http://schemas.microsoft.com/office/drawing/2014/main" id="{421663BC-0022-4F8E-8132-D1F8AD20B2D1}"/>
+                <a16:creationId xmlns:a16="http://schemas.microsoft.com/office/drawing/2014/main" id="{421663BC-0022-4F8E-8132-D1F8AD20B2D1}"/>
               </a:ext>
             </a:extLst>
           </p:cNvPr>
@@ -7705,7 +7706,7 @@
           <p:cNvPr id="25" name="이등변 삼각형 24">
             <a:extLst>
               <a:ext uri="{FF2B5EF4-FFF2-40B4-BE49-F238E27FC236}">
-                <a16:creationId xmlns="" xmlns:a16="http://schemas.microsoft.com/office/drawing/2014/main" id="{EEC538A2-1A61-42C7-B3F1-0B19B57B8B56}"/>
+                <a16:creationId xmlns:a16="http://schemas.microsoft.com/office/drawing/2014/main" id="{EEC538A2-1A61-42C7-B3F1-0B19B57B8B56}"/>
               </a:ext>
             </a:extLst>
           </p:cNvPr>
@@ -7752,7 +7753,7 @@
           <p:cNvPr id="26" name="직선 연결선 25">
             <a:extLst>
               <a:ext uri="{FF2B5EF4-FFF2-40B4-BE49-F238E27FC236}">
-                <a16:creationId xmlns="" xmlns:a16="http://schemas.microsoft.com/office/drawing/2014/main" id="{C957D0F5-FADF-448F-B628-40F844200BC8}"/>
+                <a16:creationId xmlns:a16="http://schemas.microsoft.com/office/drawing/2014/main" id="{C957D0F5-FADF-448F-B628-40F844200BC8}"/>
               </a:ext>
             </a:extLst>
           </p:cNvPr>
@@ -7794,7 +7795,7 @@
           <p:cNvPr id="27" name="직선 연결선 26">
             <a:extLst>
               <a:ext uri="{FF2B5EF4-FFF2-40B4-BE49-F238E27FC236}">
-                <a16:creationId xmlns="" xmlns:a16="http://schemas.microsoft.com/office/drawing/2014/main" id="{E047D485-FE5B-4EE4-B13A-86AD3B70A3A9}"/>
+                <a16:creationId xmlns:a16="http://schemas.microsoft.com/office/drawing/2014/main" id="{E047D485-FE5B-4EE4-B13A-86AD3B70A3A9}"/>
               </a:ext>
             </a:extLst>
           </p:cNvPr>
@@ -7833,7 +7834,7 @@
           <p:cNvPr id="28" name="직선 연결선 27">
             <a:extLst>
               <a:ext uri="{FF2B5EF4-FFF2-40B4-BE49-F238E27FC236}">
-                <a16:creationId xmlns="" xmlns:a16="http://schemas.microsoft.com/office/drawing/2014/main" id="{40E6807D-AF31-4D56-B579-5CBB6A93E100}"/>
+                <a16:creationId xmlns:a16="http://schemas.microsoft.com/office/drawing/2014/main" id="{40E6807D-AF31-4D56-B579-5CBB6A93E100}"/>
               </a:ext>
             </a:extLst>
           </p:cNvPr>
@@ -7872,7 +7873,7 @@
           <p:cNvPr id="30" name="사각형: 둥근 모서리 4">
             <a:extLst>
               <a:ext uri="{FF2B5EF4-FFF2-40B4-BE49-F238E27FC236}">
-                <a16:creationId xmlns="" xmlns:a16="http://schemas.microsoft.com/office/drawing/2014/main" id="{84C4B354-85EF-4DA3-8B17-84C4B242A4CB}"/>
+                <a16:creationId xmlns:a16="http://schemas.microsoft.com/office/drawing/2014/main" id="{84C4B354-85EF-4DA3-8B17-84C4B242A4CB}"/>
               </a:ext>
             </a:extLst>
           </p:cNvPr>
@@ -7935,7 +7936,7 @@
           <p:cNvPr id="31" name="사각형: 둥근 모서리 6">
             <a:extLst>
               <a:ext uri="{FF2B5EF4-FFF2-40B4-BE49-F238E27FC236}">
-                <a16:creationId xmlns="" xmlns:a16="http://schemas.microsoft.com/office/drawing/2014/main" id="{E4D5CFA4-6B59-4848-8995-34DCF0A43056}"/>
+                <a16:creationId xmlns:a16="http://schemas.microsoft.com/office/drawing/2014/main" id="{E4D5CFA4-6B59-4848-8995-34DCF0A43056}"/>
               </a:ext>
             </a:extLst>
           </p:cNvPr>
@@ -8046,7 +8047,7 @@
           <p:cNvPr id="32" name="사각형: 둥근 모서리 8">
             <a:extLst>
               <a:ext uri="{FF2B5EF4-FFF2-40B4-BE49-F238E27FC236}">
-                <a16:creationId xmlns="" xmlns:a16="http://schemas.microsoft.com/office/drawing/2014/main" id="{FAE1A408-89FD-4725-8078-AC1333BCC9F6}"/>
+                <a16:creationId xmlns:a16="http://schemas.microsoft.com/office/drawing/2014/main" id="{FAE1A408-89FD-4725-8078-AC1333BCC9F6}"/>
               </a:ext>
             </a:extLst>
           </p:cNvPr>
@@ -8157,7 +8158,7 @@
           <p:cNvPr id="33" name="그룹 32">
             <a:extLst>
               <a:ext uri="{FF2B5EF4-FFF2-40B4-BE49-F238E27FC236}">
-                <a16:creationId xmlns="" xmlns:a16="http://schemas.microsoft.com/office/drawing/2014/main" id="{89E51979-72A5-496C-943E-4CDEE98DA116}"/>
+                <a16:creationId xmlns:a16="http://schemas.microsoft.com/office/drawing/2014/main" id="{89E51979-72A5-496C-943E-4CDEE98DA116}"/>
               </a:ext>
             </a:extLst>
           </p:cNvPr>
@@ -8177,7 +8178,7 @@
             <p:cNvPr id="34" name="이등변 삼각형 33">
               <a:extLst>
                 <a:ext uri="{FF2B5EF4-FFF2-40B4-BE49-F238E27FC236}">
-                  <a16:creationId xmlns="" xmlns:a16="http://schemas.microsoft.com/office/drawing/2014/main" id="{6A12914B-9073-4C0E-8ACE-6FED961BB88B}"/>
+                  <a16:creationId xmlns:a16="http://schemas.microsoft.com/office/drawing/2014/main" id="{6A12914B-9073-4C0E-8ACE-6FED961BB88B}"/>
                 </a:ext>
               </a:extLst>
             </p:cNvPr>
@@ -8230,7 +8231,7 @@
             <p:cNvPr id="35" name="직선 연결선 34">
               <a:extLst>
                 <a:ext uri="{FF2B5EF4-FFF2-40B4-BE49-F238E27FC236}">
-                  <a16:creationId xmlns="" xmlns:a16="http://schemas.microsoft.com/office/drawing/2014/main" id="{B29AB9C5-0427-46B7-BF90-A52C3B90231B}"/>
+                  <a16:creationId xmlns:a16="http://schemas.microsoft.com/office/drawing/2014/main" id="{B29AB9C5-0427-46B7-BF90-A52C3B90231B}"/>
                 </a:ext>
               </a:extLst>
             </p:cNvPr>
@@ -8275,7 +8276,7 @@
           <p:cNvPr id="36" name="자유형: 도형 13">
             <a:extLst>
               <a:ext uri="{FF2B5EF4-FFF2-40B4-BE49-F238E27FC236}">
-                <a16:creationId xmlns="" xmlns:a16="http://schemas.microsoft.com/office/drawing/2014/main" id="{E7A5CE62-58A6-4A74-82EF-6AED4C3ACE07}"/>
+                <a16:creationId xmlns:a16="http://schemas.microsoft.com/office/drawing/2014/main" id="{E7A5CE62-58A6-4A74-82EF-6AED4C3ACE07}"/>
               </a:ext>
             </a:extLst>
           </p:cNvPr>
@@ -8370,7 +8371,7 @@
           <p:cNvPr id="39" name="사각형: 둥근 모서리 6">
             <a:extLst>
               <a:ext uri="{FF2B5EF4-FFF2-40B4-BE49-F238E27FC236}">
-                <a16:creationId xmlns="" xmlns:a16="http://schemas.microsoft.com/office/drawing/2014/main" id="{E4D5CFA4-6B59-4848-8995-34DCF0A43056}"/>
+                <a16:creationId xmlns:a16="http://schemas.microsoft.com/office/drawing/2014/main" id="{E4D5CFA4-6B59-4848-8995-34DCF0A43056}"/>
               </a:ext>
             </a:extLst>
           </p:cNvPr>
@@ -8573,7 +8574,7 @@
           <p:cNvPr id="29" name="표 28">
             <a:extLst>
               <a:ext uri="{FF2B5EF4-FFF2-40B4-BE49-F238E27FC236}">
-                <a16:creationId xmlns="" xmlns:a16="http://schemas.microsoft.com/office/drawing/2014/main" id="{87908839-6D83-432F-8CE5-B33149AF3252}"/>
+                <a16:creationId xmlns:a16="http://schemas.microsoft.com/office/drawing/2014/main" id="{87908839-6D83-432F-8CE5-B33149AF3252}"/>
               </a:ext>
             </a:extLst>
           </p:cNvPr>
@@ -8602,14 +8603,14 @@
                 <a:gridCol w="2294965">
                   <a:extLst>
                     <a:ext uri="{9D8B030D-6E8A-4147-A177-3AD203B41FA5}">
-                      <a16:colId xmlns="" xmlns:a16="http://schemas.microsoft.com/office/drawing/2014/main" val="2887738532"/>
+                      <a16:colId xmlns:a16="http://schemas.microsoft.com/office/drawing/2014/main" val="2887738532"/>
                     </a:ext>
                   </a:extLst>
                 </a:gridCol>
                 <a:gridCol w="5193867">
                   <a:extLst>
                     <a:ext uri="{9D8B030D-6E8A-4147-A177-3AD203B41FA5}">
-                      <a16:colId xmlns="" xmlns:a16="http://schemas.microsoft.com/office/drawing/2014/main" val="2999485284"/>
+                      <a16:colId xmlns:a16="http://schemas.microsoft.com/office/drawing/2014/main" val="2999485284"/>
                     </a:ext>
                   </a:extLst>
                 </a:gridCol>
@@ -8670,7 +8671,7 @@
                 </a:tc>
                 <a:extLst>
                   <a:ext uri="{0D108BD9-81ED-4DB2-BD59-A6C34878D82A}">
-                    <a16:rowId xmlns="" xmlns:a16="http://schemas.microsoft.com/office/drawing/2014/main" val="4215197872"/>
+                    <a16:rowId xmlns:a16="http://schemas.microsoft.com/office/drawing/2014/main" val="4215197872"/>
                   </a:ext>
                 </a:extLst>
               </a:tr>
@@ -8800,7 +8801,7 @@
                 </a:tc>
                 <a:extLst>
                   <a:ext uri="{0D108BD9-81ED-4DB2-BD59-A6C34878D82A}">
-                    <a16:rowId xmlns="" xmlns:a16="http://schemas.microsoft.com/office/drawing/2014/main" val="1488436910"/>
+                    <a16:rowId xmlns:a16="http://schemas.microsoft.com/office/drawing/2014/main" val="1488436910"/>
                   </a:ext>
                 </a:extLst>
               </a:tr>
@@ -8936,7 +8937,7 @@
                 </a:tc>
                 <a:extLst>
                   <a:ext uri="{0D108BD9-81ED-4DB2-BD59-A6C34878D82A}">
-                    <a16:rowId xmlns="" xmlns:a16="http://schemas.microsoft.com/office/drawing/2014/main" val="1701167864"/>
+                    <a16:rowId xmlns:a16="http://schemas.microsoft.com/office/drawing/2014/main" val="1701167864"/>
                   </a:ext>
                 </a:extLst>
               </a:tr>
@@ -8949,7 +8950,7 @@
           <p:cNvPr id="30" name="내용 개체 틀 2">
             <a:extLst>
               <a:ext uri="{FF2B5EF4-FFF2-40B4-BE49-F238E27FC236}">
-                <a16:creationId xmlns="" xmlns:a16="http://schemas.microsoft.com/office/drawing/2014/main" id="{98AF3A4E-7D90-4241-89FE-799D6F9D5A94}"/>
+                <a16:creationId xmlns:a16="http://schemas.microsoft.com/office/drawing/2014/main" id="{98AF3A4E-7D90-4241-89FE-799D6F9D5A94}"/>
               </a:ext>
             </a:extLst>
           </p:cNvPr>
@@ -9294,7 +9295,7 @@
           <p:cNvPr id="7" name="내용 개체 틀 2">
             <a:extLst>
               <a:ext uri="{FF2B5EF4-FFF2-40B4-BE49-F238E27FC236}">
-                <a16:creationId xmlns="" xmlns:a16="http://schemas.microsoft.com/office/drawing/2014/main" id="{98AF3A4E-7D90-4241-89FE-799D6F9D5A94}"/>
+                <a16:creationId xmlns:a16="http://schemas.microsoft.com/office/drawing/2014/main" id="{98AF3A4E-7D90-4241-89FE-799D6F9D5A94}"/>
               </a:ext>
             </a:extLst>
           </p:cNvPr>
@@ -9666,7 +9667,7 @@
           <p:cNvPr id="28" name="사각형: 둥근 모서리 6">
             <a:extLst>
               <a:ext uri="{FF2B5EF4-FFF2-40B4-BE49-F238E27FC236}">
-                <a16:creationId xmlns="" xmlns:a16="http://schemas.microsoft.com/office/drawing/2014/main" id="{0AAF410F-2DFD-4D61-AFE9-24F93F790CCF}"/>
+                <a16:creationId xmlns:a16="http://schemas.microsoft.com/office/drawing/2014/main" id="{0AAF410F-2DFD-4D61-AFE9-24F93F790CCF}"/>
               </a:ext>
             </a:extLst>
           </p:cNvPr>
@@ -9719,7 +9720,7 @@
           <p:cNvPr id="29" name="사각형: 둥근 모서리 7">
             <a:extLst>
               <a:ext uri="{FF2B5EF4-FFF2-40B4-BE49-F238E27FC236}">
-                <a16:creationId xmlns="" xmlns:a16="http://schemas.microsoft.com/office/drawing/2014/main" id="{EEDB739C-A8B8-4C68-A6FC-3A2373E6197A}"/>
+                <a16:creationId xmlns:a16="http://schemas.microsoft.com/office/drawing/2014/main" id="{EEDB739C-A8B8-4C68-A6FC-3A2373E6197A}"/>
               </a:ext>
             </a:extLst>
           </p:cNvPr>
@@ -9772,7 +9773,7 @@
           <p:cNvPr id="30" name="TextBox 29">
             <a:extLst>
               <a:ext uri="{FF2B5EF4-FFF2-40B4-BE49-F238E27FC236}">
-                <a16:creationId xmlns="" xmlns:a16="http://schemas.microsoft.com/office/drawing/2014/main" id="{86D1E7CB-D4AB-4778-A3EE-E785F78D19A0}"/>
+                <a16:creationId xmlns:a16="http://schemas.microsoft.com/office/drawing/2014/main" id="{86D1E7CB-D4AB-4778-A3EE-E785F78D19A0}"/>
               </a:ext>
             </a:extLst>
           </p:cNvPr>
@@ -9808,7 +9809,7 @@
           <p:cNvPr id="31" name="TextBox 30">
             <a:extLst>
               <a:ext uri="{FF2B5EF4-FFF2-40B4-BE49-F238E27FC236}">
-                <a16:creationId xmlns="" xmlns:a16="http://schemas.microsoft.com/office/drawing/2014/main" id="{BFFDC5CF-2738-4833-B769-FAEF782BDF4A}"/>
+                <a16:creationId xmlns:a16="http://schemas.microsoft.com/office/drawing/2014/main" id="{BFFDC5CF-2738-4833-B769-FAEF782BDF4A}"/>
               </a:ext>
             </a:extLst>
           </p:cNvPr>
@@ -9855,7 +9856,7 @@
           <p:cNvPr id="32" name="표 31">
             <a:extLst>
               <a:ext uri="{FF2B5EF4-FFF2-40B4-BE49-F238E27FC236}">
-                <a16:creationId xmlns="" xmlns:a16="http://schemas.microsoft.com/office/drawing/2014/main" id="{E5977BDF-19EB-4F8E-9A7E-FA59AE5CAE13}"/>
+                <a16:creationId xmlns:a16="http://schemas.microsoft.com/office/drawing/2014/main" id="{E5977BDF-19EB-4F8E-9A7E-FA59AE5CAE13}"/>
               </a:ext>
             </a:extLst>
           </p:cNvPr>
@@ -9884,70 +9885,70 @@
                 <a:gridCol w="409779">
                   <a:extLst>
                     <a:ext uri="{9D8B030D-6E8A-4147-A177-3AD203B41FA5}">
-                      <a16:colId xmlns="" xmlns:a16="http://schemas.microsoft.com/office/drawing/2014/main" val="1209056767"/>
+                      <a16:colId xmlns:a16="http://schemas.microsoft.com/office/drawing/2014/main" val="1209056767"/>
                     </a:ext>
                   </a:extLst>
                 </a:gridCol>
                 <a:gridCol w="409779">
                   <a:extLst>
                     <a:ext uri="{9D8B030D-6E8A-4147-A177-3AD203B41FA5}">
-                      <a16:colId xmlns="" xmlns:a16="http://schemas.microsoft.com/office/drawing/2014/main" val="2350345702"/>
+                      <a16:colId xmlns:a16="http://schemas.microsoft.com/office/drawing/2014/main" val="2350345702"/>
                     </a:ext>
                   </a:extLst>
                 </a:gridCol>
                 <a:gridCol w="409779">
                   <a:extLst>
                     <a:ext uri="{9D8B030D-6E8A-4147-A177-3AD203B41FA5}">
-                      <a16:colId xmlns="" xmlns:a16="http://schemas.microsoft.com/office/drawing/2014/main" val="3646864610"/>
+                      <a16:colId xmlns:a16="http://schemas.microsoft.com/office/drawing/2014/main" val="3646864610"/>
                     </a:ext>
                   </a:extLst>
                 </a:gridCol>
                 <a:gridCol w="409779">
                   <a:extLst>
                     <a:ext uri="{9D8B030D-6E8A-4147-A177-3AD203B41FA5}">
-                      <a16:colId xmlns="" xmlns:a16="http://schemas.microsoft.com/office/drawing/2014/main" val="3245029563"/>
+                      <a16:colId xmlns:a16="http://schemas.microsoft.com/office/drawing/2014/main" val="3245029563"/>
                     </a:ext>
                   </a:extLst>
                 </a:gridCol>
                 <a:gridCol w="409779">
                   <a:extLst>
                     <a:ext uri="{9D8B030D-6E8A-4147-A177-3AD203B41FA5}">
-                      <a16:colId xmlns="" xmlns:a16="http://schemas.microsoft.com/office/drawing/2014/main" val="537723526"/>
+                      <a16:colId xmlns:a16="http://schemas.microsoft.com/office/drawing/2014/main" val="537723526"/>
                     </a:ext>
                   </a:extLst>
                 </a:gridCol>
                 <a:gridCol w="409779">
                   <a:extLst>
                     <a:ext uri="{9D8B030D-6E8A-4147-A177-3AD203B41FA5}">
-                      <a16:colId xmlns="" xmlns:a16="http://schemas.microsoft.com/office/drawing/2014/main" val="4124910376"/>
+                      <a16:colId xmlns:a16="http://schemas.microsoft.com/office/drawing/2014/main" val="4124910376"/>
                     </a:ext>
                   </a:extLst>
                 </a:gridCol>
                 <a:gridCol w="409779">
                   <a:extLst>
                     <a:ext uri="{9D8B030D-6E8A-4147-A177-3AD203B41FA5}">
-                      <a16:colId xmlns="" xmlns:a16="http://schemas.microsoft.com/office/drawing/2014/main" val="1444739775"/>
+                      <a16:colId xmlns:a16="http://schemas.microsoft.com/office/drawing/2014/main" val="1444739775"/>
                     </a:ext>
                   </a:extLst>
                 </a:gridCol>
                 <a:gridCol w="409779">
                   <a:extLst>
                     <a:ext uri="{9D8B030D-6E8A-4147-A177-3AD203B41FA5}">
-                      <a16:colId xmlns="" xmlns:a16="http://schemas.microsoft.com/office/drawing/2014/main" val="684660399"/>
+                      <a16:colId xmlns:a16="http://schemas.microsoft.com/office/drawing/2014/main" val="684660399"/>
                     </a:ext>
                   </a:extLst>
                 </a:gridCol>
                 <a:gridCol w="409779">
                   <a:extLst>
                     <a:ext uri="{9D8B030D-6E8A-4147-A177-3AD203B41FA5}">
-                      <a16:colId xmlns="" xmlns:a16="http://schemas.microsoft.com/office/drawing/2014/main" val="1563574152"/>
+                      <a16:colId xmlns:a16="http://schemas.microsoft.com/office/drawing/2014/main" val="1563574152"/>
                     </a:ext>
                   </a:extLst>
                 </a:gridCol>
                 <a:gridCol w="409779">
                   <a:extLst>
                     <a:ext uri="{9D8B030D-6E8A-4147-A177-3AD203B41FA5}">
-                      <a16:colId xmlns="" xmlns:a16="http://schemas.microsoft.com/office/drawing/2014/main" val="3722083757"/>
+                      <a16:colId xmlns:a16="http://schemas.microsoft.com/office/drawing/2014/main" val="3722083757"/>
                     </a:ext>
                   </a:extLst>
                 </a:gridCol>
@@ -10165,7 +10166,7 @@
                 </a:tc>
                 <a:extLst>
                   <a:ext uri="{0D108BD9-81ED-4DB2-BD59-A6C34878D82A}">
-                    <a16:rowId xmlns="" xmlns:a16="http://schemas.microsoft.com/office/drawing/2014/main" val="4220556659"/>
+                    <a16:rowId xmlns:a16="http://schemas.microsoft.com/office/drawing/2014/main" val="4220556659"/>
                   </a:ext>
                 </a:extLst>
               </a:tr>
@@ -10322,7 +10323,7 @@
                 </a:tc>
                 <a:extLst>
                   <a:ext uri="{0D108BD9-81ED-4DB2-BD59-A6C34878D82A}">
-                    <a16:rowId xmlns="" xmlns:a16="http://schemas.microsoft.com/office/drawing/2014/main" val="1025759309"/>
+                    <a16:rowId xmlns:a16="http://schemas.microsoft.com/office/drawing/2014/main" val="1025759309"/>
                   </a:ext>
                 </a:extLst>
               </a:tr>
@@ -10335,7 +10336,7 @@
           <p:cNvPr id="37" name="TextBox 36">
             <a:extLst>
               <a:ext uri="{FF2B5EF4-FFF2-40B4-BE49-F238E27FC236}">
-                <a16:creationId xmlns="" xmlns:a16="http://schemas.microsoft.com/office/drawing/2014/main" id="{7FC33EAB-1005-46EB-AAF7-8223E026FA28}"/>
+                <a16:creationId xmlns:a16="http://schemas.microsoft.com/office/drawing/2014/main" id="{7FC33EAB-1005-46EB-AAF7-8223E026FA28}"/>
               </a:ext>
             </a:extLst>
           </p:cNvPr>
@@ -10383,7 +10384,7 @@
           <p:cNvPr id="14" name="TextBox 13">
             <a:extLst>
               <a:ext uri="{FF2B5EF4-FFF2-40B4-BE49-F238E27FC236}">
-                <a16:creationId xmlns="" xmlns:a16="http://schemas.microsoft.com/office/drawing/2014/main" id="{5DD81B33-3C10-4B58-9ACC-5628B021DE57}"/>
+                <a16:creationId xmlns:a16="http://schemas.microsoft.com/office/drawing/2014/main" id="{5DD81B33-3C10-4B58-9ACC-5628B021DE57}"/>
               </a:ext>
             </a:extLst>
           </p:cNvPr>
@@ -10607,7 +10608,7 @@
           <p:cNvPr id="28" name="표 27">
             <a:extLst>
               <a:ext uri="{FF2B5EF4-FFF2-40B4-BE49-F238E27FC236}">
-                <a16:creationId xmlns:a16="http://schemas.microsoft.com/office/drawing/2014/main" xmlns="" id="{AFA0E435-CA95-4633-8532-F0A5B0D2894D}"/>
+                <a16:creationId xmlns:a16="http://schemas.microsoft.com/office/drawing/2014/main" id="{AFA0E435-CA95-4633-8532-F0A5B0D2894D}"/>
               </a:ext>
             </a:extLst>
           </p:cNvPr>
@@ -10636,21 +10637,21 @@
                 <a:gridCol w="1152128">
                   <a:extLst>
                     <a:ext uri="{9D8B030D-6E8A-4147-A177-3AD203B41FA5}">
-                      <a16:colId xmlns:a16="http://schemas.microsoft.com/office/drawing/2014/main" xmlns="" val="2887738532"/>
+                      <a16:colId xmlns:a16="http://schemas.microsoft.com/office/drawing/2014/main" val="2887738532"/>
                     </a:ext>
                   </a:extLst>
                 </a:gridCol>
                 <a:gridCol w="2088232">
                   <a:extLst>
                     <a:ext uri="{9D8B030D-6E8A-4147-A177-3AD203B41FA5}">
-                      <a16:colId xmlns:a16="http://schemas.microsoft.com/office/drawing/2014/main" xmlns="" val="3449779131"/>
+                      <a16:colId xmlns:a16="http://schemas.microsoft.com/office/drawing/2014/main" val="3449779131"/>
                     </a:ext>
                   </a:extLst>
                 </a:gridCol>
                 <a:gridCol w="4464496">
                   <a:extLst>
                     <a:ext uri="{9D8B030D-6E8A-4147-A177-3AD203B41FA5}">
-                      <a16:colId xmlns:a16="http://schemas.microsoft.com/office/drawing/2014/main" xmlns="" val="2999485284"/>
+                      <a16:colId xmlns:a16="http://schemas.microsoft.com/office/drawing/2014/main" val="2999485284"/>
                     </a:ext>
                   </a:extLst>
                 </a:gridCol>
@@ -10722,7 +10723,7 @@
                 </a:tc>
                 <a:extLst>
                   <a:ext uri="{0D108BD9-81ED-4DB2-BD59-A6C34878D82A}">
-                    <a16:rowId xmlns:a16="http://schemas.microsoft.com/office/drawing/2014/main" xmlns="" val="4215197872"/>
+                    <a16:rowId xmlns:a16="http://schemas.microsoft.com/office/drawing/2014/main" val="4215197872"/>
                   </a:ext>
                 </a:extLst>
               </a:tr>
@@ -10772,7 +10773,7 @@
                 </a:tc>
                 <a:extLst>
                   <a:ext uri="{0D108BD9-81ED-4DB2-BD59-A6C34878D82A}">
-                    <a16:rowId xmlns:a16="http://schemas.microsoft.com/office/drawing/2014/main" xmlns="" val="1488436910"/>
+                    <a16:rowId xmlns:a16="http://schemas.microsoft.com/office/drawing/2014/main" val="1488436910"/>
                   </a:ext>
                 </a:extLst>
               </a:tr>
@@ -10827,7 +10828,7 @@
                 </a:tc>
                 <a:extLst>
                   <a:ext uri="{0D108BD9-81ED-4DB2-BD59-A6C34878D82A}">
-                    <a16:rowId xmlns:a16="http://schemas.microsoft.com/office/drawing/2014/main" xmlns="" val="1701167864"/>
+                    <a16:rowId xmlns:a16="http://schemas.microsoft.com/office/drawing/2014/main" val="1701167864"/>
                   </a:ext>
                 </a:extLst>
               </a:tr>
@@ -10893,7 +10894,7 @@
                 </a:tc>
                 <a:extLst>
                   <a:ext uri="{0D108BD9-81ED-4DB2-BD59-A6C34878D82A}">
-                    <a16:rowId xmlns:a16="http://schemas.microsoft.com/office/drawing/2014/main" xmlns="" val="3962380499"/>
+                    <a16:rowId xmlns:a16="http://schemas.microsoft.com/office/drawing/2014/main" val="3962380499"/>
                   </a:ext>
                 </a:extLst>
               </a:tr>
@@ -10956,7 +10957,7 @@
                 </a:tc>
                 <a:extLst>
                   <a:ext uri="{0D108BD9-81ED-4DB2-BD59-A6C34878D82A}">
-                    <a16:rowId xmlns:a16="http://schemas.microsoft.com/office/drawing/2014/main" xmlns="" val="2061246058"/>
+                    <a16:rowId xmlns:a16="http://schemas.microsoft.com/office/drawing/2014/main" val="2061246058"/>
                   </a:ext>
                 </a:extLst>
               </a:tr>
@@ -11019,7 +11020,7 @@
                 </a:tc>
                 <a:extLst>
                   <a:ext uri="{0D108BD9-81ED-4DB2-BD59-A6C34878D82A}">
-                    <a16:rowId xmlns:a16="http://schemas.microsoft.com/office/drawing/2014/main" xmlns="" val="1699605084"/>
+                    <a16:rowId xmlns:a16="http://schemas.microsoft.com/office/drawing/2014/main" val="1699605084"/>
                   </a:ext>
                 </a:extLst>
               </a:tr>
@@ -11092,6 +11093,11 @@
                   </a:txBody>
                   <a:tcPr anchor="ctr"/>
                 </a:tc>
+                <a:extLst>
+                  <a:ext uri="{0D108BD9-81ED-4DB2-BD59-A6C34878D82A}">
+                    <a16:rowId xmlns:a16="http://schemas.microsoft.com/office/drawing/2014/main" val="10006"/>
+                  </a:ext>
+                </a:extLst>
               </a:tr>
               <a:tr h="408045">
                 <a:tc rowSpan="2">
@@ -11171,7 +11177,7 @@
                 </a:tc>
                 <a:extLst>
                   <a:ext uri="{0D108BD9-81ED-4DB2-BD59-A6C34878D82A}">
-                    <a16:rowId xmlns:a16="http://schemas.microsoft.com/office/drawing/2014/main" xmlns="" val="3673702031"/>
+                    <a16:rowId xmlns:a16="http://schemas.microsoft.com/office/drawing/2014/main" val="3673702031"/>
                   </a:ext>
                 </a:extLst>
               </a:tr>
@@ -11250,7 +11256,7 @@
                 </a:tc>
                 <a:extLst>
                   <a:ext uri="{0D108BD9-81ED-4DB2-BD59-A6C34878D82A}">
-                    <a16:rowId xmlns:a16="http://schemas.microsoft.com/office/drawing/2014/main" xmlns="" val="1031162340"/>
+                    <a16:rowId xmlns:a16="http://schemas.microsoft.com/office/drawing/2014/main" val="1031162340"/>
                   </a:ext>
                 </a:extLst>
               </a:tr>
@@ -11263,7 +11269,7 @@
           <p:cNvPr id="13" name="내용 개체 틀 2">
             <a:extLst>
               <a:ext uri="{FF2B5EF4-FFF2-40B4-BE49-F238E27FC236}">
-                <a16:creationId xmlns="" xmlns:a16="http://schemas.microsoft.com/office/drawing/2014/main" id="{98AF3A4E-7D90-4241-89FE-799D6F9D5A94}"/>
+                <a16:creationId xmlns:a16="http://schemas.microsoft.com/office/drawing/2014/main" id="{98AF3A4E-7D90-4241-89FE-799D6F9D5A94}"/>
               </a:ext>
             </a:extLst>
           </p:cNvPr>
@@ -11755,7 +11761,7 @@
           <p:cNvPr id="10" name="내용 개체 틀 2">
             <a:extLst>
               <a:ext uri="{FF2B5EF4-FFF2-40B4-BE49-F238E27FC236}">
-                <a16:creationId xmlns="" xmlns:a16="http://schemas.microsoft.com/office/drawing/2014/main" id="{98AF3A4E-7D90-4241-89FE-799D6F9D5A94}"/>
+                <a16:creationId xmlns:a16="http://schemas.microsoft.com/office/drawing/2014/main" id="{98AF3A4E-7D90-4241-89FE-799D6F9D5A94}"/>
               </a:ext>
             </a:extLst>
           </p:cNvPr>
@@ -12481,7 +12487,7 @@
           <p:cNvPr id="7" name="내용 개체 틀 2">
             <a:extLst>
               <a:ext uri="{FF2B5EF4-FFF2-40B4-BE49-F238E27FC236}">
-                <a16:creationId xmlns="" xmlns:a16="http://schemas.microsoft.com/office/drawing/2014/main" id="{98AF3A4E-7D90-4241-89FE-799D6F9D5A94}"/>
+                <a16:creationId xmlns:a16="http://schemas.microsoft.com/office/drawing/2014/main" id="{98AF3A4E-7D90-4241-89FE-799D6F9D5A94}"/>
               </a:ext>
             </a:extLst>
           </p:cNvPr>
@@ -12858,7 +12864,7 @@
           <p:cNvPr id="9" name="사각형: 둥근 모서리 6">
             <a:extLst>
               <a:ext uri="{FF2B5EF4-FFF2-40B4-BE49-F238E27FC236}">
-                <a16:creationId xmlns="" xmlns:a16="http://schemas.microsoft.com/office/drawing/2014/main" id="{0AAF410F-2DFD-4D61-AFE9-24F93F790CCF}"/>
+                <a16:creationId xmlns:a16="http://schemas.microsoft.com/office/drawing/2014/main" id="{0AAF410F-2DFD-4D61-AFE9-24F93F790CCF}"/>
               </a:ext>
             </a:extLst>
           </p:cNvPr>
@@ -12913,7 +12919,7 @@
           <p:cNvPr id="12" name="TextBox 11">
             <a:extLst>
               <a:ext uri="{FF2B5EF4-FFF2-40B4-BE49-F238E27FC236}">
-                <a16:creationId xmlns="" xmlns:a16="http://schemas.microsoft.com/office/drawing/2014/main" id="{BFFDC5CF-2738-4833-B769-FAEF782BDF4A}"/>
+                <a16:creationId xmlns:a16="http://schemas.microsoft.com/office/drawing/2014/main" id="{BFFDC5CF-2738-4833-B769-FAEF782BDF4A}"/>
               </a:ext>
             </a:extLst>
           </p:cNvPr>
@@ -13086,7 +13092,7 @@
           <p:cNvPr id="7" name="내용 개체 틀 2">
             <a:extLst>
               <a:ext uri="{FF2B5EF4-FFF2-40B4-BE49-F238E27FC236}">
-                <a16:creationId xmlns="" xmlns:a16="http://schemas.microsoft.com/office/drawing/2014/main" id="{98AF3A4E-7D90-4241-89FE-799D6F9D5A94}"/>
+                <a16:creationId xmlns:a16="http://schemas.microsoft.com/office/drawing/2014/main" id="{98AF3A4E-7D90-4241-89FE-799D6F9D5A94}"/>
               </a:ext>
             </a:extLst>
           </p:cNvPr>
@@ -13576,49 +13582,12 @@
           </a:p>
         </p:txBody>
       </p:sp>
-      <p:pic>
-        <p:nvPicPr>
-          <p:cNvPr id="3" name="그림 2"/>
-          <p:cNvPicPr>
-            <a:picLocks noChangeAspect="1"/>
-          </p:cNvPicPr>
-          <p:nvPr/>
-        </p:nvPicPr>
-        <p:blipFill>
-          <a:blip r:embed="rId2">
-            <a:extLst>
-              <a:ext uri="{28A0092B-C50C-407E-A947-70E740481C1C}">
-                <a14:useLocalDpi xmlns:a14="http://schemas.microsoft.com/office/drawing/2010/main" val="0"/>
-              </a:ext>
-            </a:extLst>
-          </a:blip>
-          <a:stretch>
-            <a:fillRect/>
-          </a:stretch>
-        </p:blipFill>
-        <p:spPr>
-          <a:xfrm>
-            <a:off x="1424608" y="1988840"/>
-            <a:ext cx="6546148" cy="2842507"/>
-          </a:xfrm>
-          <a:prstGeom prst="rect">
-            <a:avLst/>
-          </a:prstGeom>
-          <a:ln>
-            <a:solidFill>
-              <a:schemeClr val="bg1">
-                <a:lumMod val="85000"/>
-              </a:schemeClr>
-            </a:solidFill>
-          </a:ln>
-        </p:spPr>
-      </p:pic>
       <p:sp>
         <p:nvSpPr>
           <p:cNvPr id="7" name="내용 개체 틀 2">
             <a:extLst>
               <a:ext uri="{FF2B5EF4-FFF2-40B4-BE49-F238E27FC236}">
-                <a16:creationId xmlns="" xmlns:a16="http://schemas.microsoft.com/office/drawing/2014/main" id="{98AF3A4E-7D90-4241-89FE-799D6F9D5A94}"/>
+                <a16:creationId xmlns:a16="http://schemas.microsoft.com/office/drawing/2014/main" id="{98AF3A4E-7D90-4241-89FE-799D6F9D5A94}"/>
               </a:ext>
             </a:extLst>
           </p:cNvPr>
@@ -13850,6 +13819,43 @@
           </a:p>
         </p:txBody>
       </p:sp>
+      <p:pic>
+        <p:nvPicPr>
+          <p:cNvPr id="2" name="그림 1"/>
+          <p:cNvPicPr>
+            <a:picLocks noChangeAspect="1"/>
+          </p:cNvPicPr>
+          <p:nvPr/>
+        </p:nvPicPr>
+        <p:blipFill>
+          <a:blip r:embed="rId2">
+            <a:extLst>
+              <a:ext uri="{28A0092B-C50C-407E-A947-70E740481C1C}">
+                <a14:useLocalDpi xmlns:a14="http://schemas.microsoft.com/office/drawing/2010/main" val="0"/>
+              </a:ext>
+            </a:extLst>
+          </a:blip>
+          <a:stretch>
+            <a:fillRect/>
+          </a:stretch>
+        </p:blipFill>
+        <p:spPr>
+          <a:xfrm>
+            <a:off x="1424608" y="1772816"/>
+            <a:ext cx="7005354" cy="4327041"/>
+          </a:xfrm>
+          <a:prstGeom prst="rect">
+            <a:avLst/>
+          </a:prstGeom>
+          <a:ln>
+            <a:solidFill>
+              <a:schemeClr val="bg1">
+                <a:lumMod val="85000"/>
+              </a:schemeClr>
+            </a:solidFill>
+          </a:ln>
+        </p:spPr>
+      </p:pic>
     </p:spTree>
     <p:extLst>
       <p:ext uri="{BB962C8B-B14F-4D97-AF65-F5344CB8AC3E}">
@@ -13942,9 +13948,246 @@
           </a:p>
         </p:txBody>
       </p:sp>
+      <p:sp>
+        <p:nvSpPr>
+          <p:cNvPr id="7" name="내용 개체 틀 2">
+            <a:extLst>
+              <a:ext uri="{FF2B5EF4-FFF2-40B4-BE49-F238E27FC236}">
+                <a16:creationId xmlns:a16="http://schemas.microsoft.com/office/drawing/2014/main" id="{98AF3A4E-7D90-4241-89FE-799D6F9D5A94}"/>
+              </a:ext>
+            </a:extLst>
+          </p:cNvPr>
+          <p:cNvSpPr txBox="1">
+            <a:spLocks/>
+          </p:cNvSpPr>
+          <p:nvPr/>
+        </p:nvSpPr>
+        <p:spPr>
+          <a:xfrm>
+            <a:off x="848544" y="1124744"/>
+            <a:ext cx="3788895" cy="504056"/>
+          </a:xfrm>
+          <a:prstGeom prst="rect">
+            <a:avLst/>
+          </a:prstGeom>
+        </p:spPr>
+        <p:txBody>
+          <a:bodyPr/>
+          <a:lstStyle>
+            <a:lvl1pPr marL="228600" indent="-228600" algn="l" defTabSz="914400" rtl="0" eaLnBrk="1" latinLnBrk="1" hangingPunct="1">
+              <a:lnSpc>
+                <a:spcPct val="90000"/>
+              </a:lnSpc>
+              <a:spcBef>
+                <a:spcPts val="1000"/>
+              </a:spcBef>
+              <a:buFont typeface="Arial" panose="020B0604020202020204" pitchFamily="34" charset="0"/>
+              <a:buChar char="•"/>
+              <a:defRPr sz="2800" kern="1200">
+                <a:solidFill>
+                  <a:schemeClr val="tx1"/>
+                </a:solidFill>
+                <a:latin typeface="+mn-lt"/>
+                <a:ea typeface="+mn-ea"/>
+                <a:cs typeface="+mn-cs"/>
+              </a:defRPr>
+            </a:lvl1pPr>
+            <a:lvl2pPr marL="685800" indent="-228600" algn="l" defTabSz="914400" rtl="0" eaLnBrk="1" latinLnBrk="1" hangingPunct="1">
+              <a:lnSpc>
+                <a:spcPct val="90000"/>
+              </a:lnSpc>
+              <a:spcBef>
+                <a:spcPts val="500"/>
+              </a:spcBef>
+              <a:buFont typeface="Arial" panose="020B0604020202020204" pitchFamily="34" charset="0"/>
+              <a:buChar char="•"/>
+              <a:defRPr sz="2400" kern="1200">
+                <a:solidFill>
+                  <a:schemeClr val="tx1"/>
+                </a:solidFill>
+                <a:latin typeface="+mn-lt"/>
+                <a:ea typeface="+mn-ea"/>
+                <a:cs typeface="+mn-cs"/>
+              </a:defRPr>
+            </a:lvl2pPr>
+            <a:lvl3pPr marL="1143000" indent="-228600" algn="l" defTabSz="914400" rtl="0" eaLnBrk="1" latinLnBrk="1" hangingPunct="1">
+              <a:lnSpc>
+                <a:spcPct val="90000"/>
+              </a:lnSpc>
+              <a:spcBef>
+                <a:spcPts val="500"/>
+              </a:spcBef>
+              <a:buFont typeface="Arial" panose="020B0604020202020204" pitchFamily="34" charset="0"/>
+              <a:buChar char="•"/>
+              <a:defRPr sz="2000" kern="1200">
+                <a:solidFill>
+                  <a:schemeClr val="tx1"/>
+                </a:solidFill>
+                <a:latin typeface="+mn-lt"/>
+                <a:ea typeface="+mn-ea"/>
+                <a:cs typeface="+mn-cs"/>
+              </a:defRPr>
+            </a:lvl3pPr>
+            <a:lvl4pPr marL="1600200" indent="-228600" algn="l" defTabSz="914400" rtl="0" eaLnBrk="1" latinLnBrk="1" hangingPunct="1">
+              <a:lnSpc>
+                <a:spcPct val="90000"/>
+              </a:lnSpc>
+              <a:spcBef>
+                <a:spcPts val="500"/>
+              </a:spcBef>
+              <a:buFont typeface="Arial" panose="020B0604020202020204" pitchFamily="34" charset="0"/>
+              <a:buChar char="•"/>
+              <a:defRPr sz="1800" kern="1200">
+                <a:solidFill>
+                  <a:schemeClr val="tx1"/>
+                </a:solidFill>
+                <a:latin typeface="+mn-lt"/>
+                <a:ea typeface="+mn-ea"/>
+                <a:cs typeface="+mn-cs"/>
+              </a:defRPr>
+            </a:lvl4pPr>
+            <a:lvl5pPr marL="2057400" indent="-228600" algn="l" defTabSz="914400" rtl="0" eaLnBrk="1" latinLnBrk="1" hangingPunct="1">
+              <a:lnSpc>
+                <a:spcPct val="90000"/>
+              </a:lnSpc>
+              <a:spcBef>
+                <a:spcPts val="500"/>
+              </a:spcBef>
+              <a:buFont typeface="Arial" panose="020B0604020202020204" pitchFamily="34" charset="0"/>
+              <a:buChar char="•"/>
+              <a:defRPr sz="1800" kern="1200">
+                <a:solidFill>
+                  <a:schemeClr val="tx1"/>
+                </a:solidFill>
+                <a:latin typeface="+mn-lt"/>
+                <a:ea typeface="+mn-ea"/>
+                <a:cs typeface="+mn-cs"/>
+              </a:defRPr>
+            </a:lvl5pPr>
+            <a:lvl6pPr marL="2514600" indent="-228600" algn="l" defTabSz="914400" rtl="0" eaLnBrk="1" latinLnBrk="1" hangingPunct="1">
+              <a:lnSpc>
+                <a:spcPct val="90000"/>
+              </a:lnSpc>
+              <a:spcBef>
+                <a:spcPts val="500"/>
+              </a:spcBef>
+              <a:buFont typeface="Arial" panose="020B0604020202020204" pitchFamily="34" charset="0"/>
+              <a:buChar char="•"/>
+              <a:defRPr sz="1800" kern="1200">
+                <a:solidFill>
+                  <a:schemeClr val="tx1"/>
+                </a:solidFill>
+                <a:latin typeface="+mn-lt"/>
+                <a:ea typeface="+mn-ea"/>
+                <a:cs typeface="+mn-cs"/>
+              </a:defRPr>
+            </a:lvl6pPr>
+            <a:lvl7pPr marL="2971800" indent="-228600" algn="l" defTabSz="914400" rtl="0" eaLnBrk="1" latinLnBrk="1" hangingPunct="1">
+              <a:lnSpc>
+                <a:spcPct val="90000"/>
+              </a:lnSpc>
+              <a:spcBef>
+                <a:spcPts val="500"/>
+              </a:spcBef>
+              <a:buFont typeface="Arial" panose="020B0604020202020204" pitchFamily="34" charset="0"/>
+              <a:buChar char="•"/>
+              <a:defRPr sz="1800" kern="1200">
+                <a:solidFill>
+                  <a:schemeClr val="tx1"/>
+                </a:solidFill>
+                <a:latin typeface="+mn-lt"/>
+                <a:ea typeface="+mn-ea"/>
+                <a:cs typeface="+mn-cs"/>
+              </a:defRPr>
+            </a:lvl7pPr>
+            <a:lvl8pPr marL="3429000" indent="-228600" algn="l" defTabSz="914400" rtl="0" eaLnBrk="1" latinLnBrk="1" hangingPunct="1">
+              <a:lnSpc>
+                <a:spcPct val="90000"/>
+              </a:lnSpc>
+              <a:spcBef>
+                <a:spcPts val="500"/>
+              </a:spcBef>
+              <a:buFont typeface="Arial" panose="020B0604020202020204" pitchFamily="34" charset="0"/>
+              <a:buChar char="•"/>
+              <a:defRPr sz="1800" kern="1200">
+                <a:solidFill>
+                  <a:schemeClr val="tx1"/>
+                </a:solidFill>
+                <a:latin typeface="+mn-lt"/>
+                <a:ea typeface="+mn-ea"/>
+                <a:cs typeface="+mn-cs"/>
+              </a:defRPr>
+            </a:lvl8pPr>
+            <a:lvl9pPr marL="3886200" indent="-228600" algn="l" defTabSz="914400" rtl="0" eaLnBrk="1" latinLnBrk="1" hangingPunct="1">
+              <a:lnSpc>
+                <a:spcPct val="90000"/>
+              </a:lnSpc>
+              <a:spcBef>
+                <a:spcPts val="500"/>
+              </a:spcBef>
+              <a:buFont typeface="Arial" panose="020B0604020202020204" pitchFamily="34" charset="0"/>
+              <a:buChar char="•"/>
+              <a:defRPr sz="1800" kern="1200">
+                <a:solidFill>
+                  <a:schemeClr val="tx1"/>
+                </a:solidFill>
+                <a:latin typeface="+mn-lt"/>
+                <a:ea typeface="+mn-ea"/>
+                <a:cs typeface="+mn-cs"/>
+              </a:defRPr>
+            </a:lvl9pPr>
+          </a:lstStyle>
+          <a:p>
+            <a:pPr>
+              <a:lnSpc>
+                <a:spcPct val="150000"/>
+              </a:lnSpc>
+              <a:buFont typeface="Wingdings" panose="05000000000000000000" pitchFamily="2" charset="2"/>
+              <a:buChar char="u"/>
+            </a:pPr>
+            <a:r>
+              <a:rPr lang="en-US" altLang="ko-KR" sz="2000" b="1" dirty="0" smtClean="0">
+                <a:solidFill>
+                  <a:srgbClr val="C00000"/>
+                </a:solidFill>
+              </a:rPr>
+              <a:t> </a:t>
+            </a:r>
+            <a:r>
+              <a:rPr lang="ko-KR" altLang="en-US" sz="2000" b="1" dirty="0" smtClean="0">
+                <a:solidFill>
+                  <a:srgbClr val="C00000"/>
+                </a:solidFill>
+              </a:rPr>
+              <a:t>벡터</a:t>
+            </a:r>
+            <a:r>
+              <a:rPr lang="en-US" altLang="ko-KR" sz="2000" b="1" dirty="0" smtClean="0">
+                <a:solidFill>
+                  <a:srgbClr val="C00000"/>
+                </a:solidFill>
+              </a:rPr>
+              <a:t>(Vector) </a:t>
+            </a:r>
+            <a:r>
+              <a:rPr lang="ko-KR" altLang="en-US" sz="2000" b="1" dirty="0" smtClean="0">
+                <a:solidFill>
+                  <a:srgbClr val="C00000"/>
+                </a:solidFill>
+              </a:rPr>
+              <a:t>클래스 예제</a:t>
+            </a:r>
+            <a:endParaRPr lang="en-US" altLang="ko-KR" sz="2000" b="1" dirty="0" smtClean="0">
+              <a:solidFill>
+                <a:srgbClr val="C00000"/>
+              </a:solidFill>
+            </a:endParaRPr>
+          </a:p>
+        </p:txBody>
+      </p:sp>
       <p:pic>
         <p:nvPicPr>
-          <p:cNvPr id="2" name="그림 1"/>
+          <p:cNvPr id="3" name="그림 2"/>
           <p:cNvPicPr>
             <a:picLocks noChangeAspect="1"/>
           </p:cNvPicPr>
@@ -13964,45 +14207,8 @@
         </p:blipFill>
         <p:spPr>
           <a:xfrm>
-            <a:off x="1280592" y="1196752"/>
-            <a:ext cx="6302287" cy="4534293"/>
-          </a:xfrm>
-          <a:prstGeom prst="rect">
-            <a:avLst/>
-          </a:prstGeom>
-          <a:ln>
-            <a:solidFill>
-              <a:schemeClr val="bg1">
-                <a:lumMod val="85000"/>
-              </a:schemeClr>
-            </a:solidFill>
-          </a:ln>
-        </p:spPr>
-      </p:pic>
-      <p:pic>
-        <p:nvPicPr>
-          <p:cNvPr id="4" name="그림 3"/>
-          <p:cNvPicPr>
-            <a:picLocks noChangeAspect="1"/>
-          </p:cNvPicPr>
-          <p:nvPr/>
-        </p:nvPicPr>
-        <p:blipFill>
-          <a:blip r:embed="rId3">
-            <a:extLst>
-              <a:ext uri="{28A0092B-C50C-407E-A947-70E740481C1C}">
-                <a14:useLocalDpi xmlns:a14="http://schemas.microsoft.com/office/drawing/2010/main" val="0"/>
-              </a:ext>
-            </a:extLst>
-          </a:blip>
-          <a:stretch>
-            <a:fillRect/>
-          </a:stretch>
-        </p:blipFill>
-        <p:spPr>
-          <a:xfrm>
-            <a:off x="6825207" y="3783360"/>
-            <a:ext cx="2448273" cy="761502"/>
+            <a:off x="1314831" y="1772816"/>
+            <a:ext cx="6645216" cy="3680779"/>
           </a:xfrm>
           <a:prstGeom prst="rect">
             <a:avLst/>
@@ -14019,7 +14225,7 @@
     </p:spTree>
     <p:extLst>
       <p:ext uri="{BB962C8B-B14F-4D97-AF65-F5344CB8AC3E}">
-        <p14:creationId xmlns:p14="http://schemas.microsoft.com/office/powerpoint/2010/main" val="2305505536"/>
+        <p14:creationId xmlns:p14="http://schemas.microsoft.com/office/powerpoint/2010/main" val="3471756782"/>
       </p:ext>
     </p:extLst>
   </p:cSld>
@@ -14070,15 +14276,7 @@
           <a:p>
             <a:r>
               <a:rPr lang="en-US" altLang="ko-KR" dirty="0" smtClean="0"/>
-              <a:t> </a:t>
-            </a:r>
-            <a:r>
-              <a:rPr lang="en-US" altLang="ko-KR" dirty="0" err="1" smtClean="0"/>
-              <a:t>LinkedList</a:t>
-            </a:r>
-            <a:r>
-              <a:rPr lang="en-US" altLang="ko-KR" dirty="0" smtClean="0"/>
-              <a:t> </a:t>
+              <a:t> Vector </a:t>
             </a:r>
             <a:r>
               <a:rPr lang="ko-KR" altLang="en-US" dirty="0" smtClean="0"/>
@@ -14116,12 +14314,149 @@
           </a:p>
         </p:txBody>
       </p:sp>
+      <p:pic>
+        <p:nvPicPr>
+          <p:cNvPr id="3" name="그림 2"/>
+          <p:cNvPicPr>
+            <a:picLocks noChangeAspect="1"/>
+          </p:cNvPicPr>
+          <p:nvPr/>
+        </p:nvPicPr>
+        <p:blipFill>
+          <a:blip r:embed="rId2">
+            <a:extLst>
+              <a:ext uri="{28A0092B-C50C-407E-A947-70E740481C1C}">
+                <a14:useLocalDpi xmlns:a14="http://schemas.microsoft.com/office/drawing/2010/main" val="0"/>
+              </a:ext>
+            </a:extLst>
+          </a:blip>
+          <a:stretch>
+            <a:fillRect/>
+          </a:stretch>
+        </p:blipFill>
+        <p:spPr>
+          <a:xfrm>
+            <a:off x="1424608" y="1052736"/>
+            <a:ext cx="6005955" cy="5012952"/>
+          </a:xfrm>
+          <a:prstGeom prst="rect">
+            <a:avLst/>
+          </a:prstGeom>
+          <a:ln>
+            <a:solidFill>
+              <a:schemeClr val="bg1">
+                <a:lumMod val="85000"/>
+              </a:schemeClr>
+            </a:solidFill>
+          </a:ln>
+        </p:spPr>
+      </p:pic>
+    </p:spTree>
+    <p:extLst>
+      <p:ext uri="{BB962C8B-B14F-4D97-AF65-F5344CB8AC3E}">
+        <p14:creationId xmlns:p14="http://schemas.microsoft.com/office/powerpoint/2010/main" val="2305505536"/>
+      </p:ext>
+    </p:extLst>
+  </p:cSld>
+  <p:clrMapOvr>
+    <a:masterClrMapping/>
+  </p:clrMapOvr>
+  <p:timing>
+    <p:tnLst>
+      <p:par>
+        <p:cTn id="1" dur="indefinite" restart="never" nodeType="tmRoot"/>
+      </p:par>
+    </p:tnLst>
+  </p:timing>
+</p:sld>
+</file>
+
+<file path=ppt/slides/slide26.xml><?xml version="1.0" encoding="utf-8"?>
+<p:sld xmlns:a="http://schemas.openxmlformats.org/drawingml/2006/main" xmlns:r="http://schemas.openxmlformats.org/officeDocument/2006/relationships" xmlns:p="http://schemas.openxmlformats.org/presentationml/2006/main">
+  <p:cSld>
+    <p:spTree>
+      <p:nvGrpSpPr>
+        <p:cNvPr id="1" name=""/>
+        <p:cNvGrpSpPr/>
+        <p:nvPr/>
+      </p:nvGrpSpPr>
+      <p:grpSpPr>
+        <a:xfrm>
+          <a:off x="0" y="0"/>
+          <a:ext cx="0" cy="0"/>
+          <a:chOff x="0" y="0"/>
+          <a:chExt cx="0" cy="0"/>
+        </a:xfrm>
+      </p:grpSpPr>
+      <p:sp>
+        <p:nvSpPr>
+          <p:cNvPr id="6" name="제목 5"/>
+          <p:cNvSpPr>
+            <a:spLocks noGrp="1"/>
+          </p:cNvSpPr>
+          <p:nvPr>
+            <p:ph type="title"/>
+          </p:nvPr>
+        </p:nvSpPr>
+        <p:spPr/>
+        <p:txBody>
+          <a:bodyPr/>
+          <a:lstStyle/>
+          <a:p>
+            <a:r>
+              <a:rPr lang="en-US" altLang="ko-KR" dirty="0" smtClean="0"/>
+              <a:t> </a:t>
+            </a:r>
+            <a:r>
+              <a:rPr lang="en-US" altLang="ko-KR" dirty="0" err="1" smtClean="0"/>
+              <a:t>LinkedList</a:t>
+            </a:r>
+            <a:r>
+              <a:rPr lang="en-US" altLang="ko-KR" dirty="0" smtClean="0"/>
+              <a:t> </a:t>
+            </a:r>
+            <a:r>
+              <a:rPr lang="ko-KR" altLang="en-US" dirty="0" smtClean="0"/>
+              <a:t>클래스</a:t>
+            </a:r>
+            <a:endParaRPr lang="ko-KR" altLang="en-US" dirty="0"/>
+          </a:p>
+        </p:txBody>
+      </p:sp>
+      <p:sp>
+        <p:nvSpPr>
+          <p:cNvPr id="5" name="슬라이드 번호 개체 틀 4"/>
+          <p:cNvSpPr>
+            <a:spLocks noGrp="1"/>
+          </p:cNvSpPr>
+          <p:nvPr>
+            <p:ph type="sldNum" sz="quarter" idx="12"/>
+          </p:nvPr>
+        </p:nvSpPr>
+        <p:spPr>
+          <a:xfrm>
+            <a:off x="8853433" y="7312347"/>
+            <a:ext cx="557267" cy="365125"/>
+          </a:xfrm>
+        </p:spPr>
+        <p:txBody>
+          <a:bodyPr/>
+          <a:lstStyle/>
+          <a:p>
+            <a:fld id="{1BDE3FE7-3AEA-4B05-AC5A-802D1816ACF0}" type="slidenum">
+              <a:rPr lang="ko-KR" altLang="en-US" smtClean="0"/>
+              <a:t>26</a:t>
+            </a:fld>
+            <a:endParaRPr lang="ko-KR" altLang="en-US"/>
+          </a:p>
+        </p:txBody>
+      </p:sp>
       <p:sp>
         <p:nvSpPr>
           <p:cNvPr id="7" name="내용 개체 틀 2">
             <a:extLst>
               <a:ext uri="{FF2B5EF4-FFF2-40B4-BE49-F238E27FC236}">
-                <a16:creationId xmlns="" xmlns:a16="http://schemas.microsoft.com/office/drawing/2014/main" id="{98AF3A4E-7D90-4241-89FE-799D6F9D5A94}"/>
+                <a16:creationId xmlns:a16="http://schemas.microsoft.com/office/drawing/2014/main" id="{98AF3A4E-7D90-4241-89FE-799D6F9D5A94}"/>
               </a:ext>
             </a:extLst>
           </p:cNvPr>
@@ -15792,7 +16127,7 @@
 </p:sld>
 </file>
 
-<file path=ppt/slides/slide26.xml><?xml version="1.0" encoding="utf-8"?>
+<file path=ppt/slides/slide27.xml><?xml version="1.0" encoding="utf-8"?>
 <p:sld xmlns:a="http://schemas.openxmlformats.org/drawingml/2006/main" xmlns:r="http://schemas.openxmlformats.org/officeDocument/2006/relationships" xmlns:p="http://schemas.openxmlformats.org/presentationml/2006/main">
   <p:cSld>
     <p:spTree>
@@ -15866,7 +16201,7 @@
           <a:p>
             <a:fld id="{1BDE3FE7-3AEA-4B05-AC5A-802D1816ACF0}" type="slidenum">
               <a:rPr lang="ko-KR" altLang="en-US" smtClean="0"/>
-              <a:t>26</a:t>
+              <a:t>27</a:t>
             </a:fld>
             <a:endParaRPr lang="ko-KR" altLang="en-US"/>
           </a:p>
@@ -15964,7 +16299,7 @@
 </p:sld>
 </file>
 
-<file path=ppt/slides/slide27.xml><?xml version="1.0" encoding="utf-8"?>
+<file path=ppt/slides/slide28.xml><?xml version="1.0" encoding="utf-8"?>
 <p:sld xmlns:a="http://schemas.openxmlformats.org/drawingml/2006/main" xmlns:r="http://schemas.openxmlformats.org/officeDocument/2006/relationships" xmlns:p="http://schemas.openxmlformats.org/presentationml/2006/main">
   <p:cSld>
     <p:spTree>
@@ -16038,7 +16373,7 @@
           <a:p>
             <a:fld id="{1BDE3FE7-3AEA-4B05-AC5A-802D1816ACF0}" type="slidenum">
               <a:rPr lang="ko-KR" altLang="en-US" smtClean="0"/>
-              <a:t>27</a:t>
+              <a:t>28</a:t>
             </a:fld>
             <a:endParaRPr lang="ko-KR" altLang="en-US"/>
           </a:p>
@@ -16138,7 +16473,7 @@
 </p:sld>
 </file>
 
-<file path=ppt/slides/slide28.xml><?xml version="1.0" encoding="utf-8"?>
+<file path=ppt/slides/slide29.xml><?xml version="1.0" encoding="utf-8"?>
 <p:sld xmlns:a="http://schemas.openxmlformats.org/drawingml/2006/main" xmlns:r="http://schemas.openxmlformats.org/officeDocument/2006/relationships" xmlns:p="http://schemas.openxmlformats.org/presentationml/2006/main">
   <p:cSld>
     <p:spTree>
@@ -16160,7 +16495,7 @@
           <p:cNvPr id="17" name="TextBox 16">
             <a:extLst>
               <a:ext uri="{FF2B5EF4-FFF2-40B4-BE49-F238E27FC236}">
-                <a16:creationId xmlns:a16="http://schemas.microsoft.com/office/drawing/2014/main" xmlns="" id="{5DD81B33-3C10-4B58-9ACC-5628B021DE57}"/>
+                <a16:creationId xmlns:a16="http://schemas.microsoft.com/office/drawing/2014/main" id="{5DD81B33-3C10-4B58-9ACC-5628B021DE57}"/>
               </a:ext>
             </a:extLst>
           </p:cNvPr>
@@ -16300,7 +16635,7 @@
           <p:cNvPr id="20" name="사각형: 둥근 모서리 19">
             <a:extLst>
               <a:ext uri="{FF2B5EF4-FFF2-40B4-BE49-F238E27FC236}">
-                <a16:creationId xmlns:a16="http://schemas.microsoft.com/office/drawing/2014/main" xmlns="" id="{3389145B-1185-4763-821F-638B0BF2C25B}"/>
+                <a16:creationId xmlns:a16="http://schemas.microsoft.com/office/drawing/2014/main" id="{3389145B-1185-4763-821F-638B0BF2C25B}"/>
               </a:ext>
             </a:extLst>
           </p:cNvPr>
@@ -16353,7 +16688,7 @@
           <p:cNvPr id="21" name="사각형: 둥근 모서리 20">
             <a:extLst>
               <a:ext uri="{FF2B5EF4-FFF2-40B4-BE49-F238E27FC236}">
-                <a16:creationId xmlns:a16="http://schemas.microsoft.com/office/drawing/2014/main" xmlns="" id="{A9E04CDF-83B1-4B80-9106-C2A0A4DA7259}"/>
+                <a16:creationId xmlns:a16="http://schemas.microsoft.com/office/drawing/2014/main" id="{A9E04CDF-83B1-4B80-9106-C2A0A4DA7259}"/>
               </a:ext>
             </a:extLst>
           </p:cNvPr>
@@ -16406,7 +16741,7 @@
           <p:cNvPr id="23" name="TextBox 22">
             <a:extLst>
               <a:ext uri="{FF2B5EF4-FFF2-40B4-BE49-F238E27FC236}">
-                <a16:creationId xmlns:a16="http://schemas.microsoft.com/office/drawing/2014/main" xmlns="" id="{77ABB4C0-2070-4126-9587-CD556195C1E9}"/>
+                <a16:creationId xmlns:a16="http://schemas.microsoft.com/office/drawing/2014/main" id="{77ABB4C0-2070-4126-9587-CD556195C1E9}"/>
               </a:ext>
             </a:extLst>
           </p:cNvPr>
@@ -16446,7 +16781,7 @@
           <p:cNvPr id="24" name="타원 23">
             <a:extLst>
               <a:ext uri="{FF2B5EF4-FFF2-40B4-BE49-F238E27FC236}">
-                <a16:creationId xmlns:a16="http://schemas.microsoft.com/office/drawing/2014/main" xmlns="" id="{0DAB0690-28FC-4D29-9D02-40FC4FFBCE1A}"/>
+                <a16:creationId xmlns:a16="http://schemas.microsoft.com/office/drawing/2014/main" id="{0DAB0690-28FC-4D29-9D02-40FC4FFBCE1A}"/>
               </a:ext>
             </a:extLst>
           </p:cNvPr>
@@ -16500,7 +16835,7 @@
           <p:cNvPr id="25" name="직선 화살표 연결선 24">
             <a:extLst>
               <a:ext uri="{FF2B5EF4-FFF2-40B4-BE49-F238E27FC236}">
-                <a16:creationId xmlns:a16="http://schemas.microsoft.com/office/drawing/2014/main" xmlns="" id="{797DE718-EAE6-4FA9-BD54-D37A062B5D2B}"/>
+                <a16:creationId xmlns:a16="http://schemas.microsoft.com/office/drawing/2014/main" id="{797DE718-EAE6-4FA9-BD54-D37A062B5D2B}"/>
               </a:ext>
             </a:extLst>
           </p:cNvPr>
@@ -16546,7 +16881,7 @@
           <p:cNvPr id="26" name="TextBox 25">
             <a:extLst>
               <a:ext uri="{FF2B5EF4-FFF2-40B4-BE49-F238E27FC236}">
-                <a16:creationId xmlns:a16="http://schemas.microsoft.com/office/drawing/2014/main" xmlns="" id="{9A6035B3-08E1-48ED-AC0E-783BAE37F17C}"/>
+                <a16:creationId xmlns:a16="http://schemas.microsoft.com/office/drawing/2014/main" id="{9A6035B3-08E1-48ED-AC0E-783BAE37F17C}"/>
               </a:ext>
             </a:extLst>
           </p:cNvPr>
@@ -16593,7 +16928,7 @@
           <p:cNvPr id="27" name="타원 26">
             <a:extLst>
               <a:ext uri="{FF2B5EF4-FFF2-40B4-BE49-F238E27FC236}">
-                <a16:creationId xmlns:a16="http://schemas.microsoft.com/office/drawing/2014/main" xmlns="" id="{8097E10B-04CF-4F9A-B0AA-FC8254B0787F}"/>
+                <a16:creationId xmlns:a16="http://schemas.microsoft.com/office/drawing/2014/main" id="{8097E10B-04CF-4F9A-B0AA-FC8254B0787F}"/>
               </a:ext>
             </a:extLst>
           </p:cNvPr>
@@ -16647,7 +16982,7 @@
           <p:cNvPr id="28" name="직선 화살표 연결선 27">
             <a:extLst>
               <a:ext uri="{FF2B5EF4-FFF2-40B4-BE49-F238E27FC236}">
-                <a16:creationId xmlns:a16="http://schemas.microsoft.com/office/drawing/2014/main" xmlns="" id="{E50F1948-E7AC-4A72-84C3-7E0FD2EEE935}"/>
+                <a16:creationId xmlns:a16="http://schemas.microsoft.com/office/drawing/2014/main" id="{E50F1948-E7AC-4A72-84C3-7E0FD2EEE935}"/>
               </a:ext>
             </a:extLst>
           </p:cNvPr>
@@ -16692,7 +17027,7 @@
           <p:cNvPr id="29" name="직선 화살표 연결선 28">
             <a:extLst>
               <a:ext uri="{FF2B5EF4-FFF2-40B4-BE49-F238E27FC236}">
-                <a16:creationId xmlns:a16="http://schemas.microsoft.com/office/drawing/2014/main" xmlns="" id="{12E56239-0977-4CCC-A7DA-8EB6817922D6}"/>
+                <a16:creationId xmlns:a16="http://schemas.microsoft.com/office/drawing/2014/main" id="{12E56239-0977-4CCC-A7DA-8EB6817922D6}"/>
               </a:ext>
             </a:extLst>
           </p:cNvPr>
@@ -16737,7 +17072,7 @@
           <p:cNvPr id="30" name="타원 29">
             <a:extLst>
               <a:ext uri="{FF2B5EF4-FFF2-40B4-BE49-F238E27FC236}">
-                <a16:creationId xmlns:a16="http://schemas.microsoft.com/office/drawing/2014/main" xmlns="" id="{AF336DD4-51B2-4F1D-8CE5-155C6AAE7629}"/>
+                <a16:creationId xmlns:a16="http://schemas.microsoft.com/office/drawing/2014/main" id="{AF336DD4-51B2-4F1D-8CE5-155C6AAE7629}"/>
               </a:ext>
             </a:extLst>
           </p:cNvPr>
@@ -16791,7 +17126,7 @@
           <p:cNvPr id="31" name="직선 화살표 연결선 30">
             <a:extLst>
               <a:ext uri="{FF2B5EF4-FFF2-40B4-BE49-F238E27FC236}">
-                <a16:creationId xmlns:a16="http://schemas.microsoft.com/office/drawing/2014/main" xmlns="" id="{B463C946-E295-4D7C-9F00-E3B1EE26F2C8}"/>
+                <a16:creationId xmlns:a16="http://schemas.microsoft.com/office/drawing/2014/main" id="{B463C946-E295-4D7C-9F00-E3B1EE26F2C8}"/>
               </a:ext>
             </a:extLst>
           </p:cNvPr>
@@ -16836,7 +17171,7 @@
           <p:cNvPr id="2" name="자유형: 도형 1">
             <a:extLst>
               <a:ext uri="{FF2B5EF4-FFF2-40B4-BE49-F238E27FC236}">
-                <a16:creationId xmlns:a16="http://schemas.microsoft.com/office/drawing/2014/main" xmlns="" id="{69AEB5B9-D379-40B7-B6A8-203197DDC125}"/>
+                <a16:creationId xmlns:a16="http://schemas.microsoft.com/office/drawing/2014/main" id="{69AEB5B9-D379-40B7-B6A8-203197DDC125}"/>
               </a:ext>
             </a:extLst>
           </p:cNvPr>
@@ -16991,7 +17326,7 @@
           <p:cNvPr id="39" name="직선 연결선 38">
             <a:extLst>
               <a:ext uri="{FF2B5EF4-FFF2-40B4-BE49-F238E27FC236}">
-                <a16:creationId xmlns:a16="http://schemas.microsoft.com/office/drawing/2014/main" xmlns="" id="{4D40FF72-00E0-498C-A10A-0A9D4277B522}"/>
+                <a16:creationId xmlns:a16="http://schemas.microsoft.com/office/drawing/2014/main" id="{4D40FF72-00E0-498C-A10A-0A9D4277B522}"/>
               </a:ext>
             </a:extLst>
           </p:cNvPr>
@@ -17034,7 +17369,7 @@
           <p:cNvPr id="41" name="직선 연결선 40">
             <a:extLst>
               <a:ext uri="{FF2B5EF4-FFF2-40B4-BE49-F238E27FC236}">
-                <a16:creationId xmlns:a16="http://schemas.microsoft.com/office/drawing/2014/main" xmlns="" id="{801E9B33-0A2D-4B40-8476-CB666E30DA0C}"/>
+                <a16:creationId xmlns:a16="http://schemas.microsoft.com/office/drawing/2014/main" id="{801E9B33-0A2D-4B40-8476-CB666E30DA0C}"/>
               </a:ext>
             </a:extLst>
           </p:cNvPr>
@@ -17125,7 +17460,7 @@
           <p:cNvPr id="22" name="내용 개체 틀 2">
             <a:extLst>
               <a:ext uri="{FF2B5EF4-FFF2-40B4-BE49-F238E27FC236}">
-                <a16:creationId xmlns:a16="http://schemas.microsoft.com/office/drawing/2014/main" xmlns="" id="{98AF3A4E-7D90-4241-89FE-799D6F9D5A94}"/>
+                <a16:creationId xmlns:a16="http://schemas.microsoft.com/office/drawing/2014/main" id="{98AF3A4E-7D90-4241-89FE-799D6F9D5A94}"/>
               </a:ext>
             </a:extLst>
           </p:cNvPr>
@@ -17383,7 +17718,381 @@
 </p:sld>
 </file>
 
-<file path=ppt/slides/slide29.xml><?xml version="1.0" encoding="utf-8"?>
+<file path=ppt/slides/slide3.xml><?xml version="1.0" encoding="utf-8"?>
+<p:sld xmlns:a="http://schemas.openxmlformats.org/drawingml/2006/main" xmlns:r="http://schemas.openxmlformats.org/officeDocument/2006/relationships" xmlns:p="http://schemas.openxmlformats.org/presentationml/2006/main">
+  <p:cSld>
+    <p:spTree>
+      <p:nvGrpSpPr>
+        <p:cNvPr id="1" name=""/>
+        <p:cNvGrpSpPr/>
+        <p:nvPr/>
+      </p:nvGrpSpPr>
+      <p:grpSpPr>
+        <a:xfrm>
+          <a:off x="0" y="0"/>
+          <a:ext cx="0" cy="0"/>
+          <a:chOff x="0" y="0"/>
+          <a:chExt cx="0" cy="0"/>
+        </a:xfrm>
+      </p:grpSpPr>
+      <p:sp>
+        <p:nvSpPr>
+          <p:cNvPr id="6" name="제목 5"/>
+          <p:cNvSpPr>
+            <a:spLocks noGrp="1"/>
+          </p:cNvSpPr>
+          <p:nvPr>
+            <p:ph type="title"/>
+          </p:nvPr>
+        </p:nvSpPr>
+        <p:spPr/>
+        <p:txBody>
+          <a:bodyPr/>
+          <a:lstStyle/>
+          <a:p>
+            <a:r>
+              <a:rPr lang="en-US" altLang="ko-KR" dirty="0" smtClean="0"/>
+              <a:t> </a:t>
+            </a:r>
+            <a:r>
+              <a:rPr lang="ko-KR" altLang="en-US" dirty="0" err="1" smtClean="0"/>
+              <a:t>제네릭</a:t>
+            </a:r>
+            <a:r>
+              <a:rPr lang="en-US" altLang="ko-KR" dirty="0" smtClean="0"/>
+              <a:t>(Generic)</a:t>
+            </a:r>
+            <a:endParaRPr lang="ko-KR" altLang="en-US" dirty="0"/>
+          </a:p>
+        </p:txBody>
+      </p:sp>
+      <p:sp>
+        <p:nvSpPr>
+          <p:cNvPr id="5" name="슬라이드 번호 개체 틀 4"/>
+          <p:cNvSpPr>
+            <a:spLocks noGrp="1"/>
+          </p:cNvSpPr>
+          <p:nvPr>
+            <p:ph type="sldNum" sz="quarter" idx="12"/>
+          </p:nvPr>
+        </p:nvSpPr>
+        <p:spPr>
+          <a:xfrm>
+            <a:off x="8853433" y="7312347"/>
+            <a:ext cx="557267" cy="365125"/>
+          </a:xfrm>
+        </p:spPr>
+        <p:txBody>
+          <a:bodyPr/>
+          <a:lstStyle/>
+          <a:p>
+            <a:fld id="{1BDE3FE7-3AEA-4B05-AC5A-802D1816ACF0}" type="slidenum">
+              <a:rPr lang="ko-KR" altLang="en-US" smtClean="0"/>
+              <a:t>3</a:t>
+            </a:fld>
+            <a:endParaRPr lang="ko-KR" altLang="en-US"/>
+          </a:p>
+        </p:txBody>
+      </p:sp>
+      <p:sp>
+        <p:nvSpPr>
+          <p:cNvPr id="10" name="내용 개체 틀 2">
+            <a:extLst>
+              <a:ext uri="{FF2B5EF4-FFF2-40B4-BE49-F238E27FC236}">
+                <a16:creationId xmlns:a16="http://schemas.microsoft.com/office/drawing/2014/main" id="{98AF3A4E-7D90-4241-89FE-799D6F9D5A94}"/>
+              </a:ext>
+            </a:extLst>
+          </p:cNvPr>
+          <p:cNvSpPr txBox="1">
+            <a:spLocks/>
+          </p:cNvSpPr>
+          <p:nvPr/>
+        </p:nvSpPr>
+        <p:spPr>
+          <a:xfrm>
+            <a:off x="776536" y="1124744"/>
+            <a:ext cx="2664296" cy="432048"/>
+          </a:xfrm>
+          <a:prstGeom prst="rect">
+            <a:avLst/>
+          </a:prstGeom>
+        </p:spPr>
+        <p:txBody>
+          <a:bodyPr/>
+          <a:lstStyle>
+            <a:lvl1pPr marL="228600" indent="-228600" algn="l" defTabSz="914400" rtl="0" eaLnBrk="1" latinLnBrk="1" hangingPunct="1">
+              <a:lnSpc>
+                <a:spcPct val="90000"/>
+              </a:lnSpc>
+              <a:spcBef>
+                <a:spcPts val="1000"/>
+              </a:spcBef>
+              <a:buFont typeface="Arial" panose="020B0604020202020204" pitchFamily="34" charset="0"/>
+              <a:buChar char="•"/>
+              <a:defRPr sz="2800" kern="1200">
+                <a:solidFill>
+                  <a:schemeClr val="tx1"/>
+                </a:solidFill>
+                <a:latin typeface="+mn-lt"/>
+                <a:ea typeface="+mn-ea"/>
+                <a:cs typeface="+mn-cs"/>
+              </a:defRPr>
+            </a:lvl1pPr>
+            <a:lvl2pPr marL="685800" indent="-228600" algn="l" defTabSz="914400" rtl="0" eaLnBrk="1" latinLnBrk="1" hangingPunct="1">
+              <a:lnSpc>
+                <a:spcPct val="90000"/>
+              </a:lnSpc>
+              <a:spcBef>
+                <a:spcPts val="500"/>
+              </a:spcBef>
+              <a:buFont typeface="Arial" panose="020B0604020202020204" pitchFamily="34" charset="0"/>
+              <a:buChar char="•"/>
+              <a:defRPr sz="2400" kern="1200">
+                <a:solidFill>
+                  <a:schemeClr val="tx1"/>
+                </a:solidFill>
+                <a:latin typeface="+mn-lt"/>
+                <a:ea typeface="+mn-ea"/>
+                <a:cs typeface="+mn-cs"/>
+              </a:defRPr>
+            </a:lvl2pPr>
+            <a:lvl3pPr marL="1143000" indent="-228600" algn="l" defTabSz="914400" rtl="0" eaLnBrk="1" latinLnBrk="1" hangingPunct="1">
+              <a:lnSpc>
+                <a:spcPct val="90000"/>
+              </a:lnSpc>
+              <a:spcBef>
+                <a:spcPts val="500"/>
+              </a:spcBef>
+              <a:buFont typeface="Arial" panose="020B0604020202020204" pitchFamily="34" charset="0"/>
+              <a:buChar char="•"/>
+              <a:defRPr sz="2000" kern="1200">
+                <a:solidFill>
+                  <a:schemeClr val="tx1"/>
+                </a:solidFill>
+                <a:latin typeface="+mn-lt"/>
+                <a:ea typeface="+mn-ea"/>
+                <a:cs typeface="+mn-cs"/>
+              </a:defRPr>
+            </a:lvl3pPr>
+            <a:lvl4pPr marL="1600200" indent="-228600" algn="l" defTabSz="914400" rtl="0" eaLnBrk="1" latinLnBrk="1" hangingPunct="1">
+              <a:lnSpc>
+                <a:spcPct val="90000"/>
+              </a:lnSpc>
+              <a:spcBef>
+                <a:spcPts val="500"/>
+              </a:spcBef>
+              <a:buFont typeface="Arial" panose="020B0604020202020204" pitchFamily="34" charset="0"/>
+              <a:buChar char="•"/>
+              <a:defRPr sz="1800" kern="1200">
+                <a:solidFill>
+                  <a:schemeClr val="tx1"/>
+                </a:solidFill>
+                <a:latin typeface="+mn-lt"/>
+                <a:ea typeface="+mn-ea"/>
+                <a:cs typeface="+mn-cs"/>
+              </a:defRPr>
+            </a:lvl4pPr>
+            <a:lvl5pPr marL="2057400" indent="-228600" algn="l" defTabSz="914400" rtl="0" eaLnBrk="1" latinLnBrk="1" hangingPunct="1">
+              <a:lnSpc>
+                <a:spcPct val="90000"/>
+              </a:lnSpc>
+              <a:spcBef>
+                <a:spcPts val="500"/>
+              </a:spcBef>
+              <a:buFont typeface="Arial" panose="020B0604020202020204" pitchFamily="34" charset="0"/>
+              <a:buChar char="•"/>
+              <a:defRPr sz="1800" kern="1200">
+                <a:solidFill>
+                  <a:schemeClr val="tx1"/>
+                </a:solidFill>
+                <a:latin typeface="+mn-lt"/>
+                <a:ea typeface="+mn-ea"/>
+                <a:cs typeface="+mn-cs"/>
+              </a:defRPr>
+            </a:lvl5pPr>
+            <a:lvl6pPr marL="2514600" indent="-228600" algn="l" defTabSz="914400" rtl="0" eaLnBrk="1" latinLnBrk="1" hangingPunct="1">
+              <a:lnSpc>
+                <a:spcPct val="90000"/>
+              </a:lnSpc>
+              <a:spcBef>
+                <a:spcPts val="500"/>
+              </a:spcBef>
+              <a:buFont typeface="Arial" panose="020B0604020202020204" pitchFamily="34" charset="0"/>
+              <a:buChar char="•"/>
+              <a:defRPr sz="1800" kern="1200">
+                <a:solidFill>
+                  <a:schemeClr val="tx1"/>
+                </a:solidFill>
+                <a:latin typeface="+mn-lt"/>
+                <a:ea typeface="+mn-ea"/>
+                <a:cs typeface="+mn-cs"/>
+              </a:defRPr>
+            </a:lvl6pPr>
+            <a:lvl7pPr marL="2971800" indent="-228600" algn="l" defTabSz="914400" rtl="0" eaLnBrk="1" latinLnBrk="1" hangingPunct="1">
+              <a:lnSpc>
+                <a:spcPct val="90000"/>
+              </a:lnSpc>
+              <a:spcBef>
+                <a:spcPts val="500"/>
+              </a:spcBef>
+              <a:buFont typeface="Arial" panose="020B0604020202020204" pitchFamily="34" charset="0"/>
+              <a:buChar char="•"/>
+              <a:defRPr sz="1800" kern="1200">
+                <a:solidFill>
+                  <a:schemeClr val="tx1"/>
+                </a:solidFill>
+                <a:latin typeface="+mn-lt"/>
+                <a:ea typeface="+mn-ea"/>
+                <a:cs typeface="+mn-cs"/>
+              </a:defRPr>
+            </a:lvl7pPr>
+            <a:lvl8pPr marL="3429000" indent="-228600" algn="l" defTabSz="914400" rtl="0" eaLnBrk="1" latinLnBrk="1" hangingPunct="1">
+              <a:lnSpc>
+                <a:spcPct val="90000"/>
+              </a:lnSpc>
+              <a:spcBef>
+                <a:spcPts val="500"/>
+              </a:spcBef>
+              <a:buFont typeface="Arial" panose="020B0604020202020204" pitchFamily="34" charset="0"/>
+              <a:buChar char="•"/>
+              <a:defRPr sz="1800" kern="1200">
+                <a:solidFill>
+                  <a:schemeClr val="tx1"/>
+                </a:solidFill>
+                <a:latin typeface="+mn-lt"/>
+                <a:ea typeface="+mn-ea"/>
+                <a:cs typeface="+mn-cs"/>
+              </a:defRPr>
+            </a:lvl8pPr>
+            <a:lvl9pPr marL="3886200" indent="-228600" algn="l" defTabSz="914400" rtl="0" eaLnBrk="1" latinLnBrk="1" hangingPunct="1">
+              <a:lnSpc>
+                <a:spcPct val="90000"/>
+              </a:lnSpc>
+              <a:spcBef>
+                <a:spcPts val="500"/>
+              </a:spcBef>
+              <a:buFont typeface="Arial" panose="020B0604020202020204" pitchFamily="34" charset="0"/>
+              <a:buChar char="•"/>
+              <a:defRPr sz="1800" kern="1200">
+                <a:solidFill>
+                  <a:schemeClr val="tx1"/>
+                </a:solidFill>
+                <a:latin typeface="+mn-lt"/>
+                <a:ea typeface="+mn-ea"/>
+                <a:cs typeface="+mn-cs"/>
+              </a:defRPr>
+            </a:lvl9pPr>
+          </a:lstStyle>
+          <a:p>
+            <a:pPr marL="0" indent="0">
+              <a:lnSpc>
+                <a:spcPct val="100000"/>
+              </a:lnSpc>
+              <a:buNone/>
+            </a:pPr>
+            <a:r>
+              <a:rPr lang="ko-KR" altLang="en-US" sz="2000" b="1" dirty="0" smtClean="0">
+                <a:solidFill>
+                  <a:srgbClr val="C00000"/>
+                </a:solidFill>
+              </a:rPr>
+              <a:t> </a:t>
+            </a:r>
+            <a:r>
+              <a:rPr lang="ko-KR" altLang="en-US" sz="2000" b="1" dirty="0" err="1" smtClean="0">
+                <a:solidFill>
+                  <a:srgbClr val="C00000"/>
+                </a:solidFill>
+              </a:rPr>
+              <a:t>제네릭</a:t>
+            </a:r>
+            <a:r>
+              <a:rPr lang="ko-KR" altLang="en-US" sz="2000" b="1" dirty="0" smtClean="0">
+                <a:solidFill>
+                  <a:srgbClr val="C00000"/>
+                </a:solidFill>
+              </a:rPr>
+              <a:t> 프로그래밍</a:t>
+            </a:r>
+            <a:endParaRPr lang="en-US" altLang="ko-KR" sz="2000" b="1" dirty="0" smtClean="0">
+              <a:solidFill>
+                <a:srgbClr val="C00000"/>
+              </a:solidFill>
+            </a:endParaRPr>
+          </a:p>
+          <a:p>
+            <a:pPr marL="457200" lvl="1" indent="0">
+              <a:lnSpc>
+                <a:spcPct val="150000"/>
+              </a:lnSpc>
+              <a:buNone/>
+            </a:pPr>
+            <a:endParaRPr lang="en-US" altLang="ko-KR" sz="1400" dirty="0" smtClean="0">
+              <a:solidFill>
+                <a:srgbClr val="002060"/>
+              </a:solidFill>
+            </a:endParaRPr>
+          </a:p>
+        </p:txBody>
+      </p:sp>
+      <p:pic>
+        <p:nvPicPr>
+          <p:cNvPr id="2" name="그림 1"/>
+          <p:cNvPicPr>
+            <a:picLocks noChangeAspect="1"/>
+          </p:cNvPicPr>
+          <p:nvPr/>
+        </p:nvPicPr>
+        <p:blipFill>
+          <a:blip r:embed="rId2">
+            <a:extLst>
+              <a:ext uri="{28A0092B-C50C-407E-A947-70E740481C1C}">
+                <a14:useLocalDpi xmlns:a14="http://schemas.microsoft.com/office/drawing/2010/main" val="0"/>
+              </a:ext>
+            </a:extLst>
+          </a:blip>
+          <a:stretch>
+            <a:fillRect/>
+          </a:stretch>
+        </p:blipFill>
+        <p:spPr>
+          <a:xfrm>
+            <a:off x="1640632" y="1688976"/>
+            <a:ext cx="6462602" cy="4176464"/>
+          </a:xfrm>
+          <a:prstGeom prst="rect">
+            <a:avLst/>
+          </a:prstGeom>
+          <a:ln>
+            <a:solidFill>
+              <a:schemeClr val="bg1">
+                <a:lumMod val="85000"/>
+              </a:schemeClr>
+            </a:solidFill>
+          </a:ln>
+        </p:spPr>
+      </p:pic>
+    </p:spTree>
+    <p:extLst>
+      <p:ext uri="{BB962C8B-B14F-4D97-AF65-F5344CB8AC3E}">
+        <p14:creationId xmlns:p14="http://schemas.microsoft.com/office/powerpoint/2010/main" val="4260869153"/>
+      </p:ext>
+    </p:extLst>
+  </p:cSld>
+  <p:clrMapOvr>
+    <a:masterClrMapping/>
+  </p:clrMapOvr>
+  <p:timing>
+    <p:tnLst>
+      <p:par>
+        <p:cTn id="1" dur="indefinite" restart="never" nodeType="tmRoot"/>
+      </p:par>
+    </p:tnLst>
+  </p:timing>
+</p:sld>
+</file>
+
+<file path=ppt/slides/slide30.xml><?xml version="1.0" encoding="utf-8"?>
 <p:sld xmlns:a="http://schemas.openxmlformats.org/drawingml/2006/main" xmlns:r="http://schemas.openxmlformats.org/officeDocument/2006/relationships" xmlns:p="http://schemas.openxmlformats.org/presentationml/2006/main">
   <p:cSld>
     <p:spTree>
@@ -17405,7 +18114,7 @@
           <p:cNvPr id="17" name="TextBox 16">
             <a:extLst>
               <a:ext uri="{FF2B5EF4-FFF2-40B4-BE49-F238E27FC236}">
-                <a16:creationId xmlns:a16="http://schemas.microsoft.com/office/drawing/2014/main" xmlns="" id="{5DD81B33-3C10-4B58-9ACC-5628B021DE57}"/>
+                <a16:creationId xmlns:a16="http://schemas.microsoft.com/office/drawing/2014/main" id="{5DD81B33-3C10-4B58-9ACC-5628B021DE57}"/>
               </a:ext>
             </a:extLst>
           </p:cNvPr>
@@ -17456,7 +18165,7 @@
           <p:cNvPr id="47" name="표 46">
             <a:extLst>
               <a:ext uri="{FF2B5EF4-FFF2-40B4-BE49-F238E27FC236}">
-                <a16:creationId xmlns:a16="http://schemas.microsoft.com/office/drawing/2014/main" xmlns="" id="{1D30BC24-FFA8-490B-AE9D-02A0F0A6B7A2}"/>
+                <a16:creationId xmlns:a16="http://schemas.microsoft.com/office/drawing/2014/main" id="{1D30BC24-FFA8-490B-AE9D-02A0F0A6B7A2}"/>
               </a:ext>
             </a:extLst>
           </p:cNvPr>
@@ -17485,21 +18194,21 @@
                 <a:gridCol w="1295988">
                   <a:extLst>
                     <a:ext uri="{9D8B030D-6E8A-4147-A177-3AD203B41FA5}">
-                      <a16:colId xmlns:a16="http://schemas.microsoft.com/office/drawing/2014/main" xmlns="" val="2887738532"/>
+                      <a16:colId xmlns:a16="http://schemas.microsoft.com/office/drawing/2014/main" val="2887738532"/>
                     </a:ext>
                   </a:extLst>
                 </a:gridCol>
                 <a:gridCol w="1975381">
                   <a:extLst>
                     <a:ext uri="{9D8B030D-6E8A-4147-A177-3AD203B41FA5}">
-                      <a16:colId xmlns:a16="http://schemas.microsoft.com/office/drawing/2014/main" xmlns="" val="3449779131"/>
+                      <a16:colId xmlns:a16="http://schemas.microsoft.com/office/drawing/2014/main" val="3449779131"/>
                     </a:ext>
                   </a:extLst>
                 </a:gridCol>
                 <a:gridCol w="4503120">
                   <a:extLst>
                     <a:ext uri="{9D8B030D-6E8A-4147-A177-3AD203B41FA5}">
-                      <a16:colId xmlns:a16="http://schemas.microsoft.com/office/drawing/2014/main" xmlns="" val="2999485284"/>
+                      <a16:colId xmlns:a16="http://schemas.microsoft.com/office/drawing/2014/main" val="2999485284"/>
                     </a:ext>
                   </a:extLst>
                 </a:gridCol>
@@ -17570,7 +18279,7 @@
                 </a:tc>
                 <a:extLst>
                   <a:ext uri="{0D108BD9-81ED-4DB2-BD59-A6C34878D82A}">
-                    <a16:rowId xmlns:a16="http://schemas.microsoft.com/office/drawing/2014/main" xmlns="" val="4215197872"/>
+                    <a16:rowId xmlns:a16="http://schemas.microsoft.com/office/drawing/2014/main" val="4215197872"/>
                   </a:ext>
                 </a:extLst>
               </a:tr>
@@ -17620,7 +18329,7 @@
                 </a:tc>
                 <a:extLst>
                   <a:ext uri="{0D108BD9-81ED-4DB2-BD59-A6C34878D82A}">
-                    <a16:rowId xmlns:a16="http://schemas.microsoft.com/office/drawing/2014/main" xmlns="" val="1488436910"/>
+                    <a16:rowId xmlns:a16="http://schemas.microsoft.com/office/drawing/2014/main" val="1488436910"/>
                   </a:ext>
                 </a:extLst>
               </a:tr>
@@ -17686,7 +18395,7 @@
                 </a:tc>
                 <a:extLst>
                   <a:ext uri="{0D108BD9-81ED-4DB2-BD59-A6C34878D82A}">
-                    <a16:rowId xmlns:a16="http://schemas.microsoft.com/office/drawing/2014/main" xmlns="" val="3962380499"/>
+                    <a16:rowId xmlns:a16="http://schemas.microsoft.com/office/drawing/2014/main" val="3962380499"/>
                   </a:ext>
                 </a:extLst>
               </a:tr>
@@ -17753,7 +18462,7 @@
                 </a:tc>
                 <a:extLst>
                   <a:ext uri="{0D108BD9-81ED-4DB2-BD59-A6C34878D82A}">
-                    <a16:rowId xmlns:a16="http://schemas.microsoft.com/office/drawing/2014/main" xmlns="" val="2061246058"/>
+                    <a16:rowId xmlns:a16="http://schemas.microsoft.com/office/drawing/2014/main" val="2061246058"/>
                   </a:ext>
                 </a:extLst>
               </a:tr>
@@ -17816,7 +18525,7 @@
                 </a:tc>
                 <a:extLst>
                   <a:ext uri="{0D108BD9-81ED-4DB2-BD59-A6C34878D82A}">
-                    <a16:rowId xmlns:a16="http://schemas.microsoft.com/office/drawing/2014/main" xmlns="" val="2880443903"/>
+                    <a16:rowId xmlns:a16="http://schemas.microsoft.com/office/drawing/2014/main" val="2880443903"/>
                   </a:ext>
                 </a:extLst>
               </a:tr>
@@ -17879,7 +18588,7 @@
                 </a:tc>
                 <a:extLst>
                   <a:ext uri="{0D108BD9-81ED-4DB2-BD59-A6C34878D82A}">
-                    <a16:rowId xmlns:a16="http://schemas.microsoft.com/office/drawing/2014/main" xmlns="" val="1699605084"/>
+                    <a16:rowId xmlns:a16="http://schemas.microsoft.com/office/drawing/2014/main" val="1699605084"/>
                   </a:ext>
                 </a:extLst>
               </a:tr>
@@ -17961,7 +18670,7 @@
                 </a:tc>
                 <a:extLst>
                   <a:ext uri="{0D108BD9-81ED-4DB2-BD59-A6C34878D82A}">
-                    <a16:rowId xmlns:a16="http://schemas.microsoft.com/office/drawing/2014/main" xmlns="" val="3673702031"/>
+                    <a16:rowId xmlns:a16="http://schemas.microsoft.com/office/drawing/2014/main" val="3673702031"/>
                   </a:ext>
                 </a:extLst>
               </a:tr>
@@ -18040,7 +18749,7 @@
                 </a:tc>
                 <a:extLst>
                   <a:ext uri="{0D108BD9-81ED-4DB2-BD59-A6C34878D82A}">
-                    <a16:rowId xmlns:a16="http://schemas.microsoft.com/office/drawing/2014/main" xmlns="" val="1031162340"/>
+                    <a16:rowId xmlns:a16="http://schemas.microsoft.com/office/drawing/2014/main" val="1031162340"/>
                   </a:ext>
                 </a:extLst>
               </a:tr>
@@ -18101,7 +18810,7 @@
           <p:cNvPr id="22" name="내용 개체 틀 2">
             <a:extLst>
               <a:ext uri="{FF2B5EF4-FFF2-40B4-BE49-F238E27FC236}">
-                <a16:creationId xmlns:a16="http://schemas.microsoft.com/office/drawing/2014/main" xmlns="" id="{98AF3A4E-7D90-4241-89FE-799D6F9D5A94}"/>
+                <a16:creationId xmlns:a16="http://schemas.microsoft.com/office/drawing/2014/main" id="{98AF3A4E-7D90-4241-89FE-799D6F9D5A94}"/>
               </a:ext>
             </a:extLst>
           </p:cNvPr>
@@ -18359,381 +19068,7 @@
 </p:sld>
 </file>
 
-<file path=ppt/slides/slide3.xml><?xml version="1.0" encoding="utf-8"?>
-<p:sld xmlns:a="http://schemas.openxmlformats.org/drawingml/2006/main" xmlns:r="http://schemas.openxmlformats.org/officeDocument/2006/relationships" xmlns:p="http://schemas.openxmlformats.org/presentationml/2006/main">
-  <p:cSld>
-    <p:spTree>
-      <p:nvGrpSpPr>
-        <p:cNvPr id="1" name=""/>
-        <p:cNvGrpSpPr/>
-        <p:nvPr/>
-      </p:nvGrpSpPr>
-      <p:grpSpPr>
-        <a:xfrm>
-          <a:off x="0" y="0"/>
-          <a:ext cx="0" cy="0"/>
-          <a:chOff x="0" y="0"/>
-          <a:chExt cx="0" cy="0"/>
-        </a:xfrm>
-      </p:grpSpPr>
-      <p:sp>
-        <p:nvSpPr>
-          <p:cNvPr id="6" name="제목 5"/>
-          <p:cNvSpPr>
-            <a:spLocks noGrp="1"/>
-          </p:cNvSpPr>
-          <p:nvPr>
-            <p:ph type="title"/>
-          </p:nvPr>
-        </p:nvSpPr>
-        <p:spPr/>
-        <p:txBody>
-          <a:bodyPr/>
-          <a:lstStyle/>
-          <a:p>
-            <a:r>
-              <a:rPr lang="en-US" altLang="ko-KR" dirty="0" smtClean="0"/>
-              <a:t> </a:t>
-            </a:r>
-            <a:r>
-              <a:rPr lang="ko-KR" altLang="en-US" dirty="0" err="1" smtClean="0"/>
-              <a:t>제네릭</a:t>
-            </a:r>
-            <a:r>
-              <a:rPr lang="en-US" altLang="ko-KR" dirty="0" smtClean="0"/>
-              <a:t>(Generic)</a:t>
-            </a:r>
-            <a:endParaRPr lang="ko-KR" altLang="en-US" dirty="0"/>
-          </a:p>
-        </p:txBody>
-      </p:sp>
-      <p:sp>
-        <p:nvSpPr>
-          <p:cNvPr id="5" name="슬라이드 번호 개체 틀 4"/>
-          <p:cNvSpPr>
-            <a:spLocks noGrp="1"/>
-          </p:cNvSpPr>
-          <p:nvPr>
-            <p:ph type="sldNum" sz="quarter" idx="12"/>
-          </p:nvPr>
-        </p:nvSpPr>
-        <p:spPr>
-          <a:xfrm>
-            <a:off x="8853433" y="7312347"/>
-            <a:ext cx="557267" cy="365125"/>
-          </a:xfrm>
-        </p:spPr>
-        <p:txBody>
-          <a:bodyPr/>
-          <a:lstStyle/>
-          <a:p>
-            <a:fld id="{1BDE3FE7-3AEA-4B05-AC5A-802D1816ACF0}" type="slidenum">
-              <a:rPr lang="ko-KR" altLang="en-US" smtClean="0"/>
-              <a:t>3</a:t>
-            </a:fld>
-            <a:endParaRPr lang="ko-KR" altLang="en-US"/>
-          </a:p>
-        </p:txBody>
-      </p:sp>
-      <p:sp>
-        <p:nvSpPr>
-          <p:cNvPr id="10" name="내용 개체 틀 2">
-            <a:extLst>
-              <a:ext uri="{FF2B5EF4-FFF2-40B4-BE49-F238E27FC236}">
-                <a16:creationId xmlns="" xmlns:a16="http://schemas.microsoft.com/office/drawing/2014/main" id="{98AF3A4E-7D90-4241-89FE-799D6F9D5A94}"/>
-              </a:ext>
-            </a:extLst>
-          </p:cNvPr>
-          <p:cNvSpPr txBox="1">
-            <a:spLocks/>
-          </p:cNvSpPr>
-          <p:nvPr/>
-        </p:nvSpPr>
-        <p:spPr>
-          <a:xfrm>
-            <a:off x="776536" y="1124744"/>
-            <a:ext cx="2664296" cy="432048"/>
-          </a:xfrm>
-          <a:prstGeom prst="rect">
-            <a:avLst/>
-          </a:prstGeom>
-        </p:spPr>
-        <p:txBody>
-          <a:bodyPr/>
-          <a:lstStyle>
-            <a:lvl1pPr marL="228600" indent="-228600" algn="l" defTabSz="914400" rtl="0" eaLnBrk="1" latinLnBrk="1" hangingPunct="1">
-              <a:lnSpc>
-                <a:spcPct val="90000"/>
-              </a:lnSpc>
-              <a:spcBef>
-                <a:spcPts val="1000"/>
-              </a:spcBef>
-              <a:buFont typeface="Arial" panose="020B0604020202020204" pitchFamily="34" charset="0"/>
-              <a:buChar char="•"/>
-              <a:defRPr sz="2800" kern="1200">
-                <a:solidFill>
-                  <a:schemeClr val="tx1"/>
-                </a:solidFill>
-                <a:latin typeface="+mn-lt"/>
-                <a:ea typeface="+mn-ea"/>
-                <a:cs typeface="+mn-cs"/>
-              </a:defRPr>
-            </a:lvl1pPr>
-            <a:lvl2pPr marL="685800" indent="-228600" algn="l" defTabSz="914400" rtl="0" eaLnBrk="1" latinLnBrk="1" hangingPunct="1">
-              <a:lnSpc>
-                <a:spcPct val="90000"/>
-              </a:lnSpc>
-              <a:spcBef>
-                <a:spcPts val="500"/>
-              </a:spcBef>
-              <a:buFont typeface="Arial" panose="020B0604020202020204" pitchFamily="34" charset="0"/>
-              <a:buChar char="•"/>
-              <a:defRPr sz="2400" kern="1200">
-                <a:solidFill>
-                  <a:schemeClr val="tx1"/>
-                </a:solidFill>
-                <a:latin typeface="+mn-lt"/>
-                <a:ea typeface="+mn-ea"/>
-                <a:cs typeface="+mn-cs"/>
-              </a:defRPr>
-            </a:lvl2pPr>
-            <a:lvl3pPr marL="1143000" indent="-228600" algn="l" defTabSz="914400" rtl="0" eaLnBrk="1" latinLnBrk="1" hangingPunct="1">
-              <a:lnSpc>
-                <a:spcPct val="90000"/>
-              </a:lnSpc>
-              <a:spcBef>
-                <a:spcPts val="500"/>
-              </a:spcBef>
-              <a:buFont typeface="Arial" panose="020B0604020202020204" pitchFamily="34" charset="0"/>
-              <a:buChar char="•"/>
-              <a:defRPr sz="2000" kern="1200">
-                <a:solidFill>
-                  <a:schemeClr val="tx1"/>
-                </a:solidFill>
-                <a:latin typeface="+mn-lt"/>
-                <a:ea typeface="+mn-ea"/>
-                <a:cs typeface="+mn-cs"/>
-              </a:defRPr>
-            </a:lvl3pPr>
-            <a:lvl4pPr marL="1600200" indent="-228600" algn="l" defTabSz="914400" rtl="0" eaLnBrk="1" latinLnBrk="1" hangingPunct="1">
-              <a:lnSpc>
-                <a:spcPct val="90000"/>
-              </a:lnSpc>
-              <a:spcBef>
-                <a:spcPts val="500"/>
-              </a:spcBef>
-              <a:buFont typeface="Arial" panose="020B0604020202020204" pitchFamily="34" charset="0"/>
-              <a:buChar char="•"/>
-              <a:defRPr sz="1800" kern="1200">
-                <a:solidFill>
-                  <a:schemeClr val="tx1"/>
-                </a:solidFill>
-                <a:latin typeface="+mn-lt"/>
-                <a:ea typeface="+mn-ea"/>
-                <a:cs typeface="+mn-cs"/>
-              </a:defRPr>
-            </a:lvl4pPr>
-            <a:lvl5pPr marL="2057400" indent="-228600" algn="l" defTabSz="914400" rtl="0" eaLnBrk="1" latinLnBrk="1" hangingPunct="1">
-              <a:lnSpc>
-                <a:spcPct val="90000"/>
-              </a:lnSpc>
-              <a:spcBef>
-                <a:spcPts val="500"/>
-              </a:spcBef>
-              <a:buFont typeface="Arial" panose="020B0604020202020204" pitchFamily="34" charset="0"/>
-              <a:buChar char="•"/>
-              <a:defRPr sz="1800" kern="1200">
-                <a:solidFill>
-                  <a:schemeClr val="tx1"/>
-                </a:solidFill>
-                <a:latin typeface="+mn-lt"/>
-                <a:ea typeface="+mn-ea"/>
-                <a:cs typeface="+mn-cs"/>
-              </a:defRPr>
-            </a:lvl5pPr>
-            <a:lvl6pPr marL="2514600" indent="-228600" algn="l" defTabSz="914400" rtl="0" eaLnBrk="1" latinLnBrk="1" hangingPunct="1">
-              <a:lnSpc>
-                <a:spcPct val="90000"/>
-              </a:lnSpc>
-              <a:spcBef>
-                <a:spcPts val="500"/>
-              </a:spcBef>
-              <a:buFont typeface="Arial" panose="020B0604020202020204" pitchFamily="34" charset="0"/>
-              <a:buChar char="•"/>
-              <a:defRPr sz="1800" kern="1200">
-                <a:solidFill>
-                  <a:schemeClr val="tx1"/>
-                </a:solidFill>
-                <a:latin typeface="+mn-lt"/>
-                <a:ea typeface="+mn-ea"/>
-                <a:cs typeface="+mn-cs"/>
-              </a:defRPr>
-            </a:lvl6pPr>
-            <a:lvl7pPr marL="2971800" indent="-228600" algn="l" defTabSz="914400" rtl="0" eaLnBrk="1" latinLnBrk="1" hangingPunct="1">
-              <a:lnSpc>
-                <a:spcPct val="90000"/>
-              </a:lnSpc>
-              <a:spcBef>
-                <a:spcPts val="500"/>
-              </a:spcBef>
-              <a:buFont typeface="Arial" panose="020B0604020202020204" pitchFamily="34" charset="0"/>
-              <a:buChar char="•"/>
-              <a:defRPr sz="1800" kern="1200">
-                <a:solidFill>
-                  <a:schemeClr val="tx1"/>
-                </a:solidFill>
-                <a:latin typeface="+mn-lt"/>
-                <a:ea typeface="+mn-ea"/>
-                <a:cs typeface="+mn-cs"/>
-              </a:defRPr>
-            </a:lvl7pPr>
-            <a:lvl8pPr marL="3429000" indent="-228600" algn="l" defTabSz="914400" rtl="0" eaLnBrk="1" latinLnBrk="1" hangingPunct="1">
-              <a:lnSpc>
-                <a:spcPct val="90000"/>
-              </a:lnSpc>
-              <a:spcBef>
-                <a:spcPts val="500"/>
-              </a:spcBef>
-              <a:buFont typeface="Arial" panose="020B0604020202020204" pitchFamily="34" charset="0"/>
-              <a:buChar char="•"/>
-              <a:defRPr sz="1800" kern="1200">
-                <a:solidFill>
-                  <a:schemeClr val="tx1"/>
-                </a:solidFill>
-                <a:latin typeface="+mn-lt"/>
-                <a:ea typeface="+mn-ea"/>
-                <a:cs typeface="+mn-cs"/>
-              </a:defRPr>
-            </a:lvl8pPr>
-            <a:lvl9pPr marL="3886200" indent="-228600" algn="l" defTabSz="914400" rtl="0" eaLnBrk="1" latinLnBrk="1" hangingPunct="1">
-              <a:lnSpc>
-                <a:spcPct val="90000"/>
-              </a:lnSpc>
-              <a:spcBef>
-                <a:spcPts val="500"/>
-              </a:spcBef>
-              <a:buFont typeface="Arial" panose="020B0604020202020204" pitchFamily="34" charset="0"/>
-              <a:buChar char="•"/>
-              <a:defRPr sz="1800" kern="1200">
-                <a:solidFill>
-                  <a:schemeClr val="tx1"/>
-                </a:solidFill>
-                <a:latin typeface="+mn-lt"/>
-                <a:ea typeface="+mn-ea"/>
-                <a:cs typeface="+mn-cs"/>
-              </a:defRPr>
-            </a:lvl9pPr>
-          </a:lstStyle>
-          <a:p>
-            <a:pPr marL="0" indent="0">
-              <a:lnSpc>
-                <a:spcPct val="100000"/>
-              </a:lnSpc>
-              <a:buNone/>
-            </a:pPr>
-            <a:r>
-              <a:rPr lang="ko-KR" altLang="en-US" sz="2000" b="1" dirty="0" smtClean="0">
-                <a:solidFill>
-                  <a:srgbClr val="C00000"/>
-                </a:solidFill>
-              </a:rPr>
-              <a:t> </a:t>
-            </a:r>
-            <a:r>
-              <a:rPr lang="ko-KR" altLang="en-US" sz="2000" b="1" dirty="0" err="1" smtClean="0">
-                <a:solidFill>
-                  <a:srgbClr val="C00000"/>
-                </a:solidFill>
-              </a:rPr>
-              <a:t>제네릭</a:t>
-            </a:r>
-            <a:r>
-              <a:rPr lang="ko-KR" altLang="en-US" sz="2000" b="1" dirty="0" smtClean="0">
-                <a:solidFill>
-                  <a:srgbClr val="C00000"/>
-                </a:solidFill>
-              </a:rPr>
-              <a:t> 프로그래밍</a:t>
-            </a:r>
-            <a:endParaRPr lang="en-US" altLang="ko-KR" sz="2000" b="1" dirty="0" smtClean="0">
-              <a:solidFill>
-                <a:srgbClr val="C00000"/>
-              </a:solidFill>
-            </a:endParaRPr>
-          </a:p>
-          <a:p>
-            <a:pPr marL="457200" lvl="1" indent="0">
-              <a:lnSpc>
-                <a:spcPct val="150000"/>
-              </a:lnSpc>
-              <a:buNone/>
-            </a:pPr>
-            <a:endParaRPr lang="en-US" altLang="ko-KR" sz="1400" dirty="0" smtClean="0">
-              <a:solidFill>
-                <a:srgbClr val="002060"/>
-              </a:solidFill>
-            </a:endParaRPr>
-          </a:p>
-        </p:txBody>
-      </p:sp>
-      <p:pic>
-        <p:nvPicPr>
-          <p:cNvPr id="2" name="그림 1"/>
-          <p:cNvPicPr>
-            <a:picLocks noChangeAspect="1"/>
-          </p:cNvPicPr>
-          <p:nvPr/>
-        </p:nvPicPr>
-        <p:blipFill>
-          <a:blip r:embed="rId2">
-            <a:extLst>
-              <a:ext uri="{28A0092B-C50C-407E-A947-70E740481C1C}">
-                <a14:useLocalDpi xmlns:a14="http://schemas.microsoft.com/office/drawing/2010/main" val="0"/>
-              </a:ext>
-            </a:extLst>
-          </a:blip>
-          <a:stretch>
-            <a:fillRect/>
-          </a:stretch>
-        </p:blipFill>
-        <p:spPr>
-          <a:xfrm>
-            <a:off x="1640632" y="1688976"/>
-            <a:ext cx="6462602" cy="4176464"/>
-          </a:xfrm>
-          <a:prstGeom prst="rect">
-            <a:avLst/>
-          </a:prstGeom>
-          <a:ln>
-            <a:solidFill>
-              <a:schemeClr val="bg1">
-                <a:lumMod val="85000"/>
-              </a:schemeClr>
-            </a:solidFill>
-          </a:ln>
-        </p:spPr>
-      </p:pic>
-    </p:spTree>
-    <p:extLst>
-      <p:ext uri="{BB962C8B-B14F-4D97-AF65-F5344CB8AC3E}">
-        <p14:creationId xmlns:p14="http://schemas.microsoft.com/office/powerpoint/2010/main" val="4260869153"/>
-      </p:ext>
-    </p:extLst>
-  </p:cSld>
-  <p:clrMapOvr>
-    <a:masterClrMapping/>
-  </p:clrMapOvr>
-  <p:timing>
-    <p:tnLst>
-      <p:par>
-        <p:cTn id="1" dur="indefinite" restart="never" nodeType="tmRoot"/>
-      </p:par>
-    </p:tnLst>
-  </p:timing>
-</p:sld>
-</file>
-
-<file path=ppt/slides/slide30.xml><?xml version="1.0" encoding="utf-8"?>
+<file path=ppt/slides/slide31.xml><?xml version="1.0" encoding="utf-8"?>
 <p:sld xmlns:a="http://schemas.openxmlformats.org/drawingml/2006/main" xmlns:r="http://schemas.openxmlformats.org/officeDocument/2006/relationships" xmlns:p="http://schemas.openxmlformats.org/presentationml/2006/main">
   <p:cSld>
     <p:spTree>
@@ -18755,7 +19090,7 @@
           <p:cNvPr id="6" name="표 5">
             <a:extLst>
               <a:ext uri="{FF2B5EF4-FFF2-40B4-BE49-F238E27FC236}">
-                <a16:creationId xmlns:a16="http://schemas.microsoft.com/office/drawing/2014/main" xmlns="" id="{9D1C71B3-FC1A-48F7-B09D-713D710174F7}"/>
+                <a16:creationId xmlns:a16="http://schemas.microsoft.com/office/drawing/2014/main" id="{9D1C71B3-FC1A-48F7-B09D-713D710174F7}"/>
               </a:ext>
             </a:extLst>
           </p:cNvPr>
@@ -18784,7 +19119,7 @@
                 <a:gridCol w="3156348">
                   <a:extLst>
                     <a:ext uri="{9D8B030D-6E8A-4147-A177-3AD203B41FA5}">
-                      <a16:colId xmlns:a16="http://schemas.microsoft.com/office/drawing/2014/main" xmlns="" val="3058073475"/>
+                      <a16:colId xmlns:a16="http://schemas.microsoft.com/office/drawing/2014/main" val="3058073475"/>
                     </a:ext>
                   </a:extLst>
                 </a:gridCol>
@@ -18991,7 +19326,7 @@
                 </a:tc>
                 <a:extLst>
                   <a:ext uri="{0D108BD9-81ED-4DB2-BD59-A6C34878D82A}">
-                    <a16:rowId xmlns:a16="http://schemas.microsoft.com/office/drawing/2014/main" xmlns="" val="1680081826"/>
+                    <a16:rowId xmlns:a16="http://schemas.microsoft.com/office/drawing/2014/main" val="1680081826"/>
                   </a:ext>
                 </a:extLst>
               </a:tr>
@@ -19004,7 +19339,7 @@
           <p:cNvPr id="7" name="표 6">
             <a:extLst>
               <a:ext uri="{FF2B5EF4-FFF2-40B4-BE49-F238E27FC236}">
-                <a16:creationId xmlns:a16="http://schemas.microsoft.com/office/drawing/2014/main" xmlns="" id="{0CE8EED0-65B0-48C9-9E39-C37334B94B8E}"/>
+                <a16:creationId xmlns:a16="http://schemas.microsoft.com/office/drawing/2014/main" id="{0CE8EED0-65B0-48C9-9E39-C37334B94B8E}"/>
               </a:ext>
             </a:extLst>
           </p:cNvPr>
@@ -19033,7 +19368,7 @@
                 <a:gridCol w="4439415">
                   <a:extLst>
                     <a:ext uri="{9D8B030D-6E8A-4147-A177-3AD203B41FA5}">
-                      <a16:colId xmlns:a16="http://schemas.microsoft.com/office/drawing/2014/main" xmlns="" val="3058073475"/>
+                      <a16:colId xmlns:a16="http://schemas.microsoft.com/office/drawing/2014/main" val="3058073475"/>
                     </a:ext>
                   </a:extLst>
                 </a:gridCol>
@@ -19167,7 +19502,7 @@
                 </a:tc>
                 <a:extLst>
                   <a:ext uri="{0D108BD9-81ED-4DB2-BD59-A6C34878D82A}">
-                    <a16:rowId xmlns:a16="http://schemas.microsoft.com/office/drawing/2014/main" xmlns="" val="1680081826"/>
+                    <a16:rowId xmlns:a16="http://schemas.microsoft.com/office/drawing/2014/main" val="1680081826"/>
                   </a:ext>
                 </a:extLst>
               </a:tr>
@@ -19180,7 +19515,7 @@
           <p:cNvPr id="8" name="TextBox 7">
             <a:extLst>
               <a:ext uri="{FF2B5EF4-FFF2-40B4-BE49-F238E27FC236}">
-                <a16:creationId xmlns:a16="http://schemas.microsoft.com/office/drawing/2014/main" xmlns="" id="{C7F4F14B-265B-46DD-A725-91BD64960136}"/>
+                <a16:creationId xmlns:a16="http://schemas.microsoft.com/office/drawing/2014/main" id="{C7F4F14B-265B-46DD-A725-91BD64960136}"/>
               </a:ext>
             </a:extLst>
           </p:cNvPr>
@@ -19273,7 +19608,7 @@
           <p:cNvPr id="9" name="TextBox 8">
             <a:extLst>
               <a:ext uri="{FF2B5EF4-FFF2-40B4-BE49-F238E27FC236}">
-                <a16:creationId xmlns:a16="http://schemas.microsoft.com/office/drawing/2014/main" xmlns="" id="{018675D8-1D5D-4734-9CF0-8EEE8CCDC125}"/>
+                <a16:creationId xmlns:a16="http://schemas.microsoft.com/office/drawing/2014/main" id="{018675D8-1D5D-4734-9CF0-8EEE8CCDC125}"/>
               </a:ext>
             </a:extLst>
           </p:cNvPr>
@@ -19392,7 +19727,7 @@
 </p:sld>
 </file>
 
-<file path=ppt/slides/slide31.xml><?xml version="1.0" encoding="utf-8"?>
+<file path=ppt/slides/slide32.xml><?xml version="1.0" encoding="utf-8"?>
 <p:sld xmlns:a="http://schemas.openxmlformats.org/drawingml/2006/main" xmlns:r="http://schemas.openxmlformats.org/officeDocument/2006/relationships" xmlns:p="http://schemas.openxmlformats.org/presentationml/2006/main">
   <p:cSld>
     <p:spTree>
@@ -19630,7 +19965,7 @@
           <p:cNvPr id="6" name="표 5">
             <a:extLst>
               <a:ext uri="{FF2B5EF4-FFF2-40B4-BE49-F238E27FC236}">
-                <a16:creationId xmlns:a16="http://schemas.microsoft.com/office/drawing/2014/main" xmlns="" id="{71241191-1320-448B-958D-8CB79767C029}"/>
+                <a16:creationId xmlns:a16="http://schemas.microsoft.com/office/drawing/2014/main" id="{71241191-1320-448B-958D-8CB79767C029}"/>
               </a:ext>
             </a:extLst>
           </p:cNvPr>
@@ -19659,21 +19994,21 @@
                 <a:gridCol w="1352396">
                   <a:extLst>
                     <a:ext uri="{9D8B030D-6E8A-4147-A177-3AD203B41FA5}">
-                      <a16:colId xmlns:a16="http://schemas.microsoft.com/office/drawing/2014/main" xmlns="" val="2999485284"/>
+                      <a16:colId xmlns:a16="http://schemas.microsoft.com/office/drawing/2014/main" val="2999485284"/>
                     </a:ext>
                   </a:extLst>
                 </a:gridCol>
                 <a:gridCol w="1550676">
                   <a:extLst>
                     <a:ext uri="{9D8B030D-6E8A-4147-A177-3AD203B41FA5}">
-                      <a16:colId xmlns:a16="http://schemas.microsoft.com/office/drawing/2014/main" xmlns="" val="1302133471"/>
+                      <a16:colId xmlns:a16="http://schemas.microsoft.com/office/drawing/2014/main" val="1302133471"/>
                     </a:ext>
                   </a:extLst>
                 </a:gridCol>
                 <a:gridCol w="4491906">
                   <a:extLst>
                     <a:ext uri="{9D8B030D-6E8A-4147-A177-3AD203B41FA5}">
-                      <a16:colId xmlns:a16="http://schemas.microsoft.com/office/drawing/2014/main" xmlns="" val="3478021724"/>
+                      <a16:colId xmlns:a16="http://schemas.microsoft.com/office/drawing/2014/main" val="3478021724"/>
                     </a:ext>
                   </a:extLst>
                 </a:gridCol>
@@ -19745,7 +20080,7 @@
                 </a:tc>
                 <a:extLst>
                   <a:ext uri="{0D108BD9-81ED-4DB2-BD59-A6C34878D82A}">
-                    <a16:rowId xmlns:a16="http://schemas.microsoft.com/office/drawing/2014/main" xmlns="" val="4215197872"/>
+                    <a16:rowId xmlns:a16="http://schemas.microsoft.com/office/drawing/2014/main" val="4215197872"/>
                   </a:ext>
                 </a:extLst>
               </a:tr>
@@ -19819,7 +20154,7 @@
                 </a:tc>
                 <a:extLst>
                   <a:ext uri="{0D108BD9-81ED-4DB2-BD59-A6C34878D82A}">
-                    <a16:rowId xmlns:a16="http://schemas.microsoft.com/office/drawing/2014/main" xmlns="" val="1488436910"/>
+                    <a16:rowId xmlns:a16="http://schemas.microsoft.com/office/drawing/2014/main" val="1488436910"/>
                   </a:ext>
                 </a:extLst>
               </a:tr>
@@ -19878,7 +20213,7 @@
                 </a:tc>
                 <a:extLst>
                   <a:ext uri="{0D108BD9-81ED-4DB2-BD59-A6C34878D82A}">
-                    <a16:rowId xmlns:a16="http://schemas.microsoft.com/office/drawing/2014/main" xmlns="" val="1701167864"/>
+                    <a16:rowId xmlns:a16="http://schemas.microsoft.com/office/drawing/2014/main" val="1701167864"/>
                   </a:ext>
                 </a:extLst>
               </a:tr>
@@ -19941,7 +20276,7 @@
                 </a:tc>
                 <a:extLst>
                   <a:ext uri="{0D108BD9-81ED-4DB2-BD59-A6C34878D82A}">
-                    <a16:rowId xmlns:a16="http://schemas.microsoft.com/office/drawing/2014/main" xmlns="" val="631478700"/>
+                    <a16:rowId xmlns:a16="http://schemas.microsoft.com/office/drawing/2014/main" val="631478700"/>
                   </a:ext>
                 </a:extLst>
               </a:tr>
@@ -19969,7 +20304,7 @@
 </p:sld>
 </file>
 
-<file path=ppt/slides/slide32.xml><?xml version="1.0" encoding="utf-8"?>
+<file path=ppt/slides/slide33.xml><?xml version="1.0" encoding="utf-8"?>
 <p:sld xmlns:a="http://schemas.openxmlformats.org/drawingml/2006/main" xmlns:r="http://schemas.openxmlformats.org/officeDocument/2006/relationships" xmlns:p="http://schemas.openxmlformats.org/presentationml/2006/main">
   <p:cSld>
     <p:spTree>
@@ -19991,7 +20326,7 @@
           <p:cNvPr id="8" name="TextBox 7">
             <a:extLst>
               <a:ext uri="{FF2B5EF4-FFF2-40B4-BE49-F238E27FC236}">
-                <a16:creationId xmlns:a16="http://schemas.microsoft.com/office/drawing/2014/main" xmlns="" id="{C7F4F14B-265B-46DD-A725-91BD64960136}"/>
+                <a16:creationId xmlns:a16="http://schemas.microsoft.com/office/drawing/2014/main" id="{C7F4F14B-265B-46DD-A725-91BD64960136}"/>
               </a:ext>
             </a:extLst>
           </p:cNvPr>
@@ -20079,7 +20414,7 @@
           <p:cNvPr id="4" name="TextBox 3">
             <a:extLst>
               <a:ext uri="{FF2B5EF4-FFF2-40B4-BE49-F238E27FC236}">
-                <a16:creationId xmlns:a16="http://schemas.microsoft.com/office/drawing/2014/main" xmlns="" id="{DABE89A6-533F-4367-A602-9ECEC9076468}"/>
+                <a16:creationId xmlns:a16="http://schemas.microsoft.com/office/drawing/2014/main" id="{DABE89A6-533F-4367-A602-9ECEC9076468}"/>
               </a:ext>
             </a:extLst>
           </p:cNvPr>
@@ -20148,7 +20483,7 @@
             <p:cNvPr id="5" name="사각형: 둥근 모서리 4">
               <a:extLst>
                 <a:ext uri="{FF2B5EF4-FFF2-40B4-BE49-F238E27FC236}">
-                  <a16:creationId xmlns:a16="http://schemas.microsoft.com/office/drawing/2014/main" xmlns="" id="{DAA95F64-EA57-4B0A-8DAC-8F59AF8587E0}"/>
+                  <a16:creationId xmlns:a16="http://schemas.microsoft.com/office/drawing/2014/main" id="{DAA95F64-EA57-4B0A-8DAC-8F59AF8587E0}"/>
                 </a:ext>
               </a:extLst>
             </p:cNvPr>
@@ -20234,7 +20569,7 @@
             <p:cNvPr id="6" name="타원 5">
               <a:extLst>
                 <a:ext uri="{FF2B5EF4-FFF2-40B4-BE49-F238E27FC236}">
-                  <a16:creationId xmlns:a16="http://schemas.microsoft.com/office/drawing/2014/main" xmlns="" id="{545A2248-DE63-421E-9662-0A63ED8E99D3}"/>
+                  <a16:creationId xmlns:a16="http://schemas.microsoft.com/office/drawing/2014/main" id="{545A2248-DE63-421E-9662-0A63ED8E99D3}"/>
                 </a:ext>
               </a:extLst>
             </p:cNvPr>
@@ -20306,7 +20641,7 @@
             <p:cNvPr id="7" name="사각형: 둥근 모서리 6">
               <a:extLst>
                 <a:ext uri="{FF2B5EF4-FFF2-40B4-BE49-F238E27FC236}">
-                  <a16:creationId xmlns:a16="http://schemas.microsoft.com/office/drawing/2014/main" xmlns="" id="{BD008B58-3B07-4599-8A1F-866791D2B574}"/>
+                  <a16:creationId xmlns:a16="http://schemas.microsoft.com/office/drawing/2014/main" id="{BD008B58-3B07-4599-8A1F-866791D2B574}"/>
                 </a:ext>
               </a:extLst>
             </p:cNvPr>
@@ -20388,7 +20723,7 @@
             <p:cNvPr id="9" name="타원 8">
               <a:extLst>
                 <a:ext uri="{FF2B5EF4-FFF2-40B4-BE49-F238E27FC236}">
-                  <a16:creationId xmlns:a16="http://schemas.microsoft.com/office/drawing/2014/main" xmlns="" id="{950D67FD-B0D7-4EDC-9631-56D6EC89D5F8}"/>
+                  <a16:creationId xmlns:a16="http://schemas.microsoft.com/office/drawing/2014/main" id="{950D67FD-B0D7-4EDC-9631-56D6EC89D5F8}"/>
                 </a:ext>
               </a:extLst>
             </p:cNvPr>
@@ -20460,7 +20795,7 @@
             <p:cNvPr id="11" name="직선 화살표 연결선 10">
               <a:extLst>
                 <a:ext uri="{FF2B5EF4-FFF2-40B4-BE49-F238E27FC236}">
-                  <a16:creationId xmlns:a16="http://schemas.microsoft.com/office/drawing/2014/main" xmlns="" id="{ED6DC7B1-86A1-4E35-B826-3243AA759CC5}"/>
+                  <a16:creationId xmlns:a16="http://schemas.microsoft.com/office/drawing/2014/main" id="{ED6DC7B1-86A1-4E35-B826-3243AA759CC5}"/>
                 </a:ext>
               </a:extLst>
             </p:cNvPr>
@@ -20504,7 +20839,7 @@
             <p:cNvPr id="12" name="직선 화살표 연결선 11">
               <a:extLst>
                 <a:ext uri="{FF2B5EF4-FFF2-40B4-BE49-F238E27FC236}">
-                  <a16:creationId xmlns:a16="http://schemas.microsoft.com/office/drawing/2014/main" xmlns="" id="{AAEDE0F6-09A4-49A0-84CD-CB2DB539E85F}"/>
+                  <a16:creationId xmlns:a16="http://schemas.microsoft.com/office/drawing/2014/main" id="{AAEDE0F6-09A4-49A0-84CD-CB2DB539E85F}"/>
                 </a:ext>
               </a:extLst>
             </p:cNvPr>
@@ -20548,7 +20883,7 @@
             <p:cNvPr id="13" name="자유형: 도형 12">
               <a:extLst>
                 <a:ext uri="{FF2B5EF4-FFF2-40B4-BE49-F238E27FC236}">
-                  <a16:creationId xmlns:a16="http://schemas.microsoft.com/office/drawing/2014/main" xmlns="" id="{AD8F86C2-C59F-4F13-B058-ED71FC97C112}"/>
+                  <a16:creationId xmlns:a16="http://schemas.microsoft.com/office/drawing/2014/main" id="{AD8F86C2-C59F-4F13-B058-ED71FC97C112}"/>
                 </a:ext>
               </a:extLst>
             </p:cNvPr>
@@ -20636,7 +20971,7 @@
             <p:cNvPr id="14" name="직선 화살표 연결선 13">
               <a:extLst>
                 <a:ext uri="{FF2B5EF4-FFF2-40B4-BE49-F238E27FC236}">
-                  <a16:creationId xmlns:a16="http://schemas.microsoft.com/office/drawing/2014/main" xmlns="" id="{CDBE2CE8-E894-4D74-B4A5-4490C0DA3360}"/>
+                  <a16:creationId xmlns:a16="http://schemas.microsoft.com/office/drawing/2014/main" id="{CDBE2CE8-E894-4D74-B4A5-4490C0DA3360}"/>
                 </a:ext>
               </a:extLst>
             </p:cNvPr>
@@ -20680,7 +21015,7 @@
             <p:cNvPr id="15" name="TextBox 14">
               <a:extLst>
                 <a:ext uri="{FF2B5EF4-FFF2-40B4-BE49-F238E27FC236}">
-                  <a16:creationId xmlns:a16="http://schemas.microsoft.com/office/drawing/2014/main" xmlns="" id="{8BED18BE-0117-4B26-ADEA-40AE3E739552}"/>
+                  <a16:creationId xmlns:a16="http://schemas.microsoft.com/office/drawing/2014/main" id="{8BED18BE-0117-4B26-ADEA-40AE3E739552}"/>
                 </a:ext>
               </a:extLst>
             </p:cNvPr>
@@ -20716,7 +21051,7 @@
             <p:cNvPr id="16" name="TextBox 15">
               <a:extLst>
                 <a:ext uri="{FF2B5EF4-FFF2-40B4-BE49-F238E27FC236}">
-                  <a16:creationId xmlns:a16="http://schemas.microsoft.com/office/drawing/2014/main" xmlns="" id="{F58CAA0B-4372-41AE-A262-DABDFE272267}"/>
+                  <a16:creationId xmlns:a16="http://schemas.microsoft.com/office/drawing/2014/main" id="{F58CAA0B-4372-41AE-A262-DABDFE272267}"/>
                 </a:ext>
               </a:extLst>
             </p:cNvPr>
@@ -20756,7 +21091,7 @@
             <p:cNvPr id="17" name="TextBox 16">
               <a:extLst>
                 <a:ext uri="{FF2B5EF4-FFF2-40B4-BE49-F238E27FC236}">
-                  <a16:creationId xmlns:a16="http://schemas.microsoft.com/office/drawing/2014/main" xmlns="" id="{04346DF9-7CDF-4200-ADBA-D5D5D622B1B9}"/>
+                  <a16:creationId xmlns:a16="http://schemas.microsoft.com/office/drawing/2014/main" id="{04346DF9-7CDF-4200-ADBA-D5D5D622B1B9}"/>
                 </a:ext>
               </a:extLst>
             </p:cNvPr>
@@ -20801,7 +21136,7 @@
             <p:cNvPr id="18" name="TextBox 17">
               <a:extLst>
                 <a:ext uri="{FF2B5EF4-FFF2-40B4-BE49-F238E27FC236}">
-                  <a16:creationId xmlns:a16="http://schemas.microsoft.com/office/drawing/2014/main" xmlns="" id="{13491EB5-806A-47CD-A9B8-2391C5637440}"/>
+                  <a16:creationId xmlns:a16="http://schemas.microsoft.com/office/drawing/2014/main" id="{13491EB5-806A-47CD-A9B8-2391C5637440}"/>
                 </a:ext>
               </a:extLst>
             </p:cNvPr>
@@ -20839,7 +21174,7 @@
           <p:cNvPr id="20" name="내용 개체 틀 2">
             <a:extLst>
               <a:ext uri="{FF2B5EF4-FFF2-40B4-BE49-F238E27FC236}">
-                <a16:creationId xmlns:a16="http://schemas.microsoft.com/office/drawing/2014/main" xmlns="" id="{98AF3A4E-7D90-4241-89FE-799D6F9D5A94}"/>
+                <a16:creationId xmlns:a16="http://schemas.microsoft.com/office/drawing/2014/main" id="{98AF3A4E-7D90-4241-89FE-799D6F9D5A94}"/>
               </a:ext>
             </a:extLst>
           </p:cNvPr>
@@ -21135,7 +21470,7 @@
 </p:sld>
 </file>
 
-<file path=ppt/slides/slide33.xml><?xml version="1.0" encoding="utf-8"?>
+<file path=ppt/slides/slide34.xml><?xml version="1.0" encoding="utf-8"?>
 <p:sld xmlns:a="http://schemas.openxmlformats.org/drawingml/2006/main" xmlns:r="http://schemas.openxmlformats.org/officeDocument/2006/relationships" xmlns:p="http://schemas.openxmlformats.org/presentationml/2006/main">
   <p:cSld>
     <p:spTree>
@@ -21294,7 +21629,7 @@
 </p:sld>
 </file>
 
-<file path=ppt/slides/slide34.xml><?xml version="1.0" encoding="utf-8"?>
+<file path=ppt/slides/slide35.xml><?xml version="1.0" encoding="utf-8"?>
 <p:sld xmlns:a="http://schemas.openxmlformats.org/drawingml/2006/main" xmlns:r="http://schemas.openxmlformats.org/officeDocument/2006/relationships" xmlns:p="http://schemas.openxmlformats.org/presentationml/2006/main">
   <p:cSld>
     <p:spTree>
@@ -21416,7 +21751,7 @@
 </p:sld>
 </file>
 
-<file path=ppt/slides/slide35.xml><?xml version="1.0" encoding="utf-8"?>
+<file path=ppt/slides/slide36.xml><?xml version="1.0" encoding="utf-8"?>
 <p:sld xmlns:a="http://schemas.openxmlformats.org/drawingml/2006/main" xmlns:r="http://schemas.openxmlformats.org/officeDocument/2006/relationships" xmlns:p="http://schemas.openxmlformats.org/presentationml/2006/main">
   <p:cSld>
     <p:spTree>
@@ -21538,7 +21873,7 @@
 </p:sld>
 </file>
 
-<file path=ppt/slides/slide36.xml><?xml version="1.0" encoding="utf-8"?>
+<file path=ppt/slides/slide37.xml><?xml version="1.0" encoding="utf-8"?>
 <p:sld xmlns:a="http://schemas.openxmlformats.org/drawingml/2006/main" xmlns:r="http://schemas.openxmlformats.org/officeDocument/2006/relationships" xmlns:p="http://schemas.openxmlformats.org/presentationml/2006/main">
   <p:cSld>
     <p:spTree>
@@ -21697,7 +22032,7 @@
 </p:sld>
 </file>
 
-<file path=ppt/slides/slide37.xml><?xml version="1.0" encoding="utf-8"?>
+<file path=ppt/slides/slide38.xml><?xml version="1.0" encoding="utf-8"?>
 <p:sld xmlns:a="http://schemas.openxmlformats.org/drawingml/2006/main" xmlns:r="http://schemas.openxmlformats.org/officeDocument/2006/relationships" xmlns:p="http://schemas.openxmlformats.org/presentationml/2006/main">
   <p:cSld>
     <p:spTree>
@@ -21765,7 +22100,7 @@
           <a:p>
             <a:fld id="{1BDE3FE7-3AEA-4B05-AC5A-802D1816ACF0}" type="slidenum">
               <a:rPr lang="ko-KR" altLang="en-US" smtClean="0"/>
-              <a:t>37</a:t>
+              <a:t>38</a:t>
             </a:fld>
             <a:endParaRPr lang="ko-KR" altLang="en-US"/>
           </a:p>
@@ -21776,7 +22111,7 @@
           <p:cNvPr id="7" name="내용 개체 틀 2">
             <a:extLst>
               <a:ext uri="{FF2B5EF4-FFF2-40B4-BE49-F238E27FC236}">
-                <a16:creationId xmlns:a16="http://schemas.microsoft.com/office/drawing/2014/main" xmlns="" id="{98AF3A4E-7D90-4241-89FE-799D6F9D5A94}"/>
+                <a16:creationId xmlns:a16="http://schemas.microsoft.com/office/drawing/2014/main" id="{98AF3A4E-7D90-4241-89FE-799D6F9D5A94}"/>
               </a:ext>
             </a:extLst>
           </p:cNvPr>
@@ -22194,7 +22529,7 @@
 </p:sld>
 </file>
 
-<file path=ppt/slides/slide38.xml><?xml version="1.0" encoding="utf-8"?>
+<file path=ppt/slides/slide39.xml><?xml version="1.0" encoding="utf-8"?>
 <p:sld xmlns:a="http://schemas.openxmlformats.org/drawingml/2006/main" xmlns:r="http://schemas.openxmlformats.org/officeDocument/2006/relationships" xmlns:p="http://schemas.openxmlformats.org/presentationml/2006/main">
   <p:cSld>
     <p:spTree>
@@ -22262,7 +22597,7 @@
           <a:p>
             <a:fld id="{1BDE3FE7-3AEA-4B05-AC5A-802D1816ACF0}" type="slidenum">
               <a:rPr lang="ko-KR" altLang="en-US" smtClean="0"/>
-              <a:t>38</a:t>
+              <a:t>39</a:t>
             </a:fld>
             <a:endParaRPr lang="ko-KR" altLang="en-US"/>
           </a:p>
@@ -22401,840 +22736,6 @@
 </p:sld>
 </file>
 
-<file path=ppt/slides/slide39.xml><?xml version="1.0" encoding="utf-8"?>
-<p:sld xmlns:a="http://schemas.openxmlformats.org/drawingml/2006/main" xmlns:r="http://schemas.openxmlformats.org/officeDocument/2006/relationships" xmlns:p="http://schemas.openxmlformats.org/presentationml/2006/main">
-  <p:cSld>
-    <p:spTree>
-      <p:nvGrpSpPr>
-        <p:cNvPr id="1" name=""/>
-        <p:cNvGrpSpPr/>
-        <p:nvPr/>
-      </p:nvGrpSpPr>
-      <p:grpSpPr>
-        <a:xfrm>
-          <a:off x="0" y="0"/>
-          <a:ext cx="0" cy="0"/>
-          <a:chOff x="0" y="0"/>
-          <a:chExt cx="0" cy="0"/>
-        </a:xfrm>
-      </p:grpSpPr>
-      <p:sp>
-        <p:nvSpPr>
-          <p:cNvPr id="6" name="제목 5"/>
-          <p:cNvSpPr>
-            <a:spLocks noGrp="1"/>
-          </p:cNvSpPr>
-          <p:nvPr>
-            <p:ph type="title"/>
-          </p:nvPr>
-        </p:nvSpPr>
-        <p:spPr/>
-        <p:txBody>
-          <a:bodyPr/>
-          <a:lstStyle/>
-          <a:p>
-            <a:r>
-              <a:rPr lang="en-US" altLang="ko-KR" dirty="0" smtClean="0"/>
-              <a:t> Map </a:t>
-            </a:r>
-            <a:r>
-              <a:rPr lang="ko-KR" altLang="en-US" dirty="0" smtClean="0"/>
-              <a:t>인터페이스</a:t>
-            </a:r>
-            <a:endParaRPr lang="ko-KR" altLang="en-US" dirty="0"/>
-          </a:p>
-        </p:txBody>
-      </p:sp>
-      <p:sp>
-        <p:nvSpPr>
-          <p:cNvPr id="5" name="슬라이드 번호 개체 틀 4"/>
-          <p:cNvSpPr>
-            <a:spLocks noGrp="1"/>
-          </p:cNvSpPr>
-          <p:nvPr>
-            <p:ph type="sldNum" sz="quarter" idx="12"/>
-          </p:nvPr>
-        </p:nvSpPr>
-        <p:spPr>
-          <a:xfrm>
-            <a:off x="8853433" y="7312347"/>
-            <a:ext cx="557267" cy="365125"/>
-          </a:xfrm>
-        </p:spPr>
-        <p:txBody>
-          <a:bodyPr/>
-          <a:lstStyle/>
-          <a:p>
-            <a:fld id="{1BDE3FE7-3AEA-4B05-AC5A-802D1816ACF0}" type="slidenum">
-              <a:rPr lang="ko-KR" altLang="en-US" smtClean="0"/>
-              <a:t>39</a:t>
-            </a:fld>
-            <a:endParaRPr lang="ko-KR" altLang="en-US"/>
-          </a:p>
-        </p:txBody>
-      </p:sp>
-      <p:sp>
-        <p:nvSpPr>
-          <p:cNvPr id="7" name="내용 개체 틀 2">
-            <a:extLst>
-              <a:ext uri="{FF2B5EF4-FFF2-40B4-BE49-F238E27FC236}">
-                <a16:creationId xmlns:a16="http://schemas.microsoft.com/office/drawing/2014/main" xmlns="" id="{98AF3A4E-7D90-4241-89FE-799D6F9D5A94}"/>
-              </a:ext>
-            </a:extLst>
-          </p:cNvPr>
-          <p:cNvSpPr txBox="1">
-            <a:spLocks/>
-          </p:cNvSpPr>
-          <p:nvPr/>
-        </p:nvSpPr>
-        <p:spPr>
-          <a:xfrm>
-            <a:off x="732057" y="1100062"/>
-            <a:ext cx="3068815" cy="648072"/>
-          </a:xfrm>
-          <a:prstGeom prst="rect">
-            <a:avLst/>
-          </a:prstGeom>
-        </p:spPr>
-        <p:txBody>
-          <a:bodyPr/>
-          <a:lstStyle>
-            <a:lvl1pPr marL="228600" indent="-228600" algn="l" defTabSz="914400" rtl="0" eaLnBrk="1" latinLnBrk="1" hangingPunct="1">
-              <a:lnSpc>
-                <a:spcPct val="90000"/>
-              </a:lnSpc>
-              <a:spcBef>
-                <a:spcPts val="1000"/>
-              </a:spcBef>
-              <a:buFont typeface="Arial" panose="020B0604020202020204" pitchFamily="34" charset="0"/>
-              <a:buChar char="•"/>
-              <a:defRPr sz="2800" kern="1200">
-                <a:solidFill>
-                  <a:schemeClr val="tx1"/>
-                </a:solidFill>
-                <a:latin typeface="+mn-lt"/>
-                <a:ea typeface="+mn-ea"/>
-                <a:cs typeface="+mn-cs"/>
-              </a:defRPr>
-            </a:lvl1pPr>
-            <a:lvl2pPr marL="685800" indent="-228600" algn="l" defTabSz="914400" rtl="0" eaLnBrk="1" latinLnBrk="1" hangingPunct="1">
-              <a:lnSpc>
-                <a:spcPct val="90000"/>
-              </a:lnSpc>
-              <a:spcBef>
-                <a:spcPts val="500"/>
-              </a:spcBef>
-              <a:buFont typeface="Arial" panose="020B0604020202020204" pitchFamily="34" charset="0"/>
-              <a:buChar char="•"/>
-              <a:defRPr sz="2400" kern="1200">
-                <a:solidFill>
-                  <a:schemeClr val="tx1"/>
-                </a:solidFill>
-                <a:latin typeface="+mn-lt"/>
-                <a:ea typeface="+mn-ea"/>
-                <a:cs typeface="+mn-cs"/>
-              </a:defRPr>
-            </a:lvl2pPr>
-            <a:lvl3pPr marL="1143000" indent="-228600" algn="l" defTabSz="914400" rtl="0" eaLnBrk="1" latinLnBrk="1" hangingPunct="1">
-              <a:lnSpc>
-                <a:spcPct val="90000"/>
-              </a:lnSpc>
-              <a:spcBef>
-                <a:spcPts val="500"/>
-              </a:spcBef>
-              <a:buFont typeface="Arial" panose="020B0604020202020204" pitchFamily="34" charset="0"/>
-              <a:buChar char="•"/>
-              <a:defRPr sz="2000" kern="1200">
-                <a:solidFill>
-                  <a:schemeClr val="tx1"/>
-                </a:solidFill>
-                <a:latin typeface="+mn-lt"/>
-                <a:ea typeface="+mn-ea"/>
-                <a:cs typeface="+mn-cs"/>
-              </a:defRPr>
-            </a:lvl3pPr>
-            <a:lvl4pPr marL="1600200" indent="-228600" algn="l" defTabSz="914400" rtl="0" eaLnBrk="1" latinLnBrk="1" hangingPunct="1">
-              <a:lnSpc>
-                <a:spcPct val="90000"/>
-              </a:lnSpc>
-              <a:spcBef>
-                <a:spcPts val="500"/>
-              </a:spcBef>
-              <a:buFont typeface="Arial" panose="020B0604020202020204" pitchFamily="34" charset="0"/>
-              <a:buChar char="•"/>
-              <a:defRPr sz="1800" kern="1200">
-                <a:solidFill>
-                  <a:schemeClr val="tx1"/>
-                </a:solidFill>
-                <a:latin typeface="+mn-lt"/>
-                <a:ea typeface="+mn-ea"/>
-                <a:cs typeface="+mn-cs"/>
-              </a:defRPr>
-            </a:lvl4pPr>
-            <a:lvl5pPr marL="2057400" indent="-228600" algn="l" defTabSz="914400" rtl="0" eaLnBrk="1" latinLnBrk="1" hangingPunct="1">
-              <a:lnSpc>
-                <a:spcPct val="90000"/>
-              </a:lnSpc>
-              <a:spcBef>
-                <a:spcPts val="500"/>
-              </a:spcBef>
-              <a:buFont typeface="Arial" panose="020B0604020202020204" pitchFamily="34" charset="0"/>
-              <a:buChar char="•"/>
-              <a:defRPr sz="1800" kern="1200">
-                <a:solidFill>
-                  <a:schemeClr val="tx1"/>
-                </a:solidFill>
-                <a:latin typeface="+mn-lt"/>
-                <a:ea typeface="+mn-ea"/>
-                <a:cs typeface="+mn-cs"/>
-              </a:defRPr>
-            </a:lvl5pPr>
-            <a:lvl6pPr marL="2514600" indent="-228600" algn="l" defTabSz="914400" rtl="0" eaLnBrk="1" latinLnBrk="1" hangingPunct="1">
-              <a:lnSpc>
-                <a:spcPct val="90000"/>
-              </a:lnSpc>
-              <a:spcBef>
-                <a:spcPts val="500"/>
-              </a:spcBef>
-              <a:buFont typeface="Arial" panose="020B0604020202020204" pitchFamily="34" charset="0"/>
-              <a:buChar char="•"/>
-              <a:defRPr sz="1800" kern="1200">
-                <a:solidFill>
-                  <a:schemeClr val="tx1"/>
-                </a:solidFill>
-                <a:latin typeface="+mn-lt"/>
-                <a:ea typeface="+mn-ea"/>
-                <a:cs typeface="+mn-cs"/>
-              </a:defRPr>
-            </a:lvl6pPr>
-            <a:lvl7pPr marL="2971800" indent="-228600" algn="l" defTabSz="914400" rtl="0" eaLnBrk="1" latinLnBrk="1" hangingPunct="1">
-              <a:lnSpc>
-                <a:spcPct val="90000"/>
-              </a:lnSpc>
-              <a:spcBef>
-                <a:spcPts val="500"/>
-              </a:spcBef>
-              <a:buFont typeface="Arial" panose="020B0604020202020204" pitchFamily="34" charset="0"/>
-              <a:buChar char="•"/>
-              <a:defRPr sz="1800" kern="1200">
-                <a:solidFill>
-                  <a:schemeClr val="tx1"/>
-                </a:solidFill>
-                <a:latin typeface="+mn-lt"/>
-                <a:ea typeface="+mn-ea"/>
-                <a:cs typeface="+mn-cs"/>
-              </a:defRPr>
-            </a:lvl7pPr>
-            <a:lvl8pPr marL="3429000" indent="-228600" algn="l" defTabSz="914400" rtl="0" eaLnBrk="1" latinLnBrk="1" hangingPunct="1">
-              <a:lnSpc>
-                <a:spcPct val="90000"/>
-              </a:lnSpc>
-              <a:spcBef>
-                <a:spcPts val="500"/>
-              </a:spcBef>
-              <a:buFont typeface="Arial" panose="020B0604020202020204" pitchFamily="34" charset="0"/>
-              <a:buChar char="•"/>
-              <a:defRPr sz="1800" kern="1200">
-                <a:solidFill>
-                  <a:schemeClr val="tx1"/>
-                </a:solidFill>
-                <a:latin typeface="+mn-lt"/>
-                <a:ea typeface="+mn-ea"/>
-                <a:cs typeface="+mn-cs"/>
-              </a:defRPr>
-            </a:lvl8pPr>
-            <a:lvl9pPr marL="3886200" indent="-228600" algn="l" defTabSz="914400" rtl="0" eaLnBrk="1" latinLnBrk="1" hangingPunct="1">
-              <a:lnSpc>
-                <a:spcPct val="90000"/>
-              </a:lnSpc>
-              <a:spcBef>
-                <a:spcPts val="500"/>
-              </a:spcBef>
-              <a:buFont typeface="Arial" panose="020B0604020202020204" pitchFamily="34" charset="0"/>
-              <a:buChar char="•"/>
-              <a:defRPr sz="1800" kern="1200">
-                <a:solidFill>
-                  <a:schemeClr val="tx1"/>
-                </a:solidFill>
-                <a:latin typeface="+mn-lt"/>
-                <a:ea typeface="+mn-ea"/>
-                <a:cs typeface="+mn-cs"/>
-              </a:defRPr>
-            </a:lvl9pPr>
-          </a:lstStyle>
-          <a:p>
-            <a:pPr>
-              <a:lnSpc>
-                <a:spcPct val="150000"/>
-              </a:lnSpc>
-              <a:buFont typeface="Wingdings" panose="05000000000000000000" pitchFamily="2" charset="2"/>
-              <a:buChar char="u"/>
-            </a:pPr>
-            <a:r>
-              <a:rPr lang="en-US" altLang="ko-KR" sz="2000" b="1" dirty="0" smtClean="0">
-                <a:solidFill>
-                  <a:srgbClr val="C00000"/>
-                </a:solidFill>
-              </a:rPr>
-              <a:t> Map </a:t>
-            </a:r>
-            <a:r>
-              <a:rPr lang="ko-KR" altLang="en-US" sz="2000" b="1" dirty="0" smtClean="0">
-                <a:solidFill>
-                  <a:srgbClr val="C00000"/>
-                </a:solidFill>
-              </a:rPr>
-              <a:t>인터페이스</a:t>
-            </a:r>
-            <a:endParaRPr lang="en-US" altLang="ko-KR" sz="2000" b="1" dirty="0" smtClean="0">
-              <a:solidFill>
-                <a:srgbClr val="C00000"/>
-              </a:solidFill>
-            </a:endParaRPr>
-          </a:p>
-          <a:p>
-            <a:pPr marL="457200" lvl="1" indent="0">
-              <a:lnSpc>
-                <a:spcPct val="100000"/>
-              </a:lnSpc>
-              <a:buNone/>
-            </a:pPr>
-            <a:endParaRPr lang="en-US" altLang="ko-KR" sz="1600" b="1" dirty="0" smtClean="0"/>
-          </a:p>
-          <a:p>
-            <a:pPr marL="457200" lvl="1" indent="0">
-              <a:lnSpc>
-                <a:spcPct val="150000"/>
-              </a:lnSpc>
-              <a:buNone/>
-            </a:pPr>
-            <a:endParaRPr lang="en-US" altLang="ko-KR" sz="1200" b="1" dirty="0" smtClean="0">
-              <a:solidFill>
-                <a:srgbClr val="002060"/>
-              </a:solidFill>
-            </a:endParaRPr>
-          </a:p>
-        </p:txBody>
-      </p:sp>
-      <p:sp>
-        <p:nvSpPr>
-          <p:cNvPr id="33" name="사각형: 둥근 모서리 7">
-            <a:extLst>
-              <a:ext uri="{FF2B5EF4-FFF2-40B4-BE49-F238E27FC236}">
-                <a16:creationId xmlns:a16="http://schemas.microsoft.com/office/drawing/2014/main" xmlns="" id="{16A0C1F1-D33A-4B93-8B2D-B2FEAA1FA0D0}"/>
-              </a:ext>
-            </a:extLst>
-          </p:cNvPr>
-          <p:cNvSpPr/>
-          <p:nvPr/>
-        </p:nvSpPr>
-        <p:spPr>
-          <a:xfrm>
-            <a:off x="1208584" y="1892150"/>
-            <a:ext cx="1342500" cy="455402"/>
-          </a:xfrm>
-          <a:prstGeom prst="roundRect">
-            <a:avLst/>
-          </a:prstGeom>
-        </p:spPr>
-        <p:style>
-          <a:lnRef idx="1">
-            <a:schemeClr val="accent2"/>
-          </a:lnRef>
-          <a:fillRef idx="2">
-            <a:schemeClr val="accent2"/>
-          </a:fillRef>
-          <a:effectRef idx="1">
-            <a:schemeClr val="accent2"/>
-          </a:effectRef>
-          <a:fontRef idx="minor">
-            <a:schemeClr val="dk1"/>
-          </a:fontRef>
-        </p:style>
-        <p:txBody>
-          <a:bodyPr rtlCol="0" anchor="ctr"/>
-          <a:lstStyle/>
-          <a:p>
-            <a:pPr algn="ctr"/>
-            <a:endParaRPr lang="en-US" altLang="ko-KR" dirty="0">
-              <a:solidFill>
-                <a:sysClr val="windowText" lastClr="000000"/>
-              </a:solidFill>
-            </a:endParaRPr>
-          </a:p>
-          <a:p>
-            <a:pPr algn="ctr"/>
-            <a:endParaRPr lang="en-US" altLang="ko-KR" dirty="0">
-              <a:solidFill>
-                <a:sysClr val="windowText" lastClr="000000"/>
-              </a:solidFill>
-            </a:endParaRPr>
-          </a:p>
-          <a:p>
-            <a:pPr algn="ctr"/>
-            <a:endParaRPr lang="en-US" altLang="ko-KR" dirty="0">
-              <a:solidFill>
-                <a:sysClr val="windowText" lastClr="000000"/>
-              </a:solidFill>
-            </a:endParaRPr>
-          </a:p>
-          <a:p>
-            <a:pPr algn="ctr"/>
-            <a:r>
-              <a:rPr lang="en-US" altLang="ko-KR" dirty="0">
-                <a:solidFill>
-                  <a:sysClr val="windowText" lastClr="000000"/>
-                </a:solidFill>
-              </a:rPr>
-              <a:t>Map</a:t>
-            </a:r>
-          </a:p>
-          <a:p>
-            <a:pPr algn="ctr"/>
-            <a:endParaRPr lang="en-US" altLang="ko-KR" dirty="0">
-              <a:solidFill>
-                <a:sysClr val="windowText" lastClr="000000"/>
-              </a:solidFill>
-            </a:endParaRPr>
-          </a:p>
-          <a:p>
-            <a:pPr algn="ctr"/>
-            <a:endParaRPr lang="en-US" altLang="ko-KR" dirty="0">
-              <a:solidFill>
-                <a:sysClr val="windowText" lastClr="000000"/>
-              </a:solidFill>
-            </a:endParaRPr>
-          </a:p>
-          <a:p>
-            <a:pPr algn="ctr"/>
-            <a:endParaRPr lang="ko-KR" altLang="en-US" dirty="0">
-              <a:solidFill>
-                <a:sysClr val="windowText" lastClr="000000"/>
-              </a:solidFill>
-            </a:endParaRPr>
-          </a:p>
-        </p:txBody>
-      </p:sp>
-      <p:sp>
-        <p:nvSpPr>
-          <p:cNvPr id="34" name="사각형: 둥근 모서리 29">
-            <a:extLst>
-              <a:ext uri="{FF2B5EF4-FFF2-40B4-BE49-F238E27FC236}">
-                <a16:creationId xmlns:a16="http://schemas.microsoft.com/office/drawing/2014/main" xmlns="" id="{0E8692AE-FFF0-47C4-94F8-AA3823AD50FD}"/>
-              </a:ext>
-            </a:extLst>
-          </p:cNvPr>
-          <p:cNvSpPr/>
-          <p:nvPr/>
-        </p:nvSpPr>
-        <p:spPr>
-          <a:xfrm>
-            <a:off x="2034222" y="2606863"/>
-            <a:ext cx="1334602" cy="455402"/>
-          </a:xfrm>
-          <a:prstGeom prst="roundRect">
-            <a:avLst/>
-          </a:prstGeom>
-        </p:spPr>
-        <p:style>
-          <a:lnRef idx="1">
-            <a:schemeClr val="accent6"/>
-          </a:lnRef>
-          <a:fillRef idx="2">
-            <a:schemeClr val="accent6"/>
-          </a:fillRef>
-          <a:effectRef idx="1">
-            <a:schemeClr val="accent6"/>
-          </a:effectRef>
-          <a:fontRef idx="minor">
-            <a:schemeClr val="dk1"/>
-          </a:fontRef>
-        </p:style>
-        <p:txBody>
-          <a:bodyPr rtlCol="0" anchor="ctr"/>
-          <a:lstStyle/>
-          <a:p>
-            <a:pPr algn="ctr"/>
-            <a:r>
-              <a:rPr lang="en-US" altLang="ko-KR" dirty="0" err="1" smtClean="0">
-                <a:solidFill>
-                  <a:sysClr val="windowText" lastClr="000000"/>
-                </a:solidFill>
-              </a:rPr>
-              <a:t>HashTable</a:t>
-            </a:r>
-            <a:endParaRPr lang="ko-KR" altLang="en-US" dirty="0">
-              <a:solidFill>
-                <a:sysClr val="windowText" lastClr="000000"/>
-              </a:solidFill>
-            </a:endParaRPr>
-          </a:p>
-        </p:txBody>
-      </p:sp>
-      <p:sp>
-        <p:nvSpPr>
-          <p:cNvPr id="38" name="이등변 삼각형 37">
-            <a:extLst>
-              <a:ext uri="{FF2B5EF4-FFF2-40B4-BE49-F238E27FC236}">
-                <a16:creationId xmlns:a16="http://schemas.microsoft.com/office/drawing/2014/main" xmlns="" id="{1DED755A-66B1-487D-864F-30BC6D6D4018}"/>
-              </a:ext>
-            </a:extLst>
-          </p:cNvPr>
-          <p:cNvSpPr/>
-          <p:nvPr/>
-        </p:nvSpPr>
-        <p:spPr>
-          <a:xfrm>
-            <a:off x="1657994" y="2423528"/>
-            <a:ext cx="139902" cy="101691"/>
-          </a:xfrm>
-          <a:prstGeom prst="triangle">
-            <a:avLst/>
-          </a:prstGeom>
-        </p:spPr>
-        <p:style>
-          <a:lnRef idx="1">
-            <a:schemeClr val="accent6"/>
-          </a:lnRef>
-          <a:fillRef idx="2">
-            <a:schemeClr val="accent6"/>
-          </a:fillRef>
-          <a:effectRef idx="1">
-            <a:schemeClr val="accent6"/>
-          </a:effectRef>
-          <a:fontRef idx="minor">
-            <a:schemeClr val="dk1"/>
-          </a:fontRef>
-        </p:style>
-        <p:txBody>
-          <a:bodyPr rtlCol="0" anchor="ctr"/>
-          <a:lstStyle/>
-          <a:p>
-            <a:pPr algn="ctr"/>
-            <a:endParaRPr lang="ko-KR" altLang="en-US"/>
-          </a:p>
-        </p:txBody>
-      </p:sp>
-      <p:cxnSp>
-        <p:nvCxnSpPr>
-          <p:cNvPr id="39" name="직선 연결선 38">
-            <a:extLst>
-              <a:ext uri="{FF2B5EF4-FFF2-40B4-BE49-F238E27FC236}">
-                <a16:creationId xmlns:a16="http://schemas.microsoft.com/office/drawing/2014/main" xmlns="" id="{93AF6A65-577F-41C6-B586-5AF131748EBC}"/>
-              </a:ext>
-            </a:extLst>
-          </p:cNvPr>
-          <p:cNvCxnSpPr>
-            <a:cxnSpLocks/>
-            <a:stCxn id="38" idx="3"/>
-          </p:cNvCxnSpPr>
-          <p:nvPr/>
-        </p:nvCxnSpPr>
-        <p:spPr>
-          <a:xfrm>
-            <a:off x="1727945" y="2525219"/>
-            <a:ext cx="0" cy="1451415"/>
-          </a:xfrm>
-          <a:prstGeom prst="line">
-            <a:avLst/>
-          </a:prstGeom>
-          <a:ln/>
-        </p:spPr>
-        <p:style>
-          <a:lnRef idx="1">
-            <a:schemeClr val="accent6"/>
-          </a:lnRef>
-          <a:fillRef idx="2">
-            <a:schemeClr val="accent6"/>
-          </a:fillRef>
-          <a:effectRef idx="1">
-            <a:schemeClr val="accent6"/>
-          </a:effectRef>
-          <a:fontRef idx="minor">
-            <a:schemeClr val="dk1"/>
-          </a:fontRef>
-        </p:style>
-      </p:cxnSp>
-      <p:cxnSp>
-        <p:nvCxnSpPr>
-          <p:cNvPr id="40" name="직선 연결선 39">
-            <a:extLst>
-              <a:ext uri="{FF2B5EF4-FFF2-40B4-BE49-F238E27FC236}">
-                <a16:creationId xmlns:a16="http://schemas.microsoft.com/office/drawing/2014/main" xmlns="" id="{A1AF82F8-8CB7-457E-9E67-B17335DB50EE}"/>
-              </a:ext>
-            </a:extLst>
-          </p:cNvPr>
-          <p:cNvCxnSpPr/>
-          <p:nvPr/>
-        </p:nvCxnSpPr>
-        <p:spPr>
-          <a:xfrm>
-            <a:off x="1727945" y="2810482"/>
-            <a:ext cx="306277" cy="0"/>
-          </a:xfrm>
-          <a:prstGeom prst="line">
-            <a:avLst/>
-          </a:prstGeom>
-          <a:ln/>
-        </p:spPr>
-        <p:style>
-          <a:lnRef idx="1">
-            <a:schemeClr val="accent6"/>
-          </a:lnRef>
-          <a:fillRef idx="2">
-            <a:schemeClr val="accent6"/>
-          </a:fillRef>
-          <a:effectRef idx="1">
-            <a:schemeClr val="accent6"/>
-          </a:effectRef>
-          <a:fontRef idx="minor">
-            <a:schemeClr val="dk1"/>
-          </a:fontRef>
-        </p:style>
-      </p:cxnSp>
-      <p:cxnSp>
-        <p:nvCxnSpPr>
-          <p:cNvPr id="41" name="직선 연결선 40">
-            <a:extLst>
-              <a:ext uri="{FF2B5EF4-FFF2-40B4-BE49-F238E27FC236}">
-                <a16:creationId xmlns:a16="http://schemas.microsoft.com/office/drawing/2014/main" xmlns="" id="{8B5B512E-908F-4494-9A08-8F68C46F1216}"/>
-              </a:ext>
-            </a:extLst>
-          </p:cNvPr>
-          <p:cNvCxnSpPr/>
-          <p:nvPr/>
-        </p:nvCxnSpPr>
-        <p:spPr>
-          <a:xfrm>
-            <a:off x="1727945" y="3373266"/>
-            <a:ext cx="306277" cy="0"/>
-          </a:xfrm>
-          <a:prstGeom prst="line">
-            <a:avLst/>
-          </a:prstGeom>
-          <a:ln/>
-        </p:spPr>
-        <p:style>
-          <a:lnRef idx="1">
-            <a:schemeClr val="accent6"/>
-          </a:lnRef>
-          <a:fillRef idx="2">
-            <a:schemeClr val="accent6"/>
-          </a:fillRef>
-          <a:effectRef idx="1">
-            <a:schemeClr val="accent6"/>
-          </a:effectRef>
-          <a:fontRef idx="minor">
-            <a:schemeClr val="dk1"/>
-          </a:fontRef>
-        </p:style>
-      </p:cxnSp>
-      <p:cxnSp>
-        <p:nvCxnSpPr>
-          <p:cNvPr id="42" name="직선 연결선 41">
-            <a:extLst>
-              <a:ext uri="{FF2B5EF4-FFF2-40B4-BE49-F238E27FC236}">
-                <a16:creationId xmlns:a16="http://schemas.microsoft.com/office/drawing/2014/main" xmlns="" id="{FB268566-C15F-4E6E-898E-558170394073}"/>
-              </a:ext>
-            </a:extLst>
-          </p:cNvPr>
-          <p:cNvCxnSpPr/>
-          <p:nvPr/>
-        </p:nvCxnSpPr>
-        <p:spPr>
-          <a:xfrm>
-            <a:off x="1727945" y="3976635"/>
-            <a:ext cx="306277" cy="0"/>
-          </a:xfrm>
-          <a:prstGeom prst="line">
-            <a:avLst/>
-          </a:prstGeom>
-          <a:ln/>
-        </p:spPr>
-        <p:style>
-          <a:lnRef idx="1">
-            <a:schemeClr val="accent6"/>
-          </a:lnRef>
-          <a:fillRef idx="2">
-            <a:schemeClr val="accent6"/>
-          </a:fillRef>
-          <a:effectRef idx="1">
-            <a:schemeClr val="accent6"/>
-          </a:effectRef>
-          <a:fontRef idx="minor">
-            <a:schemeClr val="dk1"/>
-          </a:fontRef>
-        </p:style>
-      </p:cxnSp>
-      <p:sp>
-        <p:nvSpPr>
-          <p:cNvPr id="44" name="사각형: 둥근 모서리 29">
-            <a:extLst>
-              <a:ext uri="{FF2B5EF4-FFF2-40B4-BE49-F238E27FC236}">
-                <a16:creationId xmlns:a16="http://schemas.microsoft.com/office/drawing/2014/main" xmlns="" id="{0E8692AE-FFF0-47C4-94F8-AA3823AD50FD}"/>
-              </a:ext>
-            </a:extLst>
-          </p:cNvPr>
-          <p:cNvSpPr/>
-          <p:nvPr/>
-        </p:nvSpPr>
-        <p:spPr>
-          <a:xfrm>
-            <a:off x="2034222" y="3186150"/>
-            <a:ext cx="1334602" cy="455402"/>
-          </a:xfrm>
-          <a:prstGeom prst="roundRect">
-            <a:avLst/>
-          </a:prstGeom>
-        </p:spPr>
-        <p:style>
-          <a:lnRef idx="1">
-            <a:schemeClr val="accent6"/>
-          </a:lnRef>
-          <a:fillRef idx="2">
-            <a:schemeClr val="accent6"/>
-          </a:fillRef>
-          <a:effectRef idx="1">
-            <a:schemeClr val="accent6"/>
-          </a:effectRef>
-          <a:fontRef idx="minor">
-            <a:schemeClr val="dk1"/>
-          </a:fontRef>
-        </p:style>
-        <p:txBody>
-          <a:bodyPr rtlCol="0" anchor="ctr"/>
-          <a:lstStyle/>
-          <a:p>
-            <a:pPr algn="ctr"/>
-            <a:r>
-              <a:rPr lang="en-US" altLang="ko-KR" dirty="0" err="1" smtClean="0">
-                <a:solidFill>
-                  <a:sysClr val="windowText" lastClr="000000"/>
-                </a:solidFill>
-              </a:rPr>
-              <a:t>HashMap</a:t>
-            </a:r>
-            <a:endParaRPr lang="ko-KR" altLang="en-US" dirty="0">
-              <a:solidFill>
-                <a:sysClr val="windowText" lastClr="000000"/>
-              </a:solidFill>
-            </a:endParaRPr>
-          </a:p>
-        </p:txBody>
-      </p:sp>
-      <p:sp>
-        <p:nvSpPr>
-          <p:cNvPr id="45" name="사각형: 둥근 모서리 29">
-            <a:extLst>
-              <a:ext uri="{FF2B5EF4-FFF2-40B4-BE49-F238E27FC236}">
-                <a16:creationId xmlns:a16="http://schemas.microsoft.com/office/drawing/2014/main" xmlns="" id="{0E8692AE-FFF0-47C4-94F8-AA3823AD50FD}"/>
-              </a:ext>
-            </a:extLst>
-          </p:cNvPr>
-          <p:cNvSpPr/>
-          <p:nvPr/>
-        </p:nvSpPr>
-        <p:spPr>
-          <a:xfrm>
-            <a:off x="2034222" y="3748933"/>
-            <a:ext cx="1334602" cy="455402"/>
-          </a:xfrm>
-          <a:prstGeom prst="roundRect">
-            <a:avLst/>
-          </a:prstGeom>
-        </p:spPr>
-        <p:style>
-          <a:lnRef idx="1">
-            <a:schemeClr val="accent6"/>
-          </a:lnRef>
-          <a:fillRef idx="2">
-            <a:schemeClr val="accent6"/>
-          </a:fillRef>
-          <a:effectRef idx="1">
-            <a:schemeClr val="accent6"/>
-          </a:effectRef>
-          <a:fontRef idx="minor">
-            <a:schemeClr val="dk1"/>
-          </a:fontRef>
-        </p:style>
-        <p:txBody>
-          <a:bodyPr rtlCol="0" anchor="ctr"/>
-          <a:lstStyle/>
-          <a:p>
-            <a:pPr algn="ctr"/>
-            <a:r>
-              <a:rPr lang="en-US" altLang="ko-KR" dirty="0" err="1" smtClean="0">
-                <a:solidFill>
-                  <a:sysClr val="windowText" lastClr="000000"/>
-                </a:solidFill>
-              </a:rPr>
-              <a:t>TreeMap</a:t>
-            </a:r>
-            <a:endParaRPr lang="ko-KR" altLang="en-US" dirty="0">
-              <a:solidFill>
-                <a:sysClr val="windowText" lastClr="000000"/>
-              </a:solidFill>
-            </a:endParaRPr>
-          </a:p>
-        </p:txBody>
-      </p:sp>
-      <p:pic>
-        <p:nvPicPr>
-          <p:cNvPr id="2" name="그림 1"/>
-          <p:cNvPicPr>
-            <a:picLocks noChangeAspect="1"/>
-          </p:cNvPicPr>
-          <p:nvPr/>
-        </p:nvPicPr>
-        <p:blipFill>
-          <a:blip r:embed="rId2">
-            <a:extLst>
-              <a:ext uri="{28A0092B-C50C-407E-A947-70E740481C1C}">
-                <a14:useLocalDpi xmlns:a14="http://schemas.microsoft.com/office/drawing/2010/main" val="0"/>
-              </a:ext>
-            </a:extLst>
-          </a:blip>
-          <a:stretch>
-            <a:fillRect/>
-          </a:stretch>
-        </p:blipFill>
-        <p:spPr>
-          <a:xfrm>
-            <a:off x="4088904" y="1809702"/>
-            <a:ext cx="4564776" cy="3208298"/>
-          </a:xfrm>
-          <a:prstGeom prst="rect">
-            <a:avLst/>
-          </a:prstGeom>
-          <a:ln>
-            <a:solidFill>
-              <a:schemeClr val="bg1">
-                <a:lumMod val="85000"/>
-              </a:schemeClr>
-            </a:solidFill>
-          </a:ln>
-        </p:spPr>
-      </p:pic>
-    </p:spTree>
-    <p:extLst>
-      <p:ext uri="{BB962C8B-B14F-4D97-AF65-F5344CB8AC3E}">
-        <p14:creationId xmlns:p14="http://schemas.microsoft.com/office/powerpoint/2010/main" val="88182870"/>
-      </p:ext>
-    </p:extLst>
-  </p:cSld>
-  <p:clrMapOvr>
-    <a:masterClrMapping/>
-  </p:clrMapOvr>
-  <p:timing>
-    <p:tnLst>
-      <p:par>
-        <p:cTn id="1" dur="indefinite" restart="never" nodeType="tmRoot"/>
-      </p:par>
-    </p:tnLst>
-  </p:timing>
-</p:sld>
-</file>
-
 <file path=ppt/slides/slide4.xml><?xml version="1.0" encoding="utf-8"?>
 <p:sld xmlns:a="http://schemas.openxmlformats.org/drawingml/2006/main" xmlns:r="http://schemas.openxmlformats.org/officeDocument/2006/relationships" xmlns:p="http://schemas.openxmlformats.org/presentationml/2006/main">
   <p:cSld>
@@ -23316,7 +22817,7 @@
           <p:cNvPr id="10" name="내용 개체 틀 2">
             <a:extLst>
               <a:ext uri="{FF2B5EF4-FFF2-40B4-BE49-F238E27FC236}">
-                <a16:creationId xmlns="" xmlns:a16="http://schemas.microsoft.com/office/drawing/2014/main" id="{98AF3A4E-7D90-4241-89FE-799D6F9D5A94}"/>
+                <a16:creationId xmlns:a16="http://schemas.microsoft.com/office/drawing/2014/main" id="{98AF3A4E-7D90-4241-89FE-799D6F9D5A94}"/>
               </a:ext>
             </a:extLst>
           </p:cNvPr>
@@ -23841,7 +23342,841 @@
           <p:cNvPr id="7" name="내용 개체 틀 2">
             <a:extLst>
               <a:ext uri="{FF2B5EF4-FFF2-40B4-BE49-F238E27FC236}">
-                <a16:creationId xmlns:a16="http://schemas.microsoft.com/office/drawing/2014/main" xmlns="" id="{98AF3A4E-7D90-4241-89FE-799D6F9D5A94}"/>
+                <a16:creationId xmlns:a16="http://schemas.microsoft.com/office/drawing/2014/main" id="{98AF3A4E-7D90-4241-89FE-799D6F9D5A94}"/>
+              </a:ext>
+            </a:extLst>
+          </p:cNvPr>
+          <p:cNvSpPr txBox="1">
+            <a:spLocks/>
+          </p:cNvSpPr>
+          <p:nvPr/>
+        </p:nvSpPr>
+        <p:spPr>
+          <a:xfrm>
+            <a:off x="732057" y="1100062"/>
+            <a:ext cx="3068815" cy="648072"/>
+          </a:xfrm>
+          <a:prstGeom prst="rect">
+            <a:avLst/>
+          </a:prstGeom>
+        </p:spPr>
+        <p:txBody>
+          <a:bodyPr/>
+          <a:lstStyle>
+            <a:lvl1pPr marL="228600" indent="-228600" algn="l" defTabSz="914400" rtl="0" eaLnBrk="1" latinLnBrk="1" hangingPunct="1">
+              <a:lnSpc>
+                <a:spcPct val="90000"/>
+              </a:lnSpc>
+              <a:spcBef>
+                <a:spcPts val="1000"/>
+              </a:spcBef>
+              <a:buFont typeface="Arial" panose="020B0604020202020204" pitchFamily="34" charset="0"/>
+              <a:buChar char="•"/>
+              <a:defRPr sz="2800" kern="1200">
+                <a:solidFill>
+                  <a:schemeClr val="tx1"/>
+                </a:solidFill>
+                <a:latin typeface="+mn-lt"/>
+                <a:ea typeface="+mn-ea"/>
+                <a:cs typeface="+mn-cs"/>
+              </a:defRPr>
+            </a:lvl1pPr>
+            <a:lvl2pPr marL="685800" indent="-228600" algn="l" defTabSz="914400" rtl="0" eaLnBrk="1" latinLnBrk="1" hangingPunct="1">
+              <a:lnSpc>
+                <a:spcPct val="90000"/>
+              </a:lnSpc>
+              <a:spcBef>
+                <a:spcPts val="500"/>
+              </a:spcBef>
+              <a:buFont typeface="Arial" panose="020B0604020202020204" pitchFamily="34" charset="0"/>
+              <a:buChar char="•"/>
+              <a:defRPr sz="2400" kern="1200">
+                <a:solidFill>
+                  <a:schemeClr val="tx1"/>
+                </a:solidFill>
+                <a:latin typeface="+mn-lt"/>
+                <a:ea typeface="+mn-ea"/>
+                <a:cs typeface="+mn-cs"/>
+              </a:defRPr>
+            </a:lvl2pPr>
+            <a:lvl3pPr marL="1143000" indent="-228600" algn="l" defTabSz="914400" rtl="0" eaLnBrk="1" latinLnBrk="1" hangingPunct="1">
+              <a:lnSpc>
+                <a:spcPct val="90000"/>
+              </a:lnSpc>
+              <a:spcBef>
+                <a:spcPts val="500"/>
+              </a:spcBef>
+              <a:buFont typeface="Arial" panose="020B0604020202020204" pitchFamily="34" charset="0"/>
+              <a:buChar char="•"/>
+              <a:defRPr sz="2000" kern="1200">
+                <a:solidFill>
+                  <a:schemeClr val="tx1"/>
+                </a:solidFill>
+                <a:latin typeface="+mn-lt"/>
+                <a:ea typeface="+mn-ea"/>
+                <a:cs typeface="+mn-cs"/>
+              </a:defRPr>
+            </a:lvl3pPr>
+            <a:lvl4pPr marL="1600200" indent="-228600" algn="l" defTabSz="914400" rtl="0" eaLnBrk="1" latinLnBrk="1" hangingPunct="1">
+              <a:lnSpc>
+                <a:spcPct val="90000"/>
+              </a:lnSpc>
+              <a:spcBef>
+                <a:spcPts val="500"/>
+              </a:spcBef>
+              <a:buFont typeface="Arial" panose="020B0604020202020204" pitchFamily="34" charset="0"/>
+              <a:buChar char="•"/>
+              <a:defRPr sz="1800" kern="1200">
+                <a:solidFill>
+                  <a:schemeClr val="tx1"/>
+                </a:solidFill>
+                <a:latin typeface="+mn-lt"/>
+                <a:ea typeface="+mn-ea"/>
+                <a:cs typeface="+mn-cs"/>
+              </a:defRPr>
+            </a:lvl4pPr>
+            <a:lvl5pPr marL="2057400" indent="-228600" algn="l" defTabSz="914400" rtl="0" eaLnBrk="1" latinLnBrk="1" hangingPunct="1">
+              <a:lnSpc>
+                <a:spcPct val="90000"/>
+              </a:lnSpc>
+              <a:spcBef>
+                <a:spcPts val="500"/>
+              </a:spcBef>
+              <a:buFont typeface="Arial" panose="020B0604020202020204" pitchFamily="34" charset="0"/>
+              <a:buChar char="•"/>
+              <a:defRPr sz="1800" kern="1200">
+                <a:solidFill>
+                  <a:schemeClr val="tx1"/>
+                </a:solidFill>
+                <a:latin typeface="+mn-lt"/>
+                <a:ea typeface="+mn-ea"/>
+                <a:cs typeface="+mn-cs"/>
+              </a:defRPr>
+            </a:lvl5pPr>
+            <a:lvl6pPr marL="2514600" indent="-228600" algn="l" defTabSz="914400" rtl="0" eaLnBrk="1" latinLnBrk="1" hangingPunct="1">
+              <a:lnSpc>
+                <a:spcPct val="90000"/>
+              </a:lnSpc>
+              <a:spcBef>
+                <a:spcPts val="500"/>
+              </a:spcBef>
+              <a:buFont typeface="Arial" panose="020B0604020202020204" pitchFamily="34" charset="0"/>
+              <a:buChar char="•"/>
+              <a:defRPr sz="1800" kern="1200">
+                <a:solidFill>
+                  <a:schemeClr val="tx1"/>
+                </a:solidFill>
+                <a:latin typeface="+mn-lt"/>
+                <a:ea typeface="+mn-ea"/>
+                <a:cs typeface="+mn-cs"/>
+              </a:defRPr>
+            </a:lvl6pPr>
+            <a:lvl7pPr marL="2971800" indent="-228600" algn="l" defTabSz="914400" rtl="0" eaLnBrk="1" latinLnBrk="1" hangingPunct="1">
+              <a:lnSpc>
+                <a:spcPct val="90000"/>
+              </a:lnSpc>
+              <a:spcBef>
+                <a:spcPts val="500"/>
+              </a:spcBef>
+              <a:buFont typeface="Arial" panose="020B0604020202020204" pitchFamily="34" charset="0"/>
+              <a:buChar char="•"/>
+              <a:defRPr sz="1800" kern="1200">
+                <a:solidFill>
+                  <a:schemeClr val="tx1"/>
+                </a:solidFill>
+                <a:latin typeface="+mn-lt"/>
+                <a:ea typeface="+mn-ea"/>
+                <a:cs typeface="+mn-cs"/>
+              </a:defRPr>
+            </a:lvl7pPr>
+            <a:lvl8pPr marL="3429000" indent="-228600" algn="l" defTabSz="914400" rtl="0" eaLnBrk="1" latinLnBrk="1" hangingPunct="1">
+              <a:lnSpc>
+                <a:spcPct val="90000"/>
+              </a:lnSpc>
+              <a:spcBef>
+                <a:spcPts val="500"/>
+              </a:spcBef>
+              <a:buFont typeface="Arial" panose="020B0604020202020204" pitchFamily="34" charset="0"/>
+              <a:buChar char="•"/>
+              <a:defRPr sz="1800" kern="1200">
+                <a:solidFill>
+                  <a:schemeClr val="tx1"/>
+                </a:solidFill>
+                <a:latin typeface="+mn-lt"/>
+                <a:ea typeface="+mn-ea"/>
+                <a:cs typeface="+mn-cs"/>
+              </a:defRPr>
+            </a:lvl8pPr>
+            <a:lvl9pPr marL="3886200" indent="-228600" algn="l" defTabSz="914400" rtl="0" eaLnBrk="1" latinLnBrk="1" hangingPunct="1">
+              <a:lnSpc>
+                <a:spcPct val="90000"/>
+              </a:lnSpc>
+              <a:spcBef>
+                <a:spcPts val="500"/>
+              </a:spcBef>
+              <a:buFont typeface="Arial" panose="020B0604020202020204" pitchFamily="34" charset="0"/>
+              <a:buChar char="•"/>
+              <a:defRPr sz="1800" kern="1200">
+                <a:solidFill>
+                  <a:schemeClr val="tx1"/>
+                </a:solidFill>
+                <a:latin typeface="+mn-lt"/>
+                <a:ea typeface="+mn-ea"/>
+                <a:cs typeface="+mn-cs"/>
+              </a:defRPr>
+            </a:lvl9pPr>
+          </a:lstStyle>
+          <a:p>
+            <a:pPr>
+              <a:lnSpc>
+                <a:spcPct val="150000"/>
+              </a:lnSpc>
+              <a:buFont typeface="Wingdings" panose="05000000000000000000" pitchFamily="2" charset="2"/>
+              <a:buChar char="u"/>
+            </a:pPr>
+            <a:r>
+              <a:rPr lang="en-US" altLang="ko-KR" sz="2000" b="1" dirty="0" smtClean="0">
+                <a:solidFill>
+                  <a:srgbClr val="C00000"/>
+                </a:solidFill>
+              </a:rPr>
+              <a:t> Map </a:t>
+            </a:r>
+            <a:r>
+              <a:rPr lang="ko-KR" altLang="en-US" sz="2000" b="1" dirty="0" smtClean="0">
+                <a:solidFill>
+                  <a:srgbClr val="C00000"/>
+                </a:solidFill>
+              </a:rPr>
+              <a:t>인터페이스</a:t>
+            </a:r>
+            <a:endParaRPr lang="en-US" altLang="ko-KR" sz="2000" b="1" dirty="0" smtClean="0">
+              <a:solidFill>
+                <a:srgbClr val="C00000"/>
+              </a:solidFill>
+            </a:endParaRPr>
+          </a:p>
+          <a:p>
+            <a:pPr marL="457200" lvl="1" indent="0">
+              <a:lnSpc>
+                <a:spcPct val="100000"/>
+              </a:lnSpc>
+              <a:buNone/>
+            </a:pPr>
+            <a:endParaRPr lang="en-US" altLang="ko-KR" sz="1600" b="1" dirty="0" smtClean="0"/>
+          </a:p>
+          <a:p>
+            <a:pPr marL="457200" lvl="1" indent="0">
+              <a:lnSpc>
+                <a:spcPct val="150000"/>
+              </a:lnSpc>
+              <a:buNone/>
+            </a:pPr>
+            <a:endParaRPr lang="en-US" altLang="ko-KR" sz="1200" b="1" dirty="0" smtClean="0">
+              <a:solidFill>
+                <a:srgbClr val="002060"/>
+              </a:solidFill>
+            </a:endParaRPr>
+          </a:p>
+        </p:txBody>
+      </p:sp>
+      <p:sp>
+        <p:nvSpPr>
+          <p:cNvPr id="33" name="사각형: 둥근 모서리 7">
+            <a:extLst>
+              <a:ext uri="{FF2B5EF4-FFF2-40B4-BE49-F238E27FC236}">
+                <a16:creationId xmlns:a16="http://schemas.microsoft.com/office/drawing/2014/main" id="{16A0C1F1-D33A-4B93-8B2D-B2FEAA1FA0D0}"/>
+              </a:ext>
+            </a:extLst>
+          </p:cNvPr>
+          <p:cNvSpPr/>
+          <p:nvPr/>
+        </p:nvSpPr>
+        <p:spPr>
+          <a:xfrm>
+            <a:off x="1208584" y="1892150"/>
+            <a:ext cx="1342500" cy="455402"/>
+          </a:xfrm>
+          <a:prstGeom prst="roundRect">
+            <a:avLst/>
+          </a:prstGeom>
+        </p:spPr>
+        <p:style>
+          <a:lnRef idx="1">
+            <a:schemeClr val="accent2"/>
+          </a:lnRef>
+          <a:fillRef idx="2">
+            <a:schemeClr val="accent2"/>
+          </a:fillRef>
+          <a:effectRef idx="1">
+            <a:schemeClr val="accent2"/>
+          </a:effectRef>
+          <a:fontRef idx="minor">
+            <a:schemeClr val="dk1"/>
+          </a:fontRef>
+        </p:style>
+        <p:txBody>
+          <a:bodyPr rtlCol="0" anchor="ctr"/>
+          <a:lstStyle/>
+          <a:p>
+            <a:pPr algn="ctr"/>
+            <a:endParaRPr lang="en-US" altLang="ko-KR" dirty="0">
+              <a:solidFill>
+                <a:sysClr val="windowText" lastClr="000000"/>
+              </a:solidFill>
+            </a:endParaRPr>
+          </a:p>
+          <a:p>
+            <a:pPr algn="ctr"/>
+            <a:endParaRPr lang="en-US" altLang="ko-KR" dirty="0">
+              <a:solidFill>
+                <a:sysClr val="windowText" lastClr="000000"/>
+              </a:solidFill>
+            </a:endParaRPr>
+          </a:p>
+          <a:p>
+            <a:pPr algn="ctr"/>
+            <a:endParaRPr lang="en-US" altLang="ko-KR" dirty="0">
+              <a:solidFill>
+                <a:sysClr val="windowText" lastClr="000000"/>
+              </a:solidFill>
+            </a:endParaRPr>
+          </a:p>
+          <a:p>
+            <a:pPr algn="ctr"/>
+            <a:r>
+              <a:rPr lang="en-US" altLang="ko-KR" dirty="0">
+                <a:solidFill>
+                  <a:sysClr val="windowText" lastClr="000000"/>
+                </a:solidFill>
+              </a:rPr>
+              <a:t>Map</a:t>
+            </a:r>
+          </a:p>
+          <a:p>
+            <a:pPr algn="ctr"/>
+            <a:endParaRPr lang="en-US" altLang="ko-KR" dirty="0">
+              <a:solidFill>
+                <a:sysClr val="windowText" lastClr="000000"/>
+              </a:solidFill>
+            </a:endParaRPr>
+          </a:p>
+          <a:p>
+            <a:pPr algn="ctr"/>
+            <a:endParaRPr lang="en-US" altLang="ko-KR" dirty="0">
+              <a:solidFill>
+                <a:sysClr val="windowText" lastClr="000000"/>
+              </a:solidFill>
+            </a:endParaRPr>
+          </a:p>
+          <a:p>
+            <a:pPr algn="ctr"/>
+            <a:endParaRPr lang="ko-KR" altLang="en-US" dirty="0">
+              <a:solidFill>
+                <a:sysClr val="windowText" lastClr="000000"/>
+              </a:solidFill>
+            </a:endParaRPr>
+          </a:p>
+        </p:txBody>
+      </p:sp>
+      <p:sp>
+        <p:nvSpPr>
+          <p:cNvPr id="34" name="사각형: 둥근 모서리 29">
+            <a:extLst>
+              <a:ext uri="{FF2B5EF4-FFF2-40B4-BE49-F238E27FC236}">
+                <a16:creationId xmlns:a16="http://schemas.microsoft.com/office/drawing/2014/main" id="{0E8692AE-FFF0-47C4-94F8-AA3823AD50FD}"/>
+              </a:ext>
+            </a:extLst>
+          </p:cNvPr>
+          <p:cNvSpPr/>
+          <p:nvPr/>
+        </p:nvSpPr>
+        <p:spPr>
+          <a:xfrm>
+            <a:off x="2034222" y="2606863"/>
+            <a:ext cx="1334602" cy="455402"/>
+          </a:xfrm>
+          <a:prstGeom prst="roundRect">
+            <a:avLst/>
+          </a:prstGeom>
+        </p:spPr>
+        <p:style>
+          <a:lnRef idx="1">
+            <a:schemeClr val="accent6"/>
+          </a:lnRef>
+          <a:fillRef idx="2">
+            <a:schemeClr val="accent6"/>
+          </a:fillRef>
+          <a:effectRef idx="1">
+            <a:schemeClr val="accent6"/>
+          </a:effectRef>
+          <a:fontRef idx="minor">
+            <a:schemeClr val="dk1"/>
+          </a:fontRef>
+        </p:style>
+        <p:txBody>
+          <a:bodyPr rtlCol="0" anchor="ctr"/>
+          <a:lstStyle/>
+          <a:p>
+            <a:pPr algn="ctr"/>
+            <a:r>
+              <a:rPr lang="en-US" altLang="ko-KR" dirty="0" err="1" smtClean="0">
+                <a:solidFill>
+                  <a:sysClr val="windowText" lastClr="000000"/>
+                </a:solidFill>
+              </a:rPr>
+              <a:t>HashTable</a:t>
+            </a:r>
+            <a:endParaRPr lang="ko-KR" altLang="en-US" dirty="0">
+              <a:solidFill>
+                <a:sysClr val="windowText" lastClr="000000"/>
+              </a:solidFill>
+            </a:endParaRPr>
+          </a:p>
+        </p:txBody>
+      </p:sp>
+      <p:sp>
+        <p:nvSpPr>
+          <p:cNvPr id="38" name="이등변 삼각형 37">
+            <a:extLst>
+              <a:ext uri="{FF2B5EF4-FFF2-40B4-BE49-F238E27FC236}">
+                <a16:creationId xmlns:a16="http://schemas.microsoft.com/office/drawing/2014/main" id="{1DED755A-66B1-487D-864F-30BC6D6D4018}"/>
+              </a:ext>
+            </a:extLst>
+          </p:cNvPr>
+          <p:cNvSpPr/>
+          <p:nvPr/>
+        </p:nvSpPr>
+        <p:spPr>
+          <a:xfrm>
+            <a:off x="1657994" y="2423528"/>
+            <a:ext cx="139902" cy="101691"/>
+          </a:xfrm>
+          <a:prstGeom prst="triangle">
+            <a:avLst/>
+          </a:prstGeom>
+        </p:spPr>
+        <p:style>
+          <a:lnRef idx="1">
+            <a:schemeClr val="accent6"/>
+          </a:lnRef>
+          <a:fillRef idx="2">
+            <a:schemeClr val="accent6"/>
+          </a:fillRef>
+          <a:effectRef idx="1">
+            <a:schemeClr val="accent6"/>
+          </a:effectRef>
+          <a:fontRef idx="minor">
+            <a:schemeClr val="dk1"/>
+          </a:fontRef>
+        </p:style>
+        <p:txBody>
+          <a:bodyPr rtlCol="0" anchor="ctr"/>
+          <a:lstStyle/>
+          <a:p>
+            <a:pPr algn="ctr"/>
+            <a:endParaRPr lang="ko-KR" altLang="en-US"/>
+          </a:p>
+        </p:txBody>
+      </p:sp>
+      <p:cxnSp>
+        <p:nvCxnSpPr>
+          <p:cNvPr id="39" name="직선 연결선 38">
+            <a:extLst>
+              <a:ext uri="{FF2B5EF4-FFF2-40B4-BE49-F238E27FC236}">
+                <a16:creationId xmlns:a16="http://schemas.microsoft.com/office/drawing/2014/main" id="{93AF6A65-577F-41C6-B586-5AF131748EBC}"/>
+              </a:ext>
+            </a:extLst>
+          </p:cNvPr>
+          <p:cNvCxnSpPr>
+            <a:cxnSpLocks/>
+            <a:stCxn id="38" idx="3"/>
+          </p:cNvCxnSpPr>
+          <p:nvPr/>
+        </p:nvCxnSpPr>
+        <p:spPr>
+          <a:xfrm>
+            <a:off x="1727945" y="2525219"/>
+            <a:ext cx="0" cy="1451415"/>
+          </a:xfrm>
+          <a:prstGeom prst="line">
+            <a:avLst/>
+          </a:prstGeom>
+          <a:ln/>
+        </p:spPr>
+        <p:style>
+          <a:lnRef idx="1">
+            <a:schemeClr val="accent6"/>
+          </a:lnRef>
+          <a:fillRef idx="2">
+            <a:schemeClr val="accent6"/>
+          </a:fillRef>
+          <a:effectRef idx="1">
+            <a:schemeClr val="accent6"/>
+          </a:effectRef>
+          <a:fontRef idx="minor">
+            <a:schemeClr val="dk1"/>
+          </a:fontRef>
+        </p:style>
+      </p:cxnSp>
+      <p:cxnSp>
+        <p:nvCxnSpPr>
+          <p:cNvPr id="40" name="직선 연결선 39">
+            <a:extLst>
+              <a:ext uri="{FF2B5EF4-FFF2-40B4-BE49-F238E27FC236}">
+                <a16:creationId xmlns:a16="http://schemas.microsoft.com/office/drawing/2014/main" id="{A1AF82F8-8CB7-457E-9E67-B17335DB50EE}"/>
+              </a:ext>
+            </a:extLst>
+          </p:cNvPr>
+          <p:cNvCxnSpPr/>
+          <p:nvPr/>
+        </p:nvCxnSpPr>
+        <p:spPr>
+          <a:xfrm>
+            <a:off x="1727945" y="2810482"/>
+            <a:ext cx="306277" cy="0"/>
+          </a:xfrm>
+          <a:prstGeom prst="line">
+            <a:avLst/>
+          </a:prstGeom>
+          <a:ln/>
+        </p:spPr>
+        <p:style>
+          <a:lnRef idx="1">
+            <a:schemeClr val="accent6"/>
+          </a:lnRef>
+          <a:fillRef idx="2">
+            <a:schemeClr val="accent6"/>
+          </a:fillRef>
+          <a:effectRef idx="1">
+            <a:schemeClr val="accent6"/>
+          </a:effectRef>
+          <a:fontRef idx="minor">
+            <a:schemeClr val="dk1"/>
+          </a:fontRef>
+        </p:style>
+      </p:cxnSp>
+      <p:cxnSp>
+        <p:nvCxnSpPr>
+          <p:cNvPr id="41" name="직선 연결선 40">
+            <a:extLst>
+              <a:ext uri="{FF2B5EF4-FFF2-40B4-BE49-F238E27FC236}">
+                <a16:creationId xmlns:a16="http://schemas.microsoft.com/office/drawing/2014/main" id="{8B5B512E-908F-4494-9A08-8F68C46F1216}"/>
+              </a:ext>
+            </a:extLst>
+          </p:cNvPr>
+          <p:cNvCxnSpPr/>
+          <p:nvPr/>
+        </p:nvCxnSpPr>
+        <p:spPr>
+          <a:xfrm>
+            <a:off x="1727945" y="3373266"/>
+            <a:ext cx="306277" cy="0"/>
+          </a:xfrm>
+          <a:prstGeom prst="line">
+            <a:avLst/>
+          </a:prstGeom>
+          <a:ln/>
+        </p:spPr>
+        <p:style>
+          <a:lnRef idx="1">
+            <a:schemeClr val="accent6"/>
+          </a:lnRef>
+          <a:fillRef idx="2">
+            <a:schemeClr val="accent6"/>
+          </a:fillRef>
+          <a:effectRef idx="1">
+            <a:schemeClr val="accent6"/>
+          </a:effectRef>
+          <a:fontRef idx="minor">
+            <a:schemeClr val="dk1"/>
+          </a:fontRef>
+        </p:style>
+      </p:cxnSp>
+      <p:cxnSp>
+        <p:nvCxnSpPr>
+          <p:cNvPr id="42" name="직선 연결선 41">
+            <a:extLst>
+              <a:ext uri="{FF2B5EF4-FFF2-40B4-BE49-F238E27FC236}">
+                <a16:creationId xmlns:a16="http://schemas.microsoft.com/office/drawing/2014/main" id="{FB268566-C15F-4E6E-898E-558170394073}"/>
+              </a:ext>
+            </a:extLst>
+          </p:cNvPr>
+          <p:cNvCxnSpPr/>
+          <p:nvPr/>
+        </p:nvCxnSpPr>
+        <p:spPr>
+          <a:xfrm>
+            <a:off x="1727945" y="3976635"/>
+            <a:ext cx="306277" cy="0"/>
+          </a:xfrm>
+          <a:prstGeom prst="line">
+            <a:avLst/>
+          </a:prstGeom>
+          <a:ln/>
+        </p:spPr>
+        <p:style>
+          <a:lnRef idx="1">
+            <a:schemeClr val="accent6"/>
+          </a:lnRef>
+          <a:fillRef idx="2">
+            <a:schemeClr val="accent6"/>
+          </a:fillRef>
+          <a:effectRef idx="1">
+            <a:schemeClr val="accent6"/>
+          </a:effectRef>
+          <a:fontRef idx="minor">
+            <a:schemeClr val="dk1"/>
+          </a:fontRef>
+        </p:style>
+      </p:cxnSp>
+      <p:sp>
+        <p:nvSpPr>
+          <p:cNvPr id="44" name="사각형: 둥근 모서리 29">
+            <a:extLst>
+              <a:ext uri="{FF2B5EF4-FFF2-40B4-BE49-F238E27FC236}">
+                <a16:creationId xmlns:a16="http://schemas.microsoft.com/office/drawing/2014/main" id="{0E8692AE-FFF0-47C4-94F8-AA3823AD50FD}"/>
+              </a:ext>
+            </a:extLst>
+          </p:cNvPr>
+          <p:cNvSpPr/>
+          <p:nvPr/>
+        </p:nvSpPr>
+        <p:spPr>
+          <a:xfrm>
+            <a:off x="2034222" y="3186150"/>
+            <a:ext cx="1334602" cy="455402"/>
+          </a:xfrm>
+          <a:prstGeom prst="roundRect">
+            <a:avLst/>
+          </a:prstGeom>
+        </p:spPr>
+        <p:style>
+          <a:lnRef idx="1">
+            <a:schemeClr val="accent6"/>
+          </a:lnRef>
+          <a:fillRef idx="2">
+            <a:schemeClr val="accent6"/>
+          </a:fillRef>
+          <a:effectRef idx="1">
+            <a:schemeClr val="accent6"/>
+          </a:effectRef>
+          <a:fontRef idx="minor">
+            <a:schemeClr val="dk1"/>
+          </a:fontRef>
+        </p:style>
+        <p:txBody>
+          <a:bodyPr rtlCol="0" anchor="ctr"/>
+          <a:lstStyle/>
+          <a:p>
+            <a:pPr algn="ctr"/>
+            <a:r>
+              <a:rPr lang="en-US" altLang="ko-KR" dirty="0" err="1" smtClean="0">
+                <a:solidFill>
+                  <a:sysClr val="windowText" lastClr="000000"/>
+                </a:solidFill>
+              </a:rPr>
+              <a:t>HashMap</a:t>
+            </a:r>
+            <a:endParaRPr lang="ko-KR" altLang="en-US" dirty="0">
+              <a:solidFill>
+                <a:sysClr val="windowText" lastClr="000000"/>
+              </a:solidFill>
+            </a:endParaRPr>
+          </a:p>
+        </p:txBody>
+      </p:sp>
+      <p:sp>
+        <p:nvSpPr>
+          <p:cNvPr id="45" name="사각형: 둥근 모서리 29">
+            <a:extLst>
+              <a:ext uri="{FF2B5EF4-FFF2-40B4-BE49-F238E27FC236}">
+                <a16:creationId xmlns:a16="http://schemas.microsoft.com/office/drawing/2014/main" id="{0E8692AE-FFF0-47C4-94F8-AA3823AD50FD}"/>
+              </a:ext>
+            </a:extLst>
+          </p:cNvPr>
+          <p:cNvSpPr/>
+          <p:nvPr/>
+        </p:nvSpPr>
+        <p:spPr>
+          <a:xfrm>
+            <a:off x="2034222" y="3748933"/>
+            <a:ext cx="1334602" cy="455402"/>
+          </a:xfrm>
+          <a:prstGeom prst="roundRect">
+            <a:avLst/>
+          </a:prstGeom>
+        </p:spPr>
+        <p:style>
+          <a:lnRef idx="1">
+            <a:schemeClr val="accent6"/>
+          </a:lnRef>
+          <a:fillRef idx="2">
+            <a:schemeClr val="accent6"/>
+          </a:fillRef>
+          <a:effectRef idx="1">
+            <a:schemeClr val="accent6"/>
+          </a:effectRef>
+          <a:fontRef idx="minor">
+            <a:schemeClr val="dk1"/>
+          </a:fontRef>
+        </p:style>
+        <p:txBody>
+          <a:bodyPr rtlCol="0" anchor="ctr"/>
+          <a:lstStyle/>
+          <a:p>
+            <a:pPr algn="ctr"/>
+            <a:r>
+              <a:rPr lang="en-US" altLang="ko-KR" dirty="0" err="1" smtClean="0">
+                <a:solidFill>
+                  <a:sysClr val="windowText" lastClr="000000"/>
+                </a:solidFill>
+              </a:rPr>
+              <a:t>TreeMap</a:t>
+            </a:r>
+            <a:endParaRPr lang="ko-KR" altLang="en-US" dirty="0">
+              <a:solidFill>
+                <a:sysClr val="windowText" lastClr="000000"/>
+              </a:solidFill>
+            </a:endParaRPr>
+          </a:p>
+        </p:txBody>
+      </p:sp>
+      <p:pic>
+        <p:nvPicPr>
+          <p:cNvPr id="2" name="그림 1"/>
+          <p:cNvPicPr>
+            <a:picLocks noChangeAspect="1"/>
+          </p:cNvPicPr>
+          <p:nvPr/>
+        </p:nvPicPr>
+        <p:blipFill>
+          <a:blip r:embed="rId2">
+            <a:extLst>
+              <a:ext uri="{28A0092B-C50C-407E-A947-70E740481C1C}">
+                <a14:useLocalDpi xmlns:a14="http://schemas.microsoft.com/office/drawing/2010/main" val="0"/>
+              </a:ext>
+            </a:extLst>
+          </a:blip>
+          <a:stretch>
+            <a:fillRect/>
+          </a:stretch>
+        </p:blipFill>
+        <p:spPr>
+          <a:xfrm>
+            <a:off x="4088904" y="1809702"/>
+            <a:ext cx="4564776" cy="3208298"/>
+          </a:xfrm>
+          <a:prstGeom prst="rect">
+            <a:avLst/>
+          </a:prstGeom>
+          <a:ln>
+            <a:solidFill>
+              <a:schemeClr val="bg1">
+                <a:lumMod val="85000"/>
+              </a:schemeClr>
+            </a:solidFill>
+          </a:ln>
+        </p:spPr>
+      </p:pic>
+    </p:spTree>
+    <p:extLst>
+      <p:ext uri="{BB962C8B-B14F-4D97-AF65-F5344CB8AC3E}">
+        <p14:creationId xmlns:p14="http://schemas.microsoft.com/office/powerpoint/2010/main" val="88182870"/>
+      </p:ext>
+    </p:extLst>
+  </p:cSld>
+  <p:clrMapOvr>
+    <a:masterClrMapping/>
+  </p:clrMapOvr>
+  <p:timing>
+    <p:tnLst>
+      <p:par>
+        <p:cTn id="1" dur="indefinite" restart="never" nodeType="tmRoot"/>
+      </p:par>
+    </p:tnLst>
+  </p:timing>
+</p:sld>
+</file>
+
+<file path=ppt/slides/slide41.xml><?xml version="1.0" encoding="utf-8"?>
+<p:sld xmlns:a="http://schemas.openxmlformats.org/drawingml/2006/main" xmlns:r="http://schemas.openxmlformats.org/officeDocument/2006/relationships" xmlns:p="http://schemas.openxmlformats.org/presentationml/2006/main">
+  <p:cSld>
+    <p:spTree>
+      <p:nvGrpSpPr>
+        <p:cNvPr id="1" name=""/>
+        <p:cNvGrpSpPr/>
+        <p:nvPr/>
+      </p:nvGrpSpPr>
+      <p:grpSpPr>
+        <a:xfrm>
+          <a:off x="0" y="0"/>
+          <a:ext cx="0" cy="0"/>
+          <a:chOff x="0" y="0"/>
+          <a:chExt cx="0" cy="0"/>
+        </a:xfrm>
+      </p:grpSpPr>
+      <p:sp>
+        <p:nvSpPr>
+          <p:cNvPr id="6" name="제목 5"/>
+          <p:cNvSpPr>
+            <a:spLocks noGrp="1"/>
+          </p:cNvSpPr>
+          <p:nvPr>
+            <p:ph type="title"/>
+          </p:nvPr>
+        </p:nvSpPr>
+        <p:spPr/>
+        <p:txBody>
+          <a:bodyPr/>
+          <a:lstStyle/>
+          <a:p>
+            <a:r>
+              <a:rPr lang="en-US" altLang="ko-KR" dirty="0" smtClean="0"/>
+              <a:t> Map </a:t>
+            </a:r>
+            <a:r>
+              <a:rPr lang="ko-KR" altLang="en-US" dirty="0" smtClean="0"/>
+              <a:t>인터페이스</a:t>
+            </a:r>
+            <a:endParaRPr lang="ko-KR" altLang="en-US" dirty="0"/>
+          </a:p>
+        </p:txBody>
+      </p:sp>
+      <p:sp>
+        <p:nvSpPr>
+          <p:cNvPr id="5" name="슬라이드 번호 개체 틀 4"/>
+          <p:cNvSpPr>
+            <a:spLocks noGrp="1"/>
+          </p:cNvSpPr>
+          <p:nvPr>
+            <p:ph type="sldNum" sz="quarter" idx="12"/>
+          </p:nvPr>
+        </p:nvSpPr>
+        <p:spPr>
+          <a:xfrm>
+            <a:off x="8853433" y="7312347"/>
+            <a:ext cx="557267" cy="365125"/>
+          </a:xfrm>
+        </p:spPr>
+        <p:txBody>
+          <a:bodyPr/>
+          <a:lstStyle/>
+          <a:p>
+            <a:fld id="{1BDE3FE7-3AEA-4B05-AC5A-802D1816ACF0}" type="slidenum">
+              <a:rPr lang="ko-KR" altLang="en-US" smtClean="0"/>
+              <a:t>41</a:t>
+            </a:fld>
+            <a:endParaRPr lang="ko-KR" altLang="en-US"/>
+          </a:p>
+        </p:txBody>
+      </p:sp>
+      <p:sp>
+        <p:nvSpPr>
+          <p:cNvPr id="7" name="내용 개체 틀 2">
+            <a:extLst>
+              <a:ext uri="{FF2B5EF4-FFF2-40B4-BE49-F238E27FC236}">
+                <a16:creationId xmlns:a16="http://schemas.microsoft.com/office/drawing/2014/main" id="{98AF3A4E-7D90-4241-89FE-799D6F9D5A94}"/>
               </a:ext>
             </a:extLst>
           </p:cNvPr>
@@ -24084,7 +24419,7 @@
           <p:cNvPr id="46" name="표 45">
             <a:extLst>
               <a:ext uri="{FF2B5EF4-FFF2-40B4-BE49-F238E27FC236}">
-                <a16:creationId xmlns:a16="http://schemas.microsoft.com/office/drawing/2014/main" xmlns="" id="{87908839-6D83-432F-8CE5-B33149AF3252}"/>
+                <a16:creationId xmlns:a16="http://schemas.microsoft.com/office/drawing/2014/main" id="{87908839-6D83-432F-8CE5-B33149AF3252}"/>
               </a:ext>
             </a:extLst>
           </p:cNvPr>
@@ -24113,14 +24448,14 @@
                 <a:gridCol w="1464368">
                   <a:extLst>
                     <a:ext uri="{9D8B030D-6E8A-4147-A177-3AD203B41FA5}">
-                      <a16:colId xmlns:a16="http://schemas.microsoft.com/office/drawing/2014/main" xmlns="" val="2887738532"/>
+                      <a16:colId xmlns:a16="http://schemas.microsoft.com/office/drawing/2014/main" val="2887738532"/>
                     </a:ext>
                   </a:extLst>
                 </a:gridCol>
                 <a:gridCol w="5400600">
                   <a:extLst>
                     <a:ext uri="{9D8B030D-6E8A-4147-A177-3AD203B41FA5}">
-                      <a16:colId xmlns:a16="http://schemas.microsoft.com/office/drawing/2014/main" xmlns="" val="2999485284"/>
+                      <a16:colId xmlns:a16="http://schemas.microsoft.com/office/drawing/2014/main" val="2999485284"/>
                     </a:ext>
                   </a:extLst>
                 </a:gridCol>
@@ -24175,7 +24510,7 @@
                 </a:tc>
                 <a:extLst>
                   <a:ext uri="{0D108BD9-81ED-4DB2-BD59-A6C34878D82A}">
-                    <a16:rowId xmlns:a16="http://schemas.microsoft.com/office/drawing/2014/main" xmlns="" val="4215197872"/>
+                    <a16:rowId xmlns:a16="http://schemas.microsoft.com/office/drawing/2014/main" val="4215197872"/>
                   </a:ext>
                 </a:extLst>
               </a:tr>
@@ -24321,7 +24656,7 @@
                 </a:tc>
                 <a:extLst>
                   <a:ext uri="{0D108BD9-81ED-4DB2-BD59-A6C34878D82A}">
-                    <a16:rowId xmlns:a16="http://schemas.microsoft.com/office/drawing/2014/main" xmlns="" val="1488436910"/>
+                    <a16:rowId xmlns:a16="http://schemas.microsoft.com/office/drawing/2014/main" val="1488436910"/>
                   </a:ext>
                 </a:extLst>
               </a:tr>
@@ -24334,7 +24669,7 @@
           <p:cNvPr id="15" name="사각형: 둥근 모서리 7">
             <a:extLst>
               <a:ext uri="{FF2B5EF4-FFF2-40B4-BE49-F238E27FC236}">
-                <a16:creationId xmlns:a16="http://schemas.microsoft.com/office/drawing/2014/main" xmlns="" id="{2BA22EB7-1106-4D65-89F7-AB1E1341D8A9}"/>
+                <a16:creationId xmlns:a16="http://schemas.microsoft.com/office/drawing/2014/main" id="{2BA22EB7-1106-4D65-89F7-AB1E1341D8A9}"/>
               </a:ext>
             </a:extLst>
           </p:cNvPr>
@@ -24387,7 +24722,7 @@
           <p:cNvPr id="16" name="사각형: 둥근 모서리 8">
             <a:extLst>
               <a:ext uri="{FF2B5EF4-FFF2-40B4-BE49-F238E27FC236}">
-                <a16:creationId xmlns:a16="http://schemas.microsoft.com/office/drawing/2014/main" xmlns="" id="{A452BBF6-3909-4076-9D75-38BC89DAA4E4}"/>
+                <a16:creationId xmlns:a16="http://schemas.microsoft.com/office/drawing/2014/main" id="{A452BBF6-3909-4076-9D75-38BC89DAA4E4}"/>
               </a:ext>
             </a:extLst>
           </p:cNvPr>
@@ -24440,7 +24775,7 @@
           <p:cNvPr id="17" name="표 16">
             <a:extLst>
               <a:ext uri="{FF2B5EF4-FFF2-40B4-BE49-F238E27FC236}">
-                <a16:creationId xmlns:a16="http://schemas.microsoft.com/office/drawing/2014/main" xmlns="" id="{6AE3A378-3108-44D3-B4E8-334D6161D0B9}"/>
+                <a16:creationId xmlns:a16="http://schemas.microsoft.com/office/drawing/2014/main" id="{6AE3A378-3108-44D3-B4E8-334D6161D0B9}"/>
               </a:ext>
             </a:extLst>
           </p:cNvPr>
@@ -24469,7 +24804,7 @@
                 <a:gridCol w="549241">
                   <a:extLst>
                     <a:ext uri="{9D8B030D-6E8A-4147-A177-3AD203B41FA5}">
-                      <a16:colId xmlns:a16="http://schemas.microsoft.com/office/drawing/2014/main" xmlns="" val="1209056767"/>
+                      <a16:colId xmlns:a16="http://schemas.microsoft.com/office/drawing/2014/main" val="1209056767"/>
                     </a:ext>
                   </a:extLst>
                 </a:gridCol>
@@ -24498,7 +24833,7 @@
                 </a:tc>
                 <a:extLst>
                   <a:ext uri="{0D108BD9-81ED-4DB2-BD59-A6C34878D82A}">
-                    <a16:rowId xmlns:a16="http://schemas.microsoft.com/office/drawing/2014/main" xmlns="" val="4220556659"/>
+                    <a16:rowId xmlns:a16="http://schemas.microsoft.com/office/drawing/2014/main" val="4220556659"/>
                   </a:ext>
                 </a:extLst>
               </a:tr>
@@ -24519,7 +24854,7 @@
                 </a:tc>
                 <a:extLst>
                   <a:ext uri="{0D108BD9-81ED-4DB2-BD59-A6C34878D82A}">
-                    <a16:rowId xmlns:a16="http://schemas.microsoft.com/office/drawing/2014/main" xmlns="" val="1025759309"/>
+                    <a16:rowId xmlns:a16="http://schemas.microsoft.com/office/drawing/2014/main" val="1025759309"/>
                   </a:ext>
                 </a:extLst>
               </a:tr>
@@ -24532,7 +24867,7 @@
           <p:cNvPr id="18" name="TextBox 17">
             <a:extLst>
               <a:ext uri="{FF2B5EF4-FFF2-40B4-BE49-F238E27FC236}">
-                <a16:creationId xmlns:a16="http://schemas.microsoft.com/office/drawing/2014/main" xmlns="" id="{DE6766B3-D945-4E03-9643-17DF23270C24}"/>
+                <a16:creationId xmlns:a16="http://schemas.microsoft.com/office/drawing/2014/main" id="{DE6766B3-D945-4E03-9643-17DF23270C24}"/>
               </a:ext>
             </a:extLst>
           </p:cNvPr>
@@ -24574,7 +24909,7 @@
           <p:cNvPr id="19" name="TextBox 18">
             <a:extLst>
               <a:ext uri="{FF2B5EF4-FFF2-40B4-BE49-F238E27FC236}">
-                <a16:creationId xmlns:a16="http://schemas.microsoft.com/office/drawing/2014/main" xmlns="" id="{6BC32E38-DAD1-4638-B7F2-F189A2D38F6D}"/>
+                <a16:creationId xmlns:a16="http://schemas.microsoft.com/office/drawing/2014/main" id="{6BC32E38-DAD1-4638-B7F2-F189A2D38F6D}"/>
               </a:ext>
             </a:extLst>
           </p:cNvPr>
@@ -24621,7 +24956,7 @@
           <p:cNvPr id="20" name="타원 19">
             <a:extLst>
               <a:ext uri="{FF2B5EF4-FFF2-40B4-BE49-F238E27FC236}">
-                <a16:creationId xmlns:a16="http://schemas.microsoft.com/office/drawing/2014/main" xmlns="" id="{76D695C6-D1F3-44F0-9440-11106F083BA9}"/>
+                <a16:creationId xmlns:a16="http://schemas.microsoft.com/office/drawing/2014/main" id="{76D695C6-D1F3-44F0-9440-11106F083BA9}"/>
               </a:ext>
             </a:extLst>
           </p:cNvPr>
@@ -24701,7 +25036,7 @@
           <p:cNvPr id="21" name="타원 20">
             <a:extLst>
               <a:ext uri="{FF2B5EF4-FFF2-40B4-BE49-F238E27FC236}">
-                <a16:creationId xmlns:a16="http://schemas.microsoft.com/office/drawing/2014/main" xmlns="" id="{E6A6F253-10A1-4A3C-B89D-1FB9F24AEA53}"/>
+                <a16:creationId xmlns:a16="http://schemas.microsoft.com/office/drawing/2014/main" id="{E6A6F253-10A1-4A3C-B89D-1FB9F24AEA53}"/>
               </a:ext>
             </a:extLst>
           </p:cNvPr>
@@ -24781,7 +25116,7 @@
           <p:cNvPr id="22" name="직선 화살표 연결선 21">
             <a:extLst>
               <a:ext uri="{FF2B5EF4-FFF2-40B4-BE49-F238E27FC236}">
-                <a16:creationId xmlns:a16="http://schemas.microsoft.com/office/drawing/2014/main" xmlns="" id="{CF9E20DA-0D48-4925-AD4A-5E4D4A592C9E}"/>
+                <a16:creationId xmlns:a16="http://schemas.microsoft.com/office/drawing/2014/main" id="{CF9E20DA-0D48-4925-AD4A-5E4D4A592C9E}"/>
               </a:ext>
             </a:extLst>
           </p:cNvPr>
@@ -24826,7 +25161,7 @@
           <p:cNvPr id="23" name="타원 22">
             <a:extLst>
               <a:ext uri="{FF2B5EF4-FFF2-40B4-BE49-F238E27FC236}">
-                <a16:creationId xmlns:a16="http://schemas.microsoft.com/office/drawing/2014/main" xmlns="" id="{E9125FE6-53A9-480A-A6EF-FFECA29458D9}"/>
+                <a16:creationId xmlns:a16="http://schemas.microsoft.com/office/drawing/2014/main" id="{E9125FE6-53A9-480A-A6EF-FFECA29458D9}"/>
               </a:ext>
             </a:extLst>
           </p:cNvPr>
@@ -24906,7 +25241,7 @@
           <p:cNvPr id="24" name="타원 23">
             <a:extLst>
               <a:ext uri="{FF2B5EF4-FFF2-40B4-BE49-F238E27FC236}">
-                <a16:creationId xmlns:a16="http://schemas.microsoft.com/office/drawing/2014/main" xmlns="" id="{E31CA40D-B74E-4A78-88B1-8EF41328FA60}"/>
+                <a16:creationId xmlns:a16="http://schemas.microsoft.com/office/drawing/2014/main" id="{E31CA40D-B74E-4A78-88B1-8EF41328FA60}"/>
               </a:ext>
             </a:extLst>
           </p:cNvPr>
@@ -24986,7 +25321,7 @@
           <p:cNvPr id="25" name="표 24">
             <a:extLst>
               <a:ext uri="{FF2B5EF4-FFF2-40B4-BE49-F238E27FC236}">
-                <a16:creationId xmlns:a16="http://schemas.microsoft.com/office/drawing/2014/main" xmlns="" id="{313C782B-5681-4878-89A3-FFC16E056827}"/>
+                <a16:creationId xmlns:a16="http://schemas.microsoft.com/office/drawing/2014/main" id="{313C782B-5681-4878-89A3-FFC16E056827}"/>
               </a:ext>
             </a:extLst>
           </p:cNvPr>
@@ -25015,7 +25350,7 @@
                 <a:gridCol w="549241">
                   <a:extLst>
                     <a:ext uri="{9D8B030D-6E8A-4147-A177-3AD203B41FA5}">
-                      <a16:colId xmlns:a16="http://schemas.microsoft.com/office/drawing/2014/main" xmlns="" val="1209056767"/>
+                      <a16:colId xmlns:a16="http://schemas.microsoft.com/office/drawing/2014/main" val="1209056767"/>
                     </a:ext>
                   </a:extLst>
                 </a:gridCol>
@@ -25044,7 +25379,7 @@
                 </a:tc>
                 <a:extLst>
                   <a:ext uri="{0D108BD9-81ED-4DB2-BD59-A6C34878D82A}">
-                    <a16:rowId xmlns:a16="http://schemas.microsoft.com/office/drawing/2014/main" xmlns="" val="4220556659"/>
+                    <a16:rowId xmlns:a16="http://schemas.microsoft.com/office/drawing/2014/main" val="4220556659"/>
                   </a:ext>
                 </a:extLst>
               </a:tr>
@@ -25065,7 +25400,7 @@
                 </a:tc>
                 <a:extLst>
                   <a:ext uri="{0D108BD9-81ED-4DB2-BD59-A6C34878D82A}">
-                    <a16:rowId xmlns:a16="http://schemas.microsoft.com/office/drawing/2014/main" xmlns="" val="1025759309"/>
+                    <a16:rowId xmlns:a16="http://schemas.microsoft.com/office/drawing/2014/main" val="1025759309"/>
                   </a:ext>
                 </a:extLst>
               </a:tr>
@@ -25078,7 +25413,7 @@
           <p:cNvPr id="26" name="직선 화살표 연결선 25">
             <a:extLst>
               <a:ext uri="{FF2B5EF4-FFF2-40B4-BE49-F238E27FC236}">
-                <a16:creationId xmlns:a16="http://schemas.microsoft.com/office/drawing/2014/main" xmlns="" id="{94B2B050-C0FC-484F-970C-2CC3AFA211AA}"/>
+                <a16:creationId xmlns:a16="http://schemas.microsoft.com/office/drawing/2014/main" id="{94B2B050-C0FC-484F-970C-2CC3AFA211AA}"/>
               </a:ext>
             </a:extLst>
           </p:cNvPr>
@@ -25123,7 +25458,7 @@
           <p:cNvPr id="27" name="직선 화살표 연결선 26">
             <a:extLst>
               <a:ext uri="{FF2B5EF4-FFF2-40B4-BE49-F238E27FC236}">
-                <a16:creationId xmlns:a16="http://schemas.microsoft.com/office/drawing/2014/main" xmlns="" id="{AB922325-0130-400F-8005-CC6CA932D444}"/>
+                <a16:creationId xmlns:a16="http://schemas.microsoft.com/office/drawing/2014/main" id="{AB922325-0130-400F-8005-CC6CA932D444}"/>
               </a:ext>
             </a:extLst>
           </p:cNvPr>
@@ -25168,7 +25503,7 @@
           <p:cNvPr id="28" name="직선 화살표 연결선 27">
             <a:extLst>
               <a:ext uri="{FF2B5EF4-FFF2-40B4-BE49-F238E27FC236}">
-                <a16:creationId xmlns:a16="http://schemas.microsoft.com/office/drawing/2014/main" xmlns="" id="{16FA30BF-61B5-4561-8DD2-7ADD5852787B}"/>
+                <a16:creationId xmlns:a16="http://schemas.microsoft.com/office/drawing/2014/main" id="{16FA30BF-61B5-4561-8DD2-7ADD5852787B}"/>
               </a:ext>
             </a:extLst>
           </p:cNvPr>
@@ -25213,7 +25548,7 @@
           <p:cNvPr id="29" name="타원 28">
             <a:extLst>
               <a:ext uri="{FF2B5EF4-FFF2-40B4-BE49-F238E27FC236}">
-                <a16:creationId xmlns:a16="http://schemas.microsoft.com/office/drawing/2014/main" xmlns="" id="{7629D668-7838-4774-85DA-972AAC270186}"/>
+                <a16:creationId xmlns:a16="http://schemas.microsoft.com/office/drawing/2014/main" id="{7629D668-7838-4774-85DA-972AAC270186}"/>
               </a:ext>
             </a:extLst>
           </p:cNvPr>
@@ -25293,7 +25628,7 @@
           <p:cNvPr id="30" name="표 29">
             <a:extLst>
               <a:ext uri="{FF2B5EF4-FFF2-40B4-BE49-F238E27FC236}">
-                <a16:creationId xmlns:a16="http://schemas.microsoft.com/office/drawing/2014/main" xmlns="" id="{BF076B63-74F1-430E-9530-5C756114766D}"/>
+                <a16:creationId xmlns:a16="http://schemas.microsoft.com/office/drawing/2014/main" id="{BF076B63-74F1-430E-9530-5C756114766D}"/>
               </a:ext>
             </a:extLst>
           </p:cNvPr>
@@ -25322,7 +25657,7 @@
                 <a:gridCol w="549241">
                   <a:extLst>
                     <a:ext uri="{9D8B030D-6E8A-4147-A177-3AD203B41FA5}">
-                      <a16:colId xmlns:a16="http://schemas.microsoft.com/office/drawing/2014/main" xmlns="" val="1209056767"/>
+                      <a16:colId xmlns:a16="http://schemas.microsoft.com/office/drawing/2014/main" val="1209056767"/>
                     </a:ext>
                   </a:extLst>
                 </a:gridCol>
@@ -25351,7 +25686,7 @@
                 </a:tc>
                 <a:extLst>
                   <a:ext uri="{0D108BD9-81ED-4DB2-BD59-A6C34878D82A}">
-                    <a16:rowId xmlns:a16="http://schemas.microsoft.com/office/drawing/2014/main" xmlns="" val="4220556659"/>
+                    <a16:rowId xmlns:a16="http://schemas.microsoft.com/office/drawing/2014/main" val="4220556659"/>
                   </a:ext>
                 </a:extLst>
               </a:tr>
@@ -25372,7 +25707,7 @@
                 </a:tc>
                 <a:extLst>
                   <a:ext uri="{0D108BD9-81ED-4DB2-BD59-A6C34878D82A}">
-                    <a16:rowId xmlns:a16="http://schemas.microsoft.com/office/drawing/2014/main" xmlns="" val="1025759309"/>
+                    <a16:rowId xmlns:a16="http://schemas.microsoft.com/office/drawing/2014/main" val="1025759309"/>
                   </a:ext>
                 </a:extLst>
               </a:tr>
@@ -25385,7 +25720,7 @@
           <p:cNvPr id="31" name="직선 화살표 연결선 30">
             <a:extLst>
               <a:ext uri="{FF2B5EF4-FFF2-40B4-BE49-F238E27FC236}">
-                <a16:creationId xmlns:a16="http://schemas.microsoft.com/office/drawing/2014/main" xmlns="" id="{F3758B27-97E3-4026-BF28-F45E14FE1723}"/>
+                <a16:creationId xmlns:a16="http://schemas.microsoft.com/office/drawing/2014/main" id="{F3758B27-97E3-4026-BF28-F45E14FE1723}"/>
               </a:ext>
             </a:extLst>
           </p:cNvPr>
@@ -25430,7 +25765,7 @@
           <p:cNvPr id="32" name="직선 화살표 연결선 31">
             <a:extLst>
               <a:ext uri="{FF2B5EF4-FFF2-40B4-BE49-F238E27FC236}">
-                <a16:creationId xmlns:a16="http://schemas.microsoft.com/office/drawing/2014/main" xmlns="" id="{9F02684A-DA8D-4F69-A63F-DB414D3A1042}"/>
+                <a16:creationId xmlns:a16="http://schemas.microsoft.com/office/drawing/2014/main" id="{9F02684A-DA8D-4F69-A63F-DB414D3A1042}"/>
               </a:ext>
             </a:extLst>
           </p:cNvPr>
@@ -25490,7 +25825,7 @@
 </p:sld>
 </file>
 
-<file path=ppt/slides/slide41.xml><?xml version="1.0" encoding="utf-8"?>
+<file path=ppt/slides/slide42.xml><?xml version="1.0" encoding="utf-8"?>
 <p:sld xmlns:a="http://schemas.openxmlformats.org/drawingml/2006/main" xmlns:r="http://schemas.openxmlformats.org/officeDocument/2006/relationships" xmlns:p="http://schemas.openxmlformats.org/presentationml/2006/main">
   <p:cSld>
     <p:spTree>
@@ -25512,7 +25847,7 @@
           <p:cNvPr id="24" name="표 23">
             <a:extLst>
               <a:ext uri="{FF2B5EF4-FFF2-40B4-BE49-F238E27FC236}">
-                <a16:creationId xmlns:a16="http://schemas.microsoft.com/office/drawing/2014/main" xmlns="" id="{8E05A061-FEA4-4B08-9F8F-EBB960B6D986}"/>
+                <a16:creationId xmlns:a16="http://schemas.microsoft.com/office/drawing/2014/main" id="{8E05A061-FEA4-4B08-9F8F-EBB960B6D986}"/>
               </a:ext>
             </a:extLst>
           </p:cNvPr>
@@ -25541,7 +25876,7 @@
                 <a:gridCol w="5616624">
                   <a:extLst>
                     <a:ext uri="{9D8B030D-6E8A-4147-A177-3AD203B41FA5}">
-                      <a16:colId xmlns:a16="http://schemas.microsoft.com/office/drawing/2014/main" xmlns="" val="3058073475"/>
+                      <a16:colId xmlns:a16="http://schemas.microsoft.com/office/drawing/2014/main" val="3058073475"/>
                     </a:ext>
                   </a:extLst>
                 </a:gridCol>
@@ -25643,7 +25978,7 @@
                 </a:tc>
                 <a:extLst>
                   <a:ext uri="{0D108BD9-81ED-4DB2-BD59-A6C34878D82A}">
-                    <a16:rowId xmlns:a16="http://schemas.microsoft.com/office/drawing/2014/main" xmlns="" val="1680081826"/>
+                    <a16:rowId xmlns:a16="http://schemas.microsoft.com/office/drawing/2014/main" val="1680081826"/>
                   </a:ext>
                 </a:extLst>
               </a:tr>
@@ -25656,7 +25991,7 @@
           <p:cNvPr id="25" name="TextBox 24">
             <a:extLst>
               <a:ext uri="{FF2B5EF4-FFF2-40B4-BE49-F238E27FC236}">
-                <a16:creationId xmlns:a16="http://schemas.microsoft.com/office/drawing/2014/main" xmlns="" id="{8BD37952-2FB5-4E37-BA69-E678C8BD92B5}"/>
+                <a16:creationId xmlns:a16="http://schemas.microsoft.com/office/drawing/2014/main" id="{8BD37952-2FB5-4E37-BA69-E678C8BD92B5}"/>
               </a:ext>
             </a:extLst>
           </p:cNvPr>
@@ -25704,7 +26039,7 @@
           <p:cNvPr id="26" name="TextBox 25">
             <a:extLst>
               <a:ext uri="{FF2B5EF4-FFF2-40B4-BE49-F238E27FC236}">
-                <a16:creationId xmlns:a16="http://schemas.microsoft.com/office/drawing/2014/main" xmlns="" id="{D6A8FB11-554E-463E-9FB8-731B0E7708EF}"/>
+                <a16:creationId xmlns:a16="http://schemas.microsoft.com/office/drawing/2014/main" id="{D6A8FB11-554E-463E-9FB8-731B0E7708EF}"/>
               </a:ext>
             </a:extLst>
           </p:cNvPr>
@@ -25800,7 +26135,7 @@
           <p:cNvPr id="30" name="내용 개체 틀 2">
             <a:extLst>
               <a:ext uri="{FF2B5EF4-FFF2-40B4-BE49-F238E27FC236}">
-                <a16:creationId xmlns:a16="http://schemas.microsoft.com/office/drawing/2014/main" xmlns="" id="{98AF3A4E-7D90-4241-89FE-799D6F9D5A94}"/>
+                <a16:creationId xmlns:a16="http://schemas.microsoft.com/office/drawing/2014/main" id="{98AF3A4E-7D90-4241-89FE-799D6F9D5A94}"/>
               </a:ext>
             </a:extLst>
           </p:cNvPr>
@@ -26186,7 +26521,7 @@
           <p:cNvPr id="13" name="표 12">
             <a:extLst>
               <a:ext uri="{FF2B5EF4-FFF2-40B4-BE49-F238E27FC236}">
-                <a16:creationId xmlns:a16="http://schemas.microsoft.com/office/drawing/2014/main" xmlns="" id="{C8B2F92F-E9BD-43E0-8573-FFD8E376842B}"/>
+                <a16:creationId xmlns:a16="http://schemas.microsoft.com/office/drawing/2014/main" id="{C8B2F92F-E9BD-43E0-8573-FFD8E376842B}"/>
               </a:ext>
             </a:extLst>
           </p:cNvPr>
@@ -26215,21 +26550,21 @@
                 <a:gridCol w="1338206">
                   <a:extLst>
                     <a:ext uri="{9D8B030D-6E8A-4147-A177-3AD203B41FA5}">
-                      <a16:colId xmlns:a16="http://schemas.microsoft.com/office/drawing/2014/main" xmlns="" val="2887738532"/>
+                      <a16:colId xmlns:a16="http://schemas.microsoft.com/office/drawing/2014/main" val="2887738532"/>
                     </a:ext>
                   </a:extLst>
                 </a:gridCol>
                 <a:gridCol w="2598478">
                   <a:extLst>
                     <a:ext uri="{9D8B030D-6E8A-4147-A177-3AD203B41FA5}">
-                      <a16:colId xmlns:a16="http://schemas.microsoft.com/office/drawing/2014/main" xmlns="" val="3449779131"/>
+                      <a16:colId xmlns:a16="http://schemas.microsoft.com/office/drawing/2014/main" val="3449779131"/>
                     </a:ext>
                   </a:extLst>
                 </a:gridCol>
                 <a:gridCol w="4091062">
                   <a:extLst>
                     <a:ext uri="{9D8B030D-6E8A-4147-A177-3AD203B41FA5}">
-                      <a16:colId xmlns:a16="http://schemas.microsoft.com/office/drawing/2014/main" xmlns="" val="2999485284"/>
+                      <a16:colId xmlns:a16="http://schemas.microsoft.com/office/drawing/2014/main" val="2999485284"/>
                     </a:ext>
                   </a:extLst>
                 </a:gridCol>
@@ -26300,7 +26635,7 @@
                 </a:tc>
                 <a:extLst>
                   <a:ext uri="{0D108BD9-81ED-4DB2-BD59-A6C34878D82A}">
-                    <a16:rowId xmlns:a16="http://schemas.microsoft.com/office/drawing/2014/main" xmlns="" val="4215197872"/>
+                    <a16:rowId xmlns:a16="http://schemas.microsoft.com/office/drawing/2014/main" val="4215197872"/>
                   </a:ext>
                 </a:extLst>
               </a:tr>
@@ -26350,7 +26685,7 @@
                 </a:tc>
                 <a:extLst>
                   <a:ext uri="{0D108BD9-81ED-4DB2-BD59-A6C34878D82A}">
-                    <a16:rowId xmlns:a16="http://schemas.microsoft.com/office/drawing/2014/main" xmlns="" val="1488436910"/>
+                    <a16:rowId xmlns:a16="http://schemas.microsoft.com/office/drawing/2014/main" val="1488436910"/>
                   </a:ext>
                 </a:extLst>
               </a:tr>
@@ -26416,7 +26751,7 @@
                 </a:tc>
                 <a:extLst>
                   <a:ext uri="{0D108BD9-81ED-4DB2-BD59-A6C34878D82A}">
-                    <a16:rowId xmlns:a16="http://schemas.microsoft.com/office/drawing/2014/main" xmlns="" val="3962380499"/>
+                    <a16:rowId xmlns:a16="http://schemas.microsoft.com/office/drawing/2014/main" val="3962380499"/>
                   </a:ext>
                 </a:extLst>
               </a:tr>
@@ -26483,7 +26818,7 @@
                 </a:tc>
                 <a:extLst>
                   <a:ext uri="{0D108BD9-81ED-4DB2-BD59-A6C34878D82A}">
-                    <a16:rowId xmlns:a16="http://schemas.microsoft.com/office/drawing/2014/main" xmlns="" val="2061246058"/>
+                    <a16:rowId xmlns:a16="http://schemas.microsoft.com/office/drawing/2014/main" val="2061246058"/>
                   </a:ext>
                 </a:extLst>
               </a:tr>
@@ -26546,7 +26881,7 @@
                 </a:tc>
                 <a:extLst>
                   <a:ext uri="{0D108BD9-81ED-4DB2-BD59-A6C34878D82A}">
-                    <a16:rowId xmlns:a16="http://schemas.microsoft.com/office/drawing/2014/main" xmlns="" val="1699605084"/>
+                    <a16:rowId xmlns:a16="http://schemas.microsoft.com/office/drawing/2014/main" val="1699605084"/>
                   </a:ext>
                 </a:extLst>
               </a:tr>
@@ -26628,7 +26963,7 @@
                 </a:tc>
                 <a:extLst>
                   <a:ext uri="{0D108BD9-81ED-4DB2-BD59-A6C34878D82A}">
-                    <a16:rowId xmlns:a16="http://schemas.microsoft.com/office/drawing/2014/main" xmlns="" val="3673702031"/>
+                    <a16:rowId xmlns:a16="http://schemas.microsoft.com/office/drawing/2014/main" val="3673702031"/>
                   </a:ext>
                 </a:extLst>
               </a:tr>
@@ -26707,7 +27042,7 @@
                 </a:tc>
                 <a:extLst>
                   <a:ext uri="{0D108BD9-81ED-4DB2-BD59-A6C34878D82A}">
-                    <a16:rowId xmlns:a16="http://schemas.microsoft.com/office/drawing/2014/main" xmlns="" val="1031162340"/>
+                    <a16:rowId xmlns:a16="http://schemas.microsoft.com/office/drawing/2014/main" val="1031162340"/>
                   </a:ext>
                 </a:extLst>
               </a:tr>
@@ -26735,7 +27070,7 @@
 </p:sld>
 </file>
 
-<file path=ppt/slides/slide42.xml><?xml version="1.0" encoding="utf-8"?>
+<file path=ppt/slides/slide43.xml><?xml version="1.0" encoding="utf-8"?>
 <p:sld xmlns:a="http://schemas.openxmlformats.org/drawingml/2006/main" xmlns:r="http://schemas.openxmlformats.org/officeDocument/2006/relationships" xmlns:p="http://schemas.openxmlformats.org/presentationml/2006/main">
   <p:cSld>
     <p:spTree>
@@ -26800,7 +27135,7 @@
           <a:p>
             <a:fld id="{1BDE3FE7-3AEA-4B05-AC5A-802D1816ACF0}" type="slidenum">
               <a:rPr lang="ko-KR" altLang="en-US" smtClean="0"/>
-              <a:t>42</a:t>
+              <a:t>43</a:t>
             </a:fld>
             <a:endParaRPr lang="ko-KR" altLang="en-US"/>
           </a:p>
@@ -26899,7 +27234,7 @@
 </p:sld>
 </file>
 
-<file path=ppt/slides/slide43.xml><?xml version="1.0" encoding="utf-8"?>
+<file path=ppt/slides/slide44.xml><?xml version="1.0" encoding="utf-8"?>
 <p:sld xmlns:a="http://schemas.openxmlformats.org/drawingml/2006/main" xmlns:r="http://schemas.openxmlformats.org/officeDocument/2006/relationships" xmlns:p="http://schemas.openxmlformats.org/presentationml/2006/main">
   <p:cSld>
     <p:spTree>
@@ -26964,7 +27299,7 @@
           <a:p>
             <a:fld id="{1BDE3FE7-3AEA-4B05-AC5A-802D1816ACF0}" type="slidenum">
               <a:rPr lang="ko-KR" altLang="en-US" smtClean="0"/>
-              <a:t>43</a:t>
+              <a:t>44</a:t>
             </a:fld>
             <a:endParaRPr lang="ko-KR" altLang="en-US"/>
           </a:p>
@@ -27027,7 +27362,7 @@
 </p:sld>
 </file>
 
-<file path=ppt/slides/slide44.xml><?xml version="1.0" encoding="utf-8"?>
+<file path=ppt/slides/slide45.xml><?xml version="1.0" encoding="utf-8"?>
 <p:sld xmlns:a="http://schemas.openxmlformats.org/drawingml/2006/main" xmlns:r="http://schemas.openxmlformats.org/officeDocument/2006/relationships" xmlns:p="http://schemas.openxmlformats.org/presentationml/2006/main">
   <p:cSld>
     <p:spTree>
@@ -27092,7 +27427,7 @@
           <a:p>
             <a:fld id="{1BDE3FE7-3AEA-4B05-AC5A-802D1816ACF0}" type="slidenum">
               <a:rPr lang="ko-KR" altLang="en-US" smtClean="0"/>
-              <a:t>44</a:t>
+              <a:t>45</a:t>
             </a:fld>
             <a:endParaRPr lang="ko-KR" altLang="en-US"/>
           </a:p>
@@ -27103,7 +27438,7 @@
           <p:cNvPr id="7" name="내용 개체 틀 2">
             <a:extLst>
               <a:ext uri="{FF2B5EF4-FFF2-40B4-BE49-F238E27FC236}">
-                <a16:creationId xmlns:a16="http://schemas.microsoft.com/office/drawing/2014/main" xmlns="" id="{98AF3A4E-7D90-4241-89FE-799D6F9D5A94}"/>
+                <a16:creationId xmlns:a16="http://schemas.microsoft.com/office/drawing/2014/main" id="{98AF3A4E-7D90-4241-89FE-799D6F9D5A94}"/>
               </a:ext>
             </a:extLst>
           </p:cNvPr>
@@ -27410,7 +27745,7 @@
 </p:sld>
 </file>
 
-<file path=ppt/slides/slide45.xml><?xml version="1.0" encoding="utf-8"?>
+<file path=ppt/slides/slide46.xml><?xml version="1.0" encoding="utf-8"?>
 <p:sld xmlns:a="http://schemas.openxmlformats.org/drawingml/2006/main" xmlns:r="http://schemas.openxmlformats.org/officeDocument/2006/relationships" xmlns:p="http://schemas.openxmlformats.org/presentationml/2006/main">
   <p:cSld>
     <p:spTree>
@@ -27475,7 +27810,7 @@
           <a:p>
             <a:fld id="{1BDE3FE7-3AEA-4B05-AC5A-802D1816ACF0}" type="slidenum">
               <a:rPr lang="ko-KR" altLang="en-US" smtClean="0"/>
-              <a:t>45</a:t>
+              <a:t>46</a:t>
             </a:fld>
             <a:endParaRPr lang="ko-KR" altLang="en-US"/>
           </a:p>
@@ -27486,7 +27821,7 @@
           <p:cNvPr id="7" name="내용 개체 틀 2">
             <a:extLst>
               <a:ext uri="{FF2B5EF4-FFF2-40B4-BE49-F238E27FC236}">
-                <a16:creationId xmlns:a16="http://schemas.microsoft.com/office/drawing/2014/main" xmlns="" id="{98AF3A4E-7D90-4241-89FE-799D6F9D5A94}"/>
+                <a16:creationId xmlns:a16="http://schemas.microsoft.com/office/drawing/2014/main" id="{98AF3A4E-7D90-4241-89FE-799D6F9D5A94}"/>
               </a:ext>
             </a:extLst>
           </p:cNvPr>
@@ -27831,7 +28166,7 @@
 </p:sld>
 </file>
 
-<file path=ppt/slides/slide46.xml><?xml version="1.0" encoding="utf-8"?>
+<file path=ppt/slides/slide47.xml><?xml version="1.0" encoding="utf-8"?>
 <p:sld xmlns:a="http://schemas.openxmlformats.org/drawingml/2006/main" xmlns:r="http://schemas.openxmlformats.org/officeDocument/2006/relationships" xmlns:p="http://schemas.openxmlformats.org/presentationml/2006/main">
   <p:cSld>
     <p:spTree>
@@ -27899,7 +28234,7 @@
           <a:p>
             <a:fld id="{1BDE3FE7-3AEA-4B05-AC5A-802D1816ACF0}" type="slidenum">
               <a:rPr lang="ko-KR" altLang="en-US" smtClean="0"/>
-              <a:t>46</a:t>
+              <a:t>47</a:t>
             </a:fld>
             <a:endParaRPr lang="ko-KR" altLang="en-US"/>
           </a:p>
@@ -27910,7 +28245,7 @@
           <p:cNvPr id="7" name="내용 개체 틀 2">
             <a:extLst>
               <a:ext uri="{FF2B5EF4-FFF2-40B4-BE49-F238E27FC236}">
-                <a16:creationId xmlns:a16="http://schemas.microsoft.com/office/drawing/2014/main" xmlns="" id="{98AF3A4E-7D90-4241-89FE-799D6F9D5A94}"/>
+                <a16:creationId xmlns:a16="http://schemas.microsoft.com/office/drawing/2014/main" id="{98AF3A4E-7D90-4241-89FE-799D6F9D5A94}"/>
               </a:ext>
             </a:extLst>
           </p:cNvPr>
@@ -28266,7 +28601,7 @@
 </p:sld>
 </file>
 
-<file path=ppt/slides/slide47.xml><?xml version="1.0" encoding="utf-8"?>
+<file path=ppt/slides/slide48.xml><?xml version="1.0" encoding="utf-8"?>
 <p:sld xmlns:a="http://schemas.openxmlformats.org/drawingml/2006/main" xmlns:r="http://schemas.openxmlformats.org/officeDocument/2006/relationships" xmlns:p="http://schemas.openxmlformats.org/presentationml/2006/main">
   <p:cSld>
     <p:spTree>
@@ -28334,7 +28669,7 @@
           <a:p>
             <a:fld id="{1BDE3FE7-3AEA-4B05-AC5A-802D1816ACF0}" type="slidenum">
               <a:rPr lang="ko-KR" altLang="en-US" smtClean="0"/>
-              <a:t>47</a:t>
+              <a:t>48</a:t>
             </a:fld>
             <a:endParaRPr lang="ko-KR" altLang="en-US"/>
           </a:p>
@@ -28473,7 +28808,7 @@
 </p:sld>
 </file>
 
-<file path=ppt/slides/slide48.xml><?xml version="1.0" encoding="utf-8"?>
+<file path=ppt/slides/slide49.xml><?xml version="1.0" encoding="utf-8"?>
 <p:sld xmlns:a="http://schemas.openxmlformats.org/drawingml/2006/main" xmlns:r="http://schemas.openxmlformats.org/officeDocument/2006/relationships" xmlns:p="http://schemas.openxmlformats.org/presentationml/2006/main">
   <p:cSld>
     <p:spTree>
@@ -28541,7 +28876,7 @@
           <a:p>
             <a:fld id="{1BDE3FE7-3AEA-4B05-AC5A-802D1816ACF0}" type="slidenum">
               <a:rPr lang="ko-KR" altLang="en-US" smtClean="0"/>
-              <a:t>48</a:t>
+              <a:t>49</a:t>
             </a:fld>
             <a:endParaRPr lang="ko-KR" altLang="en-US"/>
           </a:p>
@@ -28605,390 +28940,6 @@
 </p:sld>
 </file>
 
-<file path=ppt/slides/slide49.xml><?xml version="1.0" encoding="utf-8"?>
-<p:sld xmlns:a="http://schemas.openxmlformats.org/drawingml/2006/main" xmlns:r="http://schemas.openxmlformats.org/officeDocument/2006/relationships" xmlns:p="http://schemas.openxmlformats.org/presentationml/2006/main">
-  <p:cSld>
-    <p:spTree>
-      <p:nvGrpSpPr>
-        <p:cNvPr id="1" name=""/>
-        <p:cNvGrpSpPr/>
-        <p:nvPr/>
-      </p:nvGrpSpPr>
-      <p:grpSpPr>
-        <a:xfrm>
-          <a:off x="0" y="0"/>
-          <a:ext cx="0" cy="0"/>
-          <a:chOff x="0" y="0"/>
-          <a:chExt cx="0" cy="0"/>
-        </a:xfrm>
-      </p:grpSpPr>
-      <p:sp>
-        <p:nvSpPr>
-          <p:cNvPr id="6" name="제목 5"/>
-          <p:cNvSpPr>
-            <a:spLocks noGrp="1"/>
-          </p:cNvSpPr>
-          <p:nvPr>
-            <p:ph type="title"/>
-          </p:nvPr>
-        </p:nvSpPr>
-        <p:spPr/>
-        <p:txBody>
-          <a:bodyPr/>
-          <a:lstStyle/>
-          <a:p>
-            <a:r>
-              <a:rPr lang="en-US" altLang="ko-KR" dirty="0" smtClean="0"/>
-              <a:t> </a:t>
-            </a:r>
-            <a:r>
-              <a:rPr lang="ko-KR" altLang="en-US" dirty="0" smtClean="0"/>
-              <a:t>회원 관리 프로그램</a:t>
-            </a:r>
-            <a:endParaRPr lang="ko-KR" altLang="en-US" dirty="0"/>
-          </a:p>
-        </p:txBody>
-      </p:sp>
-      <p:sp>
-        <p:nvSpPr>
-          <p:cNvPr id="5" name="슬라이드 번호 개체 틀 4"/>
-          <p:cNvSpPr>
-            <a:spLocks noGrp="1"/>
-          </p:cNvSpPr>
-          <p:nvPr>
-            <p:ph type="sldNum" sz="quarter" idx="12"/>
-          </p:nvPr>
-        </p:nvSpPr>
-        <p:spPr>
-          <a:xfrm>
-            <a:off x="8853433" y="7312347"/>
-            <a:ext cx="557267" cy="365125"/>
-          </a:xfrm>
-        </p:spPr>
-        <p:txBody>
-          <a:bodyPr/>
-          <a:lstStyle/>
-          <a:p>
-            <a:fld id="{1BDE3FE7-3AEA-4B05-AC5A-802D1816ACF0}" type="slidenum">
-              <a:rPr lang="ko-KR" altLang="en-US" smtClean="0"/>
-              <a:t>49</a:t>
-            </a:fld>
-            <a:endParaRPr lang="ko-KR" altLang="en-US"/>
-          </a:p>
-        </p:txBody>
-      </p:sp>
-      <p:sp>
-        <p:nvSpPr>
-          <p:cNvPr id="7" name="내용 개체 틀 2">
-            <a:extLst>
-              <a:ext uri="{FF2B5EF4-FFF2-40B4-BE49-F238E27FC236}">
-                <a16:creationId xmlns="" xmlns:a16="http://schemas.microsoft.com/office/drawing/2014/main" id="{98AF3A4E-7D90-4241-89FE-799D6F9D5A94}"/>
-              </a:ext>
-            </a:extLst>
-          </p:cNvPr>
-          <p:cNvSpPr txBox="1">
-            <a:spLocks/>
-          </p:cNvSpPr>
-          <p:nvPr/>
-        </p:nvSpPr>
-        <p:spPr>
-          <a:xfrm>
-            <a:off x="581245" y="1052736"/>
-            <a:ext cx="5379867" cy="648072"/>
-          </a:xfrm>
-          <a:prstGeom prst="rect">
-            <a:avLst/>
-          </a:prstGeom>
-        </p:spPr>
-        <p:txBody>
-          <a:bodyPr/>
-          <a:lstStyle>
-            <a:lvl1pPr marL="228600" indent="-228600" algn="l" defTabSz="914400" rtl="0" eaLnBrk="1" latinLnBrk="1" hangingPunct="1">
-              <a:lnSpc>
-                <a:spcPct val="90000"/>
-              </a:lnSpc>
-              <a:spcBef>
-                <a:spcPts val="1000"/>
-              </a:spcBef>
-              <a:buFont typeface="Arial" panose="020B0604020202020204" pitchFamily="34" charset="0"/>
-              <a:buChar char="•"/>
-              <a:defRPr sz="2800" kern="1200">
-                <a:solidFill>
-                  <a:schemeClr val="tx1"/>
-                </a:solidFill>
-                <a:latin typeface="+mn-lt"/>
-                <a:ea typeface="+mn-ea"/>
-                <a:cs typeface="+mn-cs"/>
-              </a:defRPr>
-            </a:lvl1pPr>
-            <a:lvl2pPr marL="685800" indent="-228600" algn="l" defTabSz="914400" rtl="0" eaLnBrk="1" latinLnBrk="1" hangingPunct="1">
-              <a:lnSpc>
-                <a:spcPct val="90000"/>
-              </a:lnSpc>
-              <a:spcBef>
-                <a:spcPts val="500"/>
-              </a:spcBef>
-              <a:buFont typeface="Arial" panose="020B0604020202020204" pitchFamily="34" charset="0"/>
-              <a:buChar char="•"/>
-              <a:defRPr sz="2400" kern="1200">
-                <a:solidFill>
-                  <a:schemeClr val="tx1"/>
-                </a:solidFill>
-                <a:latin typeface="+mn-lt"/>
-                <a:ea typeface="+mn-ea"/>
-                <a:cs typeface="+mn-cs"/>
-              </a:defRPr>
-            </a:lvl2pPr>
-            <a:lvl3pPr marL="1143000" indent="-228600" algn="l" defTabSz="914400" rtl="0" eaLnBrk="1" latinLnBrk="1" hangingPunct="1">
-              <a:lnSpc>
-                <a:spcPct val="90000"/>
-              </a:lnSpc>
-              <a:spcBef>
-                <a:spcPts val="500"/>
-              </a:spcBef>
-              <a:buFont typeface="Arial" panose="020B0604020202020204" pitchFamily="34" charset="0"/>
-              <a:buChar char="•"/>
-              <a:defRPr sz="2000" kern="1200">
-                <a:solidFill>
-                  <a:schemeClr val="tx1"/>
-                </a:solidFill>
-                <a:latin typeface="+mn-lt"/>
-                <a:ea typeface="+mn-ea"/>
-                <a:cs typeface="+mn-cs"/>
-              </a:defRPr>
-            </a:lvl3pPr>
-            <a:lvl4pPr marL="1600200" indent="-228600" algn="l" defTabSz="914400" rtl="0" eaLnBrk="1" latinLnBrk="1" hangingPunct="1">
-              <a:lnSpc>
-                <a:spcPct val="90000"/>
-              </a:lnSpc>
-              <a:spcBef>
-                <a:spcPts val="500"/>
-              </a:spcBef>
-              <a:buFont typeface="Arial" panose="020B0604020202020204" pitchFamily="34" charset="0"/>
-              <a:buChar char="•"/>
-              <a:defRPr sz="1800" kern="1200">
-                <a:solidFill>
-                  <a:schemeClr val="tx1"/>
-                </a:solidFill>
-                <a:latin typeface="+mn-lt"/>
-                <a:ea typeface="+mn-ea"/>
-                <a:cs typeface="+mn-cs"/>
-              </a:defRPr>
-            </a:lvl4pPr>
-            <a:lvl5pPr marL="2057400" indent="-228600" algn="l" defTabSz="914400" rtl="0" eaLnBrk="1" latinLnBrk="1" hangingPunct="1">
-              <a:lnSpc>
-                <a:spcPct val="90000"/>
-              </a:lnSpc>
-              <a:spcBef>
-                <a:spcPts val="500"/>
-              </a:spcBef>
-              <a:buFont typeface="Arial" panose="020B0604020202020204" pitchFamily="34" charset="0"/>
-              <a:buChar char="•"/>
-              <a:defRPr sz="1800" kern="1200">
-                <a:solidFill>
-                  <a:schemeClr val="tx1"/>
-                </a:solidFill>
-                <a:latin typeface="+mn-lt"/>
-                <a:ea typeface="+mn-ea"/>
-                <a:cs typeface="+mn-cs"/>
-              </a:defRPr>
-            </a:lvl5pPr>
-            <a:lvl6pPr marL="2514600" indent="-228600" algn="l" defTabSz="914400" rtl="0" eaLnBrk="1" latinLnBrk="1" hangingPunct="1">
-              <a:lnSpc>
-                <a:spcPct val="90000"/>
-              </a:lnSpc>
-              <a:spcBef>
-                <a:spcPts val="500"/>
-              </a:spcBef>
-              <a:buFont typeface="Arial" panose="020B0604020202020204" pitchFamily="34" charset="0"/>
-              <a:buChar char="•"/>
-              <a:defRPr sz="1800" kern="1200">
-                <a:solidFill>
-                  <a:schemeClr val="tx1"/>
-                </a:solidFill>
-                <a:latin typeface="+mn-lt"/>
-                <a:ea typeface="+mn-ea"/>
-                <a:cs typeface="+mn-cs"/>
-              </a:defRPr>
-            </a:lvl6pPr>
-            <a:lvl7pPr marL="2971800" indent="-228600" algn="l" defTabSz="914400" rtl="0" eaLnBrk="1" latinLnBrk="1" hangingPunct="1">
-              <a:lnSpc>
-                <a:spcPct val="90000"/>
-              </a:lnSpc>
-              <a:spcBef>
-                <a:spcPts val="500"/>
-              </a:spcBef>
-              <a:buFont typeface="Arial" panose="020B0604020202020204" pitchFamily="34" charset="0"/>
-              <a:buChar char="•"/>
-              <a:defRPr sz="1800" kern="1200">
-                <a:solidFill>
-                  <a:schemeClr val="tx1"/>
-                </a:solidFill>
-                <a:latin typeface="+mn-lt"/>
-                <a:ea typeface="+mn-ea"/>
-                <a:cs typeface="+mn-cs"/>
-              </a:defRPr>
-            </a:lvl7pPr>
-            <a:lvl8pPr marL="3429000" indent="-228600" algn="l" defTabSz="914400" rtl="0" eaLnBrk="1" latinLnBrk="1" hangingPunct="1">
-              <a:lnSpc>
-                <a:spcPct val="90000"/>
-              </a:lnSpc>
-              <a:spcBef>
-                <a:spcPts val="500"/>
-              </a:spcBef>
-              <a:buFont typeface="Arial" panose="020B0604020202020204" pitchFamily="34" charset="0"/>
-              <a:buChar char="•"/>
-              <a:defRPr sz="1800" kern="1200">
-                <a:solidFill>
-                  <a:schemeClr val="tx1"/>
-                </a:solidFill>
-                <a:latin typeface="+mn-lt"/>
-                <a:ea typeface="+mn-ea"/>
-                <a:cs typeface="+mn-cs"/>
-              </a:defRPr>
-            </a:lvl8pPr>
-            <a:lvl9pPr marL="3886200" indent="-228600" algn="l" defTabSz="914400" rtl="0" eaLnBrk="1" latinLnBrk="1" hangingPunct="1">
-              <a:lnSpc>
-                <a:spcPct val="90000"/>
-              </a:lnSpc>
-              <a:spcBef>
-                <a:spcPts val="500"/>
-              </a:spcBef>
-              <a:buFont typeface="Arial" panose="020B0604020202020204" pitchFamily="34" charset="0"/>
-              <a:buChar char="•"/>
-              <a:defRPr sz="1800" kern="1200">
-                <a:solidFill>
-                  <a:schemeClr val="tx1"/>
-                </a:solidFill>
-                <a:latin typeface="+mn-lt"/>
-                <a:ea typeface="+mn-ea"/>
-                <a:cs typeface="+mn-cs"/>
-              </a:defRPr>
-            </a:lvl9pPr>
-          </a:lstStyle>
-          <a:p>
-            <a:pPr>
-              <a:lnSpc>
-                <a:spcPct val="150000"/>
-              </a:lnSpc>
-              <a:buFont typeface="Wingdings" panose="05000000000000000000" pitchFamily="2" charset="2"/>
-              <a:buChar char="u"/>
-            </a:pPr>
-            <a:r>
-              <a:rPr lang="en-US" altLang="ko-KR" sz="2000" b="1" dirty="0" smtClean="0">
-                <a:solidFill>
-                  <a:srgbClr val="C00000"/>
-                </a:solidFill>
-              </a:rPr>
-              <a:t> </a:t>
-            </a:r>
-            <a:r>
-              <a:rPr lang="en-US" altLang="ko-KR" sz="2000" b="1" dirty="0" err="1" smtClean="0">
-                <a:solidFill>
-                  <a:srgbClr val="C00000"/>
-                </a:solidFill>
-              </a:rPr>
-              <a:t>ArrayList</a:t>
-            </a:r>
-            <a:r>
-              <a:rPr lang="ko-KR" altLang="en-US" sz="2000" b="1" dirty="0" smtClean="0">
-                <a:solidFill>
-                  <a:srgbClr val="C00000"/>
-                </a:solidFill>
-              </a:rPr>
-              <a:t>를 활용한 회원관리 프로그램</a:t>
-            </a:r>
-            <a:endParaRPr lang="en-US" altLang="ko-KR" sz="2000" b="1" dirty="0" smtClean="0">
-              <a:solidFill>
-                <a:srgbClr val="C00000"/>
-              </a:solidFill>
-            </a:endParaRPr>
-          </a:p>
-          <a:p>
-            <a:pPr marL="457200" lvl="1" indent="0">
-              <a:lnSpc>
-                <a:spcPct val="100000"/>
-              </a:lnSpc>
-              <a:buNone/>
-            </a:pPr>
-            <a:endParaRPr lang="en-US" altLang="ko-KR" sz="1800" b="1" dirty="0" smtClean="0">
-              <a:solidFill>
-                <a:srgbClr val="C00000"/>
-              </a:solidFill>
-            </a:endParaRPr>
-          </a:p>
-          <a:p>
-            <a:pPr marL="457200" lvl="1" indent="0">
-              <a:lnSpc>
-                <a:spcPct val="150000"/>
-              </a:lnSpc>
-              <a:buNone/>
-            </a:pPr>
-            <a:endParaRPr lang="en-US" altLang="ko-KR" sz="1400" b="1" dirty="0" smtClean="0">
-              <a:solidFill>
-                <a:srgbClr val="C00000"/>
-              </a:solidFill>
-            </a:endParaRPr>
-          </a:p>
-        </p:txBody>
-      </p:sp>
-      <p:pic>
-        <p:nvPicPr>
-          <p:cNvPr id="2" name="그림 1"/>
-          <p:cNvPicPr>
-            <a:picLocks noChangeAspect="1"/>
-          </p:cNvPicPr>
-          <p:nvPr/>
-        </p:nvPicPr>
-        <p:blipFill>
-          <a:blip r:embed="rId2">
-            <a:extLst>
-              <a:ext uri="{28A0092B-C50C-407E-A947-70E740481C1C}">
-                <a14:useLocalDpi xmlns:a14="http://schemas.microsoft.com/office/drawing/2010/main" val="0"/>
-              </a:ext>
-            </a:extLst>
-          </a:blip>
-          <a:stretch>
-            <a:fillRect/>
-          </a:stretch>
-        </p:blipFill>
-        <p:spPr>
-          <a:xfrm>
-            <a:off x="1569533" y="1722347"/>
-            <a:ext cx="5768840" cy="4008468"/>
-          </a:xfrm>
-          <a:prstGeom prst="rect">
-            <a:avLst/>
-          </a:prstGeom>
-          <a:ln>
-            <a:solidFill>
-              <a:schemeClr val="bg1">
-                <a:lumMod val="85000"/>
-              </a:schemeClr>
-            </a:solidFill>
-          </a:ln>
-        </p:spPr>
-      </p:pic>
-    </p:spTree>
-    <p:extLst>
-      <p:ext uri="{BB962C8B-B14F-4D97-AF65-F5344CB8AC3E}">
-        <p14:creationId xmlns:p14="http://schemas.microsoft.com/office/powerpoint/2010/main" val="2260485205"/>
-      </p:ext>
-    </p:extLst>
-  </p:cSld>
-  <p:clrMapOvr>
-    <a:masterClrMapping/>
-  </p:clrMapOvr>
-  <p:timing>
-    <p:tnLst>
-      <p:par>
-        <p:cTn id="1" dur="indefinite" restart="never" nodeType="tmRoot"/>
-      </p:par>
-    </p:tnLst>
-  </p:timing>
-</p:sld>
-</file>
-
 <file path=ppt/slides/slide5.xml><?xml version="1.0" encoding="utf-8"?>
 <p:sld xmlns:a="http://schemas.openxmlformats.org/drawingml/2006/main" xmlns:r="http://schemas.openxmlformats.org/officeDocument/2006/relationships" xmlns:p="http://schemas.openxmlformats.org/presentationml/2006/main">
   <p:cSld>
@@ -29070,7 +29021,7 @@
           <p:cNvPr id="10" name="내용 개체 틀 2">
             <a:extLst>
               <a:ext uri="{FF2B5EF4-FFF2-40B4-BE49-F238E27FC236}">
-                <a16:creationId xmlns="" xmlns:a16="http://schemas.microsoft.com/office/drawing/2014/main" id="{98AF3A4E-7D90-4241-89FE-799D6F9D5A94}"/>
+                <a16:creationId xmlns:a16="http://schemas.microsoft.com/office/drawing/2014/main" id="{98AF3A4E-7D90-4241-89FE-799D6F9D5A94}"/>
               </a:ext>
             </a:extLst>
           </p:cNvPr>
@@ -29304,7 +29255,7 @@
       </p:sp>
       <p:pic>
         <p:nvPicPr>
-          <p:cNvPr id="9" name="그림 8"/>
+          <p:cNvPr id="2" name="그림 1"/>
           <p:cNvPicPr>
             <a:picLocks noChangeAspect="1"/>
           </p:cNvPicPr>
@@ -29324,8 +29275,8 @@
         </p:blipFill>
         <p:spPr>
           <a:xfrm>
-            <a:off x="1136576" y="1658888"/>
-            <a:ext cx="4719763" cy="4254434"/>
+            <a:off x="704528" y="1844824"/>
+            <a:ext cx="3168352" cy="2516253"/>
           </a:xfrm>
           <a:prstGeom prst="rect">
             <a:avLst/>
@@ -29341,7 +29292,7 @@
       </p:pic>
       <p:pic>
         <p:nvPicPr>
-          <p:cNvPr id="2" name="그림 1"/>
+          <p:cNvPr id="3" name="그림 2"/>
           <p:cNvPicPr>
             <a:picLocks noChangeAspect="1"/>
           </p:cNvPicPr>
@@ -29361,8 +29312,8 @@
         </p:blipFill>
         <p:spPr>
           <a:xfrm>
-            <a:off x="6157499" y="2273011"/>
-            <a:ext cx="3168352" cy="2516253"/>
+            <a:off x="4080093" y="1124744"/>
+            <a:ext cx="5040073" cy="4829485"/>
           </a:xfrm>
           <a:prstGeom prst="rect">
             <a:avLst/>
@@ -29473,7 +29424,391 @@
           <p:cNvPr id="7" name="내용 개체 틀 2">
             <a:extLst>
               <a:ext uri="{FF2B5EF4-FFF2-40B4-BE49-F238E27FC236}">
-                <a16:creationId xmlns="" xmlns:a16="http://schemas.microsoft.com/office/drawing/2014/main" id="{98AF3A4E-7D90-4241-89FE-799D6F9D5A94}"/>
+                <a16:creationId xmlns:a16="http://schemas.microsoft.com/office/drawing/2014/main" id="{98AF3A4E-7D90-4241-89FE-799D6F9D5A94}"/>
+              </a:ext>
+            </a:extLst>
+          </p:cNvPr>
+          <p:cNvSpPr txBox="1">
+            <a:spLocks/>
+          </p:cNvSpPr>
+          <p:nvPr/>
+        </p:nvSpPr>
+        <p:spPr>
+          <a:xfrm>
+            <a:off x="581245" y="1052736"/>
+            <a:ext cx="5379867" cy="648072"/>
+          </a:xfrm>
+          <a:prstGeom prst="rect">
+            <a:avLst/>
+          </a:prstGeom>
+        </p:spPr>
+        <p:txBody>
+          <a:bodyPr/>
+          <a:lstStyle>
+            <a:lvl1pPr marL="228600" indent="-228600" algn="l" defTabSz="914400" rtl="0" eaLnBrk="1" latinLnBrk="1" hangingPunct="1">
+              <a:lnSpc>
+                <a:spcPct val="90000"/>
+              </a:lnSpc>
+              <a:spcBef>
+                <a:spcPts val="1000"/>
+              </a:spcBef>
+              <a:buFont typeface="Arial" panose="020B0604020202020204" pitchFamily="34" charset="0"/>
+              <a:buChar char="•"/>
+              <a:defRPr sz="2800" kern="1200">
+                <a:solidFill>
+                  <a:schemeClr val="tx1"/>
+                </a:solidFill>
+                <a:latin typeface="+mn-lt"/>
+                <a:ea typeface="+mn-ea"/>
+                <a:cs typeface="+mn-cs"/>
+              </a:defRPr>
+            </a:lvl1pPr>
+            <a:lvl2pPr marL="685800" indent="-228600" algn="l" defTabSz="914400" rtl="0" eaLnBrk="1" latinLnBrk="1" hangingPunct="1">
+              <a:lnSpc>
+                <a:spcPct val="90000"/>
+              </a:lnSpc>
+              <a:spcBef>
+                <a:spcPts val="500"/>
+              </a:spcBef>
+              <a:buFont typeface="Arial" panose="020B0604020202020204" pitchFamily="34" charset="0"/>
+              <a:buChar char="•"/>
+              <a:defRPr sz="2400" kern="1200">
+                <a:solidFill>
+                  <a:schemeClr val="tx1"/>
+                </a:solidFill>
+                <a:latin typeface="+mn-lt"/>
+                <a:ea typeface="+mn-ea"/>
+                <a:cs typeface="+mn-cs"/>
+              </a:defRPr>
+            </a:lvl2pPr>
+            <a:lvl3pPr marL="1143000" indent="-228600" algn="l" defTabSz="914400" rtl="0" eaLnBrk="1" latinLnBrk="1" hangingPunct="1">
+              <a:lnSpc>
+                <a:spcPct val="90000"/>
+              </a:lnSpc>
+              <a:spcBef>
+                <a:spcPts val="500"/>
+              </a:spcBef>
+              <a:buFont typeface="Arial" panose="020B0604020202020204" pitchFamily="34" charset="0"/>
+              <a:buChar char="•"/>
+              <a:defRPr sz="2000" kern="1200">
+                <a:solidFill>
+                  <a:schemeClr val="tx1"/>
+                </a:solidFill>
+                <a:latin typeface="+mn-lt"/>
+                <a:ea typeface="+mn-ea"/>
+                <a:cs typeface="+mn-cs"/>
+              </a:defRPr>
+            </a:lvl3pPr>
+            <a:lvl4pPr marL="1600200" indent="-228600" algn="l" defTabSz="914400" rtl="0" eaLnBrk="1" latinLnBrk="1" hangingPunct="1">
+              <a:lnSpc>
+                <a:spcPct val="90000"/>
+              </a:lnSpc>
+              <a:spcBef>
+                <a:spcPts val="500"/>
+              </a:spcBef>
+              <a:buFont typeface="Arial" panose="020B0604020202020204" pitchFamily="34" charset="0"/>
+              <a:buChar char="•"/>
+              <a:defRPr sz="1800" kern="1200">
+                <a:solidFill>
+                  <a:schemeClr val="tx1"/>
+                </a:solidFill>
+                <a:latin typeface="+mn-lt"/>
+                <a:ea typeface="+mn-ea"/>
+                <a:cs typeface="+mn-cs"/>
+              </a:defRPr>
+            </a:lvl4pPr>
+            <a:lvl5pPr marL="2057400" indent="-228600" algn="l" defTabSz="914400" rtl="0" eaLnBrk="1" latinLnBrk="1" hangingPunct="1">
+              <a:lnSpc>
+                <a:spcPct val="90000"/>
+              </a:lnSpc>
+              <a:spcBef>
+                <a:spcPts val="500"/>
+              </a:spcBef>
+              <a:buFont typeface="Arial" panose="020B0604020202020204" pitchFamily="34" charset="0"/>
+              <a:buChar char="•"/>
+              <a:defRPr sz="1800" kern="1200">
+                <a:solidFill>
+                  <a:schemeClr val="tx1"/>
+                </a:solidFill>
+                <a:latin typeface="+mn-lt"/>
+                <a:ea typeface="+mn-ea"/>
+                <a:cs typeface="+mn-cs"/>
+              </a:defRPr>
+            </a:lvl5pPr>
+            <a:lvl6pPr marL="2514600" indent="-228600" algn="l" defTabSz="914400" rtl="0" eaLnBrk="1" latinLnBrk="1" hangingPunct="1">
+              <a:lnSpc>
+                <a:spcPct val="90000"/>
+              </a:lnSpc>
+              <a:spcBef>
+                <a:spcPts val="500"/>
+              </a:spcBef>
+              <a:buFont typeface="Arial" panose="020B0604020202020204" pitchFamily="34" charset="0"/>
+              <a:buChar char="•"/>
+              <a:defRPr sz="1800" kern="1200">
+                <a:solidFill>
+                  <a:schemeClr val="tx1"/>
+                </a:solidFill>
+                <a:latin typeface="+mn-lt"/>
+                <a:ea typeface="+mn-ea"/>
+                <a:cs typeface="+mn-cs"/>
+              </a:defRPr>
+            </a:lvl6pPr>
+            <a:lvl7pPr marL="2971800" indent="-228600" algn="l" defTabSz="914400" rtl="0" eaLnBrk="1" latinLnBrk="1" hangingPunct="1">
+              <a:lnSpc>
+                <a:spcPct val="90000"/>
+              </a:lnSpc>
+              <a:spcBef>
+                <a:spcPts val="500"/>
+              </a:spcBef>
+              <a:buFont typeface="Arial" panose="020B0604020202020204" pitchFamily="34" charset="0"/>
+              <a:buChar char="•"/>
+              <a:defRPr sz="1800" kern="1200">
+                <a:solidFill>
+                  <a:schemeClr val="tx1"/>
+                </a:solidFill>
+                <a:latin typeface="+mn-lt"/>
+                <a:ea typeface="+mn-ea"/>
+                <a:cs typeface="+mn-cs"/>
+              </a:defRPr>
+            </a:lvl7pPr>
+            <a:lvl8pPr marL="3429000" indent="-228600" algn="l" defTabSz="914400" rtl="0" eaLnBrk="1" latinLnBrk="1" hangingPunct="1">
+              <a:lnSpc>
+                <a:spcPct val="90000"/>
+              </a:lnSpc>
+              <a:spcBef>
+                <a:spcPts val="500"/>
+              </a:spcBef>
+              <a:buFont typeface="Arial" panose="020B0604020202020204" pitchFamily="34" charset="0"/>
+              <a:buChar char="•"/>
+              <a:defRPr sz="1800" kern="1200">
+                <a:solidFill>
+                  <a:schemeClr val="tx1"/>
+                </a:solidFill>
+                <a:latin typeface="+mn-lt"/>
+                <a:ea typeface="+mn-ea"/>
+                <a:cs typeface="+mn-cs"/>
+              </a:defRPr>
+            </a:lvl8pPr>
+            <a:lvl9pPr marL="3886200" indent="-228600" algn="l" defTabSz="914400" rtl="0" eaLnBrk="1" latinLnBrk="1" hangingPunct="1">
+              <a:lnSpc>
+                <a:spcPct val="90000"/>
+              </a:lnSpc>
+              <a:spcBef>
+                <a:spcPts val="500"/>
+              </a:spcBef>
+              <a:buFont typeface="Arial" panose="020B0604020202020204" pitchFamily="34" charset="0"/>
+              <a:buChar char="•"/>
+              <a:defRPr sz="1800" kern="1200">
+                <a:solidFill>
+                  <a:schemeClr val="tx1"/>
+                </a:solidFill>
+                <a:latin typeface="+mn-lt"/>
+                <a:ea typeface="+mn-ea"/>
+                <a:cs typeface="+mn-cs"/>
+              </a:defRPr>
+            </a:lvl9pPr>
+          </a:lstStyle>
+          <a:p>
+            <a:pPr>
+              <a:lnSpc>
+                <a:spcPct val="150000"/>
+              </a:lnSpc>
+              <a:buFont typeface="Wingdings" panose="05000000000000000000" pitchFamily="2" charset="2"/>
+              <a:buChar char="u"/>
+            </a:pPr>
+            <a:r>
+              <a:rPr lang="en-US" altLang="ko-KR" sz="2000" b="1" dirty="0" smtClean="0">
+                <a:solidFill>
+                  <a:srgbClr val="C00000"/>
+                </a:solidFill>
+              </a:rPr>
+              <a:t> </a:t>
+            </a:r>
+            <a:r>
+              <a:rPr lang="en-US" altLang="ko-KR" sz="2000" b="1" dirty="0" err="1" smtClean="0">
+                <a:solidFill>
+                  <a:srgbClr val="C00000"/>
+                </a:solidFill>
+              </a:rPr>
+              <a:t>ArrayList</a:t>
+            </a:r>
+            <a:r>
+              <a:rPr lang="ko-KR" altLang="en-US" sz="2000" b="1" dirty="0" smtClean="0">
+                <a:solidFill>
+                  <a:srgbClr val="C00000"/>
+                </a:solidFill>
+              </a:rPr>
+              <a:t>를 활용한 회원관리 프로그램</a:t>
+            </a:r>
+            <a:endParaRPr lang="en-US" altLang="ko-KR" sz="2000" b="1" dirty="0" smtClean="0">
+              <a:solidFill>
+                <a:srgbClr val="C00000"/>
+              </a:solidFill>
+            </a:endParaRPr>
+          </a:p>
+          <a:p>
+            <a:pPr marL="457200" lvl="1" indent="0">
+              <a:lnSpc>
+                <a:spcPct val="100000"/>
+              </a:lnSpc>
+              <a:buNone/>
+            </a:pPr>
+            <a:endParaRPr lang="en-US" altLang="ko-KR" sz="1800" b="1" dirty="0" smtClean="0">
+              <a:solidFill>
+                <a:srgbClr val="C00000"/>
+              </a:solidFill>
+            </a:endParaRPr>
+          </a:p>
+          <a:p>
+            <a:pPr marL="457200" lvl="1" indent="0">
+              <a:lnSpc>
+                <a:spcPct val="150000"/>
+              </a:lnSpc>
+              <a:buNone/>
+            </a:pPr>
+            <a:endParaRPr lang="en-US" altLang="ko-KR" sz="1400" b="1" dirty="0" smtClean="0">
+              <a:solidFill>
+                <a:srgbClr val="C00000"/>
+              </a:solidFill>
+            </a:endParaRPr>
+          </a:p>
+        </p:txBody>
+      </p:sp>
+      <p:pic>
+        <p:nvPicPr>
+          <p:cNvPr id="2" name="그림 1"/>
+          <p:cNvPicPr>
+            <a:picLocks noChangeAspect="1"/>
+          </p:cNvPicPr>
+          <p:nvPr/>
+        </p:nvPicPr>
+        <p:blipFill>
+          <a:blip r:embed="rId2">
+            <a:extLst>
+              <a:ext uri="{28A0092B-C50C-407E-A947-70E740481C1C}">
+                <a14:useLocalDpi xmlns:a14="http://schemas.microsoft.com/office/drawing/2010/main" val="0"/>
+              </a:ext>
+            </a:extLst>
+          </a:blip>
+          <a:stretch>
+            <a:fillRect/>
+          </a:stretch>
+        </p:blipFill>
+        <p:spPr>
+          <a:xfrm>
+            <a:off x="1569533" y="1722347"/>
+            <a:ext cx="5768840" cy="4008468"/>
+          </a:xfrm>
+          <a:prstGeom prst="rect">
+            <a:avLst/>
+          </a:prstGeom>
+          <a:ln>
+            <a:solidFill>
+              <a:schemeClr val="bg1">
+                <a:lumMod val="85000"/>
+              </a:schemeClr>
+            </a:solidFill>
+          </a:ln>
+        </p:spPr>
+      </p:pic>
+    </p:spTree>
+    <p:extLst>
+      <p:ext uri="{BB962C8B-B14F-4D97-AF65-F5344CB8AC3E}">
+        <p14:creationId xmlns:p14="http://schemas.microsoft.com/office/powerpoint/2010/main" val="2260485205"/>
+      </p:ext>
+    </p:extLst>
+  </p:cSld>
+  <p:clrMapOvr>
+    <a:masterClrMapping/>
+  </p:clrMapOvr>
+  <p:timing>
+    <p:tnLst>
+      <p:par>
+        <p:cTn id="1" dur="indefinite" restart="never" nodeType="tmRoot"/>
+      </p:par>
+    </p:tnLst>
+  </p:timing>
+</p:sld>
+</file>
+
+<file path=ppt/slides/slide51.xml><?xml version="1.0" encoding="utf-8"?>
+<p:sld xmlns:a="http://schemas.openxmlformats.org/drawingml/2006/main" xmlns:r="http://schemas.openxmlformats.org/officeDocument/2006/relationships" xmlns:p="http://schemas.openxmlformats.org/presentationml/2006/main">
+  <p:cSld>
+    <p:spTree>
+      <p:nvGrpSpPr>
+        <p:cNvPr id="1" name=""/>
+        <p:cNvGrpSpPr/>
+        <p:nvPr/>
+      </p:nvGrpSpPr>
+      <p:grpSpPr>
+        <a:xfrm>
+          <a:off x="0" y="0"/>
+          <a:ext cx="0" cy="0"/>
+          <a:chOff x="0" y="0"/>
+          <a:chExt cx="0" cy="0"/>
+        </a:xfrm>
+      </p:grpSpPr>
+      <p:sp>
+        <p:nvSpPr>
+          <p:cNvPr id="6" name="제목 5"/>
+          <p:cNvSpPr>
+            <a:spLocks noGrp="1"/>
+          </p:cNvSpPr>
+          <p:nvPr>
+            <p:ph type="title"/>
+          </p:nvPr>
+        </p:nvSpPr>
+        <p:spPr/>
+        <p:txBody>
+          <a:bodyPr/>
+          <a:lstStyle/>
+          <a:p>
+            <a:r>
+              <a:rPr lang="en-US" altLang="ko-KR" dirty="0" smtClean="0"/>
+              <a:t> </a:t>
+            </a:r>
+            <a:r>
+              <a:rPr lang="ko-KR" altLang="en-US" dirty="0" smtClean="0"/>
+              <a:t>회원 관리 프로그램</a:t>
+            </a:r>
+            <a:endParaRPr lang="ko-KR" altLang="en-US" dirty="0"/>
+          </a:p>
+        </p:txBody>
+      </p:sp>
+      <p:sp>
+        <p:nvSpPr>
+          <p:cNvPr id="5" name="슬라이드 번호 개체 틀 4"/>
+          <p:cNvSpPr>
+            <a:spLocks noGrp="1"/>
+          </p:cNvSpPr>
+          <p:nvPr>
+            <p:ph type="sldNum" sz="quarter" idx="12"/>
+          </p:nvPr>
+        </p:nvSpPr>
+        <p:spPr>
+          <a:xfrm>
+            <a:off x="8853433" y="7312347"/>
+            <a:ext cx="557267" cy="365125"/>
+          </a:xfrm>
+        </p:spPr>
+        <p:txBody>
+          <a:bodyPr/>
+          <a:lstStyle/>
+          <a:p>
+            <a:fld id="{1BDE3FE7-3AEA-4B05-AC5A-802D1816ACF0}" type="slidenum">
+              <a:rPr lang="ko-KR" altLang="en-US" smtClean="0"/>
+              <a:t>51</a:t>
+            </a:fld>
+            <a:endParaRPr lang="ko-KR" altLang="en-US"/>
+          </a:p>
+        </p:txBody>
+      </p:sp>
+      <p:sp>
+        <p:nvSpPr>
+          <p:cNvPr id="7" name="내용 개체 틀 2">
+            <a:extLst>
+              <a:ext uri="{FF2B5EF4-FFF2-40B4-BE49-F238E27FC236}">
+                <a16:creationId xmlns:a16="http://schemas.microsoft.com/office/drawing/2014/main" id="{98AF3A4E-7D90-4241-89FE-799D6F9D5A94}"/>
               </a:ext>
             </a:extLst>
           </p:cNvPr>
@@ -29780,7 +30115,7 @@
 </p:sld>
 </file>
 
-<file path=ppt/slides/slide51.xml><?xml version="1.0" encoding="utf-8"?>
+<file path=ppt/slides/slide52.xml><?xml version="1.0" encoding="utf-8"?>
 <p:sld xmlns:a="http://schemas.openxmlformats.org/drawingml/2006/main" xmlns:r="http://schemas.openxmlformats.org/officeDocument/2006/relationships" xmlns:p="http://schemas.openxmlformats.org/presentationml/2006/main">
   <p:cSld>
     <p:spTree>
@@ -29846,7 +30181,7 @@
           <a:p>
             <a:fld id="{1BDE3FE7-3AEA-4B05-AC5A-802D1816ACF0}" type="slidenum">
               <a:rPr lang="ko-KR" altLang="en-US" smtClean="0"/>
-              <a:t>51</a:t>
+              <a:t>52</a:t>
             </a:fld>
             <a:endParaRPr lang="ko-KR" altLang="en-US"/>
           </a:p>
@@ -29857,7 +30192,7 @@
           <p:cNvPr id="7" name="내용 개체 틀 2">
             <a:extLst>
               <a:ext uri="{FF2B5EF4-FFF2-40B4-BE49-F238E27FC236}">
-                <a16:creationId xmlns="" xmlns:a16="http://schemas.microsoft.com/office/drawing/2014/main" id="{98AF3A4E-7D90-4241-89FE-799D6F9D5A94}"/>
+                <a16:creationId xmlns:a16="http://schemas.microsoft.com/office/drawing/2014/main" id="{98AF3A4E-7D90-4241-89FE-799D6F9D5A94}"/>
               </a:ext>
             </a:extLst>
           </p:cNvPr>
@@ -30165,7 +30500,7 @@
 </p:sld>
 </file>
 
-<file path=ppt/slides/slide52.xml><?xml version="1.0" encoding="utf-8"?>
+<file path=ppt/slides/slide53.xml><?xml version="1.0" encoding="utf-8"?>
 <p:sld xmlns:a="http://schemas.openxmlformats.org/drawingml/2006/main" xmlns:r="http://schemas.openxmlformats.org/officeDocument/2006/relationships" xmlns:p="http://schemas.openxmlformats.org/presentationml/2006/main">
   <p:cSld>
     <p:spTree>
@@ -30231,7 +30566,7 @@
           <a:p>
             <a:fld id="{1BDE3FE7-3AEA-4B05-AC5A-802D1816ACF0}" type="slidenum">
               <a:rPr lang="ko-KR" altLang="en-US" smtClean="0"/>
-              <a:t>52</a:t>
+              <a:t>53</a:t>
             </a:fld>
             <a:endParaRPr lang="ko-KR" altLang="en-US"/>
           </a:p>
@@ -30242,7 +30577,7 @@
           <p:cNvPr id="7" name="내용 개체 틀 2">
             <a:extLst>
               <a:ext uri="{FF2B5EF4-FFF2-40B4-BE49-F238E27FC236}">
-                <a16:creationId xmlns="" xmlns:a16="http://schemas.microsoft.com/office/drawing/2014/main" id="{98AF3A4E-7D90-4241-89FE-799D6F9D5A94}"/>
+                <a16:creationId xmlns:a16="http://schemas.microsoft.com/office/drawing/2014/main" id="{98AF3A4E-7D90-4241-89FE-799D6F9D5A94}"/>
               </a:ext>
             </a:extLst>
           </p:cNvPr>
@@ -30549,7 +30884,7 @@
 </p:sld>
 </file>
 
-<file path=ppt/slides/slide53.xml><?xml version="1.0" encoding="utf-8"?>
+<file path=ppt/slides/slide54.xml><?xml version="1.0" encoding="utf-8"?>
 <p:sld xmlns:a="http://schemas.openxmlformats.org/drawingml/2006/main" xmlns:r="http://schemas.openxmlformats.org/officeDocument/2006/relationships" xmlns:p="http://schemas.openxmlformats.org/presentationml/2006/main">
   <p:cSld>
     <p:spTree>
@@ -30615,7 +30950,7 @@
           <a:p>
             <a:fld id="{1BDE3FE7-3AEA-4B05-AC5A-802D1816ACF0}" type="slidenum">
               <a:rPr lang="ko-KR" altLang="en-US" smtClean="0"/>
-              <a:t>53</a:t>
+              <a:t>54</a:t>
             </a:fld>
             <a:endParaRPr lang="ko-KR" altLang="en-US"/>
           </a:p>
@@ -30745,7 +31080,7 @@
 </p:sld>
 </file>
 
-<file path=ppt/slides/slide54.xml><?xml version="1.0" encoding="utf-8"?>
+<file path=ppt/slides/slide55.xml><?xml version="1.0" encoding="utf-8"?>
 <p:sld xmlns:a="http://schemas.openxmlformats.org/drawingml/2006/main" xmlns:r="http://schemas.openxmlformats.org/officeDocument/2006/relationships" xmlns:p="http://schemas.openxmlformats.org/presentationml/2006/main">
   <p:cSld>
     <p:spTree>
@@ -30810,7 +31145,7 @@
           <a:p>
             <a:fld id="{1BDE3FE7-3AEA-4B05-AC5A-802D1816ACF0}" type="slidenum">
               <a:rPr lang="ko-KR" altLang="en-US" smtClean="0"/>
-              <a:t>54</a:t>
+              <a:t>55</a:t>
             </a:fld>
             <a:endParaRPr lang="ko-KR" altLang="en-US"/>
           </a:p>
@@ -30821,7 +31156,7 @@
           <p:cNvPr id="7" name="내용 개체 틀 2">
             <a:extLst>
               <a:ext uri="{FF2B5EF4-FFF2-40B4-BE49-F238E27FC236}">
-                <a16:creationId xmlns:a16="http://schemas.microsoft.com/office/drawing/2014/main" xmlns="" id="{98AF3A4E-7D90-4241-89FE-799D6F9D5A94}"/>
+                <a16:creationId xmlns:a16="http://schemas.microsoft.com/office/drawing/2014/main" id="{98AF3A4E-7D90-4241-89FE-799D6F9D5A94}"/>
               </a:ext>
             </a:extLst>
           </p:cNvPr>
@@ -31124,7 +31459,7 @@
 </p:sld>
 </file>
 
-<file path=ppt/slides/slide55.xml><?xml version="1.0" encoding="utf-8"?>
+<file path=ppt/slides/slide56.xml><?xml version="1.0" encoding="utf-8"?>
 <p:sld xmlns:a="http://schemas.openxmlformats.org/drawingml/2006/main" xmlns:r="http://schemas.openxmlformats.org/officeDocument/2006/relationships" xmlns:p="http://schemas.openxmlformats.org/presentationml/2006/main">
   <p:cSld>
     <p:spTree>
@@ -31189,7 +31524,7 @@
           <a:p>
             <a:fld id="{1BDE3FE7-3AEA-4B05-AC5A-802D1816ACF0}" type="slidenum">
               <a:rPr lang="ko-KR" altLang="en-US" smtClean="0"/>
-              <a:t>55</a:t>
+              <a:t>56</a:t>
             </a:fld>
             <a:endParaRPr lang="ko-KR" altLang="en-US"/>
           </a:p>
@@ -31200,7 +31535,7 @@
           <p:cNvPr id="7" name="내용 개체 틀 2">
             <a:extLst>
               <a:ext uri="{FF2B5EF4-FFF2-40B4-BE49-F238E27FC236}">
-                <a16:creationId xmlns:a16="http://schemas.microsoft.com/office/drawing/2014/main" xmlns="" id="{98AF3A4E-7D90-4241-89FE-799D6F9D5A94}"/>
+                <a16:creationId xmlns:a16="http://schemas.microsoft.com/office/drawing/2014/main" id="{98AF3A4E-7D90-4241-89FE-799D6F9D5A94}"/>
               </a:ext>
             </a:extLst>
           </p:cNvPr>
@@ -31482,7 +31817,7 @@
 </p:sld>
 </file>
 
-<file path=ppt/slides/slide56.xml><?xml version="1.0" encoding="utf-8"?>
+<file path=ppt/slides/slide57.xml><?xml version="1.0" encoding="utf-8"?>
 <p:sld xmlns:a="http://schemas.openxmlformats.org/drawingml/2006/main" xmlns:r="http://schemas.openxmlformats.org/officeDocument/2006/relationships" xmlns:p="http://schemas.openxmlformats.org/presentationml/2006/main">
   <p:cSld>
     <p:spTree>
@@ -31547,7 +31882,7 @@
           <a:p>
             <a:fld id="{1BDE3FE7-3AEA-4B05-AC5A-802D1816ACF0}" type="slidenum">
               <a:rPr lang="ko-KR" altLang="en-US" smtClean="0"/>
-              <a:t>56</a:t>
+              <a:t>57</a:t>
             </a:fld>
             <a:endParaRPr lang="ko-KR" altLang="en-US"/>
           </a:p>
@@ -31610,7 +31945,7 @@
 </p:sld>
 </file>
 
-<file path=ppt/slides/slide57.xml><?xml version="1.0" encoding="utf-8"?>
+<file path=ppt/slides/slide58.xml><?xml version="1.0" encoding="utf-8"?>
 <p:sld xmlns:a="http://schemas.openxmlformats.org/drawingml/2006/main" xmlns:r="http://schemas.openxmlformats.org/officeDocument/2006/relationships" xmlns:p="http://schemas.openxmlformats.org/presentationml/2006/main">
   <p:cSld>
     <p:spTree>
@@ -31675,7 +32010,7 @@
           <a:p>
             <a:fld id="{1BDE3FE7-3AEA-4B05-AC5A-802D1816ACF0}" type="slidenum">
               <a:rPr lang="ko-KR" altLang="en-US" smtClean="0"/>
-              <a:t>57</a:t>
+              <a:t>58</a:t>
             </a:fld>
             <a:endParaRPr lang="ko-KR" altLang="en-US"/>
           </a:p>
@@ -31686,7 +32021,7 @@
           <p:cNvPr id="7" name="내용 개체 틀 2">
             <a:extLst>
               <a:ext uri="{FF2B5EF4-FFF2-40B4-BE49-F238E27FC236}">
-                <a16:creationId xmlns:a16="http://schemas.microsoft.com/office/drawing/2014/main" xmlns="" id="{98AF3A4E-7D90-4241-89FE-799D6F9D5A94}"/>
+                <a16:creationId xmlns:a16="http://schemas.microsoft.com/office/drawing/2014/main" id="{98AF3A4E-7D90-4241-89FE-799D6F9D5A94}"/>
               </a:ext>
             </a:extLst>
           </p:cNvPr>
@@ -31997,7 +32332,7 @@
 </p:sld>
 </file>
 
-<file path=ppt/slides/slide58.xml><?xml version="1.0" encoding="utf-8"?>
+<file path=ppt/slides/slide59.xml><?xml version="1.0" encoding="utf-8"?>
 <p:sld xmlns:a="http://schemas.openxmlformats.org/drawingml/2006/main" xmlns:r="http://schemas.openxmlformats.org/officeDocument/2006/relationships" xmlns:p="http://schemas.openxmlformats.org/presentationml/2006/main">
   <p:cSld>
     <p:spTree>
@@ -32062,7 +32397,7 @@
           <a:p>
             <a:fld id="{1BDE3FE7-3AEA-4B05-AC5A-802D1816ACF0}" type="slidenum">
               <a:rPr lang="ko-KR" altLang="en-US" smtClean="0"/>
-              <a:t>58</a:t>
+              <a:t>59</a:t>
             </a:fld>
             <a:endParaRPr lang="ko-KR" altLang="en-US"/>
           </a:p>
@@ -32162,385 +32497,6 @@
 </p:sld>
 </file>
 
-<file path=ppt/slides/slide59.xml><?xml version="1.0" encoding="utf-8"?>
-<p:sld xmlns:a="http://schemas.openxmlformats.org/drawingml/2006/main" xmlns:r="http://schemas.openxmlformats.org/officeDocument/2006/relationships" xmlns:p="http://schemas.openxmlformats.org/presentationml/2006/main">
-  <p:cSld>
-    <p:spTree>
-      <p:nvGrpSpPr>
-        <p:cNvPr id="1" name=""/>
-        <p:cNvGrpSpPr/>
-        <p:nvPr/>
-      </p:nvGrpSpPr>
-      <p:grpSpPr>
-        <a:xfrm>
-          <a:off x="0" y="0"/>
-          <a:ext cx="0" cy="0"/>
-          <a:chOff x="0" y="0"/>
-          <a:chExt cx="0" cy="0"/>
-        </a:xfrm>
-      </p:grpSpPr>
-      <p:sp>
-        <p:nvSpPr>
-          <p:cNvPr id="6" name="제목 5"/>
-          <p:cNvSpPr>
-            <a:spLocks noGrp="1"/>
-          </p:cNvSpPr>
-          <p:nvPr>
-            <p:ph type="title"/>
-          </p:nvPr>
-        </p:nvSpPr>
-        <p:spPr/>
-        <p:txBody>
-          <a:bodyPr/>
-          <a:lstStyle/>
-          <a:p>
-            <a:r>
-              <a:rPr lang="en-US" altLang="ko-KR" dirty="0" smtClean="0"/>
-              <a:t> Map </a:t>
-            </a:r>
-            <a:r>
-              <a:rPr lang="ko-KR" altLang="en-US" dirty="0"/>
-              <a:t>인터페이스</a:t>
-            </a:r>
-          </a:p>
-        </p:txBody>
-      </p:sp>
-      <p:sp>
-        <p:nvSpPr>
-          <p:cNvPr id="5" name="슬라이드 번호 개체 틀 4"/>
-          <p:cNvSpPr>
-            <a:spLocks noGrp="1"/>
-          </p:cNvSpPr>
-          <p:nvPr>
-            <p:ph type="sldNum" sz="quarter" idx="12"/>
-          </p:nvPr>
-        </p:nvSpPr>
-        <p:spPr>
-          <a:xfrm>
-            <a:off x="8853433" y="7312347"/>
-            <a:ext cx="557267" cy="365125"/>
-          </a:xfrm>
-        </p:spPr>
-        <p:txBody>
-          <a:bodyPr/>
-          <a:lstStyle/>
-          <a:p>
-            <a:fld id="{1BDE3FE7-3AEA-4B05-AC5A-802D1816ACF0}" type="slidenum">
-              <a:rPr lang="ko-KR" altLang="en-US" smtClean="0"/>
-              <a:t>59</a:t>
-            </a:fld>
-            <a:endParaRPr lang="ko-KR" altLang="en-US"/>
-          </a:p>
-        </p:txBody>
-      </p:sp>
-      <p:sp>
-        <p:nvSpPr>
-          <p:cNvPr id="7" name="내용 개체 틀 2">
-            <a:extLst>
-              <a:ext uri="{FF2B5EF4-FFF2-40B4-BE49-F238E27FC236}">
-                <a16:creationId xmlns:a16="http://schemas.microsoft.com/office/drawing/2014/main" xmlns="" id="{98AF3A4E-7D90-4241-89FE-799D6F9D5A94}"/>
-              </a:ext>
-            </a:extLst>
-          </p:cNvPr>
-          <p:cNvSpPr txBox="1">
-            <a:spLocks/>
-          </p:cNvSpPr>
-          <p:nvPr/>
-        </p:nvSpPr>
-        <p:spPr>
-          <a:xfrm>
-            <a:off x="588041" y="1052736"/>
-            <a:ext cx="9045479" cy="648072"/>
-          </a:xfrm>
-          <a:prstGeom prst="rect">
-            <a:avLst/>
-          </a:prstGeom>
-        </p:spPr>
-        <p:txBody>
-          <a:bodyPr/>
-          <a:lstStyle>
-            <a:lvl1pPr marL="228600" indent="-228600" algn="l" defTabSz="914400" rtl="0" eaLnBrk="1" latinLnBrk="1" hangingPunct="1">
-              <a:lnSpc>
-                <a:spcPct val="90000"/>
-              </a:lnSpc>
-              <a:spcBef>
-                <a:spcPts val="1000"/>
-              </a:spcBef>
-              <a:buFont typeface="Arial" panose="020B0604020202020204" pitchFamily="34" charset="0"/>
-              <a:buChar char="•"/>
-              <a:defRPr sz="2800" kern="1200">
-                <a:solidFill>
-                  <a:schemeClr val="tx1"/>
-                </a:solidFill>
-                <a:latin typeface="+mn-lt"/>
-                <a:ea typeface="+mn-ea"/>
-                <a:cs typeface="+mn-cs"/>
-              </a:defRPr>
-            </a:lvl1pPr>
-            <a:lvl2pPr marL="685800" indent="-228600" algn="l" defTabSz="914400" rtl="0" eaLnBrk="1" latinLnBrk="1" hangingPunct="1">
-              <a:lnSpc>
-                <a:spcPct val="90000"/>
-              </a:lnSpc>
-              <a:spcBef>
-                <a:spcPts val="500"/>
-              </a:spcBef>
-              <a:buFont typeface="Arial" panose="020B0604020202020204" pitchFamily="34" charset="0"/>
-              <a:buChar char="•"/>
-              <a:defRPr sz="2400" kern="1200">
-                <a:solidFill>
-                  <a:schemeClr val="tx1"/>
-                </a:solidFill>
-                <a:latin typeface="+mn-lt"/>
-                <a:ea typeface="+mn-ea"/>
-                <a:cs typeface="+mn-cs"/>
-              </a:defRPr>
-            </a:lvl2pPr>
-            <a:lvl3pPr marL="1143000" indent="-228600" algn="l" defTabSz="914400" rtl="0" eaLnBrk="1" latinLnBrk="1" hangingPunct="1">
-              <a:lnSpc>
-                <a:spcPct val="90000"/>
-              </a:lnSpc>
-              <a:spcBef>
-                <a:spcPts val="500"/>
-              </a:spcBef>
-              <a:buFont typeface="Arial" panose="020B0604020202020204" pitchFamily="34" charset="0"/>
-              <a:buChar char="•"/>
-              <a:defRPr sz="2000" kern="1200">
-                <a:solidFill>
-                  <a:schemeClr val="tx1"/>
-                </a:solidFill>
-                <a:latin typeface="+mn-lt"/>
-                <a:ea typeface="+mn-ea"/>
-                <a:cs typeface="+mn-cs"/>
-              </a:defRPr>
-            </a:lvl3pPr>
-            <a:lvl4pPr marL="1600200" indent="-228600" algn="l" defTabSz="914400" rtl="0" eaLnBrk="1" latinLnBrk="1" hangingPunct="1">
-              <a:lnSpc>
-                <a:spcPct val="90000"/>
-              </a:lnSpc>
-              <a:spcBef>
-                <a:spcPts val="500"/>
-              </a:spcBef>
-              <a:buFont typeface="Arial" panose="020B0604020202020204" pitchFamily="34" charset="0"/>
-              <a:buChar char="•"/>
-              <a:defRPr sz="1800" kern="1200">
-                <a:solidFill>
-                  <a:schemeClr val="tx1"/>
-                </a:solidFill>
-                <a:latin typeface="+mn-lt"/>
-                <a:ea typeface="+mn-ea"/>
-                <a:cs typeface="+mn-cs"/>
-              </a:defRPr>
-            </a:lvl4pPr>
-            <a:lvl5pPr marL="2057400" indent="-228600" algn="l" defTabSz="914400" rtl="0" eaLnBrk="1" latinLnBrk="1" hangingPunct="1">
-              <a:lnSpc>
-                <a:spcPct val="90000"/>
-              </a:lnSpc>
-              <a:spcBef>
-                <a:spcPts val="500"/>
-              </a:spcBef>
-              <a:buFont typeface="Arial" panose="020B0604020202020204" pitchFamily="34" charset="0"/>
-              <a:buChar char="•"/>
-              <a:defRPr sz="1800" kern="1200">
-                <a:solidFill>
-                  <a:schemeClr val="tx1"/>
-                </a:solidFill>
-                <a:latin typeface="+mn-lt"/>
-                <a:ea typeface="+mn-ea"/>
-                <a:cs typeface="+mn-cs"/>
-              </a:defRPr>
-            </a:lvl5pPr>
-            <a:lvl6pPr marL="2514600" indent="-228600" algn="l" defTabSz="914400" rtl="0" eaLnBrk="1" latinLnBrk="1" hangingPunct="1">
-              <a:lnSpc>
-                <a:spcPct val="90000"/>
-              </a:lnSpc>
-              <a:spcBef>
-                <a:spcPts val="500"/>
-              </a:spcBef>
-              <a:buFont typeface="Arial" panose="020B0604020202020204" pitchFamily="34" charset="0"/>
-              <a:buChar char="•"/>
-              <a:defRPr sz="1800" kern="1200">
-                <a:solidFill>
-                  <a:schemeClr val="tx1"/>
-                </a:solidFill>
-                <a:latin typeface="+mn-lt"/>
-                <a:ea typeface="+mn-ea"/>
-                <a:cs typeface="+mn-cs"/>
-              </a:defRPr>
-            </a:lvl6pPr>
-            <a:lvl7pPr marL="2971800" indent="-228600" algn="l" defTabSz="914400" rtl="0" eaLnBrk="1" latinLnBrk="1" hangingPunct="1">
-              <a:lnSpc>
-                <a:spcPct val="90000"/>
-              </a:lnSpc>
-              <a:spcBef>
-                <a:spcPts val="500"/>
-              </a:spcBef>
-              <a:buFont typeface="Arial" panose="020B0604020202020204" pitchFamily="34" charset="0"/>
-              <a:buChar char="•"/>
-              <a:defRPr sz="1800" kern="1200">
-                <a:solidFill>
-                  <a:schemeClr val="tx1"/>
-                </a:solidFill>
-                <a:latin typeface="+mn-lt"/>
-                <a:ea typeface="+mn-ea"/>
-                <a:cs typeface="+mn-cs"/>
-              </a:defRPr>
-            </a:lvl7pPr>
-            <a:lvl8pPr marL="3429000" indent="-228600" algn="l" defTabSz="914400" rtl="0" eaLnBrk="1" latinLnBrk="1" hangingPunct="1">
-              <a:lnSpc>
-                <a:spcPct val="90000"/>
-              </a:lnSpc>
-              <a:spcBef>
-                <a:spcPts val="500"/>
-              </a:spcBef>
-              <a:buFont typeface="Arial" panose="020B0604020202020204" pitchFamily="34" charset="0"/>
-              <a:buChar char="•"/>
-              <a:defRPr sz="1800" kern="1200">
-                <a:solidFill>
-                  <a:schemeClr val="tx1"/>
-                </a:solidFill>
-                <a:latin typeface="+mn-lt"/>
-                <a:ea typeface="+mn-ea"/>
-                <a:cs typeface="+mn-cs"/>
-              </a:defRPr>
-            </a:lvl8pPr>
-            <a:lvl9pPr marL="3886200" indent="-228600" algn="l" defTabSz="914400" rtl="0" eaLnBrk="1" latinLnBrk="1" hangingPunct="1">
-              <a:lnSpc>
-                <a:spcPct val="90000"/>
-              </a:lnSpc>
-              <a:spcBef>
-                <a:spcPts val="500"/>
-              </a:spcBef>
-              <a:buFont typeface="Arial" panose="020B0604020202020204" pitchFamily="34" charset="0"/>
-              <a:buChar char="•"/>
-              <a:defRPr sz="1800" kern="1200">
-                <a:solidFill>
-                  <a:schemeClr val="tx1"/>
-                </a:solidFill>
-                <a:latin typeface="+mn-lt"/>
-                <a:ea typeface="+mn-ea"/>
-                <a:cs typeface="+mn-cs"/>
-              </a:defRPr>
-            </a:lvl9pPr>
-          </a:lstStyle>
-          <a:p>
-            <a:pPr>
-              <a:lnSpc>
-                <a:spcPct val="150000"/>
-              </a:lnSpc>
-              <a:buFont typeface="Wingdings" panose="05000000000000000000" pitchFamily="2" charset="2"/>
-              <a:buChar char="u"/>
-            </a:pPr>
-            <a:r>
-              <a:rPr lang="en-US" altLang="ko-KR" sz="2000" b="1" dirty="0" smtClean="0">
-                <a:solidFill>
-                  <a:srgbClr val="C00000"/>
-                </a:solidFill>
-              </a:rPr>
-              <a:t> </a:t>
-            </a:r>
-            <a:r>
-              <a:rPr lang="en-US" altLang="ko-KR" sz="2000" b="1" dirty="0" err="1" smtClean="0">
-                <a:solidFill>
-                  <a:srgbClr val="C00000"/>
-                </a:solidFill>
-              </a:rPr>
-              <a:t>HashMap</a:t>
-            </a:r>
-            <a:r>
-              <a:rPr lang="ko-KR" altLang="en-US" sz="2000" b="1" dirty="0" smtClean="0">
-                <a:solidFill>
-                  <a:srgbClr val="C00000"/>
-                </a:solidFill>
-              </a:rPr>
-              <a:t>을 활용한 회원관리 프로그램</a:t>
-            </a:r>
-            <a:endParaRPr lang="en-US" altLang="ko-KR" sz="2000" b="1" dirty="0" smtClean="0">
-              <a:solidFill>
-                <a:srgbClr val="C00000"/>
-              </a:solidFill>
-            </a:endParaRPr>
-          </a:p>
-          <a:p>
-            <a:pPr marL="457200" lvl="1" indent="0">
-              <a:lnSpc>
-                <a:spcPct val="100000"/>
-              </a:lnSpc>
-              <a:buNone/>
-            </a:pPr>
-            <a:endParaRPr lang="en-US" altLang="ko-KR" sz="1600" b="1" dirty="0" smtClean="0"/>
-          </a:p>
-          <a:p>
-            <a:pPr marL="457200" lvl="1" indent="0">
-              <a:lnSpc>
-                <a:spcPct val="150000"/>
-              </a:lnSpc>
-              <a:buNone/>
-            </a:pPr>
-            <a:endParaRPr lang="en-US" altLang="ko-KR" sz="1200" b="1" dirty="0" smtClean="0">
-              <a:solidFill>
-                <a:srgbClr val="002060"/>
-              </a:solidFill>
-            </a:endParaRPr>
-          </a:p>
-        </p:txBody>
-      </p:sp>
-      <p:pic>
-        <p:nvPicPr>
-          <p:cNvPr id="3" name="그림 2"/>
-          <p:cNvPicPr>
-            <a:picLocks noChangeAspect="1"/>
-          </p:cNvPicPr>
-          <p:nvPr/>
-        </p:nvPicPr>
-        <p:blipFill>
-          <a:blip r:embed="rId2">
-            <a:extLst>
-              <a:ext uri="{28A0092B-C50C-407E-A947-70E740481C1C}">
-                <a14:useLocalDpi xmlns:a14="http://schemas.microsoft.com/office/drawing/2010/main" val="0"/>
-              </a:ext>
-            </a:extLst>
-          </a:blip>
-          <a:stretch>
-            <a:fillRect/>
-          </a:stretch>
-        </p:blipFill>
-        <p:spPr>
-          <a:xfrm>
-            <a:off x="1352600" y="1727366"/>
-            <a:ext cx="5700254" cy="3825572"/>
-          </a:xfrm>
-          <a:prstGeom prst="rect">
-            <a:avLst/>
-          </a:prstGeom>
-          <a:ln>
-            <a:solidFill>
-              <a:schemeClr val="bg1">
-                <a:lumMod val="85000"/>
-              </a:schemeClr>
-            </a:solidFill>
-          </a:ln>
-        </p:spPr>
-      </p:pic>
-    </p:spTree>
-    <p:extLst>
-      <p:ext uri="{BB962C8B-B14F-4D97-AF65-F5344CB8AC3E}">
-        <p14:creationId xmlns:p14="http://schemas.microsoft.com/office/powerpoint/2010/main" val="2329998350"/>
-      </p:ext>
-    </p:extLst>
-  </p:cSld>
-  <p:clrMapOvr>
-    <a:masterClrMapping/>
-  </p:clrMapOvr>
-  <p:timing>
-    <p:tnLst>
-      <p:par>
-        <p:cTn id="1" dur="indefinite" restart="never" nodeType="tmRoot"/>
-      </p:par>
-    </p:tnLst>
-  </p:timing>
-</p:sld>
-</file>
-
 <file path=ppt/slides/slide6.xml><?xml version="1.0" encoding="utf-8"?>
 <p:sld xmlns:a="http://schemas.openxmlformats.org/drawingml/2006/main" xmlns:r="http://schemas.openxmlformats.org/officeDocument/2006/relationships" xmlns:p="http://schemas.openxmlformats.org/presentationml/2006/main">
   <p:cSld>
@@ -32622,7 +32578,7 @@
           <p:cNvPr id="10" name="내용 개체 틀 2">
             <a:extLst>
               <a:ext uri="{FF2B5EF4-FFF2-40B4-BE49-F238E27FC236}">
-                <a16:creationId xmlns="" xmlns:a16="http://schemas.microsoft.com/office/drawing/2014/main" id="{98AF3A4E-7D90-4241-89FE-799D6F9D5A94}"/>
+                <a16:creationId xmlns:a16="http://schemas.microsoft.com/office/drawing/2014/main" id="{98AF3A4E-7D90-4241-89FE-799D6F9D5A94}"/>
               </a:ext>
             </a:extLst>
           </p:cNvPr>
@@ -33015,7 +32971,386 @@
           <p:cNvPr id="7" name="내용 개체 틀 2">
             <a:extLst>
               <a:ext uri="{FF2B5EF4-FFF2-40B4-BE49-F238E27FC236}">
-                <a16:creationId xmlns:a16="http://schemas.microsoft.com/office/drawing/2014/main" xmlns="" id="{98AF3A4E-7D90-4241-89FE-799D6F9D5A94}"/>
+                <a16:creationId xmlns:a16="http://schemas.microsoft.com/office/drawing/2014/main" id="{98AF3A4E-7D90-4241-89FE-799D6F9D5A94}"/>
+              </a:ext>
+            </a:extLst>
+          </p:cNvPr>
+          <p:cNvSpPr txBox="1">
+            <a:spLocks/>
+          </p:cNvSpPr>
+          <p:nvPr/>
+        </p:nvSpPr>
+        <p:spPr>
+          <a:xfrm>
+            <a:off x="588041" y="1052736"/>
+            <a:ext cx="9045479" cy="648072"/>
+          </a:xfrm>
+          <a:prstGeom prst="rect">
+            <a:avLst/>
+          </a:prstGeom>
+        </p:spPr>
+        <p:txBody>
+          <a:bodyPr/>
+          <a:lstStyle>
+            <a:lvl1pPr marL="228600" indent="-228600" algn="l" defTabSz="914400" rtl="0" eaLnBrk="1" latinLnBrk="1" hangingPunct="1">
+              <a:lnSpc>
+                <a:spcPct val="90000"/>
+              </a:lnSpc>
+              <a:spcBef>
+                <a:spcPts val="1000"/>
+              </a:spcBef>
+              <a:buFont typeface="Arial" panose="020B0604020202020204" pitchFamily="34" charset="0"/>
+              <a:buChar char="•"/>
+              <a:defRPr sz="2800" kern="1200">
+                <a:solidFill>
+                  <a:schemeClr val="tx1"/>
+                </a:solidFill>
+                <a:latin typeface="+mn-lt"/>
+                <a:ea typeface="+mn-ea"/>
+                <a:cs typeface="+mn-cs"/>
+              </a:defRPr>
+            </a:lvl1pPr>
+            <a:lvl2pPr marL="685800" indent="-228600" algn="l" defTabSz="914400" rtl="0" eaLnBrk="1" latinLnBrk="1" hangingPunct="1">
+              <a:lnSpc>
+                <a:spcPct val="90000"/>
+              </a:lnSpc>
+              <a:spcBef>
+                <a:spcPts val="500"/>
+              </a:spcBef>
+              <a:buFont typeface="Arial" panose="020B0604020202020204" pitchFamily="34" charset="0"/>
+              <a:buChar char="•"/>
+              <a:defRPr sz="2400" kern="1200">
+                <a:solidFill>
+                  <a:schemeClr val="tx1"/>
+                </a:solidFill>
+                <a:latin typeface="+mn-lt"/>
+                <a:ea typeface="+mn-ea"/>
+                <a:cs typeface="+mn-cs"/>
+              </a:defRPr>
+            </a:lvl2pPr>
+            <a:lvl3pPr marL="1143000" indent="-228600" algn="l" defTabSz="914400" rtl="0" eaLnBrk="1" latinLnBrk="1" hangingPunct="1">
+              <a:lnSpc>
+                <a:spcPct val="90000"/>
+              </a:lnSpc>
+              <a:spcBef>
+                <a:spcPts val="500"/>
+              </a:spcBef>
+              <a:buFont typeface="Arial" panose="020B0604020202020204" pitchFamily="34" charset="0"/>
+              <a:buChar char="•"/>
+              <a:defRPr sz="2000" kern="1200">
+                <a:solidFill>
+                  <a:schemeClr val="tx1"/>
+                </a:solidFill>
+                <a:latin typeface="+mn-lt"/>
+                <a:ea typeface="+mn-ea"/>
+                <a:cs typeface="+mn-cs"/>
+              </a:defRPr>
+            </a:lvl3pPr>
+            <a:lvl4pPr marL="1600200" indent="-228600" algn="l" defTabSz="914400" rtl="0" eaLnBrk="1" latinLnBrk="1" hangingPunct="1">
+              <a:lnSpc>
+                <a:spcPct val="90000"/>
+              </a:lnSpc>
+              <a:spcBef>
+                <a:spcPts val="500"/>
+              </a:spcBef>
+              <a:buFont typeface="Arial" panose="020B0604020202020204" pitchFamily="34" charset="0"/>
+              <a:buChar char="•"/>
+              <a:defRPr sz="1800" kern="1200">
+                <a:solidFill>
+                  <a:schemeClr val="tx1"/>
+                </a:solidFill>
+                <a:latin typeface="+mn-lt"/>
+                <a:ea typeface="+mn-ea"/>
+                <a:cs typeface="+mn-cs"/>
+              </a:defRPr>
+            </a:lvl4pPr>
+            <a:lvl5pPr marL="2057400" indent="-228600" algn="l" defTabSz="914400" rtl="0" eaLnBrk="1" latinLnBrk="1" hangingPunct="1">
+              <a:lnSpc>
+                <a:spcPct val="90000"/>
+              </a:lnSpc>
+              <a:spcBef>
+                <a:spcPts val="500"/>
+              </a:spcBef>
+              <a:buFont typeface="Arial" panose="020B0604020202020204" pitchFamily="34" charset="0"/>
+              <a:buChar char="•"/>
+              <a:defRPr sz="1800" kern="1200">
+                <a:solidFill>
+                  <a:schemeClr val="tx1"/>
+                </a:solidFill>
+                <a:latin typeface="+mn-lt"/>
+                <a:ea typeface="+mn-ea"/>
+                <a:cs typeface="+mn-cs"/>
+              </a:defRPr>
+            </a:lvl5pPr>
+            <a:lvl6pPr marL="2514600" indent="-228600" algn="l" defTabSz="914400" rtl="0" eaLnBrk="1" latinLnBrk="1" hangingPunct="1">
+              <a:lnSpc>
+                <a:spcPct val="90000"/>
+              </a:lnSpc>
+              <a:spcBef>
+                <a:spcPts val="500"/>
+              </a:spcBef>
+              <a:buFont typeface="Arial" panose="020B0604020202020204" pitchFamily="34" charset="0"/>
+              <a:buChar char="•"/>
+              <a:defRPr sz="1800" kern="1200">
+                <a:solidFill>
+                  <a:schemeClr val="tx1"/>
+                </a:solidFill>
+                <a:latin typeface="+mn-lt"/>
+                <a:ea typeface="+mn-ea"/>
+                <a:cs typeface="+mn-cs"/>
+              </a:defRPr>
+            </a:lvl6pPr>
+            <a:lvl7pPr marL="2971800" indent="-228600" algn="l" defTabSz="914400" rtl="0" eaLnBrk="1" latinLnBrk="1" hangingPunct="1">
+              <a:lnSpc>
+                <a:spcPct val="90000"/>
+              </a:lnSpc>
+              <a:spcBef>
+                <a:spcPts val="500"/>
+              </a:spcBef>
+              <a:buFont typeface="Arial" panose="020B0604020202020204" pitchFamily="34" charset="0"/>
+              <a:buChar char="•"/>
+              <a:defRPr sz="1800" kern="1200">
+                <a:solidFill>
+                  <a:schemeClr val="tx1"/>
+                </a:solidFill>
+                <a:latin typeface="+mn-lt"/>
+                <a:ea typeface="+mn-ea"/>
+                <a:cs typeface="+mn-cs"/>
+              </a:defRPr>
+            </a:lvl7pPr>
+            <a:lvl8pPr marL="3429000" indent="-228600" algn="l" defTabSz="914400" rtl="0" eaLnBrk="1" latinLnBrk="1" hangingPunct="1">
+              <a:lnSpc>
+                <a:spcPct val="90000"/>
+              </a:lnSpc>
+              <a:spcBef>
+                <a:spcPts val="500"/>
+              </a:spcBef>
+              <a:buFont typeface="Arial" panose="020B0604020202020204" pitchFamily="34" charset="0"/>
+              <a:buChar char="•"/>
+              <a:defRPr sz="1800" kern="1200">
+                <a:solidFill>
+                  <a:schemeClr val="tx1"/>
+                </a:solidFill>
+                <a:latin typeface="+mn-lt"/>
+                <a:ea typeface="+mn-ea"/>
+                <a:cs typeface="+mn-cs"/>
+              </a:defRPr>
+            </a:lvl8pPr>
+            <a:lvl9pPr marL="3886200" indent="-228600" algn="l" defTabSz="914400" rtl="0" eaLnBrk="1" latinLnBrk="1" hangingPunct="1">
+              <a:lnSpc>
+                <a:spcPct val="90000"/>
+              </a:lnSpc>
+              <a:spcBef>
+                <a:spcPts val="500"/>
+              </a:spcBef>
+              <a:buFont typeface="Arial" panose="020B0604020202020204" pitchFamily="34" charset="0"/>
+              <a:buChar char="•"/>
+              <a:defRPr sz="1800" kern="1200">
+                <a:solidFill>
+                  <a:schemeClr val="tx1"/>
+                </a:solidFill>
+                <a:latin typeface="+mn-lt"/>
+                <a:ea typeface="+mn-ea"/>
+                <a:cs typeface="+mn-cs"/>
+              </a:defRPr>
+            </a:lvl9pPr>
+          </a:lstStyle>
+          <a:p>
+            <a:pPr>
+              <a:lnSpc>
+                <a:spcPct val="150000"/>
+              </a:lnSpc>
+              <a:buFont typeface="Wingdings" panose="05000000000000000000" pitchFamily="2" charset="2"/>
+              <a:buChar char="u"/>
+            </a:pPr>
+            <a:r>
+              <a:rPr lang="en-US" altLang="ko-KR" sz="2000" b="1" dirty="0" smtClean="0">
+                <a:solidFill>
+                  <a:srgbClr val="C00000"/>
+                </a:solidFill>
+              </a:rPr>
+              <a:t> </a:t>
+            </a:r>
+            <a:r>
+              <a:rPr lang="en-US" altLang="ko-KR" sz="2000" b="1" dirty="0" err="1" smtClean="0">
+                <a:solidFill>
+                  <a:srgbClr val="C00000"/>
+                </a:solidFill>
+              </a:rPr>
+              <a:t>HashMap</a:t>
+            </a:r>
+            <a:r>
+              <a:rPr lang="ko-KR" altLang="en-US" sz="2000" b="1" dirty="0" smtClean="0">
+                <a:solidFill>
+                  <a:srgbClr val="C00000"/>
+                </a:solidFill>
+              </a:rPr>
+              <a:t>을 활용한 회원관리 프로그램</a:t>
+            </a:r>
+            <a:endParaRPr lang="en-US" altLang="ko-KR" sz="2000" b="1" dirty="0" smtClean="0">
+              <a:solidFill>
+                <a:srgbClr val="C00000"/>
+              </a:solidFill>
+            </a:endParaRPr>
+          </a:p>
+          <a:p>
+            <a:pPr marL="457200" lvl="1" indent="0">
+              <a:lnSpc>
+                <a:spcPct val="100000"/>
+              </a:lnSpc>
+              <a:buNone/>
+            </a:pPr>
+            <a:endParaRPr lang="en-US" altLang="ko-KR" sz="1600" b="1" dirty="0" smtClean="0"/>
+          </a:p>
+          <a:p>
+            <a:pPr marL="457200" lvl="1" indent="0">
+              <a:lnSpc>
+                <a:spcPct val="150000"/>
+              </a:lnSpc>
+              <a:buNone/>
+            </a:pPr>
+            <a:endParaRPr lang="en-US" altLang="ko-KR" sz="1200" b="1" dirty="0" smtClean="0">
+              <a:solidFill>
+                <a:srgbClr val="002060"/>
+              </a:solidFill>
+            </a:endParaRPr>
+          </a:p>
+        </p:txBody>
+      </p:sp>
+      <p:pic>
+        <p:nvPicPr>
+          <p:cNvPr id="3" name="그림 2"/>
+          <p:cNvPicPr>
+            <a:picLocks noChangeAspect="1"/>
+          </p:cNvPicPr>
+          <p:nvPr/>
+        </p:nvPicPr>
+        <p:blipFill>
+          <a:blip r:embed="rId2">
+            <a:extLst>
+              <a:ext uri="{28A0092B-C50C-407E-A947-70E740481C1C}">
+                <a14:useLocalDpi xmlns:a14="http://schemas.microsoft.com/office/drawing/2010/main" val="0"/>
+              </a:ext>
+            </a:extLst>
+          </a:blip>
+          <a:stretch>
+            <a:fillRect/>
+          </a:stretch>
+        </p:blipFill>
+        <p:spPr>
+          <a:xfrm>
+            <a:off x="1352600" y="1727366"/>
+            <a:ext cx="5700254" cy="3825572"/>
+          </a:xfrm>
+          <a:prstGeom prst="rect">
+            <a:avLst/>
+          </a:prstGeom>
+          <a:ln>
+            <a:solidFill>
+              <a:schemeClr val="bg1">
+                <a:lumMod val="85000"/>
+              </a:schemeClr>
+            </a:solidFill>
+          </a:ln>
+        </p:spPr>
+      </p:pic>
+    </p:spTree>
+    <p:extLst>
+      <p:ext uri="{BB962C8B-B14F-4D97-AF65-F5344CB8AC3E}">
+        <p14:creationId xmlns:p14="http://schemas.microsoft.com/office/powerpoint/2010/main" val="2329998350"/>
+      </p:ext>
+    </p:extLst>
+  </p:cSld>
+  <p:clrMapOvr>
+    <a:masterClrMapping/>
+  </p:clrMapOvr>
+  <p:timing>
+    <p:tnLst>
+      <p:par>
+        <p:cTn id="1" dur="indefinite" restart="never" nodeType="tmRoot"/>
+      </p:par>
+    </p:tnLst>
+  </p:timing>
+</p:sld>
+</file>
+
+<file path=ppt/slides/slide61.xml><?xml version="1.0" encoding="utf-8"?>
+<p:sld xmlns:a="http://schemas.openxmlformats.org/drawingml/2006/main" xmlns:r="http://schemas.openxmlformats.org/officeDocument/2006/relationships" xmlns:p="http://schemas.openxmlformats.org/presentationml/2006/main">
+  <p:cSld>
+    <p:spTree>
+      <p:nvGrpSpPr>
+        <p:cNvPr id="1" name=""/>
+        <p:cNvGrpSpPr/>
+        <p:nvPr/>
+      </p:nvGrpSpPr>
+      <p:grpSpPr>
+        <a:xfrm>
+          <a:off x="0" y="0"/>
+          <a:ext cx="0" cy="0"/>
+          <a:chOff x="0" y="0"/>
+          <a:chExt cx="0" cy="0"/>
+        </a:xfrm>
+      </p:grpSpPr>
+      <p:sp>
+        <p:nvSpPr>
+          <p:cNvPr id="6" name="제목 5"/>
+          <p:cNvSpPr>
+            <a:spLocks noGrp="1"/>
+          </p:cNvSpPr>
+          <p:nvPr>
+            <p:ph type="title"/>
+          </p:nvPr>
+        </p:nvSpPr>
+        <p:spPr/>
+        <p:txBody>
+          <a:bodyPr/>
+          <a:lstStyle/>
+          <a:p>
+            <a:r>
+              <a:rPr lang="en-US" altLang="ko-KR" dirty="0" smtClean="0"/>
+              <a:t> Map </a:t>
+            </a:r>
+            <a:r>
+              <a:rPr lang="ko-KR" altLang="en-US" dirty="0"/>
+              <a:t>인터페이스</a:t>
+            </a:r>
+          </a:p>
+        </p:txBody>
+      </p:sp>
+      <p:sp>
+        <p:nvSpPr>
+          <p:cNvPr id="5" name="슬라이드 번호 개체 틀 4"/>
+          <p:cNvSpPr>
+            <a:spLocks noGrp="1"/>
+          </p:cNvSpPr>
+          <p:nvPr>
+            <p:ph type="sldNum" sz="quarter" idx="12"/>
+          </p:nvPr>
+        </p:nvSpPr>
+        <p:spPr>
+          <a:xfrm>
+            <a:off x="8853433" y="7312347"/>
+            <a:ext cx="557267" cy="365125"/>
+          </a:xfrm>
+        </p:spPr>
+        <p:txBody>
+          <a:bodyPr/>
+          <a:lstStyle/>
+          <a:p>
+            <a:fld id="{1BDE3FE7-3AEA-4B05-AC5A-802D1816ACF0}" type="slidenum">
+              <a:rPr lang="ko-KR" altLang="en-US" smtClean="0"/>
+              <a:t>61</a:t>
+            </a:fld>
+            <a:endParaRPr lang="ko-KR" altLang="en-US"/>
+          </a:p>
+        </p:txBody>
+      </p:sp>
+      <p:sp>
+        <p:nvSpPr>
+          <p:cNvPr id="7" name="내용 개체 틀 2">
+            <a:extLst>
+              <a:ext uri="{FF2B5EF4-FFF2-40B4-BE49-F238E27FC236}">
+                <a16:creationId xmlns:a16="http://schemas.microsoft.com/office/drawing/2014/main" id="{98AF3A4E-7D90-4241-89FE-799D6F9D5A94}"/>
               </a:ext>
             </a:extLst>
           </p:cNvPr>
@@ -33318,7 +33653,7 @@
 </p:sld>
 </file>
 
-<file path=ppt/slides/slide61.xml><?xml version="1.0" encoding="utf-8"?>
+<file path=ppt/slides/slide62.xml><?xml version="1.0" encoding="utf-8"?>
 <p:sld xmlns:a="http://schemas.openxmlformats.org/drawingml/2006/main" xmlns:r="http://schemas.openxmlformats.org/officeDocument/2006/relationships" xmlns:p="http://schemas.openxmlformats.org/presentationml/2006/main">
   <p:cSld>
     <p:spTree>
@@ -33383,7 +33718,7 @@
           <a:p>
             <a:fld id="{1BDE3FE7-3AEA-4B05-AC5A-802D1816ACF0}" type="slidenum">
               <a:rPr lang="ko-KR" altLang="en-US" smtClean="0"/>
-              <a:t>61</a:t>
+              <a:t>62</a:t>
             </a:fld>
             <a:endParaRPr lang="ko-KR" altLang="en-US"/>
           </a:p>
@@ -33483,7 +33818,7 @@
 </p:sld>
 </file>
 
-<file path=ppt/slides/slide62.xml><?xml version="1.0" encoding="utf-8"?>
+<file path=ppt/slides/slide63.xml><?xml version="1.0" encoding="utf-8"?>
 <p:sld xmlns:a="http://schemas.openxmlformats.org/drawingml/2006/main" xmlns:r="http://schemas.openxmlformats.org/officeDocument/2006/relationships" xmlns:p="http://schemas.openxmlformats.org/presentationml/2006/main">
   <p:cSld>
     <p:spTree>
@@ -33505,7 +33840,7 @@
           <p:cNvPr id="17" name="TextBox 16">
             <a:extLst>
               <a:ext uri="{FF2B5EF4-FFF2-40B4-BE49-F238E27FC236}">
-                <a16:creationId xmlns="" xmlns:a16="http://schemas.microsoft.com/office/drawing/2014/main" id="{5DD81B33-3C10-4B58-9ACC-5628B021DE57}"/>
+                <a16:creationId xmlns:a16="http://schemas.microsoft.com/office/drawing/2014/main" id="{5DD81B33-3C10-4B58-9ACC-5628B021DE57}"/>
               </a:ext>
             </a:extLst>
           </p:cNvPr>
@@ -33652,7 +33987,7 @@
           <p:cNvPr id="4" name="표 3">
             <a:extLst>
               <a:ext uri="{FF2B5EF4-FFF2-40B4-BE49-F238E27FC236}">
-                <a16:creationId xmlns="" xmlns:a16="http://schemas.microsoft.com/office/drawing/2014/main" id="{4B8FE68B-9296-45F2-96AB-033F96DA2F70}"/>
+                <a16:creationId xmlns:a16="http://schemas.microsoft.com/office/drawing/2014/main" id="{4B8FE68B-9296-45F2-96AB-033F96DA2F70}"/>
               </a:ext>
             </a:extLst>
           </p:cNvPr>
@@ -33681,14 +34016,14 @@
                 <a:gridCol w="1336601">
                   <a:extLst>
                     <a:ext uri="{9D8B030D-6E8A-4147-A177-3AD203B41FA5}">
-                      <a16:colId xmlns="" xmlns:a16="http://schemas.microsoft.com/office/drawing/2014/main" val="1302133471"/>
+                      <a16:colId xmlns:a16="http://schemas.microsoft.com/office/drawing/2014/main" val="1302133471"/>
                     </a:ext>
                   </a:extLst>
                 </a:gridCol>
                 <a:gridCol w="4873706">
                   <a:extLst>
                     <a:ext uri="{9D8B030D-6E8A-4147-A177-3AD203B41FA5}">
-                      <a16:colId xmlns="" xmlns:a16="http://schemas.microsoft.com/office/drawing/2014/main" val="3478021724"/>
+                      <a16:colId xmlns:a16="http://schemas.microsoft.com/office/drawing/2014/main" val="3478021724"/>
                     </a:ext>
                   </a:extLst>
                 </a:gridCol>
@@ -33739,7 +34074,7 @@
                 </a:tc>
                 <a:extLst>
                   <a:ext uri="{0D108BD9-81ED-4DB2-BD59-A6C34878D82A}">
-                    <a16:rowId xmlns="" xmlns:a16="http://schemas.microsoft.com/office/drawing/2014/main" val="4215197872"/>
+                    <a16:rowId xmlns:a16="http://schemas.microsoft.com/office/drawing/2014/main" val="4215197872"/>
                   </a:ext>
                 </a:extLst>
               </a:tr>
@@ -33780,7 +34115,7 @@
                 </a:tc>
                 <a:extLst>
                   <a:ext uri="{0D108BD9-81ED-4DB2-BD59-A6C34878D82A}">
-                    <a16:rowId xmlns="" xmlns:a16="http://schemas.microsoft.com/office/drawing/2014/main" val="1488436910"/>
+                    <a16:rowId xmlns:a16="http://schemas.microsoft.com/office/drawing/2014/main" val="1488436910"/>
                   </a:ext>
                 </a:extLst>
               </a:tr>
@@ -33845,7 +34180,7 @@
                 </a:tc>
                 <a:extLst>
                   <a:ext uri="{0D108BD9-81ED-4DB2-BD59-A6C34878D82A}">
-                    <a16:rowId xmlns="" xmlns:a16="http://schemas.microsoft.com/office/drawing/2014/main" val="631478700"/>
+                    <a16:rowId xmlns:a16="http://schemas.microsoft.com/office/drawing/2014/main" val="631478700"/>
                   </a:ext>
                 </a:extLst>
               </a:tr>
@@ -33892,6 +34227,11 @@
                   </a:txBody>
                   <a:tcPr marL="74295" marR="74295" marT="37148" marB="37148" anchor="ctr"/>
                 </a:tc>
+                <a:extLst>
+                  <a:ext uri="{0D108BD9-81ED-4DB2-BD59-A6C34878D82A}">
+                    <a16:rowId xmlns:a16="http://schemas.microsoft.com/office/drawing/2014/main" val="10003"/>
+                  </a:ext>
+                </a:extLst>
               </a:tr>
             </a:tbl>
           </a:graphicData>
@@ -33916,7 +34256,7 @@
             <p:cNvPr id="7" name="자유형: 도형 6">
               <a:extLst>
                 <a:ext uri="{FF2B5EF4-FFF2-40B4-BE49-F238E27FC236}">
-                  <a16:creationId xmlns="" xmlns:a16="http://schemas.microsoft.com/office/drawing/2014/main" id="{63F1EBDA-F120-41FB-9DB2-AE5C10EB3806}"/>
+                  <a16:creationId xmlns:a16="http://schemas.microsoft.com/office/drawing/2014/main" id="{63F1EBDA-F120-41FB-9DB2-AE5C10EB3806}"/>
                 </a:ext>
               </a:extLst>
             </p:cNvPr>
@@ -34010,7 +34350,7 @@
             <p:cNvPr id="8" name="타원 7">
               <a:extLst>
                 <a:ext uri="{FF2B5EF4-FFF2-40B4-BE49-F238E27FC236}">
-                  <a16:creationId xmlns="" xmlns:a16="http://schemas.microsoft.com/office/drawing/2014/main" id="{9A8DA6E3-2CD1-4F7C-995B-E1D34C08FF7C}"/>
+                  <a16:creationId xmlns:a16="http://schemas.microsoft.com/office/drawing/2014/main" id="{9A8DA6E3-2CD1-4F7C-995B-E1D34C08FF7C}"/>
                 </a:ext>
               </a:extLst>
             </p:cNvPr>
@@ -34058,7 +34398,7 @@
             <p:cNvPr id="11" name="타원 10">
               <a:extLst>
                 <a:ext uri="{FF2B5EF4-FFF2-40B4-BE49-F238E27FC236}">
-                  <a16:creationId xmlns="" xmlns:a16="http://schemas.microsoft.com/office/drawing/2014/main" id="{E839F747-40EC-45A3-A944-16B295DB921F}"/>
+                  <a16:creationId xmlns:a16="http://schemas.microsoft.com/office/drawing/2014/main" id="{E839F747-40EC-45A3-A944-16B295DB921F}"/>
                 </a:ext>
               </a:extLst>
             </p:cNvPr>
@@ -34106,7 +34446,7 @@
             <p:cNvPr id="13" name="타원 12">
               <a:extLst>
                 <a:ext uri="{FF2B5EF4-FFF2-40B4-BE49-F238E27FC236}">
-                  <a16:creationId xmlns="" xmlns:a16="http://schemas.microsoft.com/office/drawing/2014/main" id="{2051E527-C174-417E-9E9A-F9D69C0CD051}"/>
+                  <a16:creationId xmlns:a16="http://schemas.microsoft.com/office/drawing/2014/main" id="{2051E527-C174-417E-9E9A-F9D69C0CD051}"/>
                 </a:ext>
               </a:extLst>
             </p:cNvPr>
@@ -34154,7 +34494,7 @@
             <p:cNvPr id="9" name="자유형: 도형 8">
               <a:extLst>
                 <a:ext uri="{FF2B5EF4-FFF2-40B4-BE49-F238E27FC236}">
-                  <a16:creationId xmlns="" xmlns:a16="http://schemas.microsoft.com/office/drawing/2014/main" id="{A6A486DF-1355-43C6-8578-2CBC52D576A0}"/>
+                  <a16:creationId xmlns:a16="http://schemas.microsoft.com/office/drawing/2014/main" id="{A6A486DF-1355-43C6-8578-2CBC52D576A0}"/>
                 </a:ext>
               </a:extLst>
             </p:cNvPr>
@@ -34243,7 +34583,7 @@
             <p:cNvPr id="14" name="자유형: 도형 13">
               <a:extLst>
                 <a:ext uri="{FF2B5EF4-FFF2-40B4-BE49-F238E27FC236}">
-                  <a16:creationId xmlns="" xmlns:a16="http://schemas.microsoft.com/office/drawing/2014/main" id="{AA367B82-885F-4CD4-9664-F616726BCCB9}"/>
+                  <a16:creationId xmlns:a16="http://schemas.microsoft.com/office/drawing/2014/main" id="{AA367B82-885F-4CD4-9664-F616726BCCB9}"/>
                 </a:ext>
               </a:extLst>
             </p:cNvPr>
@@ -34332,7 +34672,7 @@
             <p:cNvPr id="16" name="TextBox 15">
               <a:extLst>
                 <a:ext uri="{FF2B5EF4-FFF2-40B4-BE49-F238E27FC236}">
-                  <a16:creationId xmlns="" xmlns:a16="http://schemas.microsoft.com/office/drawing/2014/main" id="{C061CB0B-C674-4350-A6F4-CA68034A3A73}"/>
+                  <a16:creationId xmlns:a16="http://schemas.microsoft.com/office/drawing/2014/main" id="{C061CB0B-C674-4350-A6F4-CA68034A3A73}"/>
                 </a:ext>
               </a:extLst>
             </p:cNvPr>
@@ -34369,7 +34709,7 @@
             <p:cNvPr id="19" name="TextBox 18">
               <a:extLst>
                 <a:ext uri="{FF2B5EF4-FFF2-40B4-BE49-F238E27FC236}">
-                  <a16:creationId xmlns="" xmlns:a16="http://schemas.microsoft.com/office/drawing/2014/main" id="{9A0FE518-3E30-4559-BE69-887BC3E958F1}"/>
+                  <a16:creationId xmlns:a16="http://schemas.microsoft.com/office/drawing/2014/main" id="{9A0FE518-3E30-4559-BE69-887BC3E958F1}"/>
                 </a:ext>
               </a:extLst>
             </p:cNvPr>
@@ -34405,7 +34745,7 @@
             <p:cNvPr id="32" name="TextBox 31">
               <a:extLst>
                 <a:ext uri="{FF2B5EF4-FFF2-40B4-BE49-F238E27FC236}">
-                  <a16:creationId xmlns="" xmlns:a16="http://schemas.microsoft.com/office/drawing/2014/main" id="{6081618E-E7EC-4225-9282-DA09AE2754DC}"/>
+                  <a16:creationId xmlns:a16="http://schemas.microsoft.com/office/drawing/2014/main" id="{6081618E-E7EC-4225-9282-DA09AE2754DC}"/>
                 </a:ext>
               </a:extLst>
             </p:cNvPr>
@@ -34442,7 +34782,7 @@
             <p:cNvPr id="33" name="TextBox 32">
               <a:extLst>
                 <a:ext uri="{FF2B5EF4-FFF2-40B4-BE49-F238E27FC236}">
-                  <a16:creationId xmlns="" xmlns:a16="http://schemas.microsoft.com/office/drawing/2014/main" id="{602AA1F2-15C1-4717-999A-209F9494788E}"/>
+                  <a16:creationId xmlns:a16="http://schemas.microsoft.com/office/drawing/2014/main" id="{602AA1F2-15C1-4717-999A-209F9494788E}"/>
                 </a:ext>
               </a:extLst>
             </p:cNvPr>
@@ -34592,7 +34932,7 @@
 </p:sld>
 </file>
 
-<file path=ppt/slides/slide63.xml><?xml version="1.0" encoding="utf-8"?>
+<file path=ppt/slides/slide64.xml><?xml version="1.0" encoding="utf-8"?>
 <p:sld xmlns:a="http://schemas.openxmlformats.org/drawingml/2006/main" xmlns:r="http://schemas.openxmlformats.org/officeDocument/2006/relationships" xmlns:p="http://schemas.openxmlformats.org/presentationml/2006/main">
   <p:cSld>
     <p:spTree>
@@ -34614,7 +34954,7 @@
           <p:cNvPr id="17" name="TextBox 16">
             <a:extLst>
               <a:ext uri="{FF2B5EF4-FFF2-40B4-BE49-F238E27FC236}">
-                <a16:creationId xmlns="" xmlns:a16="http://schemas.microsoft.com/office/drawing/2014/main" id="{5DD81B33-3C10-4B58-9ACC-5628B021DE57}"/>
+                <a16:creationId xmlns:a16="http://schemas.microsoft.com/office/drawing/2014/main" id="{5DD81B33-3C10-4B58-9ACC-5628B021DE57}"/>
               </a:ext>
             </a:extLst>
           </p:cNvPr>
@@ -35164,7 +35504,7 @@
 </p:sld>
 </file>
 
-<file path=ppt/slides/slide64.xml><?xml version="1.0" encoding="utf-8"?>
+<file path=ppt/slides/slide65.xml><?xml version="1.0" encoding="utf-8"?>
 <p:sld xmlns:a="http://schemas.openxmlformats.org/drawingml/2006/main" xmlns:r="http://schemas.openxmlformats.org/officeDocument/2006/relationships" xmlns:p="http://schemas.openxmlformats.org/presentationml/2006/main">
   <p:cSld>
     <p:spTree>
@@ -35298,7 +35638,7 @@
 </p:sld>
 </file>
 
-<file path=ppt/slides/slide65.xml><?xml version="1.0" encoding="utf-8"?>
+<file path=ppt/slides/slide66.xml><?xml version="1.0" encoding="utf-8"?>
 <p:sld xmlns:a="http://schemas.openxmlformats.org/drawingml/2006/main" xmlns:r="http://schemas.openxmlformats.org/officeDocument/2006/relationships" xmlns:p="http://schemas.openxmlformats.org/presentationml/2006/main">
   <p:cSld>
     <p:spTree>
@@ -35372,7 +35712,7 @@
           <a:p>
             <a:fld id="{1BDE3FE7-3AEA-4B05-AC5A-802D1816ACF0}" type="slidenum">
               <a:rPr lang="ko-KR" altLang="en-US" smtClean="0"/>
-              <a:t>65</a:t>
+              <a:t>66</a:t>
             </a:fld>
             <a:endParaRPr lang="ko-KR" altLang="en-US"/>
           </a:p>
@@ -35383,7 +35723,7 @@
           <p:cNvPr id="7" name="내용 개체 틀 2">
             <a:extLst>
               <a:ext uri="{FF2B5EF4-FFF2-40B4-BE49-F238E27FC236}">
-                <a16:creationId xmlns="" xmlns:a16="http://schemas.microsoft.com/office/drawing/2014/main" id="{98AF3A4E-7D90-4241-89FE-799D6F9D5A94}"/>
+                <a16:creationId xmlns:a16="http://schemas.microsoft.com/office/drawing/2014/main" id="{98AF3A4E-7D90-4241-89FE-799D6F9D5A94}"/>
               </a:ext>
             </a:extLst>
           </p:cNvPr>
@@ -35706,7 +36046,7 @@
 </p:sld>
 </file>
 
-<file path=ppt/slides/slide66.xml><?xml version="1.0" encoding="utf-8"?>
+<file path=ppt/slides/slide67.xml><?xml version="1.0" encoding="utf-8"?>
 <p:sld xmlns:a="http://schemas.openxmlformats.org/drawingml/2006/main" xmlns:r="http://schemas.openxmlformats.org/officeDocument/2006/relationships" xmlns:p="http://schemas.openxmlformats.org/presentationml/2006/main">
   <p:cSld>
     <p:spTree>
@@ -35780,7 +36120,7 @@
           <a:p>
             <a:fld id="{1BDE3FE7-3AEA-4B05-AC5A-802D1816ACF0}" type="slidenum">
               <a:rPr lang="ko-KR" altLang="en-US" smtClean="0"/>
-              <a:t>66</a:t>
+              <a:t>67</a:t>
             </a:fld>
             <a:endParaRPr lang="ko-KR" altLang="en-US"/>
           </a:p>
@@ -35791,7 +36131,7 @@
           <p:cNvPr id="7" name="내용 개체 틀 2">
             <a:extLst>
               <a:ext uri="{FF2B5EF4-FFF2-40B4-BE49-F238E27FC236}">
-                <a16:creationId xmlns="" xmlns:a16="http://schemas.microsoft.com/office/drawing/2014/main" id="{98AF3A4E-7D90-4241-89FE-799D6F9D5A94}"/>
+                <a16:creationId xmlns:a16="http://schemas.microsoft.com/office/drawing/2014/main" id="{98AF3A4E-7D90-4241-89FE-799D6F9D5A94}"/>
               </a:ext>
             </a:extLst>
           </p:cNvPr>
@@ -36151,7 +36491,7 @@
 </p:sld>
 </file>
 
-<file path=ppt/slides/slide67.xml><?xml version="1.0" encoding="utf-8"?>
+<file path=ppt/slides/slide68.xml><?xml version="1.0" encoding="utf-8"?>
 <p:sld xmlns:a="http://schemas.openxmlformats.org/drawingml/2006/main" xmlns:r="http://schemas.openxmlformats.org/officeDocument/2006/relationships" xmlns:p="http://schemas.openxmlformats.org/presentationml/2006/main">
   <p:cSld>
     <p:spTree>
@@ -36173,7 +36513,7 @@
           <p:cNvPr id="5" name="TextBox 4">
             <a:extLst>
               <a:ext uri="{FF2B5EF4-FFF2-40B4-BE49-F238E27FC236}">
-                <a16:creationId xmlns="" xmlns:a16="http://schemas.microsoft.com/office/drawing/2014/main" id="{F124E8FA-4336-401A-8FBD-ED93AA11B426}"/>
+                <a16:creationId xmlns:a16="http://schemas.microsoft.com/office/drawing/2014/main" id="{F124E8FA-4336-401A-8FBD-ED93AA11B426}"/>
               </a:ext>
             </a:extLst>
           </p:cNvPr>
@@ -36299,7 +36639,7 @@
           <p:cNvPr id="6" name="표 5">
             <a:extLst>
               <a:ext uri="{FF2B5EF4-FFF2-40B4-BE49-F238E27FC236}">
-                <a16:creationId xmlns="" xmlns:a16="http://schemas.microsoft.com/office/drawing/2014/main" id="{80493445-9426-4210-96CD-8E97F25912BA}"/>
+                <a16:creationId xmlns:a16="http://schemas.microsoft.com/office/drawing/2014/main" id="{80493445-9426-4210-96CD-8E97F25912BA}"/>
               </a:ext>
             </a:extLst>
           </p:cNvPr>
@@ -36328,14 +36668,14 @@
                 <a:gridCol w="1232617">
                   <a:extLst>
                     <a:ext uri="{9D8B030D-6E8A-4147-A177-3AD203B41FA5}">
-                      <a16:colId xmlns="" xmlns:a16="http://schemas.microsoft.com/office/drawing/2014/main" val="1302133471"/>
+                      <a16:colId xmlns:a16="http://schemas.microsoft.com/office/drawing/2014/main" val="1302133471"/>
                     </a:ext>
                   </a:extLst>
                 </a:gridCol>
                 <a:gridCol w="4380745">
                   <a:extLst>
                     <a:ext uri="{9D8B030D-6E8A-4147-A177-3AD203B41FA5}">
-                      <a16:colId xmlns="" xmlns:a16="http://schemas.microsoft.com/office/drawing/2014/main" val="3478021724"/>
+                      <a16:colId xmlns:a16="http://schemas.microsoft.com/office/drawing/2014/main" val="3478021724"/>
                     </a:ext>
                   </a:extLst>
                 </a:gridCol>
@@ -36386,7 +36726,7 @@
                 </a:tc>
                 <a:extLst>
                   <a:ext uri="{0D108BD9-81ED-4DB2-BD59-A6C34878D82A}">
-                    <a16:rowId xmlns="" xmlns:a16="http://schemas.microsoft.com/office/drawing/2014/main" val="4215197872"/>
+                    <a16:rowId xmlns:a16="http://schemas.microsoft.com/office/drawing/2014/main" val="4215197872"/>
                   </a:ext>
                 </a:extLst>
               </a:tr>
@@ -36399,11 +36739,7 @@
                       <a:pPr latinLnBrk="1"/>
                       <a:r>
                         <a:rPr lang="en-US" altLang="ko-KR" sz="1800" dirty="0" smtClean="0"/>
-                        <a:t> offer</a:t>
-                      </a:r>
-                      <a:r>
-                        <a:rPr lang="en-US" altLang="ko-KR" sz="1800" dirty="0" smtClean="0"/>
-                        <a:t>()</a:t>
+                        <a:t> offer()</a:t>
                       </a:r>
                       <a:endParaRPr lang="ko-KR" altLang="en-US" sz="1800" dirty="0"/>
                     </a:p>
@@ -36439,7 +36775,7 @@
                 </a:tc>
                 <a:extLst>
                   <a:ext uri="{0D108BD9-81ED-4DB2-BD59-A6C34878D82A}">
-                    <a16:rowId xmlns="" xmlns:a16="http://schemas.microsoft.com/office/drawing/2014/main" val="1488436910"/>
+                    <a16:rowId xmlns:a16="http://schemas.microsoft.com/office/drawing/2014/main" val="1488436910"/>
                   </a:ext>
                 </a:extLst>
               </a:tr>
@@ -36452,11 +36788,7 @@
                       <a:pPr latinLnBrk="1"/>
                       <a:r>
                         <a:rPr lang="en-US" altLang="ko-KR" sz="1800" dirty="0" smtClean="0"/>
-                        <a:t> poll</a:t>
-                      </a:r>
-                      <a:r>
-                        <a:rPr lang="en-US" altLang="ko-KR" sz="1800" dirty="0" smtClean="0"/>
-                        <a:t>()</a:t>
+                        <a:t> poll()</a:t>
                       </a:r>
                       <a:endParaRPr lang="ko-KR" altLang="en-US" sz="1800" dirty="0"/>
                     </a:p>
@@ -36492,7 +36824,7 @@
                 </a:tc>
                 <a:extLst>
                   <a:ext uri="{0D108BD9-81ED-4DB2-BD59-A6C34878D82A}">
-                    <a16:rowId xmlns="" xmlns:a16="http://schemas.microsoft.com/office/drawing/2014/main" val="631478700"/>
+                    <a16:rowId xmlns:a16="http://schemas.microsoft.com/office/drawing/2014/main" val="631478700"/>
                   </a:ext>
                 </a:extLst>
               </a:tr>
@@ -36539,6 +36871,11 @@
                   </a:txBody>
                   <a:tcPr marL="74295" marR="74295" marT="37148" marB="37148" anchor="ctr"/>
                 </a:tc>
+                <a:extLst>
+                  <a:ext uri="{0D108BD9-81ED-4DB2-BD59-A6C34878D82A}">
+                    <a16:rowId xmlns:a16="http://schemas.microsoft.com/office/drawing/2014/main" val="10003"/>
+                  </a:ext>
+                </a:extLst>
               </a:tr>
             </a:tbl>
           </a:graphicData>
@@ -36563,7 +36900,7 @@
             <p:cNvPr id="15" name="TextBox 14">
               <a:extLst>
                 <a:ext uri="{FF2B5EF4-FFF2-40B4-BE49-F238E27FC236}">
-                  <a16:creationId xmlns="" xmlns:a16="http://schemas.microsoft.com/office/drawing/2014/main" id="{21610F33-56A9-42DE-ACFD-4AB5FCB19386}"/>
+                  <a16:creationId xmlns:a16="http://schemas.microsoft.com/office/drawing/2014/main" id="{21610F33-56A9-42DE-ACFD-4AB5FCB19386}"/>
                 </a:ext>
               </a:extLst>
             </p:cNvPr>
@@ -36604,7 +36941,7 @@
             <p:cNvPr id="18" name="TextBox 17">
               <a:extLst>
                 <a:ext uri="{FF2B5EF4-FFF2-40B4-BE49-F238E27FC236}">
-                  <a16:creationId xmlns="" xmlns:a16="http://schemas.microsoft.com/office/drawing/2014/main" id="{3C22B9D6-D476-438E-A7F5-0DB3E867D1A0}"/>
+                  <a16:creationId xmlns:a16="http://schemas.microsoft.com/office/drawing/2014/main" id="{3C22B9D6-D476-438E-A7F5-0DB3E867D1A0}"/>
                 </a:ext>
               </a:extLst>
             </p:cNvPr>
@@ -36649,7 +36986,7 @@
             <p:cNvPr id="21" name="직선 연결선 20">
               <a:extLst>
                 <a:ext uri="{FF2B5EF4-FFF2-40B4-BE49-F238E27FC236}">
-                  <a16:creationId xmlns="" xmlns:a16="http://schemas.microsoft.com/office/drawing/2014/main" id="{B6C9F632-B06E-4CD9-87DA-16BCCA2D6DE9}"/>
+                  <a16:creationId xmlns:a16="http://schemas.microsoft.com/office/drawing/2014/main" id="{B6C9F632-B06E-4CD9-87DA-16BCCA2D6DE9}"/>
                 </a:ext>
               </a:extLst>
             </p:cNvPr>
@@ -36692,7 +37029,7 @@
             <p:cNvPr id="23" name="직선 연결선 22">
               <a:extLst>
                 <a:ext uri="{FF2B5EF4-FFF2-40B4-BE49-F238E27FC236}">
-                  <a16:creationId xmlns="" xmlns:a16="http://schemas.microsoft.com/office/drawing/2014/main" id="{1945FA2E-D57D-431F-BE55-4B6FB505452B}"/>
+                  <a16:creationId xmlns:a16="http://schemas.microsoft.com/office/drawing/2014/main" id="{1945FA2E-D57D-431F-BE55-4B6FB505452B}"/>
                 </a:ext>
               </a:extLst>
             </p:cNvPr>
@@ -36735,7 +37072,7 @@
             <p:cNvPr id="24" name="타원 23">
               <a:extLst>
                 <a:ext uri="{FF2B5EF4-FFF2-40B4-BE49-F238E27FC236}">
-                  <a16:creationId xmlns="" xmlns:a16="http://schemas.microsoft.com/office/drawing/2014/main" id="{DFCAFF74-E451-4A10-A383-E560BCD0DB34}"/>
+                  <a16:creationId xmlns:a16="http://schemas.microsoft.com/office/drawing/2014/main" id="{DFCAFF74-E451-4A10-A383-E560BCD0DB34}"/>
                 </a:ext>
               </a:extLst>
             </p:cNvPr>
@@ -36783,7 +37120,7 @@
             <p:cNvPr id="25" name="타원 24">
               <a:extLst>
                 <a:ext uri="{FF2B5EF4-FFF2-40B4-BE49-F238E27FC236}">
-                  <a16:creationId xmlns="" xmlns:a16="http://schemas.microsoft.com/office/drawing/2014/main" id="{DA620BAF-D88D-4D89-A47E-D61A1126B7AE}"/>
+                  <a16:creationId xmlns:a16="http://schemas.microsoft.com/office/drawing/2014/main" id="{DA620BAF-D88D-4D89-A47E-D61A1126B7AE}"/>
                 </a:ext>
               </a:extLst>
             </p:cNvPr>
@@ -36831,7 +37168,7 @@
             <p:cNvPr id="26" name="타원 25">
               <a:extLst>
                 <a:ext uri="{FF2B5EF4-FFF2-40B4-BE49-F238E27FC236}">
-                  <a16:creationId xmlns="" xmlns:a16="http://schemas.microsoft.com/office/drawing/2014/main" id="{0536BE4C-35E2-4052-980E-31E7EE48CAF3}"/>
+                  <a16:creationId xmlns:a16="http://schemas.microsoft.com/office/drawing/2014/main" id="{0536BE4C-35E2-4052-980E-31E7EE48CAF3}"/>
                 </a:ext>
               </a:extLst>
             </p:cNvPr>
@@ -36879,7 +37216,7 @@
             <p:cNvPr id="27" name="직선 화살표 연결선 26">
               <a:extLst>
                 <a:ext uri="{FF2B5EF4-FFF2-40B4-BE49-F238E27FC236}">
-                  <a16:creationId xmlns="" xmlns:a16="http://schemas.microsoft.com/office/drawing/2014/main" id="{4ED855F3-7620-4BE8-B841-D36796B5A87B}"/>
+                  <a16:creationId xmlns:a16="http://schemas.microsoft.com/office/drawing/2014/main" id="{4ED855F3-7620-4BE8-B841-D36796B5A87B}"/>
                 </a:ext>
               </a:extLst>
             </p:cNvPr>
@@ -36923,7 +37260,7 @@
             <p:cNvPr id="28" name="TextBox 27">
               <a:extLst>
                 <a:ext uri="{FF2B5EF4-FFF2-40B4-BE49-F238E27FC236}">
-                  <a16:creationId xmlns="" xmlns:a16="http://schemas.microsoft.com/office/drawing/2014/main" id="{DFFF0C83-B246-4BAC-B847-EA82D76532B7}"/>
+                  <a16:creationId xmlns:a16="http://schemas.microsoft.com/office/drawing/2014/main" id="{DFFF0C83-B246-4BAC-B847-EA82D76532B7}"/>
                 </a:ext>
               </a:extLst>
             </p:cNvPr>
@@ -36964,7 +37301,7 @@
             <p:cNvPr id="29" name="TextBox 28">
               <a:extLst>
                 <a:ext uri="{FF2B5EF4-FFF2-40B4-BE49-F238E27FC236}">
-                  <a16:creationId xmlns="" xmlns:a16="http://schemas.microsoft.com/office/drawing/2014/main" id="{AC1F575A-D26A-4807-9A30-0631396A4DA8}"/>
+                  <a16:creationId xmlns:a16="http://schemas.microsoft.com/office/drawing/2014/main" id="{AC1F575A-D26A-4807-9A30-0631396A4DA8}"/>
                 </a:ext>
               </a:extLst>
             </p:cNvPr>
@@ -37009,7 +37346,7 @@
             <p:cNvPr id="30" name="직선 화살표 연결선 29">
               <a:extLst>
                 <a:ext uri="{FF2B5EF4-FFF2-40B4-BE49-F238E27FC236}">
-                  <a16:creationId xmlns="" xmlns:a16="http://schemas.microsoft.com/office/drawing/2014/main" id="{C5100326-1992-4CBD-932F-DAAFC7C45470}"/>
+                  <a16:creationId xmlns:a16="http://schemas.microsoft.com/office/drawing/2014/main" id="{C5100326-1992-4CBD-932F-DAAFC7C45470}"/>
                 </a:ext>
               </a:extLst>
             </p:cNvPr>
@@ -37053,7 +37390,7 @@
             <p:cNvPr id="31" name="TextBox 30">
               <a:extLst>
                 <a:ext uri="{FF2B5EF4-FFF2-40B4-BE49-F238E27FC236}">
-                  <a16:creationId xmlns="" xmlns:a16="http://schemas.microsoft.com/office/drawing/2014/main" id="{45F4228E-0294-4E11-A5CA-B9F1EC49D343}"/>
+                  <a16:creationId xmlns:a16="http://schemas.microsoft.com/office/drawing/2014/main" id="{45F4228E-0294-4E11-A5CA-B9F1EC49D343}"/>
                 </a:ext>
               </a:extLst>
             </p:cNvPr>
@@ -37207,7 +37544,7 @@
 </p:sld>
 </file>
 
-<file path=ppt/slides/slide68.xml><?xml version="1.0" encoding="utf-8"?>
+<file path=ppt/slides/slide69.xml><?xml version="1.0" encoding="utf-8"?>
 <p:sld xmlns:a="http://schemas.openxmlformats.org/drawingml/2006/main" xmlns:r="http://schemas.openxmlformats.org/officeDocument/2006/relationships" xmlns:p="http://schemas.openxmlformats.org/presentationml/2006/main">
   <p:cSld>
     <p:spTree>
@@ -37229,7 +37566,7 @@
           <p:cNvPr id="17" name="TextBox 16">
             <a:extLst>
               <a:ext uri="{FF2B5EF4-FFF2-40B4-BE49-F238E27FC236}">
-                <a16:creationId xmlns="" xmlns:a16="http://schemas.microsoft.com/office/drawing/2014/main" id="{5DD81B33-3C10-4B58-9ACC-5628B021DE57}"/>
+                <a16:creationId xmlns:a16="http://schemas.microsoft.com/office/drawing/2014/main" id="{5DD81B33-3C10-4B58-9ACC-5628B021DE57}"/>
               </a:ext>
             </a:extLst>
           </p:cNvPr>
@@ -37445,7 +37782,402 @@
 </p:sld>
 </file>
 
-<file path=ppt/slides/slide69.xml><?xml version="1.0" encoding="utf-8"?>
+<file path=ppt/slides/slide7.xml><?xml version="1.0" encoding="utf-8"?>
+<p:sld xmlns:a="http://schemas.openxmlformats.org/drawingml/2006/main" xmlns:r="http://schemas.openxmlformats.org/officeDocument/2006/relationships" xmlns:p="http://schemas.openxmlformats.org/presentationml/2006/main">
+  <p:cSld>
+    <p:spTree>
+      <p:nvGrpSpPr>
+        <p:cNvPr id="1" name=""/>
+        <p:cNvGrpSpPr/>
+        <p:nvPr/>
+      </p:nvGrpSpPr>
+      <p:grpSpPr>
+        <a:xfrm>
+          <a:off x="0" y="0"/>
+          <a:ext cx="0" cy="0"/>
+          <a:chOff x="0" y="0"/>
+          <a:chExt cx="0" cy="0"/>
+        </a:xfrm>
+      </p:grpSpPr>
+      <p:sp>
+        <p:nvSpPr>
+          <p:cNvPr id="6" name="제목 5"/>
+          <p:cNvSpPr>
+            <a:spLocks noGrp="1"/>
+          </p:cNvSpPr>
+          <p:nvPr>
+            <p:ph type="title"/>
+          </p:nvPr>
+        </p:nvSpPr>
+        <p:spPr/>
+        <p:txBody>
+          <a:bodyPr/>
+          <a:lstStyle/>
+          <a:p>
+            <a:r>
+              <a:rPr lang="en-US" altLang="ko-KR" dirty="0" smtClean="0"/>
+              <a:t> </a:t>
+            </a:r>
+            <a:r>
+              <a:rPr lang="ko-KR" altLang="en-US" dirty="0" err="1" smtClean="0"/>
+              <a:t>제네릭</a:t>
+            </a:r>
+            <a:r>
+              <a:rPr lang="en-US" altLang="ko-KR" dirty="0" smtClean="0"/>
+              <a:t>(Generic)</a:t>
+            </a:r>
+            <a:endParaRPr lang="ko-KR" altLang="en-US" dirty="0"/>
+          </a:p>
+        </p:txBody>
+      </p:sp>
+      <p:sp>
+        <p:nvSpPr>
+          <p:cNvPr id="5" name="슬라이드 번호 개체 틀 4"/>
+          <p:cNvSpPr>
+            <a:spLocks noGrp="1"/>
+          </p:cNvSpPr>
+          <p:nvPr>
+            <p:ph type="sldNum" sz="quarter" idx="12"/>
+          </p:nvPr>
+        </p:nvSpPr>
+        <p:spPr>
+          <a:xfrm>
+            <a:off x="8853433" y="7312347"/>
+            <a:ext cx="557267" cy="365125"/>
+          </a:xfrm>
+        </p:spPr>
+        <p:txBody>
+          <a:bodyPr/>
+          <a:lstStyle/>
+          <a:p>
+            <a:fld id="{1BDE3FE7-3AEA-4B05-AC5A-802D1816ACF0}" type="slidenum">
+              <a:rPr lang="ko-KR" altLang="en-US" smtClean="0"/>
+              <a:t>7</a:t>
+            </a:fld>
+            <a:endParaRPr lang="ko-KR" altLang="en-US"/>
+          </a:p>
+        </p:txBody>
+      </p:sp>
+      <p:sp>
+        <p:nvSpPr>
+          <p:cNvPr id="10" name="내용 개체 틀 2">
+            <a:extLst>
+              <a:ext uri="{FF2B5EF4-FFF2-40B4-BE49-F238E27FC236}">
+                <a16:creationId xmlns:a16="http://schemas.microsoft.com/office/drawing/2014/main" id="{98AF3A4E-7D90-4241-89FE-799D6F9D5A94}"/>
+              </a:ext>
+            </a:extLst>
+          </p:cNvPr>
+          <p:cNvSpPr txBox="1">
+            <a:spLocks/>
+          </p:cNvSpPr>
+          <p:nvPr/>
+        </p:nvSpPr>
+        <p:spPr>
+          <a:xfrm>
+            <a:off x="582753" y="980728"/>
+            <a:ext cx="5018319" cy="521566"/>
+          </a:xfrm>
+          <a:prstGeom prst="rect">
+            <a:avLst/>
+          </a:prstGeom>
+        </p:spPr>
+        <p:txBody>
+          <a:bodyPr/>
+          <a:lstStyle>
+            <a:lvl1pPr marL="228600" indent="-228600" algn="l" defTabSz="914400" rtl="0" eaLnBrk="1" latinLnBrk="1" hangingPunct="1">
+              <a:lnSpc>
+                <a:spcPct val="90000"/>
+              </a:lnSpc>
+              <a:spcBef>
+                <a:spcPts val="1000"/>
+              </a:spcBef>
+              <a:buFont typeface="Arial" panose="020B0604020202020204" pitchFamily="34" charset="0"/>
+              <a:buChar char="•"/>
+              <a:defRPr sz="2800" kern="1200">
+                <a:solidFill>
+                  <a:schemeClr val="tx1"/>
+                </a:solidFill>
+                <a:latin typeface="+mn-lt"/>
+                <a:ea typeface="+mn-ea"/>
+                <a:cs typeface="+mn-cs"/>
+              </a:defRPr>
+            </a:lvl1pPr>
+            <a:lvl2pPr marL="685800" indent="-228600" algn="l" defTabSz="914400" rtl="0" eaLnBrk="1" latinLnBrk="1" hangingPunct="1">
+              <a:lnSpc>
+                <a:spcPct val="90000"/>
+              </a:lnSpc>
+              <a:spcBef>
+                <a:spcPts val="500"/>
+              </a:spcBef>
+              <a:buFont typeface="Arial" panose="020B0604020202020204" pitchFamily="34" charset="0"/>
+              <a:buChar char="•"/>
+              <a:defRPr sz="2400" kern="1200">
+                <a:solidFill>
+                  <a:schemeClr val="tx1"/>
+                </a:solidFill>
+                <a:latin typeface="+mn-lt"/>
+                <a:ea typeface="+mn-ea"/>
+                <a:cs typeface="+mn-cs"/>
+              </a:defRPr>
+            </a:lvl2pPr>
+            <a:lvl3pPr marL="1143000" indent="-228600" algn="l" defTabSz="914400" rtl="0" eaLnBrk="1" latinLnBrk="1" hangingPunct="1">
+              <a:lnSpc>
+                <a:spcPct val="90000"/>
+              </a:lnSpc>
+              <a:spcBef>
+                <a:spcPts val="500"/>
+              </a:spcBef>
+              <a:buFont typeface="Arial" panose="020B0604020202020204" pitchFamily="34" charset="0"/>
+              <a:buChar char="•"/>
+              <a:defRPr sz="2000" kern="1200">
+                <a:solidFill>
+                  <a:schemeClr val="tx1"/>
+                </a:solidFill>
+                <a:latin typeface="+mn-lt"/>
+                <a:ea typeface="+mn-ea"/>
+                <a:cs typeface="+mn-cs"/>
+              </a:defRPr>
+            </a:lvl3pPr>
+            <a:lvl4pPr marL="1600200" indent="-228600" algn="l" defTabSz="914400" rtl="0" eaLnBrk="1" latinLnBrk="1" hangingPunct="1">
+              <a:lnSpc>
+                <a:spcPct val="90000"/>
+              </a:lnSpc>
+              <a:spcBef>
+                <a:spcPts val="500"/>
+              </a:spcBef>
+              <a:buFont typeface="Arial" panose="020B0604020202020204" pitchFamily="34" charset="0"/>
+              <a:buChar char="•"/>
+              <a:defRPr sz="1800" kern="1200">
+                <a:solidFill>
+                  <a:schemeClr val="tx1"/>
+                </a:solidFill>
+                <a:latin typeface="+mn-lt"/>
+                <a:ea typeface="+mn-ea"/>
+                <a:cs typeface="+mn-cs"/>
+              </a:defRPr>
+            </a:lvl4pPr>
+            <a:lvl5pPr marL="2057400" indent="-228600" algn="l" defTabSz="914400" rtl="0" eaLnBrk="1" latinLnBrk="1" hangingPunct="1">
+              <a:lnSpc>
+                <a:spcPct val="90000"/>
+              </a:lnSpc>
+              <a:spcBef>
+                <a:spcPts val="500"/>
+              </a:spcBef>
+              <a:buFont typeface="Arial" panose="020B0604020202020204" pitchFamily="34" charset="0"/>
+              <a:buChar char="•"/>
+              <a:defRPr sz="1800" kern="1200">
+                <a:solidFill>
+                  <a:schemeClr val="tx1"/>
+                </a:solidFill>
+                <a:latin typeface="+mn-lt"/>
+                <a:ea typeface="+mn-ea"/>
+                <a:cs typeface="+mn-cs"/>
+              </a:defRPr>
+            </a:lvl5pPr>
+            <a:lvl6pPr marL="2514600" indent="-228600" algn="l" defTabSz="914400" rtl="0" eaLnBrk="1" latinLnBrk="1" hangingPunct="1">
+              <a:lnSpc>
+                <a:spcPct val="90000"/>
+              </a:lnSpc>
+              <a:spcBef>
+                <a:spcPts val="500"/>
+              </a:spcBef>
+              <a:buFont typeface="Arial" panose="020B0604020202020204" pitchFamily="34" charset="0"/>
+              <a:buChar char="•"/>
+              <a:defRPr sz="1800" kern="1200">
+                <a:solidFill>
+                  <a:schemeClr val="tx1"/>
+                </a:solidFill>
+                <a:latin typeface="+mn-lt"/>
+                <a:ea typeface="+mn-ea"/>
+                <a:cs typeface="+mn-cs"/>
+              </a:defRPr>
+            </a:lvl6pPr>
+            <a:lvl7pPr marL="2971800" indent="-228600" algn="l" defTabSz="914400" rtl="0" eaLnBrk="1" latinLnBrk="1" hangingPunct="1">
+              <a:lnSpc>
+                <a:spcPct val="90000"/>
+              </a:lnSpc>
+              <a:spcBef>
+                <a:spcPts val="500"/>
+              </a:spcBef>
+              <a:buFont typeface="Arial" panose="020B0604020202020204" pitchFamily="34" charset="0"/>
+              <a:buChar char="•"/>
+              <a:defRPr sz="1800" kern="1200">
+                <a:solidFill>
+                  <a:schemeClr val="tx1"/>
+                </a:solidFill>
+                <a:latin typeface="+mn-lt"/>
+                <a:ea typeface="+mn-ea"/>
+                <a:cs typeface="+mn-cs"/>
+              </a:defRPr>
+            </a:lvl7pPr>
+            <a:lvl8pPr marL="3429000" indent="-228600" algn="l" defTabSz="914400" rtl="0" eaLnBrk="1" latinLnBrk="1" hangingPunct="1">
+              <a:lnSpc>
+                <a:spcPct val="90000"/>
+              </a:lnSpc>
+              <a:spcBef>
+                <a:spcPts val="500"/>
+              </a:spcBef>
+              <a:buFont typeface="Arial" panose="020B0604020202020204" pitchFamily="34" charset="0"/>
+              <a:buChar char="•"/>
+              <a:defRPr sz="1800" kern="1200">
+                <a:solidFill>
+                  <a:schemeClr val="tx1"/>
+                </a:solidFill>
+                <a:latin typeface="+mn-lt"/>
+                <a:ea typeface="+mn-ea"/>
+                <a:cs typeface="+mn-cs"/>
+              </a:defRPr>
+            </a:lvl8pPr>
+            <a:lvl9pPr marL="3886200" indent="-228600" algn="l" defTabSz="914400" rtl="0" eaLnBrk="1" latinLnBrk="1" hangingPunct="1">
+              <a:lnSpc>
+                <a:spcPct val="90000"/>
+              </a:lnSpc>
+              <a:spcBef>
+                <a:spcPts val="500"/>
+              </a:spcBef>
+              <a:buFont typeface="Arial" panose="020B0604020202020204" pitchFamily="34" charset="0"/>
+              <a:buChar char="•"/>
+              <a:defRPr sz="1800" kern="1200">
+                <a:solidFill>
+                  <a:schemeClr val="tx1"/>
+                </a:solidFill>
+                <a:latin typeface="+mn-lt"/>
+                <a:ea typeface="+mn-ea"/>
+                <a:cs typeface="+mn-cs"/>
+              </a:defRPr>
+            </a:lvl9pPr>
+          </a:lstStyle>
+          <a:p>
+            <a:pPr marL="0" indent="0">
+              <a:lnSpc>
+                <a:spcPct val="150000"/>
+              </a:lnSpc>
+              <a:buNone/>
+            </a:pPr>
+            <a:r>
+              <a:rPr lang="ko-KR" altLang="en-US" sz="2000" b="1" dirty="0" smtClean="0">
+                <a:solidFill>
+                  <a:srgbClr val="C00000"/>
+                </a:solidFill>
+              </a:rPr>
+              <a:t>  </a:t>
+            </a:r>
+            <a:r>
+              <a:rPr lang="ko-KR" altLang="en-US" sz="2000" b="1" dirty="0" err="1" smtClean="0">
+                <a:solidFill>
+                  <a:srgbClr val="C00000"/>
+                </a:solidFill>
+              </a:rPr>
+              <a:t>제네릭</a:t>
+            </a:r>
+            <a:r>
+              <a:rPr lang="ko-KR" altLang="en-US" sz="2000" b="1" dirty="0" smtClean="0">
+                <a:solidFill>
+                  <a:srgbClr val="C00000"/>
+                </a:solidFill>
+              </a:rPr>
+              <a:t> 프로그래밍 </a:t>
+            </a:r>
+            <a:r>
+              <a:rPr lang="en-US" altLang="ko-KR" sz="2000" b="1" dirty="0" smtClean="0">
+                <a:solidFill>
+                  <a:srgbClr val="C00000"/>
+                </a:solidFill>
+              </a:rPr>
+              <a:t>– 3D </a:t>
+            </a:r>
+            <a:r>
+              <a:rPr lang="ko-KR" altLang="en-US" sz="2000" b="1" dirty="0" smtClean="0">
+                <a:solidFill>
+                  <a:srgbClr val="C00000"/>
+                </a:solidFill>
+              </a:rPr>
+              <a:t>프린터 예제</a:t>
+            </a:r>
+            <a:r>
+              <a:rPr lang="en-US" altLang="ko-KR" sz="2000" b="1" dirty="0" smtClean="0">
+                <a:solidFill>
+                  <a:srgbClr val="C00000"/>
+                </a:solidFill>
+              </a:rPr>
+              <a:t>.</a:t>
+            </a:r>
+            <a:endParaRPr lang="en-US" altLang="ko-KR" sz="1600" b="1" dirty="0" smtClean="0"/>
+          </a:p>
+          <a:p>
+            <a:pPr marL="457200" lvl="1" indent="0">
+              <a:lnSpc>
+                <a:spcPct val="150000"/>
+              </a:lnSpc>
+              <a:buNone/>
+            </a:pPr>
+            <a:endParaRPr lang="en-US" altLang="ko-KR" sz="1200" b="1" dirty="0" smtClean="0">
+              <a:solidFill>
+                <a:srgbClr val="002060"/>
+              </a:solidFill>
+            </a:endParaRPr>
+          </a:p>
+        </p:txBody>
+      </p:sp>
+      <p:pic>
+        <p:nvPicPr>
+          <p:cNvPr id="2" name="그림 1"/>
+          <p:cNvPicPr>
+            <a:picLocks noChangeAspect="1"/>
+          </p:cNvPicPr>
+          <p:nvPr/>
+        </p:nvPicPr>
+        <p:blipFill>
+          <a:blip r:embed="rId2">
+            <a:extLst>
+              <a:ext uri="{28A0092B-C50C-407E-A947-70E740481C1C}">
+                <a14:useLocalDpi xmlns:a14="http://schemas.microsoft.com/office/drawing/2010/main" val="0"/>
+              </a:ext>
+            </a:extLst>
+          </a:blip>
+          <a:stretch>
+            <a:fillRect/>
+          </a:stretch>
+        </p:blipFill>
+        <p:spPr>
+          <a:xfrm>
+            <a:off x="1712640" y="1628800"/>
+            <a:ext cx="4592805" cy="3888432"/>
+          </a:xfrm>
+          <a:prstGeom prst="rect">
+            <a:avLst/>
+          </a:prstGeom>
+          <a:ln>
+            <a:solidFill>
+              <a:schemeClr val="accent5">
+                <a:lumMod val="40000"/>
+                <a:lumOff val="60000"/>
+              </a:schemeClr>
+            </a:solidFill>
+          </a:ln>
+        </p:spPr>
+      </p:pic>
+    </p:spTree>
+    <p:extLst>
+      <p:ext uri="{BB962C8B-B14F-4D97-AF65-F5344CB8AC3E}">
+        <p14:creationId xmlns:p14="http://schemas.microsoft.com/office/powerpoint/2010/main" val="3930791686"/>
+      </p:ext>
+    </p:extLst>
+  </p:cSld>
+  <p:clrMapOvr>
+    <a:masterClrMapping/>
+  </p:clrMapOvr>
+  <p:timing>
+    <p:tnLst>
+      <p:par>
+        <p:cTn id="1" dur="indefinite" restart="never" nodeType="tmRoot"/>
+      </p:par>
+    </p:tnLst>
+  </p:timing>
+</p:sld>
+</file>
+
+<file path=ppt/slides/slide70.xml><?xml version="1.0" encoding="utf-8"?>
 <p:sld xmlns:a="http://schemas.openxmlformats.org/drawingml/2006/main" xmlns:r="http://schemas.openxmlformats.org/officeDocument/2006/relationships" xmlns:p="http://schemas.openxmlformats.org/presentationml/2006/main">
   <p:cSld>
     <p:spTree>
@@ -37789,7 +38521,7 @@
 </p:sld>
 </file>
 
-<file path=ppt/slides/slide7.xml><?xml version="1.0" encoding="utf-8"?>
+<file path=ppt/slides/slide71.xml><?xml version="1.0" encoding="utf-8"?>
 <p:sld xmlns:a="http://schemas.openxmlformats.org/drawingml/2006/main" xmlns:r="http://schemas.openxmlformats.org/officeDocument/2006/relationships" xmlns:p="http://schemas.openxmlformats.org/presentationml/2006/main">
   <p:cSld>
     <p:spTree>
@@ -37826,12 +38558,12 @@
               <a:t> </a:t>
             </a:r>
             <a:r>
-              <a:rPr lang="ko-KR" altLang="en-US" dirty="0" err="1" smtClean="0"/>
-              <a:t>제네릭</a:t>
-            </a:r>
-            <a:r>
-              <a:rPr lang="en-US" altLang="ko-KR" dirty="0" smtClean="0"/>
-              <a:t>(Generic)</a:t>
+              <a:rPr lang="ko-KR" altLang="en-US" dirty="0" smtClean="0"/>
+              <a:t>큐</a:t>
+            </a:r>
+            <a:r>
+              <a:rPr lang="en-US" altLang="ko-KR" dirty="0"/>
+              <a:t>(Queue)</a:t>
             </a:r>
             <a:endParaRPr lang="ko-KR" altLang="en-US" dirty="0"/>
           </a:p>
@@ -37859,402 +38591,7 @@
           <a:p>
             <a:fld id="{1BDE3FE7-3AEA-4B05-AC5A-802D1816ACF0}" type="slidenum">
               <a:rPr lang="ko-KR" altLang="en-US" smtClean="0"/>
-              <a:t>7</a:t>
-            </a:fld>
-            <a:endParaRPr lang="ko-KR" altLang="en-US"/>
-          </a:p>
-        </p:txBody>
-      </p:sp>
-      <p:sp>
-        <p:nvSpPr>
-          <p:cNvPr id="10" name="내용 개체 틀 2">
-            <a:extLst>
-              <a:ext uri="{FF2B5EF4-FFF2-40B4-BE49-F238E27FC236}">
-                <a16:creationId xmlns="" xmlns:a16="http://schemas.microsoft.com/office/drawing/2014/main" id="{98AF3A4E-7D90-4241-89FE-799D6F9D5A94}"/>
-              </a:ext>
-            </a:extLst>
-          </p:cNvPr>
-          <p:cNvSpPr txBox="1">
-            <a:spLocks/>
-          </p:cNvSpPr>
-          <p:nvPr/>
-        </p:nvSpPr>
-        <p:spPr>
-          <a:xfrm>
-            <a:off x="582753" y="980728"/>
-            <a:ext cx="5018319" cy="521566"/>
-          </a:xfrm>
-          <a:prstGeom prst="rect">
-            <a:avLst/>
-          </a:prstGeom>
-        </p:spPr>
-        <p:txBody>
-          <a:bodyPr/>
-          <a:lstStyle>
-            <a:lvl1pPr marL="228600" indent="-228600" algn="l" defTabSz="914400" rtl="0" eaLnBrk="1" latinLnBrk="1" hangingPunct="1">
-              <a:lnSpc>
-                <a:spcPct val="90000"/>
-              </a:lnSpc>
-              <a:spcBef>
-                <a:spcPts val="1000"/>
-              </a:spcBef>
-              <a:buFont typeface="Arial" panose="020B0604020202020204" pitchFamily="34" charset="0"/>
-              <a:buChar char="•"/>
-              <a:defRPr sz="2800" kern="1200">
-                <a:solidFill>
-                  <a:schemeClr val="tx1"/>
-                </a:solidFill>
-                <a:latin typeface="+mn-lt"/>
-                <a:ea typeface="+mn-ea"/>
-                <a:cs typeface="+mn-cs"/>
-              </a:defRPr>
-            </a:lvl1pPr>
-            <a:lvl2pPr marL="685800" indent="-228600" algn="l" defTabSz="914400" rtl="0" eaLnBrk="1" latinLnBrk="1" hangingPunct="1">
-              <a:lnSpc>
-                <a:spcPct val="90000"/>
-              </a:lnSpc>
-              <a:spcBef>
-                <a:spcPts val="500"/>
-              </a:spcBef>
-              <a:buFont typeface="Arial" panose="020B0604020202020204" pitchFamily="34" charset="0"/>
-              <a:buChar char="•"/>
-              <a:defRPr sz="2400" kern="1200">
-                <a:solidFill>
-                  <a:schemeClr val="tx1"/>
-                </a:solidFill>
-                <a:latin typeface="+mn-lt"/>
-                <a:ea typeface="+mn-ea"/>
-                <a:cs typeface="+mn-cs"/>
-              </a:defRPr>
-            </a:lvl2pPr>
-            <a:lvl3pPr marL="1143000" indent="-228600" algn="l" defTabSz="914400" rtl="0" eaLnBrk="1" latinLnBrk="1" hangingPunct="1">
-              <a:lnSpc>
-                <a:spcPct val="90000"/>
-              </a:lnSpc>
-              <a:spcBef>
-                <a:spcPts val="500"/>
-              </a:spcBef>
-              <a:buFont typeface="Arial" panose="020B0604020202020204" pitchFamily="34" charset="0"/>
-              <a:buChar char="•"/>
-              <a:defRPr sz="2000" kern="1200">
-                <a:solidFill>
-                  <a:schemeClr val="tx1"/>
-                </a:solidFill>
-                <a:latin typeface="+mn-lt"/>
-                <a:ea typeface="+mn-ea"/>
-                <a:cs typeface="+mn-cs"/>
-              </a:defRPr>
-            </a:lvl3pPr>
-            <a:lvl4pPr marL="1600200" indent="-228600" algn="l" defTabSz="914400" rtl="0" eaLnBrk="1" latinLnBrk="1" hangingPunct="1">
-              <a:lnSpc>
-                <a:spcPct val="90000"/>
-              </a:lnSpc>
-              <a:spcBef>
-                <a:spcPts val="500"/>
-              </a:spcBef>
-              <a:buFont typeface="Arial" panose="020B0604020202020204" pitchFamily="34" charset="0"/>
-              <a:buChar char="•"/>
-              <a:defRPr sz="1800" kern="1200">
-                <a:solidFill>
-                  <a:schemeClr val="tx1"/>
-                </a:solidFill>
-                <a:latin typeface="+mn-lt"/>
-                <a:ea typeface="+mn-ea"/>
-                <a:cs typeface="+mn-cs"/>
-              </a:defRPr>
-            </a:lvl4pPr>
-            <a:lvl5pPr marL="2057400" indent="-228600" algn="l" defTabSz="914400" rtl="0" eaLnBrk="1" latinLnBrk="1" hangingPunct="1">
-              <a:lnSpc>
-                <a:spcPct val="90000"/>
-              </a:lnSpc>
-              <a:spcBef>
-                <a:spcPts val="500"/>
-              </a:spcBef>
-              <a:buFont typeface="Arial" panose="020B0604020202020204" pitchFamily="34" charset="0"/>
-              <a:buChar char="•"/>
-              <a:defRPr sz="1800" kern="1200">
-                <a:solidFill>
-                  <a:schemeClr val="tx1"/>
-                </a:solidFill>
-                <a:latin typeface="+mn-lt"/>
-                <a:ea typeface="+mn-ea"/>
-                <a:cs typeface="+mn-cs"/>
-              </a:defRPr>
-            </a:lvl5pPr>
-            <a:lvl6pPr marL="2514600" indent="-228600" algn="l" defTabSz="914400" rtl="0" eaLnBrk="1" latinLnBrk="1" hangingPunct="1">
-              <a:lnSpc>
-                <a:spcPct val="90000"/>
-              </a:lnSpc>
-              <a:spcBef>
-                <a:spcPts val="500"/>
-              </a:spcBef>
-              <a:buFont typeface="Arial" panose="020B0604020202020204" pitchFamily="34" charset="0"/>
-              <a:buChar char="•"/>
-              <a:defRPr sz="1800" kern="1200">
-                <a:solidFill>
-                  <a:schemeClr val="tx1"/>
-                </a:solidFill>
-                <a:latin typeface="+mn-lt"/>
-                <a:ea typeface="+mn-ea"/>
-                <a:cs typeface="+mn-cs"/>
-              </a:defRPr>
-            </a:lvl6pPr>
-            <a:lvl7pPr marL="2971800" indent="-228600" algn="l" defTabSz="914400" rtl="0" eaLnBrk="1" latinLnBrk="1" hangingPunct="1">
-              <a:lnSpc>
-                <a:spcPct val="90000"/>
-              </a:lnSpc>
-              <a:spcBef>
-                <a:spcPts val="500"/>
-              </a:spcBef>
-              <a:buFont typeface="Arial" panose="020B0604020202020204" pitchFamily="34" charset="0"/>
-              <a:buChar char="•"/>
-              <a:defRPr sz="1800" kern="1200">
-                <a:solidFill>
-                  <a:schemeClr val="tx1"/>
-                </a:solidFill>
-                <a:latin typeface="+mn-lt"/>
-                <a:ea typeface="+mn-ea"/>
-                <a:cs typeface="+mn-cs"/>
-              </a:defRPr>
-            </a:lvl7pPr>
-            <a:lvl8pPr marL="3429000" indent="-228600" algn="l" defTabSz="914400" rtl="0" eaLnBrk="1" latinLnBrk="1" hangingPunct="1">
-              <a:lnSpc>
-                <a:spcPct val="90000"/>
-              </a:lnSpc>
-              <a:spcBef>
-                <a:spcPts val="500"/>
-              </a:spcBef>
-              <a:buFont typeface="Arial" panose="020B0604020202020204" pitchFamily="34" charset="0"/>
-              <a:buChar char="•"/>
-              <a:defRPr sz="1800" kern="1200">
-                <a:solidFill>
-                  <a:schemeClr val="tx1"/>
-                </a:solidFill>
-                <a:latin typeface="+mn-lt"/>
-                <a:ea typeface="+mn-ea"/>
-                <a:cs typeface="+mn-cs"/>
-              </a:defRPr>
-            </a:lvl8pPr>
-            <a:lvl9pPr marL="3886200" indent="-228600" algn="l" defTabSz="914400" rtl="0" eaLnBrk="1" latinLnBrk="1" hangingPunct="1">
-              <a:lnSpc>
-                <a:spcPct val="90000"/>
-              </a:lnSpc>
-              <a:spcBef>
-                <a:spcPts val="500"/>
-              </a:spcBef>
-              <a:buFont typeface="Arial" panose="020B0604020202020204" pitchFamily="34" charset="0"/>
-              <a:buChar char="•"/>
-              <a:defRPr sz="1800" kern="1200">
-                <a:solidFill>
-                  <a:schemeClr val="tx1"/>
-                </a:solidFill>
-                <a:latin typeface="+mn-lt"/>
-                <a:ea typeface="+mn-ea"/>
-                <a:cs typeface="+mn-cs"/>
-              </a:defRPr>
-            </a:lvl9pPr>
-          </a:lstStyle>
-          <a:p>
-            <a:pPr marL="0" indent="0">
-              <a:lnSpc>
-                <a:spcPct val="150000"/>
-              </a:lnSpc>
-              <a:buNone/>
-            </a:pPr>
-            <a:r>
-              <a:rPr lang="ko-KR" altLang="en-US" sz="2000" b="1" dirty="0" smtClean="0">
-                <a:solidFill>
-                  <a:srgbClr val="C00000"/>
-                </a:solidFill>
-              </a:rPr>
-              <a:t>  </a:t>
-            </a:r>
-            <a:r>
-              <a:rPr lang="ko-KR" altLang="en-US" sz="2000" b="1" dirty="0" err="1" smtClean="0">
-                <a:solidFill>
-                  <a:srgbClr val="C00000"/>
-                </a:solidFill>
-              </a:rPr>
-              <a:t>제네릭</a:t>
-            </a:r>
-            <a:r>
-              <a:rPr lang="ko-KR" altLang="en-US" sz="2000" b="1" dirty="0" smtClean="0">
-                <a:solidFill>
-                  <a:srgbClr val="C00000"/>
-                </a:solidFill>
-              </a:rPr>
-              <a:t> 프로그래밍 </a:t>
-            </a:r>
-            <a:r>
-              <a:rPr lang="en-US" altLang="ko-KR" sz="2000" b="1" dirty="0" smtClean="0">
-                <a:solidFill>
-                  <a:srgbClr val="C00000"/>
-                </a:solidFill>
-              </a:rPr>
-              <a:t>– 3D </a:t>
-            </a:r>
-            <a:r>
-              <a:rPr lang="ko-KR" altLang="en-US" sz="2000" b="1" dirty="0" smtClean="0">
-                <a:solidFill>
-                  <a:srgbClr val="C00000"/>
-                </a:solidFill>
-              </a:rPr>
-              <a:t>프린터 예제</a:t>
-            </a:r>
-            <a:r>
-              <a:rPr lang="en-US" altLang="ko-KR" sz="2000" b="1" dirty="0" smtClean="0">
-                <a:solidFill>
-                  <a:srgbClr val="C00000"/>
-                </a:solidFill>
-              </a:rPr>
-              <a:t>.</a:t>
-            </a:r>
-            <a:endParaRPr lang="en-US" altLang="ko-KR" sz="1600" b="1" dirty="0" smtClean="0"/>
-          </a:p>
-          <a:p>
-            <a:pPr marL="457200" lvl="1" indent="0">
-              <a:lnSpc>
-                <a:spcPct val="150000"/>
-              </a:lnSpc>
-              <a:buNone/>
-            </a:pPr>
-            <a:endParaRPr lang="en-US" altLang="ko-KR" sz="1200" b="1" dirty="0" smtClean="0">
-              <a:solidFill>
-                <a:srgbClr val="002060"/>
-              </a:solidFill>
-            </a:endParaRPr>
-          </a:p>
-        </p:txBody>
-      </p:sp>
-      <p:pic>
-        <p:nvPicPr>
-          <p:cNvPr id="2" name="그림 1"/>
-          <p:cNvPicPr>
-            <a:picLocks noChangeAspect="1"/>
-          </p:cNvPicPr>
-          <p:nvPr/>
-        </p:nvPicPr>
-        <p:blipFill>
-          <a:blip r:embed="rId2">
-            <a:extLst>
-              <a:ext uri="{28A0092B-C50C-407E-A947-70E740481C1C}">
-                <a14:useLocalDpi xmlns:a14="http://schemas.microsoft.com/office/drawing/2010/main" val="0"/>
-              </a:ext>
-            </a:extLst>
-          </a:blip>
-          <a:stretch>
-            <a:fillRect/>
-          </a:stretch>
-        </p:blipFill>
-        <p:spPr>
-          <a:xfrm>
-            <a:off x="1712640" y="1628800"/>
-            <a:ext cx="4592805" cy="3888432"/>
-          </a:xfrm>
-          <a:prstGeom prst="rect">
-            <a:avLst/>
-          </a:prstGeom>
-          <a:ln>
-            <a:solidFill>
-              <a:schemeClr val="accent5">
-                <a:lumMod val="40000"/>
-                <a:lumOff val="60000"/>
-              </a:schemeClr>
-            </a:solidFill>
-          </a:ln>
-        </p:spPr>
-      </p:pic>
-    </p:spTree>
-    <p:extLst>
-      <p:ext uri="{BB962C8B-B14F-4D97-AF65-F5344CB8AC3E}">
-        <p14:creationId xmlns:p14="http://schemas.microsoft.com/office/powerpoint/2010/main" val="3930791686"/>
-      </p:ext>
-    </p:extLst>
-  </p:cSld>
-  <p:clrMapOvr>
-    <a:masterClrMapping/>
-  </p:clrMapOvr>
-  <p:timing>
-    <p:tnLst>
-      <p:par>
-        <p:cTn id="1" dur="indefinite" restart="never" nodeType="tmRoot"/>
-      </p:par>
-    </p:tnLst>
-  </p:timing>
-</p:sld>
-</file>
-
-<file path=ppt/slides/slide70.xml><?xml version="1.0" encoding="utf-8"?>
-<p:sld xmlns:a="http://schemas.openxmlformats.org/drawingml/2006/main" xmlns:r="http://schemas.openxmlformats.org/officeDocument/2006/relationships" xmlns:p="http://schemas.openxmlformats.org/presentationml/2006/main">
-  <p:cSld>
-    <p:spTree>
-      <p:nvGrpSpPr>
-        <p:cNvPr id="1" name=""/>
-        <p:cNvGrpSpPr/>
-        <p:nvPr/>
-      </p:nvGrpSpPr>
-      <p:grpSpPr>
-        <a:xfrm>
-          <a:off x="0" y="0"/>
-          <a:ext cx="0" cy="0"/>
-          <a:chOff x="0" y="0"/>
-          <a:chExt cx="0" cy="0"/>
-        </a:xfrm>
-      </p:grpSpPr>
-      <p:sp>
-        <p:nvSpPr>
-          <p:cNvPr id="6" name="제목 5"/>
-          <p:cNvSpPr>
-            <a:spLocks noGrp="1"/>
-          </p:cNvSpPr>
-          <p:nvPr>
-            <p:ph type="title"/>
-          </p:nvPr>
-        </p:nvSpPr>
-        <p:spPr/>
-        <p:txBody>
-          <a:bodyPr/>
-          <a:lstStyle/>
-          <a:p>
-            <a:r>
-              <a:rPr lang="en-US" altLang="ko-KR" dirty="0" smtClean="0"/>
-              <a:t> </a:t>
-            </a:r>
-            <a:r>
-              <a:rPr lang="ko-KR" altLang="en-US" dirty="0" smtClean="0"/>
-              <a:t>큐</a:t>
-            </a:r>
-            <a:r>
-              <a:rPr lang="en-US" altLang="ko-KR" dirty="0"/>
-              <a:t>(Queue)</a:t>
-            </a:r>
-            <a:endParaRPr lang="ko-KR" altLang="en-US" dirty="0"/>
-          </a:p>
-        </p:txBody>
-      </p:sp>
-      <p:sp>
-        <p:nvSpPr>
-          <p:cNvPr id="5" name="슬라이드 번호 개체 틀 4"/>
-          <p:cNvSpPr>
-            <a:spLocks noGrp="1"/>
-          </p:cNvSpPr>
-          <p:nvPr>
-            <p:ph type="sldNum" sz="quarter" idx="12"/>
-          </p:nvPr>
-        </p:nvSpPr>
-        <p:spPr>
-          <a:xfrm>
-            <a:off x="8853433" y="7312347"/>
-            <a:ext cx="557267" cy="365125"/>
-          </a:xfrm>
-        </p:spPr>
-        <p:txBody>
-          <a:bodyPr/>
-          <a:lstStyle/>
-          <a:p>
-            <a:fld id="{1BDE3FE7-3AEA-4B05-AC5A-802D1816ACF0}" type="slidenum">
-              <a:rPr lang="ko-KR" altLang="en-US" smtClean="0"/>
-              <a:t>70</a:t>
+              <a:t>71</a:t>
             </a:fld>
             <a:endParaRPr lang="ko-KR" altLang="en-US"/>
           </a:p>
@@ -38265,7 +38602,7 @@
           <p:cNvPr id="7" name="내용 개체 틀 2">
             <a:extLst>
               <a:ext uri="{FF2B5EF4-FFF2-40B4-BE49-F238E27FC236}">
-                <a16:creationId xmlns="" xmlns:a16="http://schemas.microsoft.com/office/drawing/2014/main" id="{98AF3A4E-7D90-4241-89FE-799D6F9D5A94}"/>
+                <a16:creationId xmlns:a16="http://schemas.microsoft.com/office/drawing/2014/main" id="{98AF3A4E-7D90-4241-89FE-799D6F9D5A94}"/>
               </a:ext>
             </a:extLst>
           </p:cNvPr>
@@ -38612,7 +38949,7 @@
 </p:sld>
 </file>
 
-<file path=ppt/slides/slide71.xml><?xml version="1.0" encoding="utf-8"?>
+<file path=ppt/slides/slide72.xml><?xml version="1.0" encoding="utf-8"?>
 <p:sld xmlns:a="http://schemas.openxmlformats.org/drawingml/2006/main" xmlns:r="http://schemas.openxmlformats.org/officeDocument/2006/relationships" xmlns:p="http://schemas.openxmlformats.org/presentationml/2006/main">
   <p:cSld>
     <p:spTree>
@@ -38682,7 +39019,7 @@
           <a:p>
             <a:fld id="{1BDE3FE7-3AEA-4B05-AC5A-802D1816ACF0}" type="slidenum">
               <a:rPr lang="ko-KR" altLang="en-US" smtClean="0"/>
-              <a:t>71</a:t>
+              <a:t>72</a:t>
             </a:fld>
             <a:endParaRPr lang="ko-KR" altLang="en-US"/>
           </a:p>
@@ -38693,7 +39030,7 @@
           <p:cNvPr id="7" name="내용 개체 틀 2">
             <a:extLst>
               <a:ext uri="{FF2B5EF4-FFF2-40B4-BE49-F238E27FC236}">
-                <a16:creationId xmlns="" xmlns:a16="http://schemas.microsoft.com/office/drawing/2014/main" id="{98AF3A4E-7D90-4241-89FE-799D6F9D5A94}"/>
+                <a16:creationId xmlns:a16="http://schemas.microsoft.com/office/drawing/2014/main" id="{98AF3A4E-7D90-4241-89FE-799D6F9D5A94}"/>
               </a:ext>
             </a:extLst>
           </p:cNvPr>
@@ -39158,7 +39495,7 @@
           <p:cNvPr id="10" name="내용 개체 틀 2">
             <a:extLst>
               <a:ext uri="{FF2B5EF4-FFF2-40B4-BE49-F238E27FC236}">
-                <a16:creationId xmlns="" xmlns:a16="http://schemas.microsoft.com/office/drawing/2014/main" id="{98AF3A4E-7D90-4241-89FE-799D6F9D5A94}"/>
+                <a16:creationId xmlns:a16="http://schemas.microsoft.com/office/drawing/2014/main" id="{98AF3A4E-7D90-4241-89FE-799D6F9D5A94}"/>
               </a:ext>
             </a:extLst>
           </p:cNvPr>
@@ -39591,7 +39928,7 @@
           <p:cNvPr id="10" name="내용 개체 틀 2">
             <a:extLst>
               <a:ext uri="{FF2B5EF4-FFF2-40B4-BE49-F238E27FC236}">
-                <a16:creationId xmlns="" xmlns:a16="http://schemas.microsoft.com/office/drawing/2014/main" id="{98AF3A4E-7D90-4241-89FE-799D6F9D5A94}"/>
+                <a16:creationId xmlns:a16="http://schemas.microsoft.com/office/drawing/2014/main" id="{98AF3A4E-7D90-4241-89FE-799D6F9D5A94}"/>
               </a:ext>
             </a:extLst>
           </p:cNvPr>
